--- a/files/day3_materials/slides_day3.pptx
+++ b/files/day3_materials/slides_day3.pptx
@@ -5,7 +5,7 @@
     <p:sldMasterId id="2147483660" r:id="rId1"/>
   </p:sldMasterIdLst>
   <p:notesMasterIdLst>
-    <p:notesMasterId r:id="rId33"/>
+    <p:notesMasterId r:id="rId18"/>
   </p:notesMasterIdLst>
   <p:sldIdLst>
     <p:sldId id="256" r:id="rId2"/>
@@ -24,21 +24,6 @@
     <p:sldId id="488" r:id="rId15"/>
     <p:sldId id="489" r:id="rId16"/>
     <p:sldId id="490" r:id="rId17"/>
-    <p:sldId id="425" r:id="rId18"/>
-    <p:sldId id="449" r:id="rId19"/>
-    <p:sldId id="400" r:id="rId20"/>
-    <p:sldId id="408" r:id="rId21"/>
-    <p:sldId id="401" r:id="rId22"/>
-    <p:sldId id="402" r:id="rId23"/>
-    <p:sldId id="409" r:id="rId24"/>
-    <p:sldId id="411" r:id="rId25"/>
-    <p:sldId id="416" r:id="rId26"/>
-    <p:sldId id="450" r:id="rId27"/>
-    <p:sldId id="451" r:id="rId28"/>
-    <p:sldId id="405" r:id="rId29"/>
-    <p:sldId id="424" r:id="rId30"/>
-    <p:sldId id="419" r:id="rId31"/>
-    <p:sldId id="383" r:id="rId32"/>
   </p:sldIdLst>
   <p:sldSz cx="9144000" cy="6858000" type="screen4x3"/>
   <p:notesSz cx="6858000" cy="9144000"/>
@@ -222,7 +207,7 @@
           <a:p>
             <a:fld id="{F833E4A7-8C8F-0444-B05A-6DE0ED7B35B0}" type="datetimeFigureOut">
               <a:rPr lang="en-US" smtClean="0"/>
-              <a:t>5/23/16</a:t>
+              <a:t>5/25/16</a:t>
             </a:fld>
             <a:endParaRPr lang="en-US"/>
           </a:p>
@@ -683,7 +668,7 @@
           <a:p>
             <a:fld id="{CAF647BD-C221-1844-9ED2-A7F7759EF665}" type="datetimeFigureOut">
               <a:rPr lang="en-US" smtClean="0"/>
-              <a:t>5/23/16</a:t>
+              <a:t>5/25/16</a:t>
             </a:fld>
             <a:endParaRPr lang="en-US"/>
           </a:p>
@@ -948,7 +933,7 @@
           <a:p>
             <a:fld id="{CAF647BD-C221-1844-9ED2-A7F7759EF665}" type="datetimeFigureOut">
               <a:rPr lang="en-US" smtClean="0"/>
-              <a:t>5/23/16</a:t>
+              <a:t>5/25/16</a:t>
             </a:fld>
             <a:endParaRPr lang="en-US"/>
           </a:p>
@@ -1123,7 +1108,7 @@
           <a:p>
             <a:fld id="{CAF647BD-C221-1844-9ED2-A7F7759EF665}" type="datetimeFigureOut">
               <a:rPr lang="en-US" smtClean="0"/>
-              <a:t>5/23/16</a:t>
+              <a:t>5/25/16</a:t>
             </a:fld>
             <a:endParaRPr lang="en-US"/>
           </a:p>
@@ -1288,7 +1273,7 @@
           <a:p>
             <a:fld id="{CAF647BD-C221-1844-9ED2-A7F7759EF665}" type="datetimeFigureOut">
               <a:rPr lang="en-US" smtClean="0"/>
-              <a:t>5/23/16</a:t>
+              <a:t>5/25/16</a:t>
             </a:fld>
             <a:endParaRPr lang="en-US"/>
           </a:p>
@@ -1537,7 +1522,7 @@
           <a:p>
             <a:fld id="{CAF647BD-C221-1844-9ED2-A7F7759EF665}" type="datetimeFigureOut">
               <a:rPr lang="en-US" smtClean="0"/>
-              <a:t>5/23/16</a:t>
+              <a:t>5/25/16</a:t>
             </a:fld>
             <a:endParaRPr lang="en-US"/>
           </a:p>
@@ -1820,7 +1805,7 @@
           <a:p>
             <a:fld id="{CAF647BD-C221-1844-9ED2-A7F7759EF665}" type="datetimeFigureOut">
               <a:rPr lang="en-US" smtClean="0"/>
-              <a:t>5/23/16</a:t>
+              <a:t>5/25/16</a:t>
             </a:fld>
             <a:endParaRPr lang="en-US"/>
           </a:p>
@@ -2259,7 +2244,7 @@
           <a:p>
             <a:fld id="{CAF647BD-C221-1844-9ED2-A7F7759EF665}" type="datetimeFigureOut">
               <a:rPr lang="en-US" smtClean="0"/>
-              <a:t>5/23/16</a:t>
+              <a:t>5/25/16</a:t>
             </a:fld>
             <a:endParaRPr lang="en-US"/>
           </a:p>
@@ -2372,7 +2357,7 @@
           <a:p>
             <a:fld id="{CAF647BD-C221-1844-9ED2-A7F7759EF665}" type="datetimeFigureOut">
               <a:rPr lang="en-US" smtClean="0"/>
-              <a:t>5/23/16</a:t>
+              <a:t>5/25/16</a:t>
             </a:fld>
             <a:endParaRPr lang="en-US"/>
           </a:p>
@@ -2462,7 +2447,7 @@
           <a:p>
             <a:fld id="{CAF647BD-C221-1844-9ED2-A7F7759EF665}" type="datetimeFigureOut">
               <a:rPr lang="en-US" smtClean="0"/>
-              <a:t>5/23/16</a:t>
+              <a:t>5/25/16</a:t>
             </a:fld>
             <a:endParaRPr lang="en-US"/>
           </a:p>
@@ -2704,7 +2689,7 @@
           <a:p>
             <a:fld id="{CAF647BD-C221-1844-9ED2-A7F7759EF665}" type="datetimeFigureOut">
               <a:rPr lang="en-US" smtClean="0"/>
-              <a:t>5/23/16</a:t>
+              <a:t>5/25/16</a:t>
             </a:fld>
             <a:endParaRPr lang="en-US"/>
           </a:p>
@@ -2998,7 +2983,7 @@
           <a:p>
             <a:fld id="{CAF647BD-C221-1844-9ED2-A7F7759EF665}" type="datetimeFigureOut">
               <a:rPr lang="en-US" smtClean="0"/>
-              <a:t>5/23/16</a:t>
+              <a:t>5/25/16</a:t>
             </a:fld>
             <a:endParaRPr lang="en-US"/>
           </a:p>
@@ -3292,7 +3277,7 @@
           <a:p>
             <a:fld id="{CAF647BD-C221-1844-9ED2-A7F7759EF665}" type="datetimeFigureOut">
               <a:rPr lang="en-US" smtClean="0"/>
-              <a:t>5/23/16</a:t>
+              <a:t>5/25/16</a:t>
             </a:fld>
             <a:endParaRPr lang="en-US"/>
           </a:p>
@@ -5832,593 +5817,6 @@
 </p:sld>
 </file>
 
-<file path=ppt/slides/slide17.xml><?xml version="1.0" encoding="utf-8"?>
-<p:sld xmlns:a="http://schemas.openxmlformats.org/drawingml/2006/main" xmlns:r="http://schemas.openxmlformats.org/officeDocument/2006/relationships" xmlns:p="http://schemas.openxmlformats.org/presentationml/2006/main">
-  <p:cSld>
-    <p:spTree>
-      <p:nvGrpSpPr>
-        <p:cNvPr id="1" name=""/>
-        <p:cNvGrpSpPr/>
-        <p:nvPr/>
-      </p:nvGrpSpPr>
-      <p:grpSpPr>
-        <a:xfrm>
-          <a:off x="0" y="0"/>
-          <a:ext cx="0" cy="0"/>
-          <a:chOff x="0" y="0"/>
-          <a:chExt cx="0" cy="0"/>
-        </a:xfrm>
-      </p:grpSpPr>
-      <p:sp>
-        <p:nvSpPr>
-          <p:cNvPr id="2" name="Title 1"/>
-          <p:cNvSpPr>
-            <a:spLocks noGrp="1"/>
-          </p:cNvSpPr>
-          <p:nvPr>
-            <p:ph type="title"/>
-          </p:nvPr>
-        </p:nvSpPr>
-        <p:spPr/>
-        <p:txBody>
-          <a:bodyPr/>
-          <a:lstStyle/>
-          <a:p>
-            <a:r>
-              <a:rPr lang="en-US" dirty="0" smtClean="0"/>
-              <a:t>some useful functions</a:t>
-            </a:r>
-            <a:endParaRPr lang="en-US" dirty="0"/>
-          </a:p>
-        </p:txBody>
-      </p:sp>
-      <p:sp>
-        <p:nvSpPr>
-          <p:cNvPr id="3" name="Content Placeholder 2"/>
-          <p:cNvSpPr>
-            <a:spLocks noGrp="1"/>
-          </p:cNvSpPr>
-          <p:nvPr>
-            <p:ph idx="1"/>
-          </p:nvPr>
-        </p:nvSpPr>
-        <p:spPr/>
-        <p:txBody>
-          <a:bodyPr/>
-          <a:lstStyle/>
-          <a:p>
-            <a:pPr marL="457200" indent="-457200">
-              <a:buFont typeface="Arial"/>
-              <a:buChar char="•"/>
-            </a:pPr>
-            <a:r>
-              <a:rPr lang="en-US" dirty="0" smtClean="0">
-                <a:latin typeface="Monaco"/>
-                <a:cs typeface="Monaco"/>
-              </a:rPr>
-              <a:t>help()</a:t>
-            </a:r>
-            <a:r>
-              <a:rPr lang="en-US" dirty="0" smtClean="0"/>
-              <a:t> will return information about a particular function</a:t>
-            </a:r>
-          </a:p>
-        </p:txBody>
-      </p:sp>
-    </p:spTree>
-    <p:extLst>
-      <p:ext uri="{BB962C8B-B14F-4D97-AF65-F5344CB8AC3E}">
-        <p14:creationId xmlns:p14="http://schemas.microsoft.com/office/powerpoint/2010/main" val="276820304"/>
-      </p:ext>
-    </p:extLst>
-  </p:cSld>
-  <p:clrMapOvr>
-    <a:masterClrMapping/>
-  </p:clrMapOvr>
-</p:sld>
-</file>
-
-<file path=ppt/slides/slide18.xml><?xml version="1.0" encoding="utf-8"?>
-<p:sld xmlns:a="http://schemas.openxmlformats.org/drawingml/2006/main" xmlns:r="http://schemas.openxmlformats.org/officeDocument/2006/relationships" xmlns:p="http://schemas.openxmlformats.org/presentationml/2006/main">
-  <p:cSld>
-    <p:spTree>
-      <p:nvGrpSpPr>
-        <p:cNvPr id="1" name=""/>
-        <p:cNvGrpSpPr/>
-        <p:nvPr/>
-      </p:nvGrpSpPr>
-      <p:grpSpPr>
-        <a:xfrm>
-          <a:off x="0" y="0"/>
-          <a:ext cx="0" cy="0"/>
-          <a:chOff x="0" y="0"/>
-          <a:chExt cx="0" cy="0"/>
-        </a:xfrm>
-      </p:grpSpPr>
-      <p:sp>
-        <p:nvSpPr>
-          <p:cNvPr id="2" name="Title 1"/>
-          <p:cNvSpPr>
-            <a:spLocks noGrp="1"/>
-          </p:cNvSpPr>
-          <p:nvPr>
-            <p:ph type="title"/>
-          </p:nvPr>
-        </p:nvSpPr>
-        <p:spPr/>
-        <p:txBody>
-          <a:bodyPr/>
-          <a:lstStyle/>
-          <a:p>
-            <a:r>
-              <a:rPr lang="en-US" dirty="0" smtClean="0"/>
-              <a:t>some useful functions</a:t>
-            </a:r>
-            <a:endParaRPr lang="en-US" dirty="0"/>
-          </a:p>
-        </p:txBody>
-      </p:sp>
-      <p:sp>
-        <p:nvSpPr>
-          <p:cNvPr id="3" name="Content Placeholder 2"/>
-          <p:cNvSpPr>
-            <a:spLocks noGrp="1"/>
-          </p:cNvSpPr>
-          <p:nvPr>
-            <p:ph idx="1"/>
-          </p:nvPr>
-        </p:nvSpPr>
-        <p:spPr/>
-        <p:txBody>
-          <a:bodyPr/>
-          <a:lstStyle/>
-          <a:p>
-            <a:pPr marL="457200" indent="-457200">
-              <a:buFont typeface="Arial"/>
-              <a:buChar char="•"/>
-            </a:pPr>
-            <a:r>
-              <a:rPr lang="en-US" dirty="0" smtClean="0">
-                <a:latin typeface="Monaco"/>
-                <a:cs typeface="Monaco"/>
-              </a:rPr>
-              <a:t>help()</a:t>
-            </a:r>
-            <a:r>
-              <a:rPr lang="en-US" dirty="0" smtClean="0"/>
-              <a:t> will return information about a particular function</a:t>
-            </a:r>
-          </a:p>
-          <a:p>
-            <a:pPr marL="457200" indent="-457200">
-              <a:buFont typeface="Arial"/>
-              <a:buChar char="•"/>
-            </a:pPr>
-            <a:endParaRPr lang="en-US" dirty="0"/>
-          </a:p>
-          <a:p>
-            <a:pPr marL="457200" indent="-457200">
-              <a:buFont typeface="Arial"/>
-              <a:buChar char="•"/>
-            </a:pPr>
-            <a:r>
-              <a:rPr lang="en-US" dirty="0" err="1" smtClean="0">
-                <a:latin typeface="Monaco"/>
-                <a:cs typeface="Monaco"/>
-              </a:rPr>
-              <a:t>dir</a:t>
-            </a:r>
-            <a:r>
-              <a:rPr lang="en-US" dirty="0" smtClean="0">
-                <a:latin typeface="Monaco"/>
-                <a:cs typeface="Monaco"/>
-              </a:rPr>
-              <a:t>() </a:t>
-            </a:r>
-            <a:r>
-              <a:rPr lang="en-US" dirty="0" smtClean="0"/>
-              <a:t>will return a list of which methods/attributes/functions can be used with a given object</a:t>
-            </a:r>
-          </a:p>
-          <a:p>
-            <a:pPr marL="914400" lvl="1" indent="-457200">
-              <a:buFont typeface="Arial"/>
-              <a:buChar char="•"/>
-            </a:pPr>
-            <a:r>
-              <a:rPr lang="en-US" dirty="0" smtClean="0"/>
-              <a:t>Ignore the ones with __underscores__</a:t>
-            </a:r>
-            <a:endParaRPr lang="en-US" dirty="0"/>
-          </a:p>
-        </p:txBody>
-      </p:sp>
-    </p:spTree>
-    <p:extLst>
-      <p:ext uri="{BB962C8B-B14F-4D97-AF65-F5344CB8AC3E}">
-        <p14:creationId xmlns:p14="http://schemas.microsoft.com/office/powerpoint/2010/main" val="2348972602"/>
-      </p:ext>
-    </p:extLst>
-  </p:cSld>
-  <p:clrMapOvr>
-    <a:masterClrMapping/>
-  </p:clrMapOvr>
-  <p:timing>
-    <p:tnLst>
-      <p:par>
-        <p:cTn xmlns:p14="http://schemas.microsoft.com/office/powerpoint/2010/main" id="1" dur="indefinite" restart="never" nodeType="tmRoot"/>
-      </p:par>
-    </p:tnLst>
-  </p:timing>
-</p:sld>
-</file>
-
-<file path=ppt/slides/slide19.xml><?xml version="1.0" encoding="utf-8"?>
-<p:sld xmlns:a="http://schemas.openxmlformats.org/drawingml/2006/main" xmlns:r="http://schemas.openxmlformats.org/officeDocument/2006/relationships" xmlns:p="http://schemas.openxmlformats.org/presentationml/2006/main">
-  <p:cSld>
-    <p:spTree>
-      <p:nvGrpSpPr>
-        <p:cNvPr id="1" name=""/>
-        <p:cNvGrpSpPr/>
-        <p:nvPr/>
-      </p:nvGrpSpPr>
-      <p:grpSpPr>
-        <a:xfrm>
-          <a:off x="0" y="0"/>
-          <a:ext cx="0" cy="0"/>
-          <a:chOff x="0" y="0"/>
-          <a:chExt cx="0" cy="0"/>
-        </a:xfrm>
-      </p:grpSpPr>
-      <p:sp>
-        <p:nvSpPr>
-          <p:cNvPr id="2" name="Title 1"/>
-          <p:cNvSpPr>
-            <a:spLocks noGrp="1"/>
-          </p:cNvSpPr>
-          <p:nvPr>
-            <p:ph type="title"/>
-          </p:nvPr>
-        </p:nvSpPr>
-        <p:spPr/>
-        <p:txBody>
-          <a:bodyPr/>
-          <a:lstStyle/>
-          <a:p>
-            <a:r>
-              <a:rPr lang="en-US" dirty="0" smtClean="0"/>
-              <a:t>functions in python</a:t>
-            </a:r>
-            <a:endParaRPr lang="en-US" dirty="0"/>
-          </a:p>
-        </p:txBody>
-      </p:sp>
-      <p:sp>
-        <p:nvSpPr>
-          <p:cNvPr id="3" name="Content Placeholder 2"/>
-          <p:cNvSpPr>
-            <a:spLocks noGrp="1"/>
-          </p:cNvSpPr>
-          <p:nvPr>
-            <p:ph idx="1"/>
-          </p:nvPr>
-        </p:nvSpPr>
-        <p:spPr/>
-        <p:txBody>
-          <a:bodyPr>
-            <a:normAutofit/>
-          </a:bodyPr>
-          <a:lstStyle/>
-          <a:p>
-            <a:pPr marL="457200" indent="-457200">
-              <a:buFont typeface="Arial"/>
-              <a:buChar char="•"/>
-            </a:pPr>
-            <a:r>
-              <a:rPr lang="en-US" dirty="0" smtClean="0"/>
-              <a:t>We</a:t>
-            </a:r>
-            <a:r>
-              <a:rPr lang="fr-FR" dirty="0" smtClean="0"/>
-              <a:t>’</a:t>
-            </a:r>
-            <a:r>
-              <a:rPr lang="en-US" dirty="0" err="1" smtClean="0"/>
-              <a:t>ve</a:t>
-            </a:r>
-            <a:r>
-              <a:rPr lang="en-US" dirty="0" smtClean="0"/>
-              <a:t> used several built-in functions:</a:t>
-            </a:r>
-          </a:p>
-          <a:p>
-            <a:pPr marL="914400" lvl="1" indent="-457200">
-              <a:buFont typeface="Arial"/>
-              <a:buChar char="•"/>
-            </a:pPr>
-            <a:r>
-              <a:rPr lang="en-US" dirty="0" smtClean="0">
-                <a:latin typeface="Monaco"/>
-                <a:cs typeface="Monaco"/>
-              </a:rPr>
-              <a:t>len(), sum(), print()</a:t>
-            </a:r>
-          </a:p>
-          <a:p>
-            <a:pPr marL="457200" indent="-457200">
-              <a:buFont typeface="Arial"/>
-              <a:buChar char="•"/>
-            </a:pPr>
-            <a:endParaRPr lang="en-US" dirty="0"/>
-          </a:p>
-          <a:p>
-            <a:pPr marL="457200" indent="-457200">
-              <a:buFont typeface="Arial"/>
-              <a:buChar char="•"/>
-            </a:pPr>
-            <a:r>
-              <a:rPr lang="en-US" dirty="0" smtClean="0"/>
-              <a:t>We can *write our own* functions too</a:t>
-            </a:r>
-          </a:p>
-          <a:p>
-            <a:pPr marL="914400" lvl="1" indent="-457200">
-              <a:buFont typeface="Arial"/>
-              <a:buChar char="•"/>
-            </a:pPr>
-            <a:r>
-              <a:rPr lang="en-US" dirty="0" smtClean="0"/>
-              <a:t>Reusability</a:t>
-            </a:r>
-          </a:p>
-          <a:p>
-            <a:pPr marL="914400" lvl="1" indent="-457200">
-              <a:buFont typeface="Arial"/>
-              <a:buChar char="•"/>
-            </a:pPr>
-            <a:r>
-              <a:rPr lang="en-US" dirty="0" smtClean="0"/>
-              <a:t>Modular design and organization</a:t>
-            </a:r>
-          </a:p>
-          <a:p>
-            <a:pPr marL="914400" lvl="1" indent="-457200">
-              <a:buFont typeface="Arial"/>
-              <a:buChar char="•"/>
-            </a:pPr>
-            <a:r>
-              <a:rPr lang="en-US" dirty="0" smtClean="0"/>
-              <a:t>Readability</a:t>
-            </a:r>
-          </a:p>
-          <a:p>
-            <a:pPr marL="914400" lvl="1" indent="-457200">
-              <a:buFont typeface="Arial"/>
-              <a:buChar char="•"/>
-            </a:pPr>
-            <a:r>
-              <a:rPr lang="en-US" dirty="0" smtClean="0"/>
-              <a:t>Debugging!!</a:t>
-            </a:r>
-          </a:p>
-        </p:txBody>
-      </p:sp>
-    </p:spTree>
-    <p:extLst>
-      <p:ext uri="{BB962C8B-B14F-4D97-AF65-F5344CB8AC3E}">
-        <p14:creationId xmlns:p14="http://schemas.microsoft.com/office/powerpoint/2010/main" val="320325248"/>
-      </p:ext>
-    </p:extLst>
-  </p:cSld>
-  <p:clrMapOvr>
-    <a:masterClrMapping/>
-  </p:clrMapOvr>
-  <p:timing>
-    <p:tnLst>
-      <p:par>
-        <p:cTn xmlns:p14="http://schemas.microsoft.com/office/powerpoint/2010/main" id="1" dur="indefinite" restart="never" nodeType="tmRoot">
-          <p:childTnLst>
-            <p:seq concurrent="1" nextAc="seek">
-              <p:cTn id="2" dur="indefinite" nodeType="mainSeq">
-                <p:childTnLst>
-                  <p:par>
-                    <p:cTn id="3" fill="hold">
-                      <p:stCondLst>
-                        <p:cond delay="indefinite"/>
-                      </p:stCondLst>
-                      <p:childTnLst>
-                        <p:par>
-                          <p:cTn id="4" fill="hold">
-                            <p:stCondLst>
-                              <p:cond delay="0"/>
-                            </p:stCondLst>
-                            <p:childTnLst>
-                              <p:par>
-                                <p:cTn id="5" presetID="1" presetClass="entr" presetSubtype="0" fill="hold" nodeType="clickEffect">
-                                  <p:stCondLst>
-                                    <p:cond delay="0"/>
-                                  </p:stCondLst>
-                                  <p:childTnLst>
-                                    <p:set>
-                                      <p:cBhvr>
-                                        <p:cTn id="6" dur="1" fill="hold">
-                                          <p:stCondLst>
-                                            <p:cond delay="0"/>
-                                          </p:stCondLst>
-                                        </p:cTn>
-                                        <p:tgtEl>
-                                          <p:spTgt spid="3">
-                                            <p:txEl>
-                                              <p:pRg st="3" end="3"/>
-                                            </p:txEl>
-                                          </p:spTgt>
-                                        </p:tgtEl>
-                                        <p:attrNameLst>
-                                          <p:attrName>style.visibility</p:attrName>
-                                        </p:attrNameLst>
-                                      </p:cBhvr>
-                                      <p:to>
-                                        <p:strVal val="visible"/>
-                                      </p:to>
-                                    </p:set>
-                                  </p:childTnLst>
-                                </p:cTn>
-                              </p:par>
-                              <p:par>
-                                <p:cTn id="7" presetID="1" presetClass="entr" presetSubtype="0" fill="hold" nodeType="withEffect">
-                                  <p:stCondLst>
-                                    <p:cond delay="0"/>
-                                  </p:stCondLst>
-                                  <p:childTnLst>
-                                    <p:set>
-                                      <p:cBhvr>
-                                        <p:cTn id="8" dur="1" fill="hold">
-                                          <p:stCondLst>
-                                            <p:cond delay="0"/>
-                                          </p:stCondLst>
-                                        </p:cTn>
-                                        <p:tgtEl>
-                                          <p:spTgt spid="3">
-                                            <p:txEl>
-                                              <p:pRg st="4" end="4"/>
-                                            </p:txEl>
-                                          </p:spTgt>
-                                        </p:tgtEl>
-                                        <p:attrNameLst>
-                                          <p:attrName>style.visibility</p:attrName>
-                                        </p:attrNameLst>
-                                      </p:cBhvr>
-                                      <p:to>
-                                        <p:strVal val="visible"/>
-                                      </p:to>
-                                    </p:set>
-                                  </p:childTnLst>
-                                </p:cTn>
-                              </p:par>
-                              <p:par>
-                                <p:cTn id="9" presetID="1" presetClass="entr" presetSubtype="0" fill="hold" nodeType="withEffect">
-                                  <p:stCondLst>
-                                    <p:cond delay="0"/>
-                                  </p:stCondLst>
-                                  <p:childTnLst>
-                                    <p:set>
-                                      <p:cBhvr>
-                                        <p:cTn id="10" dur="1" fill="hold">
-                                          <p:stCondLst>
-                                            <p:cond delay="0"/>
-                                          </p:stCondLst>
-                                        </p:cTn>
-                                        <p:tgtEl>
-                                          <p:spTgt spid="3">
-                                            <p:txEl>
-                                              <p:pRg st="5" end="5"/>
-                                            </p:txEl>
-                                          </p:spTgt>
-                                        </p:tgtEl>
-                                        <p:attrNameLst>
-                                          <p:attrName>style.visibility</p:attrName>
-                                        </p:attrNameLst>
-                                      </p:cBhvr>
-                                      <p:to>
-                                        <p:strVal val="visible"/>
-                                      </p:to>
-                                    </p:set>
-                                  </p:childTnLst>
-                                </p:cTn>
-                              </p:par>
-                              <p:par>
-                                <p:cTn id="11" presetID="1" presetClass="entr" presetSubtype="0" fill="hold" nodeType="withEffect">
-                                  <p:stCondLst>
-                                    <p:cond delay="0"/>
-                                  </p:stCondLst>
-                                  <p:childTnLst>
-                                    <p:set>
-                                      <p:cBhvr>
-                                        <p:cTn id="12" dur="1" fill="hold">
-                                          <p:stCondLst>
-                                            <p:cond delay="0"/>
-                                          </p:stCondLst>
-                                        </p:cTn>
-                                        <p:tgtEl>
-                                          <p:spTgt spid="3">
-                                            <p:txEl>
-                                              <p:pRg st="6" end="6"/>
-                                            </p:txEl>
-                                          </p:spTgt>
-                                        </p:tgtEl>
-                                        <p:attrNameLst>
-                                          <p:attrName>style.visibility</p:attrName>
-                                        </p:attrNameLst>
-                                      </p:cBhvr>
-                                      <p:to>
-                                        <p:strVal val="visible"/>
-                                      </p:to>
-                                    </p:set>
-                                  </p:childTnLst>
-                                </p:cTn>
-                              </p:par>
-                              <p:par>
-                                <p:cTn id="13" presetID="1" presetClass="entr" presetSubtype="0" fill="hold" nodeType="withEffect">
-                                  <p:stCondLst>
-                                    <p:cond delay="0"/>
-                                  </p:stCondLst>
-                                  <p:childTnLst>
-                                    <p:set>
-                                      <p:cBhvr>
-                                        <p:cTn id="14" dur="1" fill="hold">
-                                          <p:stCondLst>
-                                            <p:cond delay="0"/>
-                                          </p:stCondLst>
-                                        </p:cTn>
-                                        <p:tgtEl>
-                                          <p:spTgt spid="3">
-                                            <p:txEl>
-                                              <p:pRg st="7" end="7"/>
-                                            </p:txEl>
-                                          </p:spTgt>
-                                        </p:tgtEl>
-                                        <p:attrNameLst>
-                                          <p:attrName>style.visibility</p:attrName>
-                                        </p:attrNameLst>
-                                      </p:cBhvr>
-                                      <p:to>
-                                        <p:strVal val="visible"/>
-                                      </p:to>
-                                    </p:set>
-                                  </p:childTnLst>
-                                </p:cTn>
-                              </p:par>
-                            </p:childTnLst>
-                          </p:cTn>
-                        </p:par>
-                      </p:childTnLst>
-                    </p:cTn>
-                  </p:par>
-                </p:childTnLst>
-              </p:cTn>
-              <p:prevCondLst>
-                <p:cond evt="onPrev" delay="0">
-                  <p:tgtEl>
-                    <p:sldTgt/>
-                  </p:tgtEl>
-                </p:cond>
-              </p:prevCondLst>
-              <p:nextCondLst>
-                <p:cond evt="onNext" delay="0">
-                  <p:tgtEl>
-                    <p:sldTgt/>
-                  </p:tgtEl>
-                </p:cond>
-              </p:nextCondLst>
-            </p:seq>
-          </p:childTnLst>
-        </p:cTn>
-      </p:par>
-    </p:tnLst>
-  </p:timing>
-</p:sld>
-</file>
-
 <file path=ppt/slides/slide2.xml><?xml version="1.0" encoding="utf-8"?>
 <p:sld xmlns:a="http://schemas.openxmlformats.org/drawingml/2006/main" xmlns:r="http://schemas.openxmlformats.org/officeDocument/2006/relationships" xmlns:p="http://schemas.openxmlformats.org/presentationml/2006/main">
   <p:cSld>
@@ -6500,4415 +5898,6 @@
     <p:tnLst>
       <p:par>
         <p:cTn xmlns:p14="http://schemas.microsoft.com/office/powerpoint/2010/main" id="1" dur="indefinite" restart="never" nodeType="tmRoot"/>
-      </p:par>
-    </p:tnLst>
-  </p:timing>
-</p:sld>
-</file>
-
-<file path=ppt/slides/slide20.xml><?xml version="1.0" encoding="utf-8"?>
-<p:sld xmlns:a="http://schemas.openxmlformats.org/drawingml/2006/main" xmlns:r="http://schemas.openxmlformats.org/officeDocument/2006/relationships" xmlns:p="http://schemas.openxmlformats.org/presentationml/2006/main">
-  <p:cSld>
-    <p:spTree>
-      <p:nvGrpSpPr>
-        <p:cNvPr id="1" name=""/>
-        <p:cNvGrpSpPr/>
-        <p:nvPr/>
-      </p:nvGrpSpPr>
-      <p:grpSpPr>
-        <a:xfrm>
-          <a:off x="0" y="0"/>
-          <a:ext cx="0" cy="0"/>
-          <a:chOff x="0" y="0"/>
-          <a:chExt cx="0" cy="0"/>
-        </a:xfrm>
-      </p:grpSpPr>
-      <p:sp>
-        <p:nvSpPr>
-          <p:cNvPr id="2" name="Title 1"/>
-          <p:cNvSpPr>
-            <a:spLocks noGrp="1"/>
-          </p:cNvSpPr>
-          <p:nvPr>
-            <p:ph type="title"/>
-          </p:nvPr>
-        </p:nvSpPr>
-        <p:spPr/>
-        <p:txBody>
-          <a:bodyPr/>
-          <a:lstStyle/>
-          <a:p>
-            <a:r>
-              <a:rPr lang="en-US" dirty="0" smtClean="0"/>
-              <a:t>writing custom functions</a:t>
-            </a:r>
-            <a:endParaRPr lang="en-US" dirty="0"/>
-          </a:p>
-        </p:txBody>
-      </p:sp>
-      <p:sp>
-        <p:nvSpPr>
-          <p:cNvPr id="3" name="Content Placeholder 2"/>
-          <p:cNvSpPr>
-            <a:spLocks noGrp="1"/>
-          </p:cNvSpPr>
-          <p:nvPr>
-            <p:ph idx="1"/>
-          </p:nvPr>
-        </p:nvSpPr>
-        <p:spPr/>
-        <p:txBody>
-          <a:bodyPr/>
-          <a:lstStyle/>
-          <a:p>
-            <a:pPr marL="457200" indent="-457200">
-              <a:buFont typeface="Arial"/>
-              <a:buChar char="•"/>
-            </a:pPr>
-            <a:r>
-              <a:rPr lang="en-US" dirty="0" smtClean="0"/>
-              <a:t>Reference example:</a:t>
-            </a:r>
-          </a:p>
-          <a:p>
-            <a:pPr marL="457200" indent="-457200">
-              <a:buFont typeface="Arial"/>
-              <a:buChar char="•"/>
-            </a:pPr>
-            <a:endParaRPr lang="en-US" dirty="0"/>
-          </a:p>
-          <a:p>
-            <a:pPr marL="457200" indent="-457200">
-              <a:buFont typeface="Arial"/>
-              <a:buChar char="•"/>
-            </a:pPr>
-            <a:endParaRPr lang="en-US" dirty="0" smtClean="0"/>
-          </a:p>
-          <a:p>
-            <a:endParaRPr lang="en-US" sz="2000" dirty="0"/>
-          </a:p>
-        </p:txBody>
-      </p:sp>
-      <p:sp>
-        <p:nvSpPr>
-          <p:cNvPr id="4" name="TextBox 3"/>
-          <p:cNvSpPr txBox="1"/>
-          <p:nvPr/>
-        </p:nvSpPr>
-        <p:spPr>
-          <a:xfrm>
-            <a:off x="1035539" y="2414085"/>
-            <a:ext cx="5109893" cy="1631216"/>
-          </a:xfrm>
-          <a:prstGeom prst="rect">
-            <a:avLst/>
-          </a:prstGeom>
-          <a:noFill/>
-        </p:spPr>
-        <p:txBody>
-          <a:bodyPr wrap="none" rtlCol="0">
-            <a:spAutoFit/>
-          </a:bodyPr>
-          <a:lstStyle/>
-          <a:p>
-            <a:r>
-              <a:rPr lang="en-US" sz="2000" dirty="0">
-                <a:latin typeface="Monaco"/>
-                <a:cs typeface="Monaco"/>
-              </a:rPr>
-              <a:t>my_list = [1, 2, 3, 4, 5, 6</a:t>
-            </a:r>
-            <a:r>
-              <a:rPr lang="en-US" sz="2000" dirty="0" smtClean="0">
-                <a:latin typeface="Monaco"/>
-                <a:cs typeface="Monaco"/>
-              </a:rPr>
-              <a:t>]</a:t>
-            </a:r>
-          </a:p>
-          <a:p>
-            <a:endParaRPr lang="en-US" sz="2000" dirty="0">
-              <a:latin typeface="Monaco"/>
-              <a:cs typeface="Monaco"/>
-            </a:endParaRPr>
-          </a:p>
-          <a:p>
-            <a:r>
-              <a:rPr lang="en-US" sz="2000" dirty="0">
-                <a:solidFill>
-                  <a:schemeClr val="accent3"/>
-                </a:solidFill>
-                <a:latin typeface="Monaco"/>
-                <a:cs typeface="Monaco"/>
-              </a:rPr>
-              <a:t>a</a:t>
-            </a:r>
-            <a:r>
-              <a:rPr lang="en-US" sz="2000" dirty="0">
-                <a:latin typeface="Monaco"/>
-                <a:cs typeface="Monaco"/>
-              </a:rPr>
-              <a:t> = </a:t>
-            </a:r>
-            <a:r>
-              <a:rPr lang="en-US" sz="2000" dirty="0" smtClean="0">
-                <a:solidFill>
-                  <a:schemeClr val="accent5"/>
-                </a:solidFill>
-                <a:latin typeface="Monaco"/>
-                <a:cs typeface="Monaco"/>
-              </a:rPr>
-              <a:t>len</a:t>
-            </a:r>
-            <a:r>
-              <a:rPr lang="en-US" sz="2000" dirty="0" smtClean="0">
-                <a:latin typeface="Monaco"/>
-                <a:cs typeface="Monaco"/>
-              </a:rPr>
-              <a:t>(</a:t>
-            </a:r>
-            <a:r>
-              <a:rPr lang="en-US" sz="2000" dirty="0">
-                <a:solidFill>
-                  <a:schemeClr val="accent6"/>
-                </a:solidFill>
-                <a:latin typeface="Monaco"/>
-                <a:cs typeface="Monaco"/>
-              </a:rPr>
-              <a:t>my_list</a:t>
-            </a:r>
-            <a:r>
-              <a:rPr lang="en-US" sz="2000" dirty="0">
-                <a:latin typeface="Monaco"/>
-                <a:cs typeface="Monaco"/>
-              </a:rPr>
-              <a:t>)  </a:t>
-            </a:r>
-            <a:r>
-              <a:rPr lang="en-US" sz="2000" dirty="0" smtClean="0">
-                <a:latin typeface="Monaco"/>
-                <a:cs typeface="Monaco"/>
-              </a:rPr>
-              <a:t> # </a:t>
-            </a:r>
-            <a:r>
-              <a:rPr lang="en-US" sz="2000" dirty="0">
-                <a:latin typeface="Monaco"/>
-                <a:cs typeface="Monaco"/>
-              </a:rPr>
-              <a:t>here, a = 6</a:t>
-            </a:r>
-          </a:p>
-          <a:p>
-            <a:r>
-              <a:rPr lang="en-US" sz="2000" dirty="0">
-                <a:latin typeface="Monaco"/>
-                <a:cs typeface="Monaco"/>
-              </a:rPr>
-              <a:t> </a:t>
-            </a:r>
-          </a:p>
-          <a:p>
-            <a:endParaRPr lang="en-US" sz="2000" dirty="0"/>
-          </a:p>
-        </p:txBody>
-      </p:sp>
-    </p:spTree>
-    <p:extLst>
-      <p:ext uri="{BB962C8B-B14F-4D97-AF65-F5344CB8AC3E}">
-        <p14:creationId xmlns:p14="http://schemas.microsoft.com/office/powerpoint/2010/main" val="1575113641"/>
-      </p:ext>
-    </p:extLst>
-  </p:cSld>
-  <p:clrMapOvr>
-    <a:masterClrMapping/>
-  </p:clrMapOvr>
-  <p:timing>
-    <p:tnLst>
-      <p:par>
-        <p:cTn xmlns:p14="http://schemas.microsoft.com/office/powerpoint/2010/main" id="1" dur="indefinite" restart="never" nodeType="tmRoot"/>
-      </p:par>
-    </p:tnLst>
-  </p:timing>
-</p:sld>
-</file>
-
-<file path=ppt/slides/slide21.xml><?xml version="1.0" encoding="utf-8"?>
-<p:sld xmlns:a="http://schemas.openxmlformats.org/drawingml/2006/main" xmlns:r="http://schemas.openxmlformats.org/officeDocument/2006/relationships" xmlns:p="http://schemas.openxmlformats.org/presentationml/2006/main">
-  <p:cSld>
-    <p:spTree>
-      <p:nvGrpSpPr>
-        <p:cNvPr id="1" name=""/>
-        <p:cNvGrpSpPr/>
-        <p:nvPr/>
-      </p:nvGrpSpPr>
-      <p:grpSpPr>
-        <a:xfrm>
-          <a:off x="0" y="0"/>
-          <a:ext cx="0" cy="0"/>
-          <a:chOff x="0" y="0"/>
-          <a:chExt cx="0" cy="0"/>
-        </a:xfrm>
-      </p:grpSpPr>
-      <p:sp>
-        <p:nvSpPr>
-          <p:cNvPr id="2" name="Title 1"/>
-          <p:cNvSpPr>
-            <a:spLocks noGrp="1"/>
-          </p:cNvSpPr>
-          <p:nvPr>
-            <p:ph type="title"/>
-          </p:nvPr>
-        </p:nvSpPr>
-        <p:spPr/>
-        <p:txBody>
-          <a:bodyPr/>
-          <a:lstStyle/>
-          <a:p>
-            <a:r>
-              <a:rPr lang="en-US" dirty="0" smtClean="0"/>
-              <a:t>writing custom functions</a:t>
-            </a:r>
-            <a:endParaRPr lang="en-US" dirty="0"/>
-          </a:p>
-        </p:txBody>
-      </p:sp>
-      <p:sp>
-        <p:nvSpPr>
-          <p:cNvPr id="3" name="Content Placeholder 2"/>
-          <p:cNvSpPr>
-            <a:spLocks noGrp="1"/>
-          </p:cNvSpPr>
-          <p:nvPr>
-            <p:ph idx="1"/>
-          </p:nvPr>
-        </p:nvSpPr>
-        <p:spPr/>
-        <p:txBody>
-          <a:bodyPr/>
-          <a:lstStyle/>
-          <a:p>
-            <a:pPr marL="457200" indent="-457200">
-              <a:buFont typeface="Arial"/>
-              <a:buChar char="•"/>
-            </a:pPr>
-            <a:r>
-              <a:rPr lang="en-US" dirty="0" smtClean="0"/>
-              <a:t>Reference example:</a:t>
-            </a:r>
-          </a:p>
-          <a:p>
-            <a:pPr marL="457200" indent="-457200">
-              <a:buFont typeface="Arial"/>
-              <a:buChar char="•"/>
-            </a:pPr>
-            <a:endParaRPr lang="en-US" dirty="0"/>
-          </a:p>
-          <a:p>
-            <a:pPr marL="457200" indent="-457200">
-              <a:buFont typeface="Arial"/>
-              <a:buChar char="•"/>
-            </a:pPr>
-            <a:endParaRPr lang="en-US" dirty="0" smtClean="0"/>
-          </a:p>
-          <a:p>
-            <a:pPr marL="457200" indent="-457200">
-              <a:buFont typeface="Arial"/>
-              <a:buChar char="•"/>
-            </a:pPr>
-            <a:endParaRPr lang="en-US" sz="2000" dirty="0"/>
-          </a:p>
-          <a:p>
-            <a:pPr lvl="1" indent="0">
-              <a:buNone/>
-            </a:pPr>
-            <a:r>
-              <a:rPr lang="en-US" sz="2000" dirty="0" smtClean="0">
-                <a:solidFill>
-                  <a:schemeClr val="accent3"/>
-                </a:solidFill>
-                <a:latin typeface="Monaco"/>
-                <a:cs typeface="Monaco"/>
-              </a:rPr>
-              <a:t>	a</a:t>
-            </a:r>
-            <a:r>
-              <a:rPr lang="en-US" sz="2000" dirty="0" smtClean="0"/>
-              <a:t>: the returned value</a:t>
-            </a:r>
-          </a:p>
-          <a:p>
-            <a:pPr lvl="1" indent="0">
-              <a:buNone/>
-            </a:pPr>
-            <a:r>
-              <a:rPr lang="en-US" sz="2000" dirty="0" smtClean="0">
-                <a:solidFill>
-                  <a:schemeClr val="accent5"/>
-                </a:solidFill>
-                <a:latin typeface="Monaco"/>
-                <a:cs typeface="Monaco"/>
-              </a:rPr>
-              <a:t>	len</a:t>
-            </a:r>
-            <a:r>
-              <a:rPr lang="en-US" sz="2000" dirty="0" smtClean="0"/>
-              <a:t>: the function name</a:t>
-            </a:r>
-          </a:p>
-          <a:p>
-            <a:pPr lvl="1" indent="0">
-              <a:buNone/>
-            </a:pPr>
-            <a:r>
-              <a:rPr lang="en-US" sz="2000" dirty="0" smtClean="0">
-                <a:solidFill>
-                  <a:srgbClr val="B4B392"/>
-                </a:solidFill>
-                <a:latin typeface="Monaco"/>
-                <a:cs typeface="Monaco"/>
-              </a:rPr>
-              <a:t>	my_list</a:t>
-            </a:r>
-            <a:r>
-              <a:rPr lang="en-US" sz="2000" dirty="0" smtClean="0"/>
-              <a:t>: the argument to the function</a:t>
-            </a:r>
-          </a:p>
-        </p:txBody>
-      </p:sp>
-      <p:sp>
-        <p:nvSpPr>
-          <p:cNvPr id="4" name="TextBox 3"/>
-          <p:cNvSpPr txBox="1"/>
-          <p:nvPr/>
-        </p:nvSpPr>
-        <p:spPr>
-          <a:xfrm>
-            <a:off x="1035539" y="2414085"/>
-            <a:ext cx="5109893" cy="1631216"/>
-          </a:xfrm>
-          <a:prstGeom prst="rect">
-            <a:avLst/>
-          </a:prstGeom>
-          <a:noFill/>
-        </p:spPr>
-        <p:txBody>
-          <a:bodyPr wrap="none" rtlCol="0">
-            <a:spAutoFit/>
-          </a:bodyPr>
-          <a:lstStyle/>
-          <a:p>
-            <a:r>
-              <a:rPr lang="en-US" sz="2000" dirty="0">
-                <a:latin typeface="Monaco"/>
-                <a:cs typeface="Monaco"/>
-              </a:rPr>
-              <a:t>my_list = [1, 2, 3, 4, 5, 6</a:t>
-            </a:r>
-            <a:r>
-              <a:rPr lang="en-US" sz="2000" dirty="0" smtClean="0">
-                <a:latin typeface="Monaco"/>
-                <a:cs typeface="Monaco"/>
-              </a:rPr>
-              <a:t>]</a:t>
-            </a:r>
-          </a:p>
-          <a:p>
-            <a:endParaRPr lang="en-US" sz="2000" dirty="0">
-              <a:latin typeface="Monaco"/>
-              <a:cs typeface="Monaco"/>
-            </a:endParaRPr>
-          </a:p>
-          <a:p>
-            <a:r>
-              <a:rPr lang="en-US" sz="2000" dirty="0">
-                <a:solidFill>
-                  <a:schemeClr val="accent3"/>
-                </a:solidFill>
-                <a:latin typeface="Monaco"/>
-                <a:cs typeface="Monaco"/>
-              </a:rPr>
-              <a:t>a</a:t>
-            </a:r>
-            <a:r>
-              <a:rPr lang="en-US" sz="2000" dirty="0">
-                <a:latin typeface="Monaco"/>
-                <a:cs typeface="Monaco"/>
-              </a:rPr>
-              <a:t> = </a:t>
-            </a:r>
-            <a:r>
-              <a:rPr lang="en-US" sz="2000" dirty="0" smtClean="0">
-                <a:solidFill>
-                  <a:schemeClr val="accent5"/>
-                </a:solidFill>
-                <a:latin typeface="Monaco"/>
-                <a:cs typeface="Monaco"/>
-              </a:rPr>
-              <a:t>len</a:t>
-            </a:r>
-            <a:r>
-              <a:rPr lang="en-US" sz="2000" dirty="0" smtClean="0">
-                <a:latin typeface="Monaco"/>
-                <a:cs typeface="Monaco"/>
-              </a:rPr>
-              <a:t>(</a:t>
-            </a:r>
-            <a:r>
-              <a:rPr lang="en-US" sz="2000" dirty="0">
-                <a:solidFill>
-                  <a:schemeClr val="accent6"/>
-                </a:solidFill>
-                <a:latin typeface="Monaco"/>
-                <a:cs typeface="Monaco"/>
-              </a:rPr>
-              <a:t>my_list</a:t>
-            </a:r>
-            <a:r>
-              <a:rPr lang="en-US" sz="2000" dirty="0">
-                <a:latin typeface="Monaco"/>
-                <a:cs typeface="Monaco"/>
-              </a:rPr>
-              <a:t>)  </a:t>
-            </a:r>
-            <a:r>
-              <a:rPr lang="en-US" sz="2000" dirty="0" smtClean="0">
-                <a:latin typeface="Monaco"/>
-                <a:cs typeface="Monaco"/>
-              </a:rPr>
-              <a:t> # </a:t>
-            </a:r>
-            <a:r>
-              <a:rPr lang="en-US" sz="2000" dirty="0">
-                <a:latin typeface="Monaco"/>
-                <a:cs typeface="Monaco"/>
-              </a:rPr>
-              <a:t>here, a = 6</a:t>
-            </a:r>
-          </a:p>
-          <a:p>
-            <a:r>
-              <a:rPr lang="en-US" sz="2000" dirty="0">
-                <a:latin typeface="Monaco"/>
-                <a:cs typeface="Monaco"/>
-              </a:rPr>
-              <a:t> </a:t>
-            </a:r>
-          </a:p>
-          <a:p>
-            <a:endParaRPr lang="en-US" sz="2000" dirty="0"/>
-          </a:p>
-        </p:txBody>
-      </p:sp>
-    </p:spTree>
-    <p:extLst>
-      <p:ext uri="{BB962C8B-B14F-4D97-AF65-F5344CB8AC3E}">
-        <p14:creationId xmlns:p14="http://schemas.microsoft.com/office/powerpoint/2010/main" val="1100028152"/>
-      </p:ext>
-    </p:extLst>
-  </p:cSld>
-  <p:clrMapOvr>
-    <a:masterClrMapping/>
-  </p:clrMapOvr>
-  <p:timing>
-    <p:tnLst>
-      <p:par>
-        <p:cTn xmlns:p14="http://schemas.microsoft.com/office/powerpoint/2010/main" id="1" dur="indefinite" restart="never" nodeType="tmRoot"/>
-      </p:par>
-    </p:tnLst>
-  </p:timing>
-</p:sld>
-</file>
-
-<file path=ppt/slides/slide22.xml><?xml version="1.0" encoding="utf-8"?>
-<p:sld xmlns:a="http://schemas.openxmlformats.org/drawingml/2006/main" xmlns:r="http://schemas.openxmlformats.org/officeDocument/2006/relationships" xmlns:p="http://schemas.openxmlformats.org/presentationml/2006/main">
-  <p:cSld>
-    <p:spTree>
-      <p:nvGrpSpPr>
-        <p:cNvPr id="1" name=""/>
-        <p:cNvGrpSpPr/>
-        <p:nvPr/>
-      </p:nvGrpSpPr>
-      <p:grpSpPr>
-        <a:xfrm>
-          <a:off x="0" y="0"/>
-          <a:ext cx="0" cy="0"/>
-          <a:chOff x="0" y="0"/>
-          <a:chExt cx="0" cy="0"/>
-        </a:xfrm>
-      </p:grpSpPr>
-      <p:sp>
-        <p:nvSpPr>
-          <p:cNvPr id="2" name="Title 1"/>
-          <p:cNvSpPr>
-            <a:spLocks noGrp="1"/>
-          </p:cNvSpPr>
-          <p:nvPr>
-            <p:ph type="title"/>
-          </p:nvPr>
-        </p:nvSpPr>
-        <p:spPr/>
-        <p:txBody>
-          <a:bodyPr/>
-          <a:lstStyle/>
-          <a:p>
-            <a:r>
-              <a:rPr lang="en-US" dirty="0" smtClean="0"/>
-              <a:t>writing custom functions</a:t>
-            </a:r>
-            <a:endParaRPr lang="en-US" dirty="0"/>
-          </a:p>
-        </p:txBody>
-      </p:sp>
-      <p:sp>
-        <p:nvSpPr>
-          <p:cNvPr id="4" name="TextBox 3"/>
-          <p:cNvSpPr txBox="1"/>
-          <p:nvPr/>
-        </p:nvSpPr>
-        <p:spPr>
-          <a:xfrm>
-            <a:off x="457199" y="1770509"/>
-            <a:ext cx="8338444" cy="3139321"/>
-          </a:xfrm>
-          <a:prstGeom prst="rect">
-            <a:avLst/>
-          </a:prstGeom>
-          <a:noFill/>
-        </p:spPr>
-        <p:txBody>
-          <a:bodyPr wrap="square" rtlCol="0">
-            <a:spAutoFit/>
-          </a:bodyPr>
-          <a:lstStyle/>
-          <a:p>
-            <a:r>
-              <a:rPr lang="en-US" dirty="0" smtClean="0">
-                <a:latin typeface="Monaco"/>
-                <a:cs typeface="Monaco"/>
-              </a:rPr>
-              <a:t># Anatomy of a function definition</a:t>
-            </a:r>
-          </a:p>
-          <a:p>
-            <a:endParaRPr lang="en-US" dirty="0">
-              <a:solidFill>
-                <a:schemeClr val="bg1">
-                  <a:lumMod val="65000"/>
-                </a:schemeClr>
-              </a:solidFill>
-              <a:latin typeface="Monaco"/>
-              <a:cs typeface="Monaco"/>
-            </a:endParaRPr>
-          </a:p>
-          <a:p>
-            <a:r>
-              <a:rPr lang="en-US" dirty="0" smtClean="0">
-                <a:solidFill>
-                  <a:srgbClr val="000000"/>
-                </a:solidFill>
-                <a:latin typeface="Monaco"/>
-                <a:cs typeface="Monaco"/>
-              </a:rPr>
-              <a:t>def </a:t>
-            </a:r>
-            <a:r>
-              <a:rPr lang="en-US" dirty="0" err="1" smtClean="0">
-                <a:solidFill>
-                  <a:schemeClr val="accent5"/>
-                </a:solidFill>
-                <a:latin typeface="Monaco"/>
-                <a:cs typeface="Monaco"/>
-              </a:rPr>
-              <a:t>function_name</a:t>
-            </a:r>
-            <a:r>
-              <a:rPr lang="en-US" dirty="0" smtClean="0">
-                <a:solidFill>
-                  <a:srgbClr val="000000"/>
-                </a:solidFill>
-                <a:latin typeface="Monaco"/>
-                <a:cs typeface="Monaco"/>
-              </a:rPr>
-              <a:t>(</a:t>
-            </a:r>
-            <a:r>
-              <a:rPr lang="en-US" dirty="0" smtClean="0">
-                <a:solidFill>
-                  <a:schemeClr val="accent6"/>
-                </a:solidFill>
-                <a:latin typeface="Monaco"/>
-                <a:cs typeface="Monaco"/>
-              </a:rPr>
-              <a:t>...arguments...</a:t>
-            </a:r>
-            <a:r>
-              <a:rPr lang="en-US" dirty="0" smtClean="0">
-                <a:solidFill>
-                  <a:srgbClr val="000000"/>
-                </a:solidFill>
-                <a:latin typeface="Monaco"/>
-                <a:cs typeface="Monaco"/>
-              </a:rPr>
-              <a:t>):</a:t>
-            </a:r>
-          </a:p>
-          <a:p>
-            <a:r>
-              <a:rPr lang="en-US" dirty="0">
-                <a:solidFill>
-                  <a:srgbClr val="000000"/>
-                </a:solidFill>
-                <a:latin typeface="Monaco"/>
-                <a:cs typeface="Monaco"/>
-              </a:rPr>
-              <a:t>	</a:t>
-            </a:r>
-            <a:r>
-              <a:rPr lang="en-US" dirty="0" smtClean="0">
-                <a:solidFill>
-                  <a:srgbClr val="000000"/>
-                </a:solidFill>
-                <a:latin typeface="Monaco"/>
-                <a:cs typeface="Monaco"/>
-              </a:rPr>
-              <a:t>...</a:t>
-            </a:r>
-          </a:p>
-          <a:p>
-            <a:r>
-              <a:rPr lang="en-US" dirty="0">
-                <a:solidFill>
-                  <a:srgbClr val="000000"/>
-                </a:solidFill>
-                <a:latin typeface="Monaco"/>
-                <a:cs typeface="Monaco"/>
-              </a:rPr>
-              <a:t>	</a:t>
-            </a:r>
-            <a:r>
-              <a:rPr lang="en-US" dirty="0" smtClean="0">
-                <a:solidFill>
-                  <a:srgbClr val="000000"/>
-                </a:solidFill>
-                <a:latin typeface="Monaco"/>
-                <a:cs typeface="Monaco"/>
-              </a:rPr>
-              <a:t>...   Python code</a:t>
-            </a:r>
-          </a:p>
-          <a:p>
-            <a:r>
-              <a:rPr lang="en-US" dirty="0">
-                <a:solidFill>
-                  <a:srgbClr val="000000"/>
-                </a:solidFill>
-                <a:latin typeface="Monaco"/>
-                <a:cs typeface="Monaco"/>
-              </a:rPr>
-              <a:t>	</a:t>
-            </a:r>
-            <a:r>
-              <a:rPr lang="en-US" dirty="0" smtClean="0">
-                <a:solidFill>
-                  <a:srgbClr val="000000"/>
-                </a:solidFill>
-                <a:latin typeface="Monaco"/>
-                <a:cs typeface="Monaco"/>
-              </a:rPr>
-              <a:t>...</a:t>
-            </a:r>
-          </a:p>
-          <a:p>
-            <a:r>
-              <a:rPr lang="en-US" dirty="0">
-                <a:solidFill>
-                  <a:srgbClr val="000000"/>
-                </a:solidFill>
-                <a:latin typeface="Monaco"/>
-                <a:cs typeface="Monaco"/>
-              </a:rPr>
-              <a:t>	</a:t>
-            </a:r>
-            <a:endParaRPr lang="en-US" dirty="0" smtClean="0">
-              <a:solidFill>
-                <a:srgbClr val="000000"/>
-              </a:solidFill>
-              <a:latin typeface="Monaco"/>
-              <a:cs typeface="Monaco"/>
-            </a:endParaRPr>
-          </a:p>
-          <a:p>
-            <a:r>
-              <a:rPr lang="en-US" dirty="0">
-                <a:solidFill>
-                  <a:srgbClr val="000000"/>
-                </a:solidFill>
-                <a:latin typeface="Monaco"/>
-                <a:cs typeface="Monaco"/>
-              </a:rPr>
-              <a:t>	</a:t>
-            </a:r>
-            <a:r>
-              <a:rPr lang="en-US" dirty="0" smtClean="0">
-                <a:solidFill>
-                  <a:srgbClr val="000000"/>
-                </a:solidFill>
-                <a:latin typeface="Monaco"/>
-                <a:cs typeface="Monaco"/>
-              </a:rPr>
-              <a:t>return </a:t>
-            </a:r>
-            <a:r>
-              <a:rPr lang="en-US" dirty="0" err="1" smtClean="0">
-                <a:solidFill>
-                  <a:schemeClr val="accent3"/>
-                </a:solidFill>
-                <a:latin typeface="Monaco"/>
-                <a:cs typeface="Monaco"/>
-              </a:rPr>
-              <a:t>returned_value</a:t>
-            </a:r>
-            <a:endParaRPr lang="en-US" dirty="0" smtClean="0">
-              <a:solidFill>
-                <a:schemeClr val="accent3"/>
-              </a:solidFill>
-              <a:latin typeface="Monaco"/>
-              <a:cs typeface="Monaco"/>
-            </a:endParaRPr>
-          </a:p>
-          <a:p>
-            <a:endParaRPr lang="en-US" dirty="0">
-              <a:latin typeface="Monaco"/>
-              <a:cs typeface="Monaco"/>
-            </a:endParaRPr>
-          </a:p>
-          <a:p>
-            <a:endParaRPr lang="en-US" dirty="0" smtClean="0">
-              <a:latin typeface="Monaco"/>
-              <a:cs typeface="Monaco"/>
-            </a:endParaRPr>
-          </a:p>
-          <a:p>
-            <a:r>
-              <a:rPr lang="en-US" dirty="0" smtClean="0">
-                <a:latin typeface="Monaco"/>
-                <a:cs typeface="Monaco"/>
-              </a:rPr>
-              <a:t> </a:t>
-            </a:r>
-          </a:p>
-        </p:txBody>
-      </p:sp>
-      <p:cxnSp>
-        <p:nvCxnSpPr>
-          <p:cNvPr id="5" name="Straight Connector 4"/>
-          <p:cNvCxnSpPr/>
-          <p:nvPr/>
-        </p:nvCxnSpPr>
-        <p:spPr>
-          <a:xfrm>
-            <a:off x="1587033" y="2742764"/>
-            <a:ext cx="0" cy="729011"/>
-          </a:xfrm>
-          <a:prstGeom prst="line">
-            <a:avLst/>
-          </a:prstGeom>
-          <a:ln>
-            <a:solidFill>
-              <a:schemeClr val="tx1"/>
-            </a:solidFill>
-          </a:ln>
-          <a:effectLst/>
-        </p:spPr>
-        <p:style>
-          <a:lnRef idx="2">
-            <a:schemeClr val="accent1"/>
-          </a:lnRef>
-          <a:fillRef idx="0">
-            <a:schemeClr val="accent1"/>
-          </a:fillRef>
-          <a:effectRef idx="1">
-            <a:schemeClr val="accent1"/>
-          </a:effectRef>
-          <a:fontRef idx="minor">
-            <a:schemeClr val="tx1"/>
-          </a:fontRef>
-        </p:style>
-      </p:cxnSp>
-    </p:spTree>
-    <p:extLst>
-      <p:ext uri="{BB962C8B-B14F-4D97-AF65-F5344CB8AC3E}">
-        <p14:creationId xmlns:p14="http://schemas.microsoft.com/office/powerpoint/2010/main" val="3643390016"/>
-      </p:ext>
-    </p:extLst>
-  </p:cSld>
-  <p:clrMapOvr>
-    <a:masterClrMapping/>
-  </p:clrMapOvr>
-  <p:timing>
-    <p:tnLst>
-      <p:par>
-        <p:cTn xmlns:p14="http://schemas.microsoft.com/office/powerpoint/2010/main" id="1" dur="indefinite" restart="never" nodeType="tmRoot"/>
-      </p:par>
-    </p:tnLst>
-  </p:timing>
-</p:sld>
-</file>
-
-<file path=ppt/slides/slide23.xml><?xml version="1.0" encoding="utf-8"?>
-<p:sld xmlns:a="http://schemas.openxmlformats.org/drawingml/2006/main" xmlns:r="http://schemas.openxmlformats.org/officeDocument/2006/relationships" xmlns:p="http://schemas.openxmlformats.org/presentationml/2006/main">
-  <p:cSld>
-    <p:spTree>
-      <p:nvGrpSpPr>
-        <p:cNvPr id="1" name=""/>
-        <p:cNvGrpSpPr/>
-        <p:nvPr/>
-      </p:nvGrpSpPr>
-      <p:grpSpPr>
-        <a:xfrm>
-          <a:off x="0" y="0"/>
-          <a:ext cx="0" cy="0"/>
-          <a:chOff x="0" y="0"/>
-          <a:chExt cx="0" cy="0"/>
-        </a:xfrm>
-      </p:grpSpPr>
-      <p:sp>
-        <p:nvSpPr>
-          <p:cNvPr id="2" name="Title 1"/>
-          <p:cNvSpPr>
-            <a:spLocks noGrp="1"/>
-          </p:cNvSpPr>
-          <p:nvPr>
-            <p:ph type="title"/>
-          </p:nvPr>
-        </p:nvSpPr>
-        <p:spPr/>
-        <p:txBody>
-          <a:bodyPr/>
-          <a:lstStyle/>
-          <a:p>
-            <a:r>
-              <a:rPr lang="en-US" dirty="0" smtClean="0"/>
-              <a:t>writing custom functions</a:t>
-            </a:r>
-            <a:endParaRPr lang="en-US" dirty="0"/>
-          </a:p>
-        </p:txBody>
-      </p:sp>
-      <p:sp>
-        <p:nvSpPr>
-          <p:cNvPr id="4" name="TextBox 3"/>
-          <p:cNvSpPr txBox="1"/>
-          <p:nvPr/>
-        </p:nvSpPr>
-        <p:spPr>
-          <a:xfrm>
-            <a:off x="457199" y="1770509"/>
-            <a:ext cx="8338444" cy="3139321"/>
-          </a:xfrm>
-          <a:prstGeom prst="rect">
-            <a:avLst/>
-          </a:prstGeom>
-          <a:noFill/>
-        </p:spPr>
-        <p:txBody>
-          <a:bodyPr wrap="square" rtlCol="0">
-            <a:spAutoFit/>
-          </a:bodyPr>
-          <a:lstStyle/>
-          <a:p>
-            <a:r>
-              <a:rPr lang="en-US" dirty="0" smtClean="0">
-                <a:latin typeface="Monaco"/>
-                <a:cs typeface="Monaco"/>
-              </a:rPr>
-              <a:t># Anatomy of a function definition</a:t>
-            </a:r>
-          </a:p>
-          <a:p>
-            <a:endParaRPr lang="en-US" dirty="0">
-              <a:solidFill>
-                <a:schemeClr val="bg1">
-                  <a:lumMod val="65000"/>
-                </a:schemeClr>
-              </a:solidFill>
-              <a:latin typeface="Monaco"/>
-              <a:cs typeface="Monaco"/>
-            </a:endParaRPr>
-          </a:p>
-          <a:p>
-            <a:r>
-              <a:rPr lang="en-US" dirty="0" smtClean="0">
-                <a:solidFill>
-                  <a:srgbClr val="000000"/>
-                </a:solidFill>
-                <a:latin typeface="Monaco"/>
-                <a:cs typeface="Monaco"/>
-              </a:rPr>
-              <a:t>def </a:t>
-            </a:r>
-            <a:r>
-              <a:rPr lang="en-US" dirty="0" err="1" smtClean="0">
-                <a:solidFill>
-                  <a:schemeClr val="accent5"/>
-                </a:solidFill>
-                <a:latin typeface="Monaco"/>
-                <a:cs typeface="Monaco"/>
-              </a:rPr>
-              <a:t>function_name</a:t>
-            </a:r>
-            <a:r>
-              <a:rPr lang="en-US" dirty="0" smtClean="0">
-                <a:solidFill>
-                  <a:srgbClr val="000000"/>
-                </a:solidFill>
-                <a:latin typeface="Monaco"/>
-                <a:cs typeface="Monaco"/>
-              </a:rPr>
-              <a:t>(</a:t>
-            </a:r>
-            <a:r>
-              <a:rPr lang="en-US" dirty="0" smtClean="0">
-                <a:solidFill>
-                  <a:schemeClr val="accent6"/>
-                </a:solidFill>
-                <a:latin typeface="Monaco"/>
-                <a:cs typeface="Monaco"/>
-              </a:rPr>
-              <a:t>...arguments...</a:t>
-            </a:r>
-            <a:r>
-              <a:rPr lang="en-US" dirty="0" smtClean="0">
-                <a:solidFill>
-                  <a:srgbClr val="000000"/>
-                </a:solidFill>
-                <a:latin typeface="Monaco"/>
-                <a:cs typeface="Monaco"/>
-              </a:rPr>
-              <a:t>):</a:t>
-            </a:r>
-          </a:p>
-          <a:p>
-            <a:r>
-              <a:rPr lang="en-US" dirty="0">
-                <a:solidFill>
-                  <a:srgbClr val="000000"/>
-                </a:solidFill>
-                <a:latin typeface="Monaco"/>
-                <a:cs typeface="Monaco"/>
-              </a:rPr>
-              <a:t>	</a:t>
-            </a:r>
-            <a:r>
-              <a:rPr lang="en-US" dirty="0" smtClean="0">
-                <a:solidFill>
-                  <a:srgbClr val="000000"/>
-                </a:solidFill>
-                <a:latin typeface="Monaco"/>
-                <a:cs typeface="Monaco"/>
-              </a:rPr>
-              <a:t>...</a:t>
-            </a:r>
-          </a:p>
-          <a:p>
-            <a:r>
-              <a:rPr lang="en-US" dirty="0">
-                <a:solidFill>
-                  <a:srgbClr val="000000"/>
-                </a:solidFill>
-                <a:latin typeface="Monaco"/>
-                <a:cs typeface="Monaco"/>
-              </a:rPr>
-              <a:t>	</a:t>
-            </a:r>
-            <a:r>
-              <a:rPr lang="en-US" dirty="0" smtClean="0">
-                <a:solidFill>
-                  <a:srgbClr val="000000"/>
-                </a:solidFill>
-                <a:latin typeface="Monaco"/>
-                <a:cs typeface="Monaco"/>
-              </a:rPr>
-              <a:t>...   Python code</a:t>
-            </a:r>
-          </a:p>
-          <a:p>
-            <a:r>
-              <a:rPr lang="en-US" dirty="0">
-                <a:solidFill>
-                  <a:srgbClr val="000000"/>
-                </a:solidFill>
-                <a:latin typeface="Monaco"/>
-                <a:cs typeface="Monaco"/>
-              </a:rPr>
-              <a:t>	</a:t>
-            </a:r>
-            <a:r>
-              <a:rPr lang="en-US" dirty="0" smtClean="0">
-                <a:solidFill>
-                  <a:srgbClr val="000000"/>
-                </a:solidFill>
-                <a:latin typeface="Monaco"/>
-                <a:cs typeface="Monaco"/>
-              </a:rPr>
-              <a:t>...</a:t>
-            </a:r>
-          </a:p>
-          <a:p>
-            <a:r>
-              <a:rPr lang="en-US" dirty="0">
-                <a:solidFill>
-                  <a:srgbClr val="000000"/>
-                </a:solidFill>
-                <a:latin typeface="Monaco"/>
-                <a:cs typeface="Monaco"/>
-              </a:rPr>
-              <a:t>	</a:t>
-            </a:r>
-            <a:endParaRPr lang="en-US" dirty="0" smtClean="0">
-              <a:solidFill>
-                <a:srgbClr val="000000"/>
-              </a:solidFill>
-              <a:latin typeface="Monaco"/>
-              <a:cs typeface="Monaco"/>
-            </a:endParaRPr>
-          </a:p>
-          <a:p>
-            <a:r>
-              <a:rPr lang="en-US" dirty="0">
-                <a:solidFill>
-                  <a:srgbClr val="000000"/>
-                </a:solidFill>
-                <a:latin typeface="Monaco"/>
-                <a:cs typeface="Monaco"/>
-              </a:rPr>
-              <a:t>	</a:t>
-            </a:r>
-            <a:r>
-              <a:rPr lang="en-US" dirty="0" smtClean="0">
-                <a:solidFill>
-                  <a:srgbClr val="000000"/>
-                </a:solidFill>
-                <a:latin typeface="Monaco"/>
-                <a:cs typeface="Monaco"/>
-              </a:rPr>
-              <a:t>return </a:t>
-            </a:r>
-            <a:r>
-              <a:rPr lang="en-US" dirty="0" err="1" smtClean="0">
-                <a:solidFill>
-                  <a:schemeClr val="accent3"/>
-                </a:solidFill>
-                <a:latin typeface="Monaco"/>
-                <a:cs typeface="Monaco"/>
-              </a:rPr>
-              <a:t>returned_value</a:t>
-            </a:r>
-            <a:endParaRPr lang="en-US" dirty="0" smtClean="0">
-              <a:solidFill>
-                <a:schemeClr val="accent3"/>
-              </a:solidFill>
-              <a:latin typeface="Monaco"/>
-              <a:cs typeface="Monaco"/>
-            </a:endParaRPr>
-          </a:p>
-          <a:p>
-            <a:endParaRPr lang="en-US" dirty="0">
-              <a:latin typeface="Monaco"/>
-              <a:cs typeface="Monaco"/>
-            </a:endParaRPr>
-          </a:p>
-          <a:p>
-            <a:endParaRPr lang="en-US" dirty="0" smtClean="0">
-              <a:latin typeface="Monaco"/>
-              <a:cs typeface="Monaco"/>
-            </a:endParaRPr>
-          </a:p>
-          <a:p>
-            <a:r>
-              <a:rPr lang="en-US" dirty="0" smtClean="0">
-                <a:latin typeface="Monaco"/>
-                <a:cs typeface="Monaco"/>
-              </a:rPr>
-              <a:t> </a:t>
-            </a:r>
-          </a:p>
-        </p:txBody>
-      </p:sp>
-      <p:cxnSp>
-        <p:nvCxnSpPr>
-          <p:cNvPr id="5" name="Straight Connector 4"/>
-          <p:cNvCxnSpPr/>
-          <p:nvPr/>
-        </p:nvCxnSpPr>
-        <p:spPr>
-          <a:xfrm>
-            <a:off x="1587033" y="2742764"/>
-            <a:ext cx="0" cy="729011"/>
-          </a:xfrm>
-          <a:prstGeom prst="line">
-            <a:avLst/>
-          </a:prstGeom>
-          <a:ln>
-            <a:solidFill>
-              <a:schemeClr val="tx1"/>
-            </a:solidFill>
-          </a:ln>
-          <a:effectLst/>
-        </p:spPr>
-        <p:style>
-          <a:lnRef idx="2">
-            <a:schemeClr val="accent1"/>
-          </a:lnRef>
-          <a:fillRef idx="0">
-            <a:schemeClr val="accent1"/>
-          </a:fillRef>
-          <a:effectRef idx="1">
-            <a:schemeClr val="accent1"/>
-          </a:effectRef>
-          <a:fontRef idx="minor">
-            <a:schemeClr val="tx1"/>
-          </a:fontRef>
-        </p:style>
-      </p:cxnSp>
-      <p:sp>
-        <p:nvSpPr>
-          <p:cNvPr id="7" name="Rectangle 6"/>
-          <p:cNvSpPr/>
-          <p:nvPr/>
-        </p:nvSpPr>
-        <p:spPr>
-          <a:xfrm>
-            <a:off x="500745" y="2323988"/>
-            <a:ext cx="531441" cy="373072"/>
-          </a:xfrm>
-          <a:prstGeom prst="rect">
-            <a:avLst/>
-          </a:prstGeom>
-          <a:noFill/>
-          <a:ln w="28575" cmpd="sng">
-            <a:solidFill>
-              <a:schemeClr val="accent2"/>
-            </a:solidFill>
-          </a:ln>
-          <a:effectLst/>
-        </p:spPr>
-        <p:style>
-          <a:lnRef idx="1">
-            <a:schemeClr val="accent1"/>
-          </a:lnRef>
-          <a:fillRef idx="3">
-            <a:schemeClr val="accent1"/>
-          </a:fillRef>
-          <a:effectRef idx="2">
-            <a:schemeClr val="accent1"/>
-          </a:effectRef>
-          <a:fontRef idx="minor">
-            <a:schemeClr val="lt1"/>
-          </a:fontRef>
-        </p:style>
-        <p:txBody>
-          <a:bodyPr rtlCol="0" anchor="ctr"/>
-          <a:lstStyle/>
-          <a:p>
-            <a:pPr algn="ctr"/>
-            <a:endParaRPr lang="en-US"/>
-          </a:p>
-        </p:txBody>
-      </p:sp>
-      <p:sp>
-        <p:nvSpPr>
-          <p:cNvPr id="8" name="Rectangle 7"/>
-          <p:cNvSpPr/>
-          <p:nvPr/>
-        </p:nvSpPr>
-        <p:spPr>
-          <a:xfrm>
-            <a:off x="542254" y="2742764"/>
-            <a:ext cx="447122" cy="1252880"/>
-          </a:xfrm>
-          <a:prstGeom prst="rect">
-            <a:avLst/>
-          </a:prstGeom>
-          <a:noFill/>
-          <a:ln w="28575" cmpd="sng">
-            <a:solidFill>
-              <a:schemeClr val="accent2"/>
-            </a:solidFill>
-          </a:ln>
-          <a:effectLst/>
-        </p:spPr>
-        <p:style>
-          <a:lnRef idx="1">
-            <a:schemeClr val="accent1"/>
-          </a:lnRef>
-          <a:fillRef idx="3">
-            <a:schemeClr val="accent1"/>
-          </a:fillRef>
-          <a:effectRef idx="2">
-            <a:schemeClr val="accent1"/>
-          </a:effectRef>
-          <a:fontRef idx="minor">
-            <a:schemeClr val="lt1"/>
-          </a:fontRef>
-        </p:style>
-        <p:txBody>
-          <a:bodyPr rtlCol="0" anchor="ctr"/>
-          <a:lstStyle/>
-          <a:p>
-            <a:pPr algn="ctr"/>
-            <a:endParaRPr lang="en-US"/>
-          </a:p>
-        </p:txBody>
-      </p:sp>
-      <p:sp>
-        <p:nvSpPr>
-          <p:cNvPr id="9" name="Rectangle 8"/>
-          <p:cNvSpPr/>
-          <p:nvPr/>
-        </p:nvSpPr>
-        <p:spPr>
-          <a:xfrm>
-            <a:off x="5209984" y="2323988"/>
-            <a:ext cx="174506" cy="373072"/>
-          </a:xfrm>
-          <a:prstGeom prst="rect">
-            <a:avLst/>
-          </a:prstGeom>
-          <a:noFill/>
-          <a:ln w="28575" cmpd="sng">
-            <a:solidFill>
-              <a:schemeClr val="accent2"/>
-            </a:solidFill>
-          </a:ln>
-          <a:effectLst/>
-        </p:spPr>
-        <p:style>
-          <a:lnRef idx="1">
-            <a:schemeClr val="accent1"/>
-          </a:lnRef>
-          <a:fillRef idx="3">
-            <a:schemeClr val="accent1"/>
-          </a:fillRef>
-          <a:effectRef idx="2">
-            <a:schemeClr val="accent1"/>
-          </a:effectRef>
-          <a:fontRef idx="minor">
-            <a:schemeClr val="lt1"/>
-          </a:fontRef>
-        </p:style>
-        <p:txBody>
-          <a:bodyPr rtlCol="0" anchor="ctr"/>
-          <a:lstStyle/>
-          <a:p>
-            <a:pPr algn="ctr"/>
-            <a:endParaRPr lang="en-US"/>
-          </a:p>
-        </p:txBody>
-      </p:sp>
-    </p:spTree>
-    <p:extLst>
-      <p:ext uri="{BB962C8B-B14F-4D97-AF65-F5344CB8AC3E}">
-        <p14:creationId xmlns:p14="http://schemas.microsoft.com/office/powerpoint/2010/main" val="2399826621"/>
-      </p:ext>
-    </p:extLst>
-  </p:cSld>
-  <p:clrMapOvr>
-    <a:masterClrMapping/>
-  </p:clrMapOvr>
-  <p:timing>
-    <p:tnLst>
-      <p:par>
-        <p:cTn xmlns:p14="http://schemas.microsoft.com/office/powerpoint/2010/main" id="1" dur="indefinite" restart="never" nodeType="tmRoot">
-          <p:childTnLst>
-            <p:seq concurrent="1" nextAc="seek">
-              <p:cTn id="2" dur="indefinite" nodeType="mainSeq">
-                <p:childTnLst>
-                  <p:par>
-                    <p:cTn id="3" fill="hold">
-                      <p:stCondLst>
-                        <p:cond delay="indefinite"/>
-                      </p:stCondLst>
-                      <p:childTnLst>
-                        <p:par>
-                          <p:cTn id="4" fill="hold">
-                            <p:stCondLst>
-                              <p:cond delay="0"/>
-                            </p:stCondLst>
-                            <p:childTnLst>
-                              <p:par>
-                                <p:cTn id="5" presetID="1" presetClass="entr" presetSubtype="0" fill="hold" grpId="0" nodeType="clickEffect">
-                                  <p:stCondLst>
-                                    <p:cond delay="0"/>
-                                  </p:stCondLst>
-                                  <p:childTnLst>
-                                    <p:set>
-                                      <p:cBhvr>
-                                        <p:cTn id="6" dur="1" fill="hold">
-                                          <p:stCondLst>
-                                            <p:cond delay="0"/>
-                                          </p:stCondLst>
-                                        </p:cTn>
-                                        <p:tgtEl>
-                                          <p:spTgt spid="7"/>
-                                        </p:tgtEl>
-                                        <p:attrNameLst>
-                                          <p:attrName>style.visibility</p:attrName>
-                                        </p:attrNameLst>
-                                      </p:cBhvr>
-                                      <p:to>
-                                        <p:strVal val="visible"/>
-                                      </p:to>
-                                    </p:set>
-                                  </p:childTnLst>
-                                </p:cTn>
-                              </p:par>
-                              <p:par>
-                                <p:cTn id="7" presetID="1" presetClass="entr" presetSubtype="0" fill="hold" grpId="0" nodeType="withEffect">
-                                  <p:stCondLst>
-                                    <p:cond delay="0"/>
-                                  </p:stCondLst>
-                                  <p:childTnLst>
-                                    <p:set>
-                                      <p:cBhvr>
-                                        <p:cTn id="8" dur="1" fill="hold">
-                                          <p:stCondLst>
-                                            <p:cond delay="0"/>
-                                          </p:stCondLst>
-                                        </p:cTn>
-                                        <p:tgtEl>
-                                          <p:spTgt spid="8"/>
-                                        </p:tgtEl>
-                                        <p:attrNameLst>
-                                          <p:attrName>style.visibility</p:attrName>
-                                        </p:attrNameLst>
-                                      </p:cBhvr>
-                                      <p:to>
-                                        <p:strVal val="visible"/>
-                                      </p:to>
-                                    </p:set>
-                                  </p:childTnLst>
-                                </p:cTn>
-                              </p:par>
-                              <p:par>
-                                <p:cTn id="9" presetID="1" presetClass="entr" presetSubtype="0" fill="hold" grpId="0" nodeType="withEffect">
-                                  <p:stCondLst>
-                                    <p:cond delay="0"/>
-                                  </p:stCondLst>
-                                  <p:childTnLst>
-                                    <p:set>
-                                      <p:cBhvr>
-                                        <p:cTn id="10" dur="1" fill="hold">
-                                          <p:stCondLst>
-                                            <p:cond delay="0"/>
-                                          </p:stCondLst>
-                                        </p:cTn>
-                                        <p:tgtEl>
-                                          <p:spTgt spid="9"/>
-                                        </p:tgtEl>
-                                        <p:attrNameLst>
-                                          <p:attrName>style.visibility</p:attrName>
-                                        </p:attrNameLst>
-                                      </p:cBhvr>
-                                      <p:to>
-                                        <p:strVal val="visible"/>
-                                      </p:to>
-                                    </p:set>
-                                  </p:childTnLst>
-                                </p:cTn>
-                              </p:par>
-                            </p:childTnLst>
-                          </p:cTn>
-                        </p:par>
-                      </p:childTnLst>
-                    </p:cTn>
-                  </p:par>
-                </p:childTnLst>
-              </p:cTn>
-              <p:prevCondLst>
-                <p:cond evt="onPrev" delay="0">
-                  <p:tgtEl>
-                    <p:sldTgt/>
-                  </p:tgtEl>
-                </p:cond>
-              </p:prevCondLst>
-              <p:nextCondLst>
-                <p:cond evt="onNext" delay="0">
-                  <p:tgtEl>
-                    <p:sldTgt/>
-                  </p:tgtEl>
-                </p:cond>
-              </p:nextCondLst>
-            </p:seq>
-          </p:childTnLst>
-        </p:cTn>
-      </p:par>
-    </p:tnLst>
-    <p:bldLst>
-      <p:bldP spid="7" grpId="0" animBg="1"/>
-      <p:bldP spid="8" grpId="0" animBg="1"/>
-      <p:bldP spid="9" grpId="0" animBg="1"/>
-    </p:bldLst>
-  </p:timing>
-</p:sld>
-</file>
-
-<file path=ppt/slides/slide24.xml><?xml version="1.0" encoding="utf-8"?>
-<p:sld xmlns:a="http://schemas.openxmlformats.org/drawingml/2006/main" xmlns:r="http://schemas.openxmlformats.org/officeDocument/2006/relationships" xmlns:p="http://schemas.openxmlformats.org/presentationml/2006/main">
-  <p:cSld>
-    <p:spTree>
-      <p:nvGrpSpPr>
-        <p:cNvPr id="1" name=""/>
-        <p:cNvGrpSpPr/>
-        <p:nvPr/>
-      </p:nvGrpSpPr>
-      <p:grpSpPr>
-        <a:xfrm>
-          <a:off x="0" y="0"/>
-          <a:ext cx="0" cy="0"/>
-          <a:chOff x="0" y="0"/>
-          <a:chExt cx="0" cy="0"/>
-        </a:xfrm>
-      </p:grpSpPr>
-      <p:sp>
-        <p:nvSpPr>
-          <p:cNvPr id="2" name="Title 1"/>
-          <p:cNvSpPr>
-            <a:spLocks noGrp="1"/>
-          </p:cNvSpPr>
-          <p:nvPr>
-            <p:ph type="title"/>
-          </p:nvPr>
-        </p:nvSpPr>
-        <p:spPr/>
-        <p:txBody>
-          <a:bodyPr/>
-          <a:lstStyle/>
-          <a:p>
-            <a:r>
-              <a:rPr lang="en-US" dirty="0" smtClean="0"/>
-              <a:t>so how can we re-write the len() function?</a:t>
-            </a:r>
-            <a:endParaRPr lang="en-US" dirty="0"/>
-          </a:p>
-        </p:txBody>
-      </p:sp>
-      <p:sp>
-        <p:nvSpPr>
-          <p:cNvPr id="4" name="TextBox 3"/>
-          <p:cNvSpPr txBox="1"/>
-          <p:nvPr/>
-        </p:nvSpPr>
-        <p:spPr>
-          <a:xfrm>
-            <a:off x="457199" y="1770509"/>
-            <a:ext cx="8338444" cy="6740308"/>
-          </a:xfrm>
-          <a:prstGeom prst="rect">
-            <a:avLst/>
-          </a:prstGeom>
-          <a:noFill/>
-        </p:spPr>
-        <p:txBody>
-          <a:bodyPr wrap="square" rtlCol="0">
-            <a:spAutoFit/>
-          </a:bodyPr>
-          <a:lstStyle/>
-          <a:p>
-            <a:r>
-              <a:rPr lang="en-US" dirty="0" smtClean="0">
-                <a:latin typeface="Monaco"/>
-                <a:cs typeface="Monaco"/>
-              </a:rPr>
-              <a:t># Example function construction </a:t>
-            </a:r>
-            <a:endParaRPr lang="en-US" dirty="0">
-              <a:solidFill>
-                <a:schemeClr val="bg1">
-                  <a:lumMod val="65000"/>
-                </a:schemeClr>
-              </a:solidFill>
-              <a:latin typeface="Monaco"/>
-              <a:cs typeface="Monaco"/>
-            </a:endParaRPr>
-          </a:p>
-          <a:p>
-            <a:r>
-              <a:rPr lang="en-US" dirty="0" smtClean="0">
-                <a:solidFill>
-                  <a:srgbClr val="000000"/>
-                </a:solidFill>
-                <a:latin typeface="Monaco"/>
-                <a:cs typeface="Monaco"/>
-              </a:rPr>
-              <a:t>def </a:t>
-            </a:r>
-            <a:r>
-              <a:rPr lang="en-US" dirty="0" err="1" smtClean="0">
-                <a:solidFill>
-                  <a:schemeClr val="accent5"/>
-                </a:solidFill>
-                <a:latin typeface="Monaco"/>
-                <a:cs typeface="Monaco"/>
-              </a:rPr>
-              <a:t>my_len</a:t>
-            </a:r>
-            <a:r>
-              <a:rPr lang="en-US" dirty="0" smtClean="0">
-                <a:solidFill>
-                  <a:srgbClr val="000000"/>
-                </a:solidFill>
-                <a:latin typeface="Monaco"/>
-                <a:cs typeface="Monaco"/>
-              </a:rPr>
-              <a:t>(</a:t>
-            </a:r>
-            <a:r>
-              <a:rPr lang="en-US" dirty="0" smtClean="0">
-                <a:solidFill>
-                  <a:schemeClr val="accent6"/>
-                </a:solidFill>
-                <a:latin typeface="Monaco"/>
-                <a:cs typeface="Monaco"/>
-              </a:rPr>
-              <a:t>item</a:t>
-            </a:r>
-            <a:r>
-              <a:rPr lang="en-US" dirty="0" smtClean="0">
-                <a:solidFill>
-                  <a:srgbClr val="000000"/>
-                </a:solidFill>
-                <a:latin typeface="Monaco"/>
-                <a:cs typeface="Monaco"/>
-              </a:rPr>
-              <a:t>):</a:t>
-            </a:r>
-          </a:p>
-          <a:p>
-            <a:endParaRPr lang="en-US" dirty="0" smtClean="0">
-              <a:solidFill>
-                <a:srgbClr val="000000"/>
-              </a:solidFill>
-              <a:latin typeface="Monaco"/>
-              <a:cs typeface="Monaco"/>
-            </a:endParaRPr>
-          </a:p>
-          <a:p>
-            <a:r>
-              <a:rPr lang="en-US" dirty="0">
-                <a:solidFill>
-                  <a:srgbClr val="000000"/>
-                </a:solidFill>
-                <a:latin typeface="Monaco"/>
-                <a:cs typeface="Monaco"/>
-              </a:rPr>
-              <a:t>	</a:t>
-            </a:r>
-            <a:r>
-              <a:rPr lang="en-US" dirty="0" smtClean="0">
-                <a:solidFill>
-                  <a:srgbClr val="000000"/>
-                </a:solidFill>
-                <a:latin typeface="Monaco"/>
-                <a:cs typeface="Monaco"/>
-              </a:rPr>
-              <a:t># Loop over item to count its size</a:t>
-            </a:r>
-          </a:p>
-          <a:p>
-            <a:r>
-              <a:rPr lang="en-US" dirty="0" smtClean="0">
-                <a:solidFill>
-                  <a:srgbClr val="000000"/>
-                </a:solidFill>
-                <a:latin typeface="Monaco"/>
-                <a:cs typeface="Monaco"/>
-              </a:rPr>
-              <a:t>	j = 0</a:t>
-            </a:r>
-          </a:p>
-          <a:p>
-            <a:r>
-              <a:rPr lang="en-US" dirty="0">
-                <a:solidFill>
-                  <a:srgbClr val="000000"/>
-                </a:solidFill>
-                <a:latin typeface="Monaco"/>
-                <a:cs typeface="Monaco"/>
-              </a:rPr>
-              <a:t>	</a:t>
-            </a:r>
-            <a:r>
-              <a:rPr lang="en-US" dirty="0" smtClean="0">
-                <a:solidFill>
-                  <a:srgbClr val="000000"/>
-                </a:solidFill>
-                <a:latin typeface="Monaco"/>
-                <a:cs typeface="Monaco"/>
-              </a:rPr>
-              <a:t>for entry in item:</a:t>
-            </a:r>
-          </a:p>
-          <a:p>
-            <a:r>
-              <a:rPr lang="en-US" dirty="0">
-                <a:solidFill>
-                  <a:srgbClr val="000000"/>
-                </a:solidFill>
-                <a:latin typeface="Monaco"/>
-                <a:cs typeface="Monaco"/>
-              </a:rPr>
-              <a:t>	</a:t>
-            </a:r>
-            <a:r>
-              <a:rPr lang="en-US" dirty="0" smtClean="0">
-                <a:solidFill>
-                  <a:srgbClr val="000000"/>
-                </a:solidFill>
-                <a:latin typeface="Monaco"/>
-                <a:cs typeface="Monaco"/>
-              </a:rPr>
-              <a:t>	j += 1</a:t>
-            </a:r>
-          </a:p>
-          <a:p>
-            <a:endParaRPr lang="en-US" dirty="0" smtClean="0">
-              <a:solidFill>
-                <a:srgbClr val="000000"/>
-              </a:solidFill>
-              <a:latin typeface="Monaco"/>
-              <a:cs typeface="Monaco"/>
-            </a:endParaRPr>
-          </a:p>
-          <a:p>
-            <a:r>
-              <a:rPr lang="en-US" dirty="0">
-                <a:solidFill>
-                  <a:srgbClr val="000000"/>
-                </a:solidFill>
-                <a:latin typeface="Monaco"/>
-                <a:cs typeface="Monaco"/>
-              </a:rPr>
-              <a:t>	</a:t>
-            </a:r>
-            <a:r>
-              <a:rPr lang="en-US" dirty="0" smtClean="0">
-                <a:solidFill>
-                  <a:srgbClr val="000000"/>
-                </a:solidFill>
-                <a:latin typeface="Monaco"/>
-                <a:cs typeface="Monaco"/>
-              </a:rPr>
-              <a:t># Return the size</a:t>
-            </a:r>
-          </a:p>
-          <a:p>
-            <a:r>
-              <a:rPr lang="en-US" dirty="0">
-                <a:solidFill>
-                  <a:srgbClr val="000000"/>
-                </a:solidFill>
-                <a:latin typeface="Monaco"/>
-                <a:cs typeface="Monaco"/>
-              </a:rPr>
-              <a:t>	</a:t>
-            </a:r>
-            <a:r>
-              <a:rPr lang="en-US" dirty="0" smtClean="0">
-                <a:solidFill>
-                  <a:srgbClr val="000000"/>
-                </a:solidFill>
-                <a:latin typeface="Monaco"/>
-                <a:cs typeface="Monaco"/>
-              </a:rPr>
-              <a:t>return </a:t>
-            </a:r>
-            <a:r>
-              <a:rPr lang="en-US" dirty="0" smtClean="0">
-                <a:solidFill>
-                  <a:srgbClr val="526DB0"/>
-                </a:solidFill>
-                <a:latin typeface="Monaco"/>
-                <a:cs typeface="Monaco"/>
-              </a:rPr>
-              <a:t>j</a:t>
-            </a:r>
-          </a:p>
-          <a:p>
-            <a:endParaRPr lang="en-US" dirty="0">
-              <a:latin typeface="Monaco"/>
-              <a:cs typeface="Monaco"/>
-            </a:endParaRPr>
-          </a:p>
-          <a:p>
-            <a:r>
-              <a:rPr lang="en-US" dirty="0" smtClean="0">
-                <a:latin typeface="Monaco"/>
-                <a:cs typeface="Monaco"/>
-              </a:rPr>
-              <a:t># Now we can use the function!</a:t>
-            </a:r>
-          </a:p>
-          <a:p>
-            <a:r>
-              <a:rPr lang="en-US" dirty="0" smtClean="0">
-                <a:latin typeface="Monaco"/>
-                <a:cs typeface="Monaco"/>
-              </a:rPr>
-              <a:t>my_list = [1,2,3,4,5,6]</a:t>
-            </a:r>
-          </a:p>
-          <a:p>
-            <a:r>
-              <a:rPr lang="en-US" dirty="0" smtClean="0">
-                <a:solidFill>
-                  <a:schemeClr val="accent3"/>
-                </a:solidFill>
-                <a:latin typeface="Monaco"/>
-                <a:cs typeface="Monaco"/>
-              </a:rPr>
-              <a:t>b</a:t>
-            </a:r>
-            <a:r>
-              <a:rPr lang="en-US" dirty="0" smtClean="0">
-                <a:latin typeface="Monaco"/>
-                <a:cs typeface="Monaco"/>
-              </a:rPr>
-              <a:t> = </a:t>
-            </a:r>
-            <a:r>
-              <a:rPr lang="en-US" dirty="0" err="1" smtClean="0">
-                <a:solidFill>
-                  <a:srgbClr val="DC5924"/>
-                </a:solidFill>
-                <a:latin typeface="Monaco"/>
-                <a:cs typeface="Monaco"/>
-              </a:rPr>
-              <a:t>my_len</a:t>
-            </a:r>
-            <a:r>
-              <a:rPr lang="en-US" dirty="0" smtClean="0">
-                <a:latin typeface="Monaco"/>
-                <a:cs typeface="Monaco"/>
-              </a:rPr>
-              <a:t>(</a:t>
-            </a:r>
-            <a:r>
-              <a:rPr lang="en-US" dirty="0" smtClean="0">
-                <a:solidFill>
-                  <a:srgbClr val="B4B392"/>
-                </a:solidFill>
-                <a:latin typeface="Monaco"/>
-                <a:cs typeface="Monaco"/>
-              </a:rPr>
-              <a:t>my_list</a:t>
-            </a:r>
-            <a:r>
-              <a:rPr lang="en-US" dirty="0" smtClean="0">
-                <a:latin typeface="Monaco"/>
-                <a:cs typeface="Monaco"/>
-              </a:rPr>
-              <a:t>)</a:t>
-            </a:r>
-          </a:p>
-          <a:p>
-            <a:r>
-              <a:rPr lang="en-US" dirty="0" smtClean="0">
-                <a:latin typeface="Monaco"/>
-                <a:cs typeface="Monaco"/>
-              </a:rPr>
-              <a:t>print(</a:t>
-            </a:r>
-            <a:r>
-              <a:rPr lang="en-US" dirty="0" smtClean="0">
-                <a:solidFill>
-                  <a:schemeClr val="accent3"/>
-                </a:solidFill>
-                <a:latin typeface="Monaco"/>
-                <a:cs typeface="Monaco"/>
-              </a:rPr>
-              <a:t>b)</a:t>
-            </a:r>
-          </a:p>
-          <a:p>
-            <a:r>
-              <a:rPr lang="en-US" dirty="0">
-                <a:latin typeface="Monaco"/>
-                <a:cs typeface="Monaco"/>
-              </a:rPr>
-              <a:t>	</a:t>
-            </a:r>
-            <a:r>
-              <a:rPr lang="en-US" dirty="0" smtClean="0">
-                <a:solidFill>
-                  <a:schemeClr val="bg1">
-                    <a:lumMod val="65000"/>
-                  </a:schemeClr>
-                </a:solidFill>
-                <a:latin typeface="Monaco"/>
-                <a:cs typeface="Monaco"/>
-              </a:rPr>
-              <a:t>6</a:t>
-            </a:r>
-          </a:p>
-          <a:p>
-            <a:r>
-              <a:rPr lang="en-US" dirty="0">
-                <a:latin typeface="Monaco"/>
-                <a:cs typeface="Monaco"/>
-              </a:rPr>
-              <a:t>print(j)</a:t>
-            </a:r>
-          </a:p>
-          <a:p>
-            <a:r>
-              <a:rPr lang="en-US" dirty="0">
-                <a:solidFill>
-                  <a:schemeClr val="tx2"/>
-                </a:solidFill>
-                <a:latin typeface="Monaco"/>
-                <a:cs typeface="Monaco"/>
-              </a:rPr>
-              <a:t>	</a:t>
-            </a:r>
-            <a:r>
-              <a:rPr lang="en-US" dirty="0" err="1">
-                <a:solidFill>
-                  <a:schemeClr val="tx2"/>
-                </a:solidFill>
-                <a:latin typeface="Monaco"/>
-                <a:cs typeface="Monaco"/>
-              </a:rPr>
-              <a:t>NameError</a:t>
-            </a:r>
-            <a:r>
-              <a:rPr lang="en-US" dirty="0">
-                <a:solidFill>
-                  <a:schemeClr val="tx2"/>
-                </a:solidFill>
-                <a:latin typeface="Monaco"/>
-                <a:cs typeface="Monaco"/>
-              </a:rPr>
-              <a:t>: name 'j' is not defined</a:t>
-            </a:r>
-          </a:p>
-          <a:p>
-            <a:endParaRPr lang="en-US" dirty="0">
-              <a:latin typeface="Monaco"/>
-              <a:cs typeface="Monaco"/>
-            </a:endParaRPr>
-          </a:p>
-          <a:p>
-            <a:endParaRPr lang="en-US" dirty="0">
-              <a:latin typeface="Monaco"/>
-              <a:cs typeface="Monaco"/>
-            </a:endParaRPr>
-          </a:p>
-          <a:p>
-            <a:r>
-              <a:rPr lang="en-US" dirty="0">
-                <a:latin typeface="Monaco"/>
-                <a:cs typeface="Monaco"/>
-              </a:rPr>
-              <a:t> </a:t>
-            </a:r>
-          </a:p>
-          <a:p>
-            <a:endParaRPr lang="en-US" dirty="0">
-              <a:latin typeface="Monaco"/>
-              <a:cs typeface="Monaco"/>
-            </a:endParaRPr>
-          </a:p>
-          <a:p>
-            <a:endParaRPr lang="en-US" dirty="0" smtClean="0">
-              <a:latin typeface="Monaco"/>
-              <a:cs typeface="Monaco"/>
-            </a:endParaRPr>
-          </a:p>
-          <a:p>
-            <a:r>
-              <a:rPr lang="en-US" dirty="0" smtClean="0">
-                <a:latin typeface="Monaco"/>
-                <a:cs typeface="Monaco"/>
-              </a:rPr>
-              <a:t> </a:t>
-            </a:r>
-          </a:p>
-        </p:txBody>
-      </p:sp>
-      <p:sp>
-        <p:nvSpPr>
-          <p:cNvPr id="5" name="TextBox 4"/>
-          <p:cNvSpPr txBox="1"/>
-          <p:nvPr/>
-        </p:nvSpPr>
-        <p:spPr>
-          <a:xfrm>
-            <a:off x="4650808" y="3042416"/>
-            <a:ext cx="4257911" cy="1754327"/>
-          </a:xfrm>
-          <a:prstGeom prst="rect">
-            <a:avLst/>
-          </a:prstGeom>
-          <a:noFill/>
-          <a:ln w="28575" cmpd="sng">
-            <a:solidFill>
-              <a:schemeClr val="accent2"/>
-            </a:solidFill>
-          </a:ln>
-        </p:spPr>
-        <p:txBody>
-          <a:bodyPr wrap="square" rtlCol="0">
-            <a:spAutoFit/>
-          </a:bodyPr>
-          <a:lstStyle/>
-          <a:p>
-            <a:r>
-              <a:rPr lang="en-US" dirty="0" smtClean="0">
-                <a:solidFill>
-                  <a:schemeClr val="accent5"/>
-                </a:solidFill>
-              </a:rPr>
-              <a:t>Function names </a:t>
-            </a:r>
-            <a:r>
-              <a:rPr lang="en-US" dirty="0" smtClean="0"/>
-              <a:t>should be meaningful</a:t>
-            </a:r>
-          </a:p>
-          <a:p>
-            <a:endParaRPr lang="en-US" dirty="0" smtClean="0"/>
-          </a:p>
-          <a:p>
-            <a:r>
-              <a:rPr lang="en-US" dirty="0" smtClean="0">
-                <a:solidFill>
-                  <a:schemeClr val="accent6"/>
-                </a:solidFill>
-              </a:rPr>
-              <a:t>Arguments</a:t>
-            </a:r>
-            <a:r>
-              <a:rPr lang="en-US" dirty="0" smtClean="0"/>
-              <a:t> are </a:t>
-            </a:r>
-            <a:r>
-              <a:rPr lang="en-US" i="1" dirty="0" smtClean="0"/>
-              <a:t>arbitrary variable names</a:t>
-            </a:r>
-          </a:p>
-          <a:p>
-            <a:endParaRPr lang="en-US" i="1" dirty="0"/>
-          </a:p>
-          <a:p>
-            <a:r>
-              <a:rPr lang="en-US" dirty="0" smtClean="0">
-                <a:solidFill>
-                  <a:schemeClr val="accent3"/>
-                </a:solidFill>
-              </a:rPr>
-              <a:t>Variables</a:t>
-            </a:r>
-            <a:r>
-              <a:rPr lang="en-US" dirty="0" smtClean="0"/>
-              <a:t> defined/used in the function </a:t>
-            </a:r>
-            <a:r>
-              <a:rPr lang="en-US" i="1" dirty="0" smtClean="0"/>
-              <a:t>exist only in the function</a:t>
-            </a:r>
-            <a:endParaRPr lang="en-US" dirty="0"/>
-          </a:p>
-        </p:txBody>
-      </p:sp>
-    </p:spTree>
-    <p:extLst>
-      <p:ext uri="{BB962C8B-B14F-4D97-AF65-F5344CB8AC3E}">
-        <p14:creationId xmlns:p14="http://schemas.microsoft.com/office/powerpoint/2010/main" val="4072509237"/>
-      </p:ext>
-    </p:extLst>
-  </p:cSld>
-  <p:clrMapOvr>
-    <a:masterClrMapping/>
-  </p:clrMapOvr>
-  <p:timing>
-    <p:tnLst>
-      <p:par>
-        <p:cTn xmlns:p14="http://schemas.microsoft.com/office/powerpoint/2010/main" id="1" dur="indefinite" restart="never" nodeType="tmRoot">
-          <p:childTnLst>
-            <p:seq concurrent="1" nextAc="seek">
-              <p:cTn id="2" dur="indefinite" nodeType="mainSeq">
-                <p:childTnLst>
-                  <p:par>
-                    <p:cTn id="3" fill="hold">
-                      <p:stCondLst>
-                        <p:cond delay="indefinite"/>
-                      </p:stCondLst>
-                      <p:childTnLst>
-                        <p:par>
-                          <p:cTn id="4" fill="hold">
-                            <p:stCondLst>
-                              <p:cond delay="0"/>
-                            </p:stCondLst>
-                            <p:childTnLst>
-                              <p:par>
-                                <p:cTn id="5" presetID="1" presetClass="entr" presetSubtype="0" fill="hold" nodeType="clickEffect">
-                                  <p:stCondLst>
-                                    <p:cond delay="0"/>
-                                  </p:stCondLst>
-                                  <p:childTnLst>
-                                    <p:set>
-                                      <p:cBhvr>
-                                        <p:cTn id="6" dur="1" fill="hold">
-                                          <p:stCondLst>
-                                            <p:cond delay="0"/>
-                                          </p:stCondLst>
-                                        </p:cTn>
-                                        <p:tgtEl>
-                                          <p:spTgt spid="4">
-                                            <p:txEl>
-                                              <p:pRg st="0" end="0"/>
-                                            </p:txEl>
-                                          </p:spTgt>
-                                        </p:tgtEl>
-                                        <p:attrNameLst>
-                                          <p:attrName>style.visibility</p:attrName>
-                                        </p:attrNameLst>
-                                      </p:cBhvr>
-                                      <p:to>
-                                        <p:strVal val="visible"/>
-                                      </p:to>
-                                    </p:set>
-                                  </p:childTnLst>
-                                </p:cTn>
-                              </p:par>
-                              <p:par>
-                                <p:cTn id="7" presetID="1" presetClass="entr" presetSubtype="0" fill="hold" nodeType="withEffect">
-                                  <p:stCondLst>
-                                    <p:cond delay="0"/>
-                                  </p:stCondLst>
-                                  <p:childTnLst>
-                                    <p:set>
-                                      <p:cBhvr>
-                                        <p:cTn id="8" dur="1" fill="hold">
-                                          <p:stCondLst>
-                                            <p:cond delay="0"/>
-                                          </p:stCondLst>
-                                        </p:cTn>
-                                        <p:tgtEl>
-                                          <p:spTgt spid="4">
-                                            <p:txEl>
-                                              <p:pRg st="1" end="1"/>
-                                            </p:txEl>
-                                          </p:spTgt>
-                                        </p:tgtEl>
-                                        <p:attrNameLst>
-                                          <p:attrName>style.visibility</p:attrName>
-                                        </p:attrNameLst>
-                                      </p:cBhvr>
-                                      <p:to>
-                                        <p:strVal val="visible"/>
-                                      </p:to>
-                                    </p:set>
-                                  </p:childTnLst>
-                                </p:cTn>
-                              </p:par>
-                              <p:par>
-                                <p:cTn id="9" presetID="1" presetClass="entr" presetSubtype="0" fill="hold" nodeType="withEffect">
-                                  <p:stCondLst>
-                                    <p:cond delay="0"/>
-                                  </p:stCondLst>
-                                  <p:childTnLst>
-                                    <p:set>
-                                      <p:cBhvr>
-                                        <p:cTn id="10" dur="1" fill="hold">
-                                          <p:stCondLst>
-                                            <p:cond delay="0"/>
-                                          </p:stCondLst>
-                                        </p:cTn>
-                                        <p:tgtEl>
-                                          <p:spTgt spid="4">
-                                            <p:txEl>
-                                              <p:pRg st="3" end="3"/>
-                                            </p:txEl>
-                                          </p:spTgt>
-                                        </p:tgtEl>
-                                        <p:attrNameLst>
-                                          <p:attrName>style.visibility</p:attrName>
-                                        </p:attrNameLst>
-                                      </p:cBhvr>
-                                      <p:to>
-                                        <p:strVal val="visible"/>
-                                      </p:to>
-                                    </p:set>
-                                  </p:childTnLst>
-                                </p:cTn>
-                              </p:par>
-                              <p:par>
-                                <p:cTn id="11" presetID="1" presetClass="entr" presetSubtype="0" fill="hold" nodeType="withEffect">
-                                  <p:stCondLst>
-                                    <p:cond delay="0"/>
-                                  </p:stCondLst>
-                                  <p:childTnLst>
-                                    <p:set>
-                                      <p:cBhvr>
-                                        <p:cTn id="12" dur="1" fill="hold">
-                                          <p:stCondLst>
-                                            <p:cond delay="0"/>
-                                          </p:stCondLst>
-                                        </p:cTn>
-                                        <p:tgtEl>
-                                          <p:spTgt spid="4">
-                                            <p:txEl>
-                                              <p:pRg st="4" end="4"/>
-                                            </p:txEl>
-                                          </p:spTgt>
-                                        </p:tgtEl>
-                                        <p:attrNameLst>
-                                          <p:attrName>style.visibility</p:attrName>
-                                        </p:attrNameLst>
-                                      </p:cBhvr>
-                                      <p:to>
-                                        <p:strVal val="visible"/>
-                                      </p:to>
-                                    </p:set>
-                                  </p:childTnLst>
-                                </p:cTn>
-                              </p:par>
-                              <p:par>
-                                <p:cTn id="13" presetID="1" presetClass="entr" presetSubtype="0" fill="hold" nodeType="withEffect">
-                                  <p:stCondLst>
-                                    <p:cond delay="0"/>
-                                  </p:stCondLst>
-                                  <p:childTnLst>
-                                    <p:set>
-                                      <p:cBhvr>
-                                        <p:cTn id="14" dur="1" fill="hold">
-                                          <p:stCondLst>
-                                            <p:cond delay="0"/>
-                                          </p:stCondLst>
-                                        </p:cTn>
-                                        <p:tgtEl>
-                                          <p:spTgt spid="4">
-                                            <p:txEl>
-                                              <p:pRg st="5" end="5"/>
-                                            </p:txEl>
-                                          </p:spTgt>
-                                        </p:tgtEl>
-                                        <p:attrNameLst>
-                                          <p:attrName>style.visibility</p:attrName>
-                                        </p:attrNameLst>
-                                      </p:cBhvr>
-                                      <p:to>
-                                        <p:strVal val="visible"/>
-                                      </p:to>
-                                    </p:set>
-                                  </p:childTnLst>
-                                </p:cTn>
-                              </p:par>
-                              <p:par>
-                                <p:cTn id="15" presetID="1" presetClass="entr" presetSubtype="0" fill="hold" nodeType="withEffect">
-                                  <p:stCondLst>
-                                    <p:cond delay="0"/>
-                                  </p:stCondLst>
-                                  <p:childTnLst>
-                                    <p:set>
-                                      <p:cBhvr>
-                                        <p:cTn id="16" dur="1" fill="hold">
-                                          <p:stCondLst>
-                                            <p:cond delay="0"/>
-                                          </p:stCondLst>
-                                        </p:cTn>
-                                        <p:tgtEl>
-                                          <p:spTgt spid="4">
-                                            <p:txEl>
-                                              <p:pRg st="6" end="6"/>
-                                            </p:txEl>
-                                          </p:spTgt>
-                                        </p:tgtEl>
-                                        <p:attrNameLst>
-                                          <p:attrName>style.visibility</p:attrName>
-                                        </p:attrNameLst>
-                                      </p:cBhvr>
-                                      <p:to>
-                                        <p:strVal val="visible"/>
-                                      </p:to>
-                                    </p:set>
-                                  </p:childTnLst>
-                                </p:cTn>
-                              </p:par>
-                              <p:par>
-                                <p:cTn id="17" presetID="1" presetClass="entr" presetSubtype="0" fill="hold" nodeType="withEffect">
-                                  <p:stCondLst>
-                                    <p:cond delay="0"/>
-                                  </p:stCondLst>
-                                  <p:childTnLst>
-                                    <p:set>
-                                      <p:cBhvr>
-                                        <p:cTn id="18" dur="1" fill="hold">
-                                          <p:stCondLst>
-                                            <p:cond delay="0"/>
-                                          </p:stCondLst>
-                                        </p:cTn>
-                                        <p:tgtEl>
-                                          <p:spTgt spid="4">
-                                            <p:txEl>
-                                              <p:pRg st="8" end="8"/>
-                                            </p:txEl>
-                                          </p:spTgt>
-                                        </p:tgtEl>
-                                        <p:attrNameLst>
-                                          <p:attrName>style.visibility</p:attrName>
-                                        </p:attrNameLst>
-                                      </p:cBhvr>
-                                      <p:to>
-                                        <p:strVal val="visible"/>
-                                      </p:to>
-                                    </p:set>
-                                  </p:childTnLst>
-                                </p:cTn>
-                              </p:par>
-                              <p:par>
-                                <p:cTn id="19" presetID="1" presetClass="entr" presetSubtype="0" fill="hold" nodeType="withEffect">
-                                  <p:stCondLst>
-                                    <p:cond delay="0"/>
-                                  </p:stCondLst>
-                                  <p:childTnLst>
-                                    <p:set>
-                                      <p:cBhvr>
-                                        <p:cTn id="20" dur="1" fill="hold">
-                                          <p:stCondLst>
-                                            <p:cond delay="0"/>
-                                          </p:stCondLst>
-                                        </p:cTn>
-                                        <p:tgtEl>
-                                          <p:spTgt spid="4">
-                                            <p:txEl>
-                                              <p:pRg st="9" end="9"/>
-                                            </p:txEl>
-                                          </p:spTgt>
-                                        </p:tgtEl>
-                                        <p:attrNameLst>
-                                          <p:attrName>style.visibility</p:attrName>
-                                        </p:attrNameLst>
-                                      </p:cBhvr>
-                                      <p:to>
-                                        <p:strVal val="visible"/>
-                                      </p:to>
-                                    </p:set>
-                                  </p:childTnLst>
-                                </p:cTn>
-                              </p:par>
-                            </p:childTnLst>
-                          </p:cTn>
-                        </p:par>
-                      </p:childTnLst>
-                    </p:cTn>
-                  </p:par>
-                  <p:par>
-                    <p:cTn id="21" fill="hold">
-                      <p:stCondLst>
-                        <p:cond delay="indefinite"/>
-                      </p:stCondLst>
-                      <p:childTnLst>
-                        <p:par>
-                          <p:cTn id="22" fill="hold">
-                            <p:stCondLst>
-                              <p:cond delay="0"/>
-                            </p:stCondLst>
-                            <p:childTnLst>
-                              <p:par>
-                                <p:cTn id="23" presetID="1" presetClass="entr" presetSubtype="0" fill="hold" nodeType="clickEffect">
-                                  <p:stCondLst>
-                                    <p:cond delay="0"/>
-                                  </p:stCondLst>
-                                  <p:childTnLst>
-                                    <p:set>
-                                      <p:cBhvr>
-                                        <p:cTn id="24" dur="1" fill="hold">
-                                          <p:stCondLst>
-                                            <p:cond delay="0"/>
-                                          </p:stCondLst>
-                                        </p:cTn>
-                                        <p:tgtEl>
-                                          <p:spTgt spid="4">
-                                            <p:txEl>
-                                              <p:pRg st="11" end="11"/>
-                                            </p:txEl>
-                                          </p:spTgt>
-                                        </p:tgtEl>
-                                        <p:attrNameLst>
-                                          <p:attrName>style.visibility</p:attrName>
-                                        </p:attrNameLst>
-                                      </p:cBhvr>
-                                      <p:to>
-                                        <p:strVal val="visible"/>
-                                      </p:to>
-                                    </p:set>
-                                  </p:childTnLst>
-                                </p:cTn>
-                              </p:par>
-                              <p:par>
-                                <p:cTn id="25" presetID="1" presetClass="entr" presetSubtype="0" fill="hold" nodeType="withEffect">
-                                  <p:stCondLst>
-                                    <p:cond delay="0"/>
-                                  </p:stCondLst>
-                                  <p:childTnLst>
-                                    <p:set>
-                                      <p:cBhvr>
-                                        <p:cTn id="26" dur="1" fill="hold">
-                                          <p:stCondLst>
-                                            <p:cond delay="0"/>
-                                          </p:stCondLst>
-                                        </p:cTn>
-                                        <p:tgtEl>
-                                          <p:spTgt spid="4">
-                                            <p:txEl>
-                                              <p:pRg st="12" end="12"/>
-                                            </p:txEl>
-                                          </p:spTgt>
-                                        </p:tgtEl>
-                                        <p:attrNameLst>
-                                          <p:attrName>style.visibility</p:attrName>
-                                        </p:attrNameLst>
-                                      </p:cBhvr>
-                                      <p:to>
-                                        <p:strVal val="visible"/>
-                                      </p:to>
-                                    </p:set>
-                                  </p:childTnLst>
-                                </p:cTn>
-                              </p:par>
-                              <p:par>
-                                <p:cTn id="27" presetID="1" presetClass="entr" presetSubtype="0" fill="hold" nodeType="withEffect">
-                                  <p:stCondLst>
-                                    <p:cond delay="0"/>
-                                  </p:stCondLst>
-                                  <p:childTnLst>
-                                    <p:set>
-                                      <p:cBhvr>
-                                        <p:cTn id="28" dur="1" fill="hold">
-                                          <p:stCondLst>
-                                            <p:cond delay="0"/>
-                                          </p:stCondLst>
-                                        </p:cTn>
-                                        <p:tgtEl>
-                                          <p:spTgt spid="4">
-                                            <p:txEl>
-                                              <p:pRg st="13" end="13"/>
-                                            </p:txEl>
-                                          </p:spTgt>
-                                        </p:tgtEl>
-                                        <p:attrNameLst>
-                                          <p:attrName>style.visibility</p:attrName>
-                                        </p:attrNameLst>
-                                      </p:cBhvr>
-                                      <p:to>
-                                        <p:strVal val="visible"/>
-                                      </p:to>
-                                    </p:set>
-                                  </p:childTnLst>
-                                </p:cTn>
-                              </p:par>
-                              <p:par>
-                                <p:cTn id="29" presetID="1" presetClass="entr" presetSubtype="0" fill="hold" nodeType="withEffect">
-                                  <p:stCondLst>
-                                    <p:cond delay="0"/>
-                                  </p:stCondLst>
-                                  <p:childTnLst>
-                                    <p:set>
-                                      <p:cBhvr>
-                                        <p:cTn id="30" dur="1" fill="hold">
-                                          <p:stCondLst>
-                                            <p:cond delay="0"/>
-                                          </p:stCondLst>
-                                        </p:cTn>
-                                        <p:tgtEl>
-                                          <p:spTgt spid="4">
-                                            <p:txEl>
-                                              <p:pRg st="14" end="14"/>
-                                            </p:txEl>
-                                          </p:spTgt>
-                                        </p:tgtEl>
-                                        <p:attrNameLst>
-                                          <p:attrName>style.visibility</p:attrName>
-                                        </p:attrNameLst>
-                                      </p:cBhvr>
-                                      <p:to>
-                                        <p:strVal val="visible"/>
-                                      </p:to>
-                                    </p:set>
-                                  </p:childTnLst>
-                                </p:cTn>
-                              </p:par>
-                              <p:par>
-                                <p:cTn id="31" presetID="1" presetClass="entr" presetSubtype="0" fill="hold" nodeType="withEffect">
-                                  <p:stCondLst>
-                                    <p:cond delay="0"/>
-                                  </p:stCondLst>
-                                  <p:childTnLst>
-                                    <p:set>
-                                      <p:cBhvr>
-                                        <p:cTn id="32" dur="1" fill="hold">
-                                          <p:stCondLst>
-                                            <p:cond delay="0"/>
-                                          </p:stCondLst>
-                                        </p:cTn>
-                                        <p:tgtEl>
-                                          <p:spTgt spid="4">
-                                            <p:txEl>
-                                              <p:pRg st="15" end="15"/>
-                                            </p:txEl>
-                                          </p:spTgt>
-                                        </p:tgtEl>
-                                        <p:attrNameLst>
-                                          <p:attrName>style.visibility</p:attrName>
-                                        </p:attrNameLst>
-                                      </p:cBhvr>
-                                      <p:to>
-                                        <p:strVal val="visible"/>
-                                      </p:to>
-                                    </p:set>
-                                  </p:childTnLst>
-                                </p:cTn>
-                              </p:par>
-                            </p:childTnLst>
-                          </p:cTn>
-                        </p:par>
-                      </p:childTnLst>
-                    </p:cTn>
-                  </p:par>
-                  <p:par>
-                    <p:cTn id="33" fill="hold">
-                      <p:stCondLst>
-                        <p:cond delay="indefinite"/>
-                      </p:stCondLst>
-                      <p:childTnLst>
-                        <p:par>
-                          <p:cTn id="34" fill="hold">
-                            <p:stCondLst>
-                              <p:cond delay="0"/>
-                            </p:stCondLst>
-                            <p:childTnLst>
-                              <p:par>
-                                <p:cTn id="35" presetID="1" presetClass="entr" presetSubtype="0" fill="hold" grpId="0" nodeType="clickEffect">
-                                  <p:stCondLst>
-                                    <p:cond delay="0"/>
-                                  </p:stCondLst>
-                                  <p:childTnLst>
-                                    <p:set>
-                                      <p:cBhvr>
-                                        <p:cTn id="36" dur="1" fill="hold">
-                                          <p:stCondLst>
-                                            <p:cond delay="0"/>
-                                          </p:stCondLst>
-                                        </p:cTn>
-                                        <p:tgtEl>
-                                          <p:spTgt spid="5"/>
-                                        </p:tgtEl>
-                                        <p:attrNameLst>
-                                          <p:attrName>style.visibility</p:attrName>
-                                        </p:attrNameLst>
-                                      </p:cBhvr>
-                                      <p:to>
-                                        <p:strVal val="visible"/>
-                                      </p:to>
-                                    </p:set>
-                                  </p:childTnLst>
-                                </p:cTn>
-                              </p:par>
-                            </p:childTnLst>
-                          </p:cTn>
-                        </p:par>
-                      </p:childTnLst>
-                    </p:cTn>
-                  </p:par>
-                  <p:par>
-                    <p:cTn id="37" fill="hold">
-                      <p:stCondLst>
-                        <p:cond delay="indefinite"/>
-                      </p:stCondLst>
-                      <p:childTnLst>
-                        <p:par>
-                          <p:cTn id="38" fill="hold">
-                            <p:stCondLst>
-                              <p:cond delay="0"/>
-                            </p:stCondLst>
-                            <p:childTnLst>
-                              <p:par>
-                                <p:cTn id="39" presetID="1" presetClass="entr" presetSubtype="0" fill="hold" nodeType="clickEffect">
-                                  <p:stCondLst>
-                                    <p:cond delay="0"/>
-                                  </p:stCondLst>
-                                  <p:childTnLst>
-                                    <p:set>
-                                      <p:cBhvr>
-                                        <p:cTn id="40" dur="1" fill="hold">
-                                          <p:stCondLst>
-                                            <p:cond delay="0"/>
-                                          </p:stCondLst>
-                                        </p:cTn>
-                                        <p:tgtEl>
-                                          <p:spTgt spid="4">
-                                            <p:txEl>
-                                              <p:pRg st="16" end="16"/>
-                                            </p:txEl>
-                                          </p:spTgt>
-                                        </p:tgtEl>
-                                        <p:attrNameLst>
-                                          <p:attrName>style.visibility</p:attrName>
-                                        </p:attrNameLst>
-                                      </p:cBhvr>
-                                      <p:to>
-                                        <p:strVal val="visible"/>
-                                      </p:to>
-                                    </p:set>
-                                  </p:childTnLst>
-                                </p:cTn>
-                              </p:par>
-                              <p:par>
-                                <p:cTn id="41" presetID="1" presetClass="entr" presetSubtype="0" fill="hold" nodeType="withEffect">
-                                  <p:stCondLst>
-                                    <p:cond delay="0"/>
-                                  </p:stCondLst>
-                                  <p:childTnLst>
-                                    <p:set>
-                                      <p:cBhvr>
-                                        <p:cTn id="42" dur="1" fill="hold">
-                                          <p:stCondLst>
-                                            <p:cond delay="0"/>
-                                          </p:stCondLst>
-                                        </p:cTn>
-                                        <p:tgtEl>
-                                          <p:spTgt spid="4">
-                                            <p:txEl>
-                                              <p:pRg st="17" end="17"/>
-                                            </p:txEl>
-                                          </p:spTgt>
-                                        </p:tgtEl>
-                                        <p:attrNameLst>
-                                          <p:attrName>style.visibility</p:attrName>
-                                        </p:attrNameLst>
-                                      </p:cBhvr>
-                                      <p:to>
-                                        <p:strVal val="visible"/>
-                                      </p:to>
-                                    </p:set>
-                                  </p:childTnLst>
-                                </p:cTn>
-                              </p:par>
-                            </p:childTnLst>
-                          </p:cTn>
-                        </p:par>
-                      </p:childTnLst>
-                    </p:cTn>
-                  </p:par>
-                </p:childTnLst>
-              </p:cTn>
-              <p:prevCondLst>
-                <p:cond evt="onPrev" delay="0">
-                  <p:tgtEl>
-                    <p:sldTgt/>
-                  </p:tgtEl>
-                </p:cond>
-              </p:prevCondLst>
-              <p:nextCondLst>
-                <p:cond evt="onNext" delay="0">
-                  <p:tgtEl>
-                    <p:sldTgt/>
-                  </p:tgtEl>
-                </p:cond>
-              </p:nextCondLst>
-            </p:seq>
-          </p:childTnLst>
-        </p:cTn>
-      </p:par>
-    </p:tnLst>
-    <p:bldLst>
-      <p:bldP spid="5" grpId="0" animBg="1"/>
-    </p:bldLst>
-  </p:timing>
-</p:sld>
-</file>
-
-<file path=ppt/slides/slide25.xml><?xml version="1.0" encoding="utf-8"?>
-<p:sld xmlns:a="http://schemas.openxmlformats.org/drawingml/2006/main" xmlns:r="http://schemas.openxmlformats.org/officeDocument/2006/relationships" xmlns:p="http://schemas.openxmlformats.org/presentationml/2006/main">
-  <p:cSld>
-    <p:spTree>
-      <p:nvGrpSpPr>
-        <p:cNvPr id="1" name=""/>
-        <p:cNvGrpSpPr/>
-        <p:nvPr/>
-      </p:nvGrpSpPr>
-      <p:grpSpPr>
-        <a:xfrm>
-          <a:off x="0" y="0"/>
-          <a:ext cx="0" cy="0"/>
-          <a:chOff x="0" y="0"/>
-          <a:chExt cx="0" cy="0"/>
-        </a:xfrm>
-      </p:grpSpPr>
-      <p:sp>
-        <p:nvSpPr>
-          <p:cNvPr id="2" name="Title 1"/>
-          <p:cNvSpPr>
-            <a:spLocks noGrp="1"/>
-          </p:cNvSpPr>
-          <p:nvPr>
-            <p:ph type="title"/>
-          </p:nvPr>
-        </p:nvSpPr>
-        <p:spPr/>
-        <p:txBody>
-          <a:bodyPr/>
-          <a:lstStyle/>
-          <a:p>
-            <a:r>
-              <a:rPr lang="en-US" dirty="0" smtClean="0"/>
-              <a:t>functions are generic formulas</a:t>
-            </a:r>
-            <a:endParaRPr lang="en-US" dirty="0"/>
-          </a:p>
-        </p:txBody>
-      </p:sp>
-      <p:sp>
-        <p:nvSpPr>
-          <p:cNvPr id="4" name="TextBox 3"/>
-          <p:cNvSpPr txBox="1"/>
-          <p:nvPr/>
-        </p:nvSpPr>
-        <p:spPr>
-          <a:xfrm>
-            <a:off x="365827" y="1651736"/>
-            <a:ext cx="8338444" cy="5632312"/>
-          </a:xfrm>
-          <a:prstGeom prst="rect">
-            <a:avLst/>
-          </a:prstGeom>
-          <a:noFill/>
-        </p:spPr>
-        <p:txBody>
-          <a:bodyPr wrap="square" rtlCol="0">
-            <a:spAutoFit/>
-          </a:bodyPr>
-          <a:lstStyle/>
-          <a:p>
-            <a:r>
-              <a:rPr lang="en-US" dirty="0">
-                <a:latin typeface="Monaco"/>
-                <a:cs typeface="Monaco"/>
-              </a:rPr>
-              <a:t># By itself, </a:t>
-            </a:r>
-            <a:r>
-              <a:rPr lang="en-US" i="1" dirty="0">
-                <a:latin typeface="Monaco"/>
-                <a:cs typeface="Monaco"/>
-              </a:rPr>
-              <a:t>this function does nothing</a:t>
-            </a:r>
-            <a:endParaRPr lang="en-US" dirty="0">
-              <a:latin typeface="Monaco"/>
-              <a:cs typeface="Monaco"/>
-            </a:endParaRPr>
-          </a:p>
-          <a:p>
-            <a:r>
-              <a:rPr lang="en-US" dirty="0" smtClean="0">
-                <a:latin typeface="Monaco"/>
-                <a:cs typeface="Monaco"/>
-              </a:rPr>
-              <a:t>def triangle_area(l, w):</a:t>
-            </a:r>
-          </a:p>
-          <a:p>
-            <a:r>
-              <a:rPr lang="en-US" dirty="0">
-                <a:latin typeface="Monaco"/>
-                <a:cs typeface="Monaco"/>
-              </a:rPr>
-              <a:t>	</a:t>
-            </a:r>
-            <a:r>
-              <a:rPr lang="en-US" dirty="0" smtClean="0">
-                <a:latin typeface="Monaco"/>
-                <a:cs typeface="Monaco"/>
-              </a:rPr>
-              <a:t>area = l*w / 2.0</a:t>
-            </a:r>
-          </a:p>
-          <a:p>
-            <a:r>
-              <a:rPr lang="en-US" dirty="0">
-                <a:latin typeface="Monaco"/>
-                <a:cs typeface="Monaco"/>
-              </a:rPr>
-              <a:t>	</a:t>
-            </a:r>
-            <a:r>
-              <a:rPr lang="en-US" dirty="0" smtClean="0">
-                <a:latin typeface="Monaco"/>
-                <a:cs typeface="Monaco"/>
-              </a:rPr>
-              <a:t>return area</a:t>
-            </a:r>
-          </a:p>
-          <a:p>
-            <a:endParaRPr lang="en-US" dirty="0" smtClean="0">
-              <a:latin typeface="Monaco"/>
-              <a:cs typeface="Monaco"/>
-            </a:endParaRPr>
-          </a:p>
-          <a:p>
-            <a:endParaRPr lang="en-US" dirty="0" smtClean="0">
-              <a:latin typeface="Monaco"/>
-              <a:cs typeface="Monaco"/>
-            </a:endParaRPr>
-          </a:p>
-          <a:p>
-            <a:r>
-              <a:rPr lang="en-US" dirty="0" smtClean="0">
-                <a:latin typeface="Monaco"/>
-                <a:cs typeface="Monaco"/>
-              </a:rPr>
-              <a:t># Usage 1</a:t>
-            </a:r>
-            <a:endParaRPr lang="en-US" dirty="0">
-              <a:latin typeface="Monaco"/>
-              <a:cs typeface="Monaco"/>
-            </a:endParaRPr>
-          </a:p>
-          <a:p>
-            <a:r>
-              <a:rPr lang="en-US" dirty="0" smtClean="0">
-                <a:latin typeface="Monaco"/>
-                <a:cs typeface="Monaco"/>
-              </a:rPr>
-              <a:t>area = triangle_area(7, 6)</a:t>
-            </a:r>
-          </a:p>
-          <a:p>
-            <a:endParaRPr lang="en-US" dirty="0" smtClean="0">
-              <a:latin typeface="Monaco"/>
-              <a:cs typeface="Monaco"/>
-            </a:endParaRPr>
-          </a:p>
-          <a:p>
-            <a:r>
-              <a:rPr lang="en-US" dirty="0" smtClean="0">
-                <a:latin typeface="Monaco"/>
-                <a:cs typeface="Monaco"/>
-              </a:rPr>
-              <a:t># Usage 2</a:t>
-            </a:r>
-          </a:p>
-          <a:p>
-            <a:r>
-              <a:rPr lang="en-US" dirty="0" smtClean="0">
-                <a:latin typeface="Monaco"/>
-                <a:cs typeface="Monaco"/>
-              </a:rPr>
-              <a:t>length = 7</a:t>
-            </a:r>
-          </a:p>
-          <a:p>
-            <a:r>
-              <a:rPr lang="en-US" dirty="0" smtClean="0">
-                <a:latin typeface="Monaco"/>
-                <a:cs typeface="Monaco"/>
-              </a:rPr>
-              <a:t>width = 6</a:t>
-            </a:r>
-          </a:p>
-          <a:p>
-            <a:r>
-              <a:rPr lang="en-US" dirty="0" smtClean="0">
-                <a:latin typeface="Monaco"/>
-                <a:cs typeface="Monaco"/>
-              </a:rPr>
-              <a:t>area = triangle_area(length, width)</a:t>
-            </a:r>
-          </a:p>
-          <a:p>
-            <a:endParaRPr lang="en-US" dirty="0">
-              <a:latin typeface="Monaco"/>
-              <a:cs typeface="Monaco"/>
-            </a:endParaRPr>
-          </a:p>
-          <a:p>
-            <a:r>
-              <a:rPr lang="en-US" dirty="0" smtClean="0">
-                <a:latin typeface="Monaco"/>
-                <a:cs typeface="Monaco"/>
-              </a:rPr>
-              <a:t># Usage 3</a:t>
-            </a:r>
-          </a:p>
-          <a:p>
-            <a:r>
-              <a:rPr lang="en-US" dirty="0" smtClean="0">
-                <a:latin typeface="Monaco"/>
-                <a:cs typeface="Monaco"/>
-              </a:rPr>
-              <a:t>l = 7</a:t>
-            </a:r>
-          </a:p>
-          <a:p>
-            <a:r>
-              <a:rPr lang="en-US" dirty="0" smtClean="0">
-                <a:latin typeface="Monaco"/>
-                <a:cs typeface="Monaco"/>
-              </a:rPr>
-              <a:t>w = 6</a:t>
-            </a:r>
-          </a:p>
-          <a:p>
-            <a:r>
-              <a:rPr lang="en-US" dirty="0" smtClean="0">
-                <a:latin typeface="Monaco"/>
-                <a:cs typeface="Monaco"/>
-              </a:rPr>
-              <a:t>area = triangle_area(l, w)</a:t>
-            </a:r>
-            <a:endParaRPr lang="en-US" dirty="0">
-              <a:latin typeface="Monaco"/>
-              <a:cs typeface="Monaco"/>
-            </a:endParaRPr>
-          </a:p>
-          <a:p>
-            <a:endParaRPr lang="en-US" dirty="0" smtClean="0">
-              <a:latin typeface="Monaco"/>
-              <a:cs typeface="Monaco"/>
-            </a:endParaRPr>
-          </a:p>
-          <a:p>
-            <a:r>
-              <a:rPr lang="en-US" dirty="0" smtClean="0">
-                <a:latin typeface="Monaco"/>
-                <a:cs typeface="Monaco"/>
-              </a:rPr>
-              <a:t> </a:t>
-            </a:r>
-          </a:p>
-        </p:txBody>
-      </p:sp>
-    </p:spTree>
-    <p:extLst>
-      <p:ext uri="{BB962C8B-B14F-4D97-AF65-F5344CB8AC3E}">
-        <p14:creationId xmlns:p14="http://schemas.microsoft.com/office/powerpoint/2010/main" val="3157093459"/>
-      </p:ext>
-    </p:extLst>
-  </p:cSld>
-  <p:clrMapOvr>
-    <a:masterClrMapping/>
-  </p:clrMapOvr>
-  <p:timing>
-    <p:tnLst>
-      <p:par>
-        <p:cTn xmlns:p14="http://schemas.microsoft.com/office/powerpoint/2010/main" id="1" dur="indefinite" restart="never" nodeType="tmRoot">
-          <p:childTnLst>
-            <p:seq concurrent="1" nextAc="seek">
-              <p:cTn id="2" dur="indefinite" nodeType="mainSeq">
-                <p:childTnLst>
-                  <p:par>
-                    <p:cTn id="3" fill="hold">
-                      <p:stCondLst>
-                        <p:cond delay="indefinite"/>
-                      </p:stCondLst>
-                      <p:childTnLst>
-                        <p:par>
-                          <p:cTn id="4" fill="hold">
-                            <p:stCondLst>
-                              <p:cond delay="0"/>
-                            </p:stCondLst>
-                            <p:childTnLst>
-                              <p:par>
-                                <p:cTn id="5" presetID="1" presetClass="entr" presetSubtype="0" fill="hold" nodeType="clickEffect">
-                                  <p:stCondLst>
-                                    <p:cond delay="0"/>
-                                  </p:stCondLst>
-                                  <p:childTnLst>
-                                    <p:set>
-                                      <p:cBhvr>
-                                        <p:cTn id="6" dur="1" fill="hold">
-                                          <p:stCondLst>
-                                            <p:cond delay="0"/>
-                                          </p:stCondLst>
-                                        </p:cTn>
-                                        <p:tgtEl>
-                                          <p:spTgt spid="4">
-                                            <p:txEl>
-                                              <p:pRg st="6" end="6"/>
-                                            </p:txEl>
-                                          </p:spTgt>
-                                        </p:tgtEl>
-                                        <p:attrNameLst>
-                                          <p:attrName>style.visibility</p:attrName>
-                                        </p:attrNameLst>
-                                      </p:cBhvr>
-                                      <p:to>
-                                        <p:strVal val="visible"/>
-                                      </p:to>
-                                    </p:set>
-                                  </p:childTnLst>
-                                </p:cTn>
-                              </p:par>
-                              <p:par>
-                                <p:cTn id="7" presetID="1" presetClass="entr" presetSubtype="0" fill="hold" nodeType="withEffect">
-                                  <p:stCondLst>
-                                    <p:cond delay="0"/>
-                                  </p:stCondLst>
-                                  <p:childTnLst>
-                                    <p:set>
-                                      <p:cBhvr>
-                                        <p:cTn id="8" dur="1" fill="hold">
-                                          <p:stCondLst>
-                                            <p:cond delay="0"/>
-                                          </p:stCondLst>
-                                        </p:cTn>
-                                        <p:tgtEl>
-                                          <p:spTgt spid="4">
-                                            <p:txEl>
-                                              <p:pRg st="7" end="7"/>
-                                            </p:txEl>
-                                          </p:spTgt>
-                                        </p:tgtEl>
-                                        <p:attrNameLst>
-                                          <p:attrName>style.visibility</p:attrName>
-                                        </p:attrNameLst>
-                                      </p:cBhvr>
-                                      <p:to>
-                                        <p:strVal val="visible"/>
-                                      </p:to>
-                                    </p:set>
-                                  </p:childTnLst>
-                                </p:cTn>
-                              </p:par>
-                            </p:childTnLst>
-                          </p:cTn>
-                        </p:par>
-                      </p:childTnLst>
-                    </p:cTn>
-                  </p:par>
-                  <p:par>
-                    <p:cTn id="9" fill="hold">
-                      <p:stCondLst>
-                        <p:cond delay="indefinite"/>
-                      </p:stCondLst>
-                      <p:childTnLst>
-                        <p:par>
-                          <p:cTn id="10" fill="hold">
-                            <p:stCondLst>
-                              <p:cond delay="0"/>
-                            </p:stCondLst>
-                            <p:childTnLst>
-                              <p:par>
-                                <p:cTn id="11" presetID="1" presetClass="entr" presetSubtype="0" fill="hold" nodeType="clickEffect">
-                                  <p:stCondLst>
-                                    <p:cond delay="0"/>
-                                  </p:stCondLst>
-                                  <p:childTnLst>
-                                    <p:set>
-                                      <p:cBhvr>
-                                        <p:cTn id="12" dur="1" fill="hold">
-                                          <p:stCondLst>
-                                            <p:cond delay="0"/>
-                                          </p:stCondLst>
-                                        </p:cTn>
-                                        <p:tgtEl>
-                                          <p:spTgt spid="4">
-                                            <p:txEl>
-                                              <p:pRg st="9" end="9"/>
-                                            </p:txEl>
-                                          </p:spTgt>
-                                        </p:tgtEl>
-                                        <p:attrNameLst>
-                                          <p:attrName>style.visibility</p:attrName>
-                                        </p:attrNameLst>
-                                      </p:cBhvr>
-                                      <p:to>
-                                        <p:strVal val="visible"/>
-                                      </p:to>
-                                    </p:set>
-                                  </p:childTnLst>
-                                </p:cTn>
-                              </p:par>
-                              <p:par>
-                                <p:cTn id="13" presetID="1" presetClass="entr" presetSubtype="0" fill="hold" nodeType="withEffect">
-                                  <p:stCondLst>
-                                    <p:cond delay="0"/>
-                                  </p:stCondLst>
-                                  <p:childTnLst>
-                                    <p:set>
-                                      <p:cBhvr>
-                                        <p:cTn id="14" dur="1" fill="hold">
-                                          <p:stCondLst>
-                                            <p:cond delay="0"/>
-                                          </p:stCondLst>
-                                        </p:cTn>
-                                        <p:tgtEl>
-                                          <p:spTgt spid="4">
-                                            <p:txEl>
-                                              <p:pRg st="10" end="10"/>
-                                            </p:txEl>
-                                          </p:spTgt>
-                                        </p:tgtEl>
-                                        <p:attrNameLst>
-                                          <p:attrName>style.visibility</p:attrName>
-                                        </p:attrNameLst>
-                                      </p:cBhvr>
-                                      <p:to>
-                                        <p:strVal val="visible"/>
-                                      </p:to>
-                                    </p:set>
-                                  </p:childTnLst>
-                                </p:cTn>
-                              </p:par>
-                              <p:par>
-                                <p:cTn id="15" presetID="1" presetClass="entr" presetSubtype="0" fill="hold" nodeType="withEffect">
-                                  <p:stCondLst>
-                                    <p:cond delay="0"/>
-                                  </p:stCondLst>
-                                  <p:childTnLst>
-                                    <p:set>
-                                      <p:cBhvr>
-                                        <p:cTn id="16" dur="1" fill="hold">
-                                          <p:stCondLst>
-                                            <p:cond delay="0"/>
-                                          </p:stCondLst>
-                                        </p:cTn>
-                                        <p:tgtEl>
-                                          <p:spTgt spid="4">
-                                            <p:txEl>
-                                              <p:pRg st="11" end="11"/>
-                                            </p:txEl>
-                                          </p:spTgt>
-                                        </p:tgtEl>
-                                        <p:attrNameLst>
-                                          <p:attrName>style.visibility</p:attrName>
-                                        </p:attrNameLst>
-                                      </p:cBhvr>
-                                      <p:to>
-                                        <p:strVal val="visible"/>
-                                      </p:to>
-                                    </p:set>
-                                  </p:childTnLst>
-                                </p:cTn>
-                              </p:par>
-                              <p:par>
-                                <p:cTn id="17" presetID="1" presetClass="entr" presetSubtype="0" fill="hold" nodeType="withEffect">
-                                  <p:stCondLst>
-                                    <p:cond delay="0"/>
-                                  </p:stCondLst>
-                                  <p:childTnLst>
-                                    <p:set>
-                                      <p:cBhvr>
-                                        <p:cTn id="18" dur="1" fill="hold">
-                                          <p:stCondLst>
-                                            <p:cond delay="0"/>
-                                          </p:stCondLst>
-                                        </p:cTn>
-                                        <p:tgtEl>
-                                          <p:spTgt spid="4">
-                                            <p:txEl>
-                                              <p:pRg st="12" end="12"/>
-                                            </p:txEl>
-                                          </p:spTgt>
-                                        </p:tgtEl>
-                                        <p:attrNameLst>
-                                          <p:attrName>style.visibility</p:attrName>
-                                        </p:attrNameLst>
-                                      </p:cBhvr>
-                                      <p:to>
-                                        <p:strVal val="visible"/>
-                                      </p:to>
-                                    </p:set>
-                                  </p:childTnLst>
-                                </p:cTn>
-                              </p:par>
-                            </p:childTnLst>
-                          </p:cTn>
-                        </p:par>
-                      </p:childTnLst>
-                    </p:cTn>
-                  </p:par>
-                  <p:par>
-                    <p:cTn id="19" fill="hold">
-                      <p:stCondLst>
-                        <p:cond delay="indefinite"/>
-                      </p:stCondLst>
-                      <p:childTnLst>
-                        <p:par>
-                          <p:cTn id="20" fill="hold">
-                            <p:stCondLst>
-                              <p:cond delay="0"/>
-                            </p:stCondLst>
-                            <p:childTnLst>
-                              <p:par>
-                                <p:cTn id="21" presetID="1" presetClass="entr" presetSubtype="0" fill="hold" nodeType="clickEffect">
-                                  <p:stCondLst>
-                                    <p:cond delay="0"/>
-                                  </p:stCondLst>
-                                  <p:childTnLst>
-                                    <p:set>
-                                      <p:cBhvr>
-                                        <p:cTn id="22" dur="1" fill="hold">
-                                          <p:stCondLst>
-                                            <p:cond delay="0"/>
-                                          </p:stCondLst>
-                                        </p:cTn>
-                                        <p:tgtEl>
-                                          <p:spTgt spid="4">
-                                            <p:txEl>
-                                              <p:pRg st="14" end="14"/>
-                                            </p:txEl>
-                                          </p:spTgt>
-                                        </p:tgtEl>
-                                        <p:attrNameLst>
-                                          <p:attrName>style.visibility</p:attrName>
-                                        </p:attrNameLst>
-                                      </p:cBhvr>
-                                      <p:to>
-                                        <p:strVal val="visible"/>
-                                      </p:to>
-                                    </p:set>
-                                  </p:childTnLst>
-                                </p:cTn>
-                              </p:par>
-                              <p:par>
-                                <p:cTn id="23" presetID="1" presetClass="entr" presetSubtype="0" fill="hold" nodeType="withEffect">
-                                  <p:stCondLst>
-                                    <p:cond delay="0"/>
-                                  </p:stCondLst>
-                                  <p:childTnLst>
-                                    <p:set>
-                                      <p:cBhvr>
-                                        <p:cTn id="24" dur="1" fill="hold">
-                                          <p:stCondLst>
-                                            <p:cond delay="0"/>
-                                          </p:stCondLst>
-                                        </p:cTn>
-                                        <p:tgtEl>
-                                          <p:spTgt spid="4">
-                                            <p:txEl>
-                                              <p:pRg st="15" end="15"/>
-                                            </p:txEl>
-                                          </p:spTgt>
-                                        </p:tgtEl>
-                                        <p:attrNameLst>
-                                          <p:attrName>style.visibility</p:attrName>
-                                        </p:attrNameLst>
-                                      </p:cBhvr>
-                                      <p:to>
-                                        <p:strVal val="visible"/>
-                                      </p:to>
-                                    </p:set>
-                                  </p:childTnLst>
-                                </p:cTn>
-                              </p:par>
-                              <p:par>
-                                <p:cTn id="25" presetID="1" presetClass="entr" presetSubtype="0" fill="hold" nodeType="withEffect">
-                                  <p:stCondLst>
-                                    <p:cond delay="0"/>
-                                  </p:stCondLst>
-                                  <p:childTnLst>
-                                    <p:set>
-                                      <p:cBhvr>
-                                        <p:cTn id="26" dur="1" fill="hold">
-                                          <p:stCondLst>
-                                            <p:cond delay="0"/>
-                                          </p:stCondLst>
-                                        </p:cTn>
-                                        <p:tgtEl>
-                                          <p:spTgt spid="4">
-                                            <p:txEl>
-                                              <p:pRg st="16" end="16"/>
-                                            </p:txEl>
-                                          </p:spTgt>
-                                        </p:tgtEl>
-                                        <p:attrNameLst>
-                                          <p:attrName>style.visibility</p:attrName>
-                                        </p:attrNameLst>
-                                      </p:cBhvr>
-                                      <p:to>
-                                        <p:strVal val="visible"/>
-                                      </p:to>
-                                    </p:set>
-                                  </p:childTnLst>
-                                </p:cTn>
-                              </p:par>
-                              <p:par>
-                                <p:cTn id="27" presetID="1" presetClass="entr" presetSubtype="0" fill="hold" nodeType="withEffect">
-                                  <p:stCondLst>
-                                    <p:cond delay="0"/>
-                                  </p:stCondLst>
-                                  <p:childTnLst>
-                                    <p:set>
-                                      <p:cBhvr>
-                                        <p:cTn id="28" dur="1" fill="hold">
-                                          <p:stCondLst>
-                                            <p:cond delay="0"/>
-                                          </p:stCondLst>
-                                        </p:cTn>
-                                        <p:tgtEl>
-                                          <p:spTgt spid="4">
-                                            <p:txEl>
-                                              <p:pRg st="17" end="17"/>
-                                            </p:txEl>
-                                          </p:spTgt>
-                                        </p:tgtEl>
-                                        <p:attrNameLst>
-                                          <p:attrName>style.visibility</p:attrName>
-                                        </p:attrNameLst>
-                                      </p:cBhvr>
-                                      <p:to>
-                                        <p:strVal val="visible"/>
-                                      </p:to>
-                                    </p:set>
-                                  </p:childTnLst>
-                                </p:cTn>
-                              </p:par>
-                            </p:childTnLst>
-                          </p:cTn>
-                        </p:par>
-                      </p:childTnLst>
-                    </p:cTn>
-                  </p:par>
-                </p:childTnLst>
-              </p:cTn>
-              <p:prevCondLst>
-                <p:cond evt="onPrev" delay="0">
-                  <p:tgtEl>
-                    <p:sldTgt/>
-                  </p:tgtEl>
-                </p:cond>
-              </p:prevCondLst>
-              <p:nextCondLst>
-                <p:cond evt="onNext" delay="0">
-                  <p:tgtEl>
-                    <p:sldTgt/>
-                  </p:tgtEl>
-                </p:cond>
-              </p:nextCondLst>
-            </p:seq>
-          </p:childTnLst>
-        </p:cTn>
-      </p:par>
-    </p:tnLst>
-  </p:timing>
-</p:sld>
-</file>
-
-<file path=ppt/slides/slide26.xml><?xml version="1.0" encoding="utf-8"?>
-<p:sld xmlns:a="http://schemas.openxmlformats.org/drawingml/2006/main" xmlns:r="http://schemas.openxmlformats.org/officeDocument/2006/relationships" xmlns:p="http://schemas.openxmlformats.org/presentationml/2006/main">
-  <p:cSld>
-    <p:spTree>
-      <p:nvGrpSpPr>
-        <p:cNvPr id="1" name=""/>
-        <p:cNvGrpSpPr/>
-        <p:nvPr/>
-      </p:nvGrpSpPr>
-      <p:grpSpPr>
-        <a:xfrm>
-          <a:off x="0" y="0"/>
-          <a:ext cx="0" cy="0"/>
-          <a:chOff x="0" y="0"/>
-          <a:chExt cx="0" cy="0"/>
-        </a:xfrm>
-      </p:grpSpPr>
-      <p:sp>
-        <p:nvSpPr>
-          <p:cNvPr id="2" name="Title 1"/>
-          <p:cNvSpPr>
-            <a:spLocks noGrp="1"/>
-          </p:cNvSpPr>
-          <p:nvPr>
-            <p:ph type="title"/>
-          </p:nvPr>
-        </p:nvSpPr>
-        <p:spPr/>
-        <p:txBody>
-          <a:bodyPr/>
-          <a:lstStyle/>
-          <a:p>
-            <a:r>
-              <a:rPr lang="en-US" dirty="0" smtClean="0"/>
-              <a:t>use test cases to ensure your function works</a:t>
-            </a:r>
-            <a:endParaRPr lang="en-US" dirty="0"/>
-          </a:p>
-        </p:txBody>
-      </p:sp>
-      <p:sp>
-        <p:nvSpPr>
-          <p:cNvPr id="3" name="Content Placeholder 2"/>
-          <p:cNvSpPr>
-            <a:spLocks noGrp="1"/>
-          </p:cNvSpPr>
-          <p:nvPr>
-            <p:ph idx="1"/>
-          </p:nvPr>
-        </p:nvSpPr>
-        <p:spPr/>
-        <p:txBody>
-          <a:bodyPr/>
-          <a:lstStyle/>
-          <a:p>
-            <a:pPr marL="457200" indent="-457200">
-              <a:buFont typeface="Arial"/>
-              <a:buChar char="•"/>
-            </a:pPr>
-            <a:r>
-              <a:rPr lang="en-US" dirty="0" smtClean="0"/>
-              <a:t>After writing a function, *always* test it with input that you know should work</a:t>
-            </a:r>
-          </a:p>
-        </p:txBody>
-      </p:sp>
-    </p:spTree>
-    <p:extLst>
-      <p:ext uri="{BB962C8B-B14F-4D97-AF65-F5344CB8AC3E}">
-        <p14:creationId xmlns:p14="http://schemas.microsoft.com/office/powerpoint/2010/main" val="1691605035"/>
-      </p:ext>
-    </p:extLst>
-  </p:cSld>
-  <p:clrMapOvr>
-    <a:masterClrMapping/>
-  </p:clrMapOvr>
-  <p:timing>
-    <p:tnLst>
-      <p:par>
-        <p:cTn xmlns:p14="http://schemas.microsoft.com/office/powerpoint/2010/main" id="1" dur="indefinite" restart="never" nodeType="tmRoot"/>
-      </p:par>
-    </p:tnLst>
-  </p:timing>
-</p:sld>
-</file>
-
-<file path=ppt/slides/slide27.xml><?xml version="1.0" encoding="utf-8"?>
-<p:sld xmlns:a="http://schemas.openxmlformats.org/drawingml/2006/main" xmlns:r="http://schemas.openxmlformats.org/officeDocument/2006/relationships" xmlns:p="http://schemas.openxmlformats.org/presentationml/2006/main">
-  <p:cSld>
-    <p:spTree>
-      <p:nvGrpSpPr>
-        <p:cNvPr id="1" name=""/>
-        <p:cNvGrpSpPr/>
-        <p:nvPr/>
-      </p:nvGrpSpPr>
-      <p:grpSpPr>
-        <a:xfrm>
-          <a:off x="0" y="0"/>
-          <a:ext cx="0" cy="0"/>
-          <a:chOff x="0" y="0"/>
-          <a:chExt cx="0" cy="0"/>
-        </a:xfrm>
-      </p:grpSpPr>
-      <p:sp>
-        <p:nvSpPr>
-          <p:cNvPr id="2" name="Title 1"/>
-          <p:cNvSpPr>
-            <a:spLocks noGrp="1"/>
-          </p:cNvSpPr>
-          <p:nvPr>
-            <p:ph type="title"/>
-          </p:nvPr>
-        </p:nvSpPr>
-        <p:spPr/>
-        <p:txBody>
-          <a:bodyPr/>
-          <a:lstStyle/>
-          <a:p>
-            <a:r>
-              <a:rPr lang="en-US" dirty="0" smtClean="0"/>
-              <a:t>use test cases to ensure your function works</a:t>
-            </a:r>
-            <a:endParaRPr lang="en-US" dirty="0"/>
-          </a:p>
-        </p:txBody>
-      </p:sp>
-      <p:sp>
-        <p:nvSpPr>
-          <p:cNvPr id="3" name="Content Placeholder 2"/>
-          <p:cNvSpPr>
-            <a:spLocks noGrp="1"/>
-          </p:cNvSpPr>
-          <p:nvPr>
-            <p:ph idx="1"/>
-          </p:nvPr>
-        </p:nvSpPr>
-        <p:spPr/>
-        <p:txBody>
-          <a:bodyPr/>
-          <a:lstStyle/>
-          <a:p>
-            <a:pPr marL="457200" indent="-457200">
-              <a:buFont typeface="Arial"/>
-              <a:buChar char="•"/>
-            </a:pPr>
-            <a:r>
-              <a:rPr lang="en-US" dirty="0" smtClean="0"/>
-              <a:t>After writing a function, *always* test it with input that you know should work</a:t>
-            </a:r>
-          </a:p>
-        </p:txBody>
-      </p:sp>
-      <p:sp>
-        <p:nvSpPr>
-          <p:cNvPr id="4" name="TextBox 3"/>
-          <p:cNvSpPr txBox="1"/>
-          <p:nvPr/>
-        </p:nvSpPr>
-        <p:spPr>
-          <a:xfrm>
-            <a:off x="457200" y="3376602"/>
-            <a:ext cx="8338444" cy="3139321"/>
-          </a:xfrm>
-          <a:prstGeom prst="rect">
-            <a:avLst/>
-          </a:prstGeom>
-          <a:noFill/>
-        </p:spPr>
-        <p:txBody>
-          <a:bodyPr wrap="square" rtlCol="0">
-            <a:spAutoFit/>
-          </a:bodyPr>
-          <a:lstStyle/>
-          <a:p>
-            <a:endParaRPr lang="en-US" dirty="0">
-              <a:solidFill>
-                <a:schemeClr val="bg1">
-                  <a:lumMod val="65000"/>
-                </a:schemeClr>
-              </a:solidFill>
-              <a:latin typeface="Monaco"/>
-              <a:cs typeface="Monaco"/>
-            </a:endParaRPr>
-          </a:p>
-          <a:p>
-            <a:r>
-              <a:rPr lang="en-US" dirty="0" smtClean="0">
-                <a:latin typeface="Monaco"/>
-                <a:cs typeface="Monaco"/>
-              </a:rPr>
-              <a:t>def triangle_area(l, w):</a:t>
-            </a:r>
-          </a:p>
-          <a:p>
-            <a:r>
-              <a:rPr lang="en-US" dirty="0">
-                <a:latin typeface="Monaco"/>
-                <a:cs typeface="Monaco"/>
-              </a:rPr>
-              <a:t>	</a:t>
-            </a:r>
-            <a:r>
-              <a:rPr lang="en-US" dirty="0" smtClean="0">
-                <a:latin typeface="Monaco"/>
-                <a:cs typeface="Monaco"/>
-              </a:rPr>
-              <a:t>area = l*w/ 2.0</a:t>
-            </a:r>
-          </a:p>
-          <a:p>
-            <a:r>
-              <a:rPr lang="en-US" dirty="0">
-                <a:latin typeface="Monaco"/>
-                <a:cs typeface="Monaco"/>
-              </a:rPr>
-              <a:t>	</a:t>
-            </a:r>
-            <a:r>
-              <a:rPr lang="en-US" dirty="0" smtClean="0">
-                <a:latin typeface="Monaco"/>
-                <a:cs typeface="Monaco"/>
-              </a:rPr>
-              <a:t>return area</a:t>
-            </a:r>
-          </a:p>
-          <a:p>
-            <a:endParaRPr lang="en-US" dirty="0">
-              <a:latin typeface="Monaco"/>
-              <a:cs typeface="Monaco"/>
-            </a:endParaRPr>
-          </a:p>
-          <a:p>
-            <a:r>
-              <a:rPr lang="en-US" dirty="0" smtClean="0">
-                <a:latin typeface="Monaco"/>
-                <a:cs typeface="Monaco"/>
-              </a:rPr>
-              <a:t># Before using the function all over the place, make sure 	that l=7, w=6 prints 21</a:t>
-            </a:r>
-          </a:p>
-          <a:p>
-            <a:endParaRPr lang="en-US" dirty="0" smtClean="0">
-              <a:latin typeface="Monaco"/>
-              <a:cs typeface="Monaco"/>
-            </a:endParaRPr>
-          </a:p>
-          <a:p>
-            <a:r>
-              <a:rPr lang="en-US" dirty="0" smtClean="0">
-                <a:latin typeface="Monaco"/>
-                <a:cs typeface="Monaco"/>
-              </a:rPr>
-              <a:t>print(triangle_area(7,6))</a:t>
-            </a:r>
-          </a:p>
-          <a:p>
-            <a:r>
-              <a:rPr lang="en-US" dirty="0">
-                <a:latin typeface="Monaco"/>
-                <a:cs typeface="Monaco"/>
-              </a:rPr>
-              <a:t>	</a:t>
-            </a:r>
-            <a:r>
-              <a:rPr lang="en-US" dirty="0" smtClean="0">
-                <a:solidFill>
-                  <a:schemeClr val="bg1">
-                    <a:lumMod val="65000"/>
-                  </a:schemeClr>
-                </a:solidFill>
-                <a:latin typeface="Monaco"/>
-                <a:cs typeface="Monaco"/>
-              </a:rPr>
-              <a:t>21</a:t>
-            </a:r>
-            <a:endParaRPr lang="en-US" dirty="0">
-              <a:solidFill>
-                <a:schemeClr val="bg1">
-                  <a:lumMod val="65000"/>
-                </a:schemeClr>
-              </a:solidFill>
-              <a:latin typeface="Monaco"/>
-              <a:cs typeface="Monaco"/>
-            </a:endParaRPr>
-          </a:p>
-          <a:p>
-            <a:endParaRPr lang="en-US" dirty="0" smtClean="0">
-              <a:latin typeface="Monaco"/>
-              <a:cs typeface="Monaco"/>
-            </a:endParaRPr>
-          </a:p>
-        </p:txBody>
-      </p:sp>
-    </p:spTree>
-    <p:extLst>
-      <p:ext uri="{BB962C8B-B14F-4D97-AF65-F5344CB8AC3E}">
-        <p14:creationId xmlns:p14="http://schemas.microsoft.com/office/powerpoint/2010/main" val="1749885072"/>
-      </p:ext>
-    </p:extLst>
-  </p:cSld>
-  <p:clrMapOvr>
-    <a:masterClrMapping/>
-  </p:clrMapOvr>
-  <p:timing>
-    <p:tnLst>
-      <p:par>
-        <p:cTn xmlns:p14="http://schemas.microsoft.com/office/powerpoint/2010/main" id="1" dur="indefinite" restart="never" nodeType="tmRoot"/>
-      </p:par>
-    </p:tnLst>
-  </p:timing>
-</p:sld>
-</file>
-
-<file path=ppt/slides/slide28.xml><?xml version="1.0" encoding="utf-8"?>
-<p:sld xmlns:a="http://schemas.openxmlformats.org/drawingml/2006/main" xmlns:r="http://schemas.openxmlformats.org/officeDocument/2006/relationships" xmlns:p="http://schemas.openxmlformats.org/presentationml/2006/main">
-  <p:cSld>
-    <p:spTree>
-      <p:nvGrpSpPr>
-        <p:cNvPr id="1" name=""/>
-        <p:cNvGrpSpPr/>
-        <p:nvPr/>
-      </p:nvGrpSpPr>
-      <p:grpSpPr>
-        <a:xfrm>
-          <a:off x="0" y="0"/>
-          <a:ext cx="0" cy="0"/>
-          <a:chOff x="0" y="0"/>
-          <a:chExt cx="0" cy="0"/>
-        </a:xfrm>
-      </p:grpSpPr>
-      <p:sp>
-        <p:nvSpPr>
-          <p:cNvPr id="2" name="Title 1"/>
-          <p:cNvSpPr>
-            <a:spLocks noGrp="1"/>
-          </p:cNvSpPr>
-          <p:nvPr>
-            <p:ph type="title"/>
-          </p:nvPr>
-        </p:nvSpPr>
-        <p:spPr/>
-        <p:txBody>
-          <a:bodyPr/>
-          <a:lstStyle/>
-          <a:p>
-            <a:r>
-              <a:rPr lang="en-US" dirty="0" smtClean="0"/>
-              <a:t>a note on scope</a:t>
-            </a:r>
-            <a:endParaRPr lang="en-US" dirty="0"/>
-          </a:p>
-        </p:txBody>
-      </p:sp>
-      <p:sp>
-        <p:nvSpPr>
-          <p:cNvPr id="3" name="Content Placeholder 2"/>
-          <p:cNvSpPr>
-            <a:spLocks noGrp="1"/>
-          </p:cNvSpPr>
-          <p:nvPr>
-            <p:ph idx="1"/>
-          </p:nvPr>
-        </p:nvSpPr>
-        <p:spPr/>
-        <p:txBody>
-          <a:bodyPr>
-            <a:normAutofit/>
-          </a:bodyPr>
-          <a:lstStyle/>
-          <a:p>
-            <a:pPr marL="457200" indent="-457200">
-              <a:buFont typeface="Arial"/>
-              <a:buChar char="•"/>
-            </a:pPr>
-            <a:r>
-              <a:rPr lang="en-US" dirty="0" smtClean="0"/>
-              <a:t>Scope: the portion of your code where a certain variable/function exists</a:t>
-            </a:r>
-          </a:p>
-          <a:p>
-            <a:pPr marL="457200" indent="-457200">
-              <a:buFont typeface="Arial"/>
-              <a:buChar char="•"/>
-            </a:pPr>
-            <a:endParaRPr lang="en-US" dirty="0"/>
-          </a:p>
-          <a:p>
-            <a:pPr marL="457200" indent="-457200">
-              <a:buFont typeface="Arial"/>
-              <a:buChar char="•"/>
-            </a:pPr>
-            <a:r>
-              <a:rPr lang="en-US" dirty="0" smtClean="0"/>
-              <a:t>In Python, scope is basically top-to-bottom</a:t>
-            </a:r>
-          </a:p>
-          <a:p>
-            <a:pPr marL="457200" indent="-457200">
-              <a:buFont typeface="Arial"/>
-              <a:buChar char="•"/>
-            </a:pPr>
-            <a:endParaRPr lang="en-US" dirty="0" smtClean="0"/>
-          </a:p>
-          <a:p>
-            <a:pPr marL="457200" indent="-457200">
-              <a:buFont typeface="Arial"/>
-              <a:buChar char="•"/>
-            </a:pPr>
-            <a:r>
-              <a:rPr lang="en-US" dirty="0" smtClean="0"/>
-              <a:t>Punch-line: define functions at the *top* of your script!</a:t>
-            </a:r>
-          </a:p>
-        </p:txBody>
-      </p:sp>
-    </p:spTree>
-    <p:extLst>
-      <p:ext uri="{BB962C8B-B14F-4D97-AF65-F5344CB8AC3E}">
-        <p14:creationId xmlns:p14="http://schemas.microsoft.com/office/powerpoint/2010/main" val="3182309301"/>
-      </p:ext>
-    </p:extLst>
-  </p:cSld>
-  <p:clrMapOvr>
-    <a:masterClrMapping/>
-  </p:clrMapOvr>
-  <p:timing>
-    <p:tnLst>
-      <p:par>
-        <p:cTn xmlns:p14="http://schemas.microsoft.com/office/powerpoint/2010/main" id="1" dur="indefinite" restart="never" nodeType="tmRoot"/>
-      </p:par>
-    </p:tnLst>
-  </p:timing>
-</p:sld>
-</file>
-
-<file path=ppt/slides/slide29.xml><?xml version="1.0" encoding="utf-8"?>
-<p:sld xmlns:a="http://schemas.openxmlformats.org/drawingml/2006/main" xmlns:r="http://schemas.openxmlformats.org/officeDocument/2006/relationships" xmlns:p="http://schemas.openxmlformats.org/presentationml/2006/main">
-  <p:cSld>
-    <p:spTree>
-      <p:nvGrpSpPr>
-        <p:cNvPr id="1" name=""/>
-        <p:cNvGrpSpPr/>
-        <p:nvPr/>
-      </p:nvGrpSpPr>
-      <p:grpSpPr>
-        <a:xfrm>
-          <a:off x="0" y="0"/>
-          <a:ext cx="0" cy="0"/>
-          <a:chOff x="0" y="0"/>
-          <a:chExt cx="0" cy="0"/>
-        </a:xfrm>
-      </p:grpSpPr>
-      <p:sp>
-        <p:nvSpPr>
-          <p:cNvPr id="2" name="Title 1"/>
-          <p:cNvSpPr>
-            <a:spLocks noGrp="1"/>
-          </p:cNvSpPr>
-          <p:nvPr>
-            <p:ph type="title"/>
-          </p:nvPr>
-        </p:nvSpPr>
-        <p:spPr/>
-        <p:txBody>
-          <a:bodyPr/>
-          <a:lstStyle/>
-          <a:p>
-            <a:r>
-              <a:rPr lang="en-US" dirty="0" smtClean="0"/>
-              <a:t>functions don't need to return anything!</a:t>
-            </a:r>
-            <a:endParaRPr lang="en-US" dirty="0"/>
-          </a:p>
-        </p:txBody>
-      </p:sp>
-      <p:sp>
-        <p:nvSpPr>
-          <p:cNvPr id="4" name="TextBox 3"/>
-          <p:cNvSpPr txBox="1"/>
-          <p:nvPr/>
-        </p:nvSpPr>
-        <p:spPr>
-          <a:xfrm>
-            <a:off x="457199" y="1727554"/>
-            <a:ext cx="8338444" cy="5355313"/>
-          </a:xfrm>
-          <a:prstGeom prst="rect">
-            <a:avLst/>
-          </a:prstGeom>
-          <a:noFill/>
-        </p:spPr>
-        <p:txBody>
-          <a:bodyPr wrap="square" rtlCol="0">
-            <a:spAutoFit/>
-          </a:bodyPr>
-          <a:lstStyle/>
-          <a:p>
-            <a:r>
-              <a:rPr lang="en-US" dirty="0" smtClean="0">
-                <a:latin typeface="Monaco"/>
-                <a:cs typeface="Monaco"/>
-              </a:rPr>
-              <a:t>def square_cube(x):</a:t>
-            </a:r>
-          </a:p>
-          <a:p>
-            <a:r>
-              <a:rPr lang="en-US" dirty="0">
-                <a:latin typeface="Monaco"/>
-                <a:cs typeface="Monaco"/>
-              </a:rPr>
-              <a:t>	</a:t>
-            </a:r>
-            <a:r>
-              <a:rPr lang="en-US" dirty="0" smtClean="0">
-                <a:latin typeface="Monaco"/>
-                <a:cs typeface="Monaco"/>
-              </a:rPr>
-              <a:t>square = x**2</a:t>
-            </a:r>
-          </a:p>
-          <a:p>
-            <a:r>
-              <a:rPr lang="en-US" dirty="0" smtClean="0">
-                <a:latin typeface="Monaco"/>
-                <a:cs typeface="Monaco"/>
-              </a:rPr>
-              <a:t>	cube   = x**3</a:t>
-            </a:r>
-          </a:p>
-          <a:p>
-            <a:pPr lvl="1"/>
-            <a:r>
-              <a:rPr lang="en-US" dirty="0" smtClean="0">
-                <a:latin typeface="Monaco"/>
-                <a:cs typeface="Monaco"/>
-              </a:rPr>
-              <a:t>print(</a:t>
-            </a:r>
-            <a:r>
-              <a:rPr lang="en-US" dirty="0" err="1" smtClean="0">
-                <a:latin typeface="Monaco"/>
-                <a:cs typeface="Monaco"/>
-              </a:rPr>
-              <a:t>str</a:t>
-            </a:r>
-            <a:r>
-              <a:rPr lang="en-US" dirty="0" smtClean="0">
-                <a:latin typeface="Monaco"/>
-                <a:cs typeface="Monaco"/>
-              </a:rPr>
-              <a:t>(x) + " squared is " + </a:t>
-            </a:r>
-            <a:r>
-              <a:rPr lang="en-US" dirty="0" err="1" smtClean="0">
-                <a:latin typeface="Monaco"/>
-                <a:cs typeface="Monaco"/>
-              </a:rPr>
-              <a:t>str</a:t>
-            </a:r>
-            <a:r>
-              <a:rPr lang="en-US" dirty="0" smtClean="0">
-                <a:latin typeface="Monaco"/>
-                <a:cs typeface="Monaco"/>
-              </a:rPr>
-              <a:t>(square) + ", and " + </a:t>
-            </a:r>
-            <a:r>
-              <a:rPr lang="en-US" dirty="0" err="1" smtClean="0">
-                <a:latin typeface="Monaco"/>
-                <a:cs typeface="Monaco"/>
-              </a:rPr>
-              <a:t>str</a:t>
-            </a:r>
-            <a:r>
-              <a:rPr lang="en-US" dirty="0" smtClean="0">
-                <a:latin typeface="Monaco"/>
-                <a:cs typeface="Monaco"/>
-              </a:rPr>
-              <a:t>(x) + " cubed is " + </a:t>
-            </a:r>
-            <a:r>
-              <a:rPr lang="en-US" dirty="0" err="1" smtClean="0">
-                <a:latin typeface="Monaco"/>
-                <a:cs typeface="Monaco"/>
-              </a:rPr>
-              <a:t>str</a:t>
-            </a:r>
-            <a:r>
-              <a:rPr lang="en-US" dirty="0" smtClean="0">
-                <a:latin typeface="Monaco"/>
-                <a:cs typeface="Monaco"/>
-              </a:rPr>
-              <a:t>(cube))</a:t>
-            </a:r>
-          </a:p>
-          <a:p>
-            <a:pPr lvl="1"/>
-            <a:endParaRPr lang="en-US" dirty="0">
-              <a:latin typeface="Monaco"/>
-              <a:cs typeface="Monaco"/>
-            </a:endParaRPr>
-          </a:p>
-          <a:p>
-            <a:pPr lvl="1"/>
-            <a:endParaRPr lang="en-US" dirty="0">
-              <a:latin typeface="Monaco"/>
-              <a:cs typeface="Monaco"/>
-            </a:endParaRPr>
-          </a:p>
-          <a:p>
-            <a:pPr lvl="1"/>
-            <a:endParaRPr lang="en-US" dirty="0" smtClean="0">
-              <a:latin typeface="Monaco"/>
-              <a:cs typeface="Monaco"/>
-            </a:endParaRPr>
-          </a:p>
-          <a:p>
-            <a:r>
-              <a:rPr lang="en-US" dirty="0">
-                <a:latin typeface="Monaco"/>
-                <a:cs typeface="Monaco"/>
-              </a:rPr>
-              <a:t># Simply call the function</a:t>
-            </a:r>
-          </a:p>
-          <a:p>
-            <a:r>
-              <a:rPr lang="en-US" dirty="0">
-                <a:latin typeface="Monaco"/>
-                <a:cs typeface="Monaco"/>
-              </a:rPr>
-              <a:t>square_cube(3)</a:t>
-            </a:r>
-          </a:p>
-          <a:p>
-            <a:r>
-              <a:rPr lang="en-US" dirty="0">
-                <a:solidFill>
-                  <a:schemeClr val="bg1">
-                    <a:lumMod val="65000"/>
-                  </a:schemeClr>
-                </a:solidFill>
-                <a:latin typeface="Monaco"/>
-                <a:cs typeface="Monaco"/>
-              </a:rPr>
-              <a:t>	3 squared is 9, and 3 cubed is 27</a:t>
-            </a:r>
-          </a:p>
-          <a:p>
-            <a:pPr lvl="1"/>
-            <a:r>
-              <a:rPr lang="en-US" dirty="0" smtClean="0">
-                <a:latin typeface="Monaco"/>
-                <a:cs typeface="Monaco"/>
-              </a:rPr>
-              <a:t/>
-            </a:r>
-            <a:br>
-              <a:rPr lang="en-US" dirty="0" smtClean="0">
-                <a:latin typeface="Monaco"/>
-                <a:cs typeface="Monaco"/>
-              </a:rPr>
-            </a:br>
-            <a:endParaRPr lang="en-US" dirty="0" smtClean="0">
-              <a:latin typeface="Monaco"/>
-              <a:cs typeface="Monaco"/>
-            </a:endParaRPr>
-          </a:p>
-          <a:p>
-            <a:r>
-              <a:rPr lang="en-US" dirty="0" smtClean="0">
-                <a:latin typeface="Monaco"/>
-                <a:cs typeface="Monaco"/>
-              </a:rPr>
-              <a:t># What if you try to save a returned value?</a:t>
-            </a:r>
-            <a:endParaRPr lang="en-US" dirty="0">
-              <a:latin typeface="Monaco"/>
-              <a:cs typeface="Monaco"/>
-            </a:endParaRPr>
-          </a:p>
-          <a:p>
-            <a:r>
-              <a:rPr lang="en-US" dirty="0" smtClean="0">
-                <a:latin typeface="Monaco"/>
-                <a:cs typeface="Monaco"/>
-              </a:rPr>
-              <a:t>a = square_cube</a:t>
-            </a:r>
-            <a:r>
-              <a:rPr lang="en-US" dirty="0">
-                <a:latin typeface="Monaco"/>
-                <a:cs typeface="Monaco"/>
-              </a:rPr>
-              <a:t>(3</a:t>
-            </a:r>
-            <a:r>
-              <a:rPr lang="en-US" dirty="0" smtClean="0">
-                <a:latin typeface="Monaco"/>
-                <a:cs typeface="Monaco"/>
-              </a:rPr>
-              <a:t>)</a:t>
-            </a:r>
-          </a:p>
-          <a:p>
-            <a:r>
-              <a:rPr lang="en-US" dirty="0" smtClean="0">
-                <a:latin typeface="Monaco"/>
-                <a:cs typeface="Monaco"/>
-              </a:rPr>
-              <a:t>print a</a:t>
-            </a:r>
-          </a:p>
-          <a:p>
-            <a:r>
-              <a:rPr lang="en-US" dirty="0">
-                <a:latin typeface="Monaco"/>
-                <a:cs typeface="Monaco"/>
-              </a:rPr>
-              <a:t>	</a:t>
-            </a:r>
-            <a:r>
-              <a:rPr lang="en-US" dirty="0" smtClean="0">
-                <a:solidFill>
-                  <a:srgbClr val="A6A6A6"/>
-                </a:solidFill>
-                <a:latin typeface="Monaco"/>
-                <a:cs typeface="Monaco"/>
-              </a:rPr>
-              <a:t>None</a:t>
-            </a:r>
-            <a:endParaRPr lang="en-US" dirty="0">
-              <a:solidFill>
-                <a:srgbClr val="A6A6A6"/>
-              </a:solidFill>
-              <a:latin typeface="Monaco"/>
-              <a:cs typeface="Monaco"/>
-            </a:endParaRPr>
-          </a:p>
-          <a:p>
-            <a:pPr lvl="1"/>
-            <a:endParaRPr lang="en-US" dirty="0" smtClean="0">
-              <a:latin typeface="Monaco"/>
-              <a:cs typeface="Monaco"/>
-            </a:endParaRPr>
-          </a:p>
-          <a:p>
-            <a:pPr lvl="1"/>
-            <a:endParaRPr lang="en-US" dirty="0" smtClean="0">
-              <a:latin typeface="Monaco"/>
-              <a:cs typeface="Monaco"/>
-            </a:endParaRPr>
-          </a:p>
-        </p:txBody>
-      </p:sp>
-    </p:spTree>
-    <p:extLst>
-      <p:ext uri="{BB962C8B-B14F-4D97-AF65-F5344CB8AC3E}">
-        <p14:creationId xmlns:p14="http://schemas.microsoft.com/office/powerpoint/2010/main" val="2395982051"/>
-      </p:ext>
-    </p:extLst>
-  </p:cSld>
-  <p:clrMapOvr>
-    <a:masterClrMapping/>
-  </p:clrMapOvr>
-  <p:timing>
-    <p:tnLst>
-      <p:par>
-        <p:cTn xmlns:p14="http://schemas.microsoft.com/office/powerpoint/2010/main" id="1" dur="indefinite" restart="never" nodeType="tmRoot">
-          <p:childTnLst>
-            <p:seq concurrent="1" nextAc="seek">
-              <p:cTn id="2" dur="indefinite" nodeType="mainSeq">
-                <p:childTnLst>
-                  <p:par>
-                    <p:cTn id="3" fill="hold">
-                      <p:stCondLst>
-                        <p:cond delay="indefinite"/>
-                      </p:stCondLst>
-                      <p:childTnLst>
-                        <p:par>
-                          <p:cTn id="4" fill="hold">
-                            <p:stCondLst>
-                              <p:cond delay="0"/>
-                            </p:stCondLst>
-                            <p:childTnLst>
-                              <p:par>
-                                <p:cTn id="5" presetID="1" presetClass="entr" presetSubtype="0" fill="hold" nodeType="clickEffect">
-                                  <p:stCondLst>
-                                    <p:cond delay="0"/>
-                                  </p:stCondLst>
-                                  <p:childTnLst>
-                                    <p:set>
-                                      <p:cBhvr>
-                                        <p:cTn id="6" dur="1" fill="hold">
-                                          <p:stCondLst>
-                                            <p:cond delay="0"/>
-                                          </p:stCondLst>
-                                        </p:cTn>
-                                        <p:tgtEl>
-                                          <p:spTgt spid="4">
-                                            <p:txEl>
-                                              <p:pRg st="7" end="7"/>
-                                            </p:txEl>
-                                          </p:spTgt>
-                                        </p:tgtEl>
-                                        <p:attrNameLst>
-                                          <p:attrName>style.visibility</p:attrName>
-                                        </p:attrNameLst>
-                                      </p:cBhvr>
-                                      <p:to>
-                                        <p:strVal val="visible"/>
-                                      </p:to>
-                                    </p:set>
-                                  </p:childTnLst>
-                                </p:cTn>
-                              </p:par>
-                              <p:par>
-                                <p:cTn id="7" presetID="1" presetClass="entr" presetSubtype="0" fill="hold" nodeType="withEffect">
-                                  <p:stCondLst>
-                                    <p:cond delay="0"/>
-                                  </p:stCondLst>
-                                  <p:childTnLst>
-                                    <p:set>
-                                      <p:cBhvr>
-                                        <p:cTn id="8" dur="1" fill="hold">
-                                          <p:stCondLst>
-                                            <p:cond delay="0"/>
-                                          </p:stCondLst>
-                                        </p:cTn>
-                                        <p:tgtEl>
-                                          <p:spTgt spid="4">
-                                            <p:txEl>
-                                              <p:pRg st="8" end="8"/>
-                                            </p:txEl>
-                                          </p:spTgt>
-                                        </p:tgtEl>
-                                        <p:attrNameLst>
-                                          <p:attrName>style.visibility</p:attrName>
-                                        </p:attrNameLst>
-                                      </p:cBhvr>
-                                      <p:to>
-                                        <p:strVal val="visible"/>
-                                      </p:to>
-                                    </p:set>
-                                  </p:childTnLst>
-                                </p:cTn>
-                              </p:par>
-                              <p:par>
-                                <p:cTn id="9" presetID="1" presetClass="entr" presetSubtype="0" fill="hold" nodeType="withEffect">
-                                  <p:stCondLst>
-                                    <p:cond delay="0"/>
-                                  </p:stCondLst>
-                                  <p:childTnLst>
-                                    <p:set>
-                                      <p:cBhvr>
-                                        <p:cTn id="10" dur="1" fill="hold">
-                                          <p:stCondLst>
-                                            <p:cond delay="0"/>
-                                          </p:stCondLst>
-                                        </p:cTn>
-                                        <p:tgtEl>
-                                          <p:spTgt spid="4">
-                                            <p:txEl>
-                                              <p:pRg st="9" end="9"/>
-                                            </p:txEl>
-                                          </p:spTgt>
-                                        </p:tgtEl>
-                                        <p:attrNameLst>
-                                          <p:attrName>style.visibility</p:attrName>
-                                        </p:attrNameLst>
-                                      </p:cBhvr>
-                                      <p:to>
-                                        <p:strVal val="visible"/>
-                                      </p:to>
-                                    </p:set>
-                                  </p:childTnLst>
-                                </p:cTn>
-                              </p:par>
-                              <p:par>
-                                <p:cTn id="11" presetID="1" presetClass="entr" presetSubtype="0" fill="hold" nodeType="withEffect">
-                                  <p:stCondLst>
-                                    <p:cond delay="0"/>
-                                  </p:stCondLst>
-                                  <p:childTnLst>
-                                    <p:set>
-                                      <p:cBhvr>
-                                        <p:cTn id="12" dur="1" fill="hold">
-                                          <p:stCondLst>
-                                            <p:cond delay="0"/>
-                                          </p:stCondLst>
-                                        </p:cTn>
-                                        <p:tgtEl>
-                                          <p:spTgt spid="4">
-                                            <p:txEl>
-                                              <p:pRg st="10" end="10"/>
-                                            </p:txEl>
-                                          </p:spTgt>
-                                        </p:tgtEl>
-                                        <p:attrNameLst>
-                                          <p:attrName>style.visibility</p:attrName>
-                                        </p:attrNameLst>
-                                      </p:cBhvr>
-                                      <p:to>
-                                        <p:strVal val="visible"/>
-                                      </p:to>
-                                    </p:set>
-                                  </p:childTnLst>
-                                </p:cTn>
-                              </p:par>
-                            </p:childTnLst>
-                          </p:cTn>
-                        </p:par>
-                      </p:childTnLst>
-                    </p:cTn>
-                  </p:par>
-                  <p:par>
-                    <p:cTn id="13" fill="hold">
-                      <p:stCondLst>
-                        <p:cond delay="indefinite"/>
-                      </p:stCondLst>
-                      <p:childTnLst>
-                        <p:par>
-                          <p:cTn id="14" fill="hold">
-                            <p:stCondLst>
-                              <p:cond delay="0"/>
-                            </p:stCondLst>
-                            <p:childTnLst>
-                              <p:par>
-                                <p:cTn id="15" presetID="1" presetClass="entr" presetSubtype="0" fill="hold" nodeType="clickEffect">
-                                  <p:stCondLst>
-                                    <p:cond delay="0"/>
-                                  </p:stCondLst>
-                                  <p:childTnLst>
-                                    <p:set>
-                                      <p:cBhvr>
-                                        <p:cTn id="16" dur="1" fill="hold">
-                                          <p:stCondLst>
-                                            <p:cond delay="0"/>
-                                          </p:stCondLst>
-                                        </p:cTn>
-                                        <p:tgtEl>
-                                          <p:spTgt spid="4">
-                                            <p:txEl>
-                                              <p:pRg st="10" end="10"/>
-                                            </p:txEl>
-                                          </p:spTgt>
-                                        </p:tgtEl>
-                                        <p:attrNameLst>
-                                          <p:attrName>style.visibility</p:attrName>
-                                        </p:attrNameLst>
-                                      </p:cBhvr>
-                                      <p:to>
-                                        <p:strVal val="visible"/>
-                                      </p:to>
-                                    </p:set>
-                                  </p:childTnLst>
-                                </p:cTn>
-                              </p:par>
-                              <p:par>
-                                <p:cTn id="17" presetID="1" presetClass="entr" presetSubtype="0" fill="hold" nodeType="withEffect">
-                                  <p:stCondLst>
-                                    <p:cond delay="0"/>
-                                  </p:stCondLst>
-                                  <p:childTnLst>
-                                    <p:set>
-                                      <p:cBhvr>
-                                        <p:cTn id="18" dur="1" fill="hold">
-                                          <p:stCondLst>
-                                            <p:cond delay="0"/>
-                                          </p:stCondLst>
-                                        </p:cTn>
-                                        <p:tgtEl>
-                                          <p:spTgt spid="4">
-                                            <p:txEl>
-                                              <p:pRg st="11" end="11"/>
-                                            </p:txEl>
-                                          </p:spTgt>
-                                        </p:tgtEl>
-                                        <p:attrNameLst>
-                                          <p:attrName>style.visibility</p:attrName>
-                                        </p:attrNameLst>
-                                      </p:cBhvr>
-                                      <p:to>
-                                        <p:strVal val="visible"/>
-                                      </p:to>
-                                    </p:set>
-                                  </p:childTnLst>
-                                </p:cTn>
-                              </p:par>
-                              <p:par>
-                                <p:cTn id="19" presetID="1" presetClass="entr" presetSubtype="0" fill="hold" nodeType="withEffect">
-                                  <p:stCondLst>
-                                    <p:cond delay="0"/>
-                                  </p:stCondLst>
-                                  <p:childTnLst>
-                                    <p:set>
-                                      <p:cBhvr>
-                                        <p:cTn id="20" dur="1" fill="hold">
-                                          <p:stCondLst>
-                                            <p:cond delay="0"/>
-                                          </p:stCondLst>
-                                        </p:cTn>
-                                        <p:tgtEl>
-                                          <p:spTgt spid="4">
-                                            <p:txEl>
-                                              <p:pRg st="12" end="12"/>
-                                            </p:txEl>
-                                          </p:spTgt>
-                                        </p:tgtEl>
-                                        <p:attrNameLst>
-                                          <p:attrName>style.visibility</p:attrName>
-                                        </p:attrNameLst>
-                                      </p:cBhvr>
-                                      <p:to>
-                                        <p:strVal val="visible"/>
-                                      </p:to>
-                                    </p:set>
-                                  </p:childTnLst>
-                                </p:cTn>
-                              </p:par>
-                              <p:par>
-                                <p:cTn id="21" presetID="1" presetClass="entr" presetSubtype="0" fill="hold" nodeType="withEffect">
-                                  <p:stCondLst>
-                                    <p:cond delay="0"/>
-                                  </p:stCondLst>
-                                  <p:childTnLst>
-                                    <p:set>
-                                      <p:cBhvr>
-                                        <p:cTn id="22" dur="1" fill="hold">
-                                          <p:stCondLst>
-                                            <p:cond delay="0"/>
-                                          </p:stCondLst>
-                                        </p:cTn>
-                                        <p:tgtEl>
-                                          <p:spTgt spid="4">
-                                            <p:txEl>
-                                              <p:pRg st="13" end="13"/>
-                                            </p:txEl>
-                                          </p:spTgt>
-                                        </p:tgtEl>
-                                        <p:attrNameLst>
-                                          <p:attrName>style.visibility</p:attrName>
-                                        </p:attrNameLst>
-                                      </p:cBhvr>
-                                      <p:to>
-                                        <p:strVal val="visible"/>
-                                      </p:to>
-                                    </p:set>
-                                  </p:childTnLst>
-                                </p:cTn>
-                              </p:par>
-                              <p:par>
-                                <p:cTn id="23" presetID="1" presetClass="entr" presetSubtype="0" fill="hold" nodeType="withEffect">
-                                  <p:stCondLst>
-                                    <p:cond delay="0"/>
-                                  </p:stCondLst>
-                                  <p:childTnLst>
-                                    <p:set>
-                                      <p:cBhvr>
-                                        <p:cTn id="24" dur="1" fill="hold">
-                                          <p:stCondLst>
-                                            <p:cond delay="0"/>
-                                          </p:stCondLst>
-                                        </p:cTn>
-                                        <p:tgtEl>
-                                          <p:spTgt spid="4">
-                                            <p:txEl>
-                                              <p:pRg st="14" end="14"/>
-                                            </p:txEl>
-                                          </p:spTgt>
-                                        </p:tgtEl>
-                                        <p:attrNameLst>
-                                          <p:attrName>style.visibility</p:attrName>
-                                        </p:attrNameLst>
-                                      </p:cBhvr>
-                                      <p:to>
-                                        <p:strVal val="visible"/>
-                                      </p:to>
-                                    </p:set>
-                                  </p:childTnLst>
-                                </p:cTn>
-                              </p:par>
-                            </p:childTnLst>
-                          </p:cTn>
-                        </p:par>
-                      </p:childTnLst>
-                    </p:cTn>
-                  </p:par>
-                </p:childTnLst>
-              </p:cTn>
-              <p:prevCondLst>
-                <p:cond evt="onPrev" delay="0">
-                  <p:tgtEl>
-                    <p:sldTgt/>
-                  </p:tgtEl>
-                </p:cond>
-              </p:prevCondLst>
-              <p:nextCondLst>
-                <p:cond evt="onNext" delay="0">
-                  <p:tgtEl>
-                    <p:sldTgt/>
-                  </p:tgtEl>
-                </p:cond>
-              </p:nextCondLst>
-            </p:seq>
-          </p:childTnLst>
-        </p:cTn>
       </p:par>
     </p:tnLst>
   </p:timing>
@@ -10999,814 +5988,6 @@
     <p:extLst>
       <p:ext uri="{BB962C8B-B14F-4D97-AF65-F5344CB8AC3E}">
         <p14:creationId xmlns:p14="http://schemas.microsoft.com/office/powerpoint/2010/main" val="2636746273"/>
-      </p:ext>
-    </p:extLst>
-  </p:cSld>
-  <p:clrMapOvr>
-    <a:masterClrMapping/>
-  </p:clrMapOvr>
-  <p:timing>
-    <p:tnLst>
-      <p:par>
-        <p:cTn xmlns:p14="http://schemas.microsoft.com/office/powerpoint/2010/main" id="1" dur="indefinite" restart="never" nodeType="tmRoot"/>
-      </p:par>
-    </p:tnLst>
-  </p:timing>
-</p:sld>
-</file>
-
-<file path=ppt/slides/slide30.xml><?xml version="1.0" encoding="utf-8"?>
-<p:sld xmlns:a="http://schemas.openxmlformats.org/drawingml/2006/main" xmlns:r="http://schemas.openxmlformats.org/officeDocument/2006/relationships" xmlns:p="http://schemas.openxmlformats.org/presentationml/2006/main">
-  <p:cSld>
-    <p:spTree>
-      <p:nvGrpSpPr>
-        <p:cNvPr id="1" name=""/>
-        <p:cNvGrpSpPr/>
-        <p:nvPr/>
-      </p:nvGrpSpPr>
-      <p:grpSpPr>
-        <a:xfrm>
-          <a:off x="0" y="0"/>
-          <a:ext cx="0" cy="0"/>
-          <a:chOff x="0" y="0"/>
-          <a:chExt cx="0" cy="0"/>
-        </a:xfrm>
-      </p:grpSpPr>
-      <p:sp>
-        <p:nvSpPr>
-          <p:cNvPr id="2" name="Title 1"/>
-          <p:cNvSpPr>
-            <a:spLocks noGrp="1"/>
-          </p:cNvSpPr>
-          <p:nvPr>
-            <p:ph type="title"/>
-          </p:nvPr>
-        </p:nvSpPr>
-        <p:spPr/>
-        <p:txBody>
-          <a:bodyPr/>
-          <a:lstStyle/>
-          <a:p>
-            <a:r>
-              <a:rPr lang="en-US" dirty="0" smtClean="0"/>
-              <a:t>returning multiple values</a:t>
-            </a:r>
-            <a:endParaRPr lang="en-US" dirty="0"/>
-          </a:p>
-        </p:txBody>
-      </p:sp>
-      <p:sp>
-        <p:nvSpPr>
-          <p:cNvPr id="4" name="TextBox 3"/>
-          <p:cNvSpPr txBox="1"/>
-          <p:nvPr/>
-        </p:nvSpPr>
-        <p:spPr>
-          <a:xfrm>
-            <a:off x="457200" y="1727554"/>
-            <a:ext cx="8338444" cy="4801315"/>
-          </a:xfrm>
-          <a:prstGeom prst="rect">
-            <a:avLst/>
-          </a:prstGeom>
-          <a:noFill/>
-        </p:spPr>
-        <p:txBody>
-          <a:bodyPr wrap="square" rtlCol="0">
-            <a:spAutoFit/>
-          </a:bodyPr>
-          <a:lstStyle/>
-          <a:p>
-            <a:r>
-              <a:rPr lang="en-US" dirty="0" smtClean="0">
-                <a:latin typeface="Monaco"/>
-                <a:cs typeface="Monaco"/>
-              </a:rPr>
-              <a:t>def square_cube(x):</a:t>
-            </a:r>
-          </a:p>
-          <a:p>
-            <a:r>
-              <a:rPr lang="en-US" dirty="0">
-                <a:latin typeface="Monaco"/>
-                <a:cs typeface="Monaco"/>
-              </a:rPr>
-              <a:t>	</a:t>
-            </a:r>
-            <a:r>
-              <a:rPr lang="en-US" dirty="0" smtClean="0">
-                <a:latin typeface="Monaco"/>
-                <a:cs typeface="Monaco"/>
-              </a:rPr>
-              <a:t>square = x**2</a:t>
-            </a:r>
-          </a:p>
-          <a:p>
-            <a:r>
-              <a:rPr lang="en-US" dirty="0" smtClean="0">
-                <a:latin typeface="Monaco"/>
-                <a:cs typeface="Monaco"/>
-              </a:rPr>
-              <a:t>	cube   = x**3</a:t>
-            </a:r>
-          </a:p>
-          <a:p>
-            <a:r>
-              <a:rPr lang="en-US" dirty="0">
-                <a:latin typeface="Monaco"/>
-                <a:cs typeface="Monaco"/>
-              </a:rPr>
-              <a:t>	</a:t>
-            </a:r>
-            <a:r>
-              <a:rPr lang="en-US" dirty="0" smtClean="0">
-                <a:latin typeface="Monaco"/>
-                <a:cs typeface="Monaco"/>
-              </a:rPr>
-              <a:t>return square</a:t>
-            </a:r>
-            <a:r>
-              <a:rPr lang="en-US" dirty="0">
-                <a:latin typeface="Monaco"/>
-                <a:cs typeface="Monaco"/>
-              </a:rPr>
-              <a:t>, cube </a:t>
-            </a:r>
-            <a:r>
-              <a:rPr lang="en-US" dirty="0" smtClean="0">
-                <a:latin typeface="Monaco"/>
-                <a:cs typeface="Monaco"/>
-              </a:rPr>
-              <a:t>   # </a:t>
-            </a:r>
-            <a:r>
-              <a:rPr lang="en-US" dirty="0">
-                <a:latin typeface="Monaco"/>
-                <a:cs typeface="Monaco"/>
-              </a:rPr>
-              <a:t>separate values with a </a:t>
-            </a:r>
-            <a:r>
-              <a:rPr lang="en-US" dirty="0" smtClean="0">
-                <a:latin typeface="Monaco"/>
-                <a:cs typeface="Monaco"/>
-              </a:rPr>
-              <a:t>comma</a:t>
-            </a:r>
-          </a:p>
-          <a:p>
-            <a:endParaRPr lang="en-US" dirty="0">
-              <a:latin typeface="Monaco"/>
-              <a:cs typeface="Monaco"/>
-            </a:endParaRPr>
-          </a:p>
-          <a:p>
-            <a:r>
-              <a:rPr lang="en-US" dirty="0" smtClean="0">
-                <a:latin typeface="Monaco"/>
-                <a:cs typeface="Monaco"/>
-              </a:rPr>
-              <a:t>s, c = square_cube(5)</a:t>
-            </a:r>
-          </a:p>
-          <a:p>
-            <a:r>
-              <a:rPr lang="en-US" dirty="0" smtClean="0">
-                <a:latin typeface="Monaco"/>
-                <a:cs typeface="Monaco"/>
-              </a:rPr>
-              <a:t>print(s)</a:t>
-            </a:r>
-          </a:p>
-          <a:p>
-            <a:r>
-              <a:rPr lang="en-US" dirty="0" smtClean="0">
-                <a:latin typeface="Monaco"/>
-                <a:cs typeface="Monaco"/>
-              </a:rPr>
-              <a:t>	</a:t>
-            </a:r>
-            <a:r>
-              <a:rPr lang="en-US" dirty="0" smtClean="0">
-                <a:solidFill>
-                  <a:srgbClr val="A6A6A6"/>
-                </a:solidFill>
-                <a:latin typeface="Monaco"/>
-                <a:cs typeface="Monaco"/>
-              </a:rPr>
-              <a:t>25</a:t>
-            </a:r>
-            <a:endParaRPr lang="en-US" dirty="0">
-              <a:solidFill>
-                <a:srgbClr val="A6A6A6"/>
-              </a:solidFill>
-              <a:latin typeface="Monaco"/>
-              <a:cs typeface="Monaco"/>
-            </a:endParaRPr>
-          </a:p>
-          <a:p>
-            <a:r>
-              <a:rPr lang="en-US" dirty="0" smtClean="0">
-                <a:latin typeface="Monaco"/>
-                <a:cs typeface="Monaco"/>
-              </a:rPr>
-              <a:t>print(c)</a:t>
-            </a:r>
-          </a:p>
-          <a:p>
-            <a:r>
-              <a:rPr lang="en-US" dirty="0">
-                <a:latin typeface="Monaco"/>
-                <a:cs typeface="Monaco"/>
-              </a:rPr>
-              <a:t>	</a:t>
-            </a:r>
-            <a:r>
-              <a:rPr lang="en-US" dirty="0" smtClean="0">
-                <a:solidFill>
-                  <a:srgbClr val="A6A6A6"/>
-                </a:solidFill>
-                <a:latin typeface="Monaco"/>
-                <a:cs typeface="Monaco"/>
-              </a:rPr>
-              <a:t>125</a:t>
-            </a:r>
-          </a:p>
-          <a:p>
-            <a:endParaRPr lang="en-US" dirty="0" smtClean="0">
-              <a:solidFill>
-                <a:srgbClr val="A6A6A6"/>
-              </a:solidFill>
-              <a:latin typeface="Monaco"/>
-              <a:cs typeface="Monaco"/>
-            </a:endParaRPr>
-          </a:p>
-          <a:p>
-            <a:r>
-              <a:rPr lang="en-US" dirty="0" smtClean="0">
-                <a:solidFill>
-                  <a:srgbClr val="000000"/>
-                </a:solidFill>
-                <a:latin typeface="Monaco"/>
-                <a:cs typeface="Monaco"/>
-              </a:rPr>
-              <a:t># Equivalent usage</a:t>
-            </a:r>
-            <a:endParaRPr lang="en-US" dirty="0">
-              <a:solidFill>
-                <a:srgbClr val="000000"/>
-              </a:solidFill>
-              <a:latin typeface="Monaco"/>
-              <a:cs typeface="Monaco"/>
-            </a:endParaRPr>
-          </a:p>
-          <a:p>
-            <a:r>
-              <a:rPr lang="en-US" dirty="0" smtClean="0">
-                <a:latin typeface="Monaco"/>
-                <a:cs typeface="Monaco"/>
-              </a:rPr>
-              <a:t>answer = square_cube(5)</a:t>
-            </a:r>
-          </a:p>
-          <a:p>
-            <a:r>
-              <a:rPr lang="en-US" dirty="0" smtClean="0">
-                <a:latin typeface="Monaco"/>
-                <a:cs typeface="Monaco"/>
-              </a:rPr>
-              <a:t>print(answer[0])</a:t>
-            </a:r>
-          </a:p>
-          <a:p>
-            <a:r>
-              <a:rPr lang="en-US" dirty="0">
-                <a:latin typeface="Monaco"/>
-                <a:cs typeface="Monaco"/>
-              </a:rPr>
-              <a:t>	</a:t>
-            </a:r>
-            <a:r>
-              <a:rPr lang="en-US" dirty="0" smtClean="0">
-                <a:solidFill>
-                  <a:srgbClr val="A6A6A6"/>
-                </a:solidFill>
-                <a:latin typeface="Monaco"/>
-                <a:cs typeface="Monaco"/>
-              </a:rPr>
-              <a:t>25</a:t>
-            </a:r>
-            <a:endParaRPr lang="en-US" dirty="0">
-              <a:latin typeface="Monaco"/>
-              <a:cs typeface="Monaco"/>
-            </a:endParaRPr>
-          </a:p>
-          <a:p>
-            <a:r>
-              <a:rPr lang="en-US" dirty="0" smtClean="0">
-                <a:latin typeface="Monaco"/>
-                <a:cs typeface="Monaco"/>
-              </a:rPr>
-              <a:t>print(answer[1])</a:t>
-            </a:r>
-          </a:p>
-          <a:p>
-            <a:r>
-              <a:rPr lang="en-US" dirty="0">
-                <a:latin typeface="Monaco"/>
-                <a:cs typeface="Monaco"/>
-              </a:rPr>
-              <a:t>	</a:t>
-            </a:r>
-            <a:r>
-              <a:rPr lang="en-US" dirty="0" smtClean="0">
-                <a:solidFill>
-                  <a:srgbClr val="A6A6A6"/>
-                </a:solidFill>
-                <a:latin typeface="Monaco"/>
-                <a:cs typeface="Monaco"/>
-              </a:rPr>
-              <a:t>125</a:t>
-            </a:r>
-            <a:endParaRPr lang="en-US" dirty="0">
-              <a:solidFill>
-                <a:srgbClr val="A6A6A6"/>
-              </a:solidFill>
-              <a:latin typeface="Monaco"/>
-              <a:cs typeface="Monaco"/>
-            </a:endParaRPr>
-          </a:p>
-        </p:txBody>
-      </p:sp>
-    </p:spTree>
-    <p:extLst>
-      <p:ext uri="{BB962C8B-B14F-4D97-AF65-F5344CB8AC3E}">
-        <p14:creationId xmlns:p14="http://schemas.microsoft.com/office/powerpoint/2010/main" val="1600491119"/>
-      </p:ext>
-    </p:extLst>
-  </p:cSld>
-  <p:clrMapOvr>
-    <a:masterClrMapping/>
-  </p:clrMapOvr>
-  <p:timing>
-    <p:tnLst>
-      <p:par>
-        <p:cTn xmlns:p14="http://schemas.microsoft.com/office/powerpoint/2010/main" id="1" dur="indefinite" restart="never" nodeType="tmRoot">
-          <p:childTnLst>
-            <p:seq concurrent="1" nextAc="seek">
-              <p:cTn id="2" dur="indefinite" nodeType="mainSeq">
-                <p:childTnLst>
-                  <p:par>
-                    <p:cTn id="3" fill="hold">
-                      <p:stCondLst>
-                        <p:cond delay="indefinite"/>
-                      </p:stCondLst>
-                      <p:childTnLst>
-                        <p:par>
-                          <p:cTn id="4" fill="hold">
-                            <p:stCondLst>
-                              <p:cond delay="0"/>
-                            </p:stCondLst>
-                            <p:childTnLst>
-                              <p:par>
-                                <p:cTn id="5" presetID="1" presetClass="entr" presetSubtype="0" fill="hold" nodeType="clickEffect">
-                                  <p:stCondLst>
-                                    <p:cond delay="0"/>
-                                  </p:stCondLst>
-                                  <p:childTnLst>
-                                    <p:set>
-                                      <p:cBhvr>
-                                        <p:cTn id="6" dur="1" fill="hold">
-                                          <p:stCondLst>
-                                            <p:cond delay="0"/>
-                                          </p:stCondLst>
-                                        </p:cTn>
-                                        <p:tgtEl>
-                                          <p:spTgt spid="4">
-                                            <p:txEl>
-                                              <p:pRg st="5" end="5"/>
-                                            </p:txEl>
-                                          </p:spTgt>
-                                        </p:tgtEl>
-                                        <p:attrNameLst>
-                                          <p:attrName>style.visibility</p:attrName>
-                                        </p:attrNameLst>
-                                      </p:cBhvr>
-                                      <p:to>
-                                        <p:strVal val="visible"/>
-                                      </p:to>
-                                    </p:set>
-                                  </p:childTnLst>
-                                </p:cTn>
-                              </p:par>
-                              <p:par>
-                                <p:cTn id="7" presetID="1" presetClass="entr" presetSubtype="0" fill="hold" nodeType="withEffect">
-                                  <p:stCondLst>
-                                    <p:cond delay="0"/>
-                                  </p:stCondLst>
-                                  <p:childTnLst>
-                                    <p:set>
-                                      <p:cBhvr>
-                                        <p:cTn id="8" dur="1" fill="hold">
-                                          <p:stCondLst>
-                                            <p:cond delay="0"/>
-                                          </p:stCondLst>
-                                        </p:cTn>
-                                        <p:tgtEl>
-                                          <p:spTgt spid="4">
-                                            <p:txEl>
-                                              <p:pRg st="6" end="6"/>
-                                            </p:txEl>
-                                          </p:spTgt>
-                                        </p:tgtEl>
-                                        <p:attrNameLst>
-                                          <p:attrName>style.visibility</p:attrName>
-                                        </p:attrNameLst>
-                                      </p:cBhvr>
-                                      <p:to>
-                                        <p:strVal val="visible"/>
-                                      </p:to>
-                                    </p:set>
-                                  </p:childTnLst>
-                                </p:cTn>
-                              </p:par>
-                              <p:par>
-                                <p:cTn id="9" presetID="1" presetClass="entr" presetSubtype="0" fill="hold" nodeType="withEffect">
-                                  <p:stCondLst>
-                                    <p:cond delay="0"/>
-                                  </p:stCondLst>
-                                  <p:childTnLst>
-                                    <p:set>
-                                      <p:cBhvr>
-                                        <p:cTn id="10" dur="1" fill="hold">
-                                          <p:stCondLst>
-                                            <p:cond delay="0"/>
-                                          </p:stCondLst>
-                                        </p:cTn>
-                                        <p:tgtEl>
-                                          <p:spTgt spid="4">
-                                            <p:txEl>
-                                              <p:pRg st="7" end="7"/>
-                                            </p:txEl>
-                                          </p:spTgt>
-                                        </p:tgtEl>
-                                        <p:attrNameLst>
-                                          <p:attrName>style.visibility</p:attrName>
-                                        </p:attrNameLst>
-                                      </p:cBhvr>
-                                      <p:to>
-                                        <p:strVal val="visible"/>
-                                      </p:to>
-                                    </p:set>
-                                  </p:childTnLst>
-                                </p:cTn>
-                              </p:par>
-                              <p:par>
-                                <p:cTn id="11" presetID="1" presetClass="entr" presetSubtype="0" fill="hold" nodeType="withEffect">
-                                  <p:stCondLst>
-                                    <p:cond delay="0"/>
-                                  </p:stCondLst>
-                                  <p:childTnLst>
-                                    <p:set>
-                                      <p:cBhvr>
-                                        <p:cTn id="12" dur="1" fill="hold">
-                                          <p:stCondLst>
-                                            <p:cond delay="0"/>
-                                          </p:stCondLst>
-                                        </p:cTn>
-                                        <p:tgtEl>
-                                          <p:spTgt spid="4">
-                                            <p:txEl>
-                                              <p:pRg st="8" end="8"/>
-                                            </p:txEl>
-                                          </p:spTgt>
-                                        </p:tgtEl>
-                                        <p:attrNameLst>
-                                          <p:attrName>style.visibility</p:attrName>
-                                        </p:attrNameLst>
-                                      </p:cBhvr>
-                                      <p:to>
-                                        <p:strVal val="visible"/>
-                                      </p:to>
-                                    </p:set>
-                                  </p:childTnLst>
-                                </p:cTn>
-                              </p:par>
-                              <p:par>
-                                <p:cTn id="13" presetID="1" presetClass="entr" presetSubtype="0" fill="hold" nodeType="withEffect">
-                                  <p:stCondLst>
-                                    <p:cond delay="0"/>
-                                  </p:stCondLst>
-                                  <p:childTnLst>
-                                    <p:set>
-                                      <p:cBhvr>
-                                        <p:cTn id="14" dur="1" fill="hold">
-                                          <p:stCondLst>
-                                            <p:cond delay="0"/>
-                                          </p:stCondLst>
-                                        </p:cTn>
-                                        <p:tgtEl>
-                                          <p:spTgt spid="4">
-                                            <p:txEl>
-                                              <p:pRg st="9" end="9"/>
-                                            </p:txEl>
-                                          </p:spTgt>
-                                        </p:tgtEl>
-                                        <p:attrNameLst>
-                                          <p:attrName>style.visibility</p:attrName>
-                                        </p:attrNameLst>
-                                      </p:cBhvr>
-                                      <p:to>
-                                        <p:strVal val="visible"/>
-                                      </p:to>
-                                    </p:set>
-                                  </p:childTnLst>
-                                </p:cTn>
-                              </p:par>
-                            </p:childTnLst>
-                          </p:cTn>
-                        </p:par>
-                      </p:childTnLst>
-                    </p:cTn>
-                  </p:par>
-                  <p:par>
-                    <p:cTn id="15" fill="hold">
-                      <p:stCondLst>
-                        <p:cond delay="indefinite"/>
-                      </p:stCondLst>
-                      <p:childTnLst>
-                        <p:par>
-                          <p:cTn id="16" fill="hold">
-                            <p:stCondLst>
-                              <p:cond delay="0"/>
-                            </p:stCondLst>
-                            <p:childTnLst>
-                              <p:par>
-                                <p:cTn id="17" presetID="1" presetClass="entr" presetSubtype="0" fill="hold" nodeType="clickEffect">
-                                  <p:stCondLst>
-                                    <p:cond delay="0"/>
-                                  </p:stCondLst>
-                                  <p:childTnLst>
-                                    <p:set>
-                                      <p:cBhvr>
-                                        <p:cTn id="18" dur="1" fill="hold">
-                                          <p:stCondLst>
-                                            <p:cond delay="0"/>
-                                          </p:stCondLst>
-                                        </p:cTn>
-                                        <p:tgtEl>
-                                          <p:spTgt spid="4">
-                                            <p:txEl>
-                                              <p:pRg st="11" end="11"/>
-                                            </p:txEl>
-                                          </p:spTgt>
-                                        </p:tgtEl>
-                                        <p:attrNameLst>
-                                          <p:attrName>style.visibility</p:attrName>
-                                        </p:attrNameLst>
-                                      </p:cBhvr>
-                                      <p:to>
-                                        <p:strVal val="visible"/>
-                                      </p:to>
-                                    </p:set>
-                                  </p:childTnLst>
-                                </p:cTn>
-                              </p:par>
-                              <p:par>
-                                <p:cTn id="19" presetID="1" presetClass="entr" presetSubtype="0" fill="hold" nodeType="withEffect">
-                                  <p:stCondLst>
-                                    <p:cond delay="0"/>
-                                  </p:stCondLst>
-                                  <p:childTnLst>
-                                    <p:set>
-                                      <p:cBhvr>
-                                        <p:cTn id="20" dur="1" fill="hold">
-                                          <p:stCondLst>
-                                            <p:cond delay="0"/>
-                                          </p:stCondLst>
-                                        </p:cTn>
-                                        <p:tgtEl>
-                                          <p:spTgt spid="4">
-                                            <p:txEl>
-                                              <p:pRg st="12" end="12"/>
-                                            </p:txEl>
-                                          </p:spTgt>
-                                        </p:tgtEl>
-                                        <p:attrNameLst>
-                                          <p:attrName>style.visibility</p:attrName>
-                                        </p:attrNameLst>
-                                      </p:cBhvr>
-                                      <p:to>
-                                        <p:strVal val="visible"/>
-                                      </p:to>
-                                    </p:set>
-                                  </p:childTnLst>
-                                </p:cTn>
-                              </p:par>
-                              <p:par>
-                                <p:cTn id="21" presetID="1" presetClass="entr" presetSubtype="0" fill="hold" nodeType="withEffect">
-                                  <p:stCondLst>
-                                    <p:cond delay="0"/>
-                                  </p:stCondLst>
-                                  <p:childTnLst>
-                                    <p:set>
-                                      <p:cBhvr>
-                                        <p:cTn id="22" dur="1" fill="hold">
-                                          <p:stCondLst>
-                                            <p:cond delay="0"/>
-                                          </p:stCondLst>
-                                        </p:cTn>
-                                        <p:tgtEl>
-                                          <p:spTgt spid="4">
-                                            <p:txEl>
-                                              <p:pRg st="13" end="13"/>
-                                            </p:txEl>
-                                          </p:spTgt>
-                                        </p:tgtEl>
-                                        <p:attrNameLst>
-                                          <p:attrName>style.visibility</p:attrName>
-                                        </p:attrNameLst>
-                                      </p:cBhvr>
-                                      <p:to>
-                                        <p:strVal val="visible"/>
-                                      </p:to>
-                                    </p:set>
-                                  </p:childTnLst>
-                                </p:cTn>
-                              </p:par>
-                              <p:par>
-                                <p:cTn id="23" presetID="1" presetClass="entr" presetSubtype="0" fill="hold" nodeType="withEffect">
-                                  <p:stCondLst>
-                                    <p:cond delay="0"/>
-                                  </p:stCondLst>
-                                  <p:childTnLst>
-                                    <p:set>
-                                      <p:cBhvr>
-                                        <p:cTn id="24" dur="1" fill="hold">
-                                          <p:stCondLst>
-                                            <p:cond delay="0"/>
-                                          </p:stCondLst>
-                                        </p:cTn>
-                                        <p:tgtEl>
-                                          <p:spTgt spid="4">
-                                            <p:txEl>
-                                              <p:pRg st="14" end="14"/>
-                                            </p:txEl>
-                                          </p:spTgt>
-                                        </p:tgtEl>
-                                        <p:attrNameLst>
-                                          <p:attrName>style.visibility</p:attrName>
-                                        </p:attrNameLst>
-                                      </p:cBhvr>
-                                      <p:to>
-                                        <p:strVal val="visible"/>
-                                      </p:to>
-                                    </p:set>
-                                  </p:childTnLst>
-                                </p:cTn>
-                              </p:par>
-                              <p:par>
-                                <p:cTn id="25" presetID="1" presetClass="entr" presetSubtype="0" fill="hold" nodeType="withEffect">
-                                  <p:stCondLst>
-                                    <p:cond delay="0"/>
-                                  </p:stCondLst>
-                                  <p:childTnLst>
-                                    <p:set>
-                                      <p:cBhvr>
-                                        <p:cTn id="26" dur="1" fill="hold">
-                                          <p:stCondLst>
-                                            <p:cond delay="0"/>
-                                          </p:stCondLst>
-                                        </p:cTn>
-                                        <p:tgtEl>
-                                          <p:spTgt spid="4">
-                                            <p:txEl>
-                                              <p:pRg st="15" end="15"/>
-                                            </p:txEl>
-                                          </p:spTgt>
-                                        </p:tgtEl>
-                                        <p:attrNameLst>
-                                          <p:attrName>style.visibility</p:attrName>
-                                        </p:attrNameLst>
-                                      </p:cBhvr>
-                                      <p:to>
-                                        <p:strVal val="visible"/>
-                                      </p:to>
-                                    </p:set>
-                                  </p:childTnLst>
-                                </p:cTn>
-                              </p:par>
-                              <p:par>
-                                <p:cTn id="27" presetID="1" presetClass="entr" presetSubtype="0" fill="hold" nodeType="withEffect">
-                                  <p:stCondLst>
-                                    <p:cond delay="0"/>
-                                  </p:stCondLst>
-                                  <p:childTnLst>
-                                    <p:set>
-                                      <p:cBhvr>
-                                        <p:cTn id="28" dur="1" fill="hold">
-                                          <p:stCondLst>
-                                            <p:cond delay="0"/>
-                                          </p:stCondLst>
-                                        </p:cTn>
-                                        <p:tgtEl>
-                                          <p:spTgt spid="4">
-                                            <p:txEl>
-                                              <p:pRg st="16" end="16"/>
-                                            </p:txEl>
-                                          </p:spTgt>
-                                        </p:tgtEl>
-                                        <p:attrNameLst>
-                                          <p:attrName>style.visibility</p:attrName>
-                                        </p:attrNameLst>
-                                      </p:cBhvr>
-                                      <p:to>
-                                        <p:strVal val="visible"/>
-                                      </p:to>
-                                    </p:set>
-                                  </p:childTnLst>
-                                </p:cTn>
-                              </p:par>
-                            </p:childTnLst>
-                          </p:cTn>
-                        </p:par>
-                      </p:childTnLst>
-                    </p:cTn>
-                  </p:par>
-                </p:childTnLst>
-              </p:cTn>
-              <p:prevCondLst>
-                <p:cond evt="onPrev" delay="0">
-                  <p:tgtEl>
-                    <p:sldTgt/>
-                  </p:tgtEl>
-                </p:cond>
-              </p:prevCondLst>
-              <p:nextCondLst>
-                <p:cond evt="onNext" delay="0">
-                  <p:tgtEl>
-                    <p:sldTgt/>
-                  </p:tgtEl>
-                </p:cond>
-              </p:nextCondLst>
-            </p:seq>
-          </p:childTnLst>
-        </p:cTn>
-      </p:par>
-    </p:tnLst>
-  </p:timing>
-</p:sld>
-</file>
-
-<file path=ppt/slides/slide31.xml><?xml version="1.0" encoding="utf-8"?>
-<p:sld xmlns:a="http://schemas.openxmlformats.org/drawingml/2006/main" xmlns:r="http://schemas.openxmlformats.org/officeDocument/2006/relationships" xmlns:p="http://schemas.openxmlformats.org/presentationml/2006/main">
-  <p:cSld>
-    <p:spTree>
-      <p:nvGrpSpPr>
-        <p:cNvPr id="1" name=""/>
-        <p:cNvGrpSpPr/>
-        <p:nvPr/>
-      </p:nvGrpSpPr>
-      <p:grpSpPr>
-        <a:xfrm>
-          <a:off x="0" y="0"/>
-          <a:ext cx="0" cy="0"/>
-          <a:chOff x="0" y="0"/>
-          <a:chExt cx="0" cy="0"/>
-        </a:xfrm>
-      </p:grpSpPr>
-      <p:sp>
-        <p:nvSpPr>
-          <p:cNvPr id="2" name="Title 1"/>
-          <p:cNvSpPr>
-            <a:spLocks noGrp="1"/>
-          </p:cNvSpPr>
-          <p:nvPr>
-            <p:ph type="title"/>
-          </p:nvPr>
-        </p:nvSpPr>
-        <p:spPr>
-          <a:xfrm>
-            <a:off x="2230714" y="3087537"/>
-            <a:ext cx="4688183" cy="692215"/>
-          </a:xfrm>
-        </p:spPr>
-        <p:txBody>
-          <a:bodyPr/>
-          <a:lstStyle/>
-          <a:p>
-            <a:r>
-              <a:rPr lang="en-US" dirty="0" smtClean="0"/>
-              <a:t>exercise break</a:t>
-            </a:r>
-            <a:endParaRPr lang="en-US" dirty="0"/>
-          </a:p>
-        </p:txBody>
-      </p:sp>
-    </p:spTree>
-    <p:extLst>
-      <p:ext uri="{BB962C8B-B14F-4D97-AF65-F5344CB8AC3E}">
-        <p14:creationId xmlns:p14="http://schemas.microsoft.com/office/powerpoint/2010/main" val="4207585177"/>
       </p:ext>
     </p:extLst>
   </p:cSld>

--- a/files/day3_materials/slides_day3.pptx
+++ b/files/day3_materials/slides_day3.pptx
@@ -5,25 +5,33 @@
     <p:sldMasterId id="2147483660" r:id="rId1"/>
   </p:sldMasterIdLst>
   <p:notesMasterIdLst>
-    <p:notesMasterId r:id="rId18"/>
+    <p:notesMasterId r:id="rId26"/>
   </p:notesMasterIdLst>
   <p:sldIdLst>
     <p:sldId id="256" r:id="rId2"/>
-    <p:sldId id="476" r:id="rId3"/>
-    <p:sldId id="477" r:id="rId4"/>
-    <p:sldId id="478" r:id="rId5"/>
-    <p:sldId id="479" r:id="rId6"/>
-    <p:sldId id="480" r:id="rId7"/>
-    <p:sldId id="481" r:id="rId8"/>
-    <p:sldId id="482" r:id="rId9"/>
-    <p:sldId id="483" r:id="rId10"/>
-    <p:sldId id="484" r:id="rId11"/>
-    <p:sldId id="485" r:id="rId12"/>
-    <p:sldId id="486" r:id="rId13"/>
-    <p:sldId id="487" r:id="rId14"/>
-    <p:sldId id="488" r:id="rId15"/>
-    <p:sldId id="489" r:id="rId16"/>
-    <p:sldId id="490" r:id="rId17"/>
+    <p:sldId id="491" r:id="rId3"/>
+    <p:sldId id="492" r:id="rId4"/>
+    <p:sldId id="493" r:id="rId5"/>
+    <p:sldId id="494" r:id="rId6"/>
+    <p:sldId id="495" r:id="rId7"/>
+    <p:sldId id="496" r:id="rId8"/>
+    <p:sldId id="497" r:id="rId9"/>
+    <p:sldId id="498" r:id="rId10"/>
+    <p:sldId id="499" r:id="rId11"/>
+    <p:sldId id="500" r:id="rId12"/>
+    <p:sldId id="501" r:id="rId13"/>
+    <p:sldId id="502" r:id="rId14"/>
+    <p:sldId id="503" r:id="rId15"/>
+    <p:sldId id="504" r:id="rId16"/>
+    <p:sldId id="505" r:id="rId17"/>
+    <p:sldId id="506" r:id="rId18"/>
+    <p:sldId id="507" r:id="rId19"/>
+    <p:sldId id="508" r:id="rId20"/>
+    <p:sldId id="509" r:id="rId21"/>
+    <p:sldId id="510" r:id="rId22"/>
+    <p:sldId id="511" r:id="rId23"/>
+    <p:sldId id="512" r:id="rId24"/>
+    <p:sldId id="513" r:id="rId25"/>
   </p:sldIdLst>
   <p:sldSz cx="9144000" cy="6858000" type="screen4x3"/>
   <p:notesSz cx="6858000" cy="9144000"/>
@@ -3887,7 +3895,11 @@
           <a:p>
             <a:r>
               <a:rPr lang="en-US" dirty="0" smtClean="0"/>
-              <a:t>opening files for writing</a:t>
+              <a:t>looping over files with </a:t>
+            </a:r>
+            <a:r>
+              <a:rPr lang="en-US" dirty="0" err="1" smtClean="0"/>
+              <a:t>os.listdir</a:t>
             </a:r>
             <a:endParaRPr lang="en-US" dirty="0"/>
           </a:p>
@@ -3901,8 +3913,8 @@
         </p:nvSpPr>
         <p:spPr>
           <a:xfrm>
-            <a:off x="457199" y="1727554"/>
-            <a:ext cx="8338444" cy="3693319"/>
+            <a:off x="365827" y="1835285"/>
+            <a:ext cx="8338444" cy="4708981"/>
           </a:xfrm>
           <a:prstGeom prst="rect">
             <a:avLst/>
@@ -3916,372 +3928,270 @@
           <a:lstStyle/>
           <a:p>
             <a:r>
-              <a:rPr lang="en-US" dirty="0" smtClean="0">
-                <a:latin typeface="Monaco"/>
-                <a:cs typeface="Monaco"/>
-              </a:rPr>
-              <a:t># Name of file to open</a:t>
-            </a:r>
-          </a:p>
-          <a:p>
-            <a:r>
-              <a:rPr lang="en-US" dirty="0" smtClean="0">
-                <a:latin typeface="Monaco"/>
-                <a:cs typeface="Monaco"/>
-              </a:rPr>
-              <a:t>filename = "my_file_to_write_to.txt"</a:t>
-            </a:r>
-          </a:p>
-          <a:p>
-            <a:endParaRPr lang="en-US" dirty="0">
+              <a:rPr lang="en-US" sz="2000" dirty="0" smtClean="0">
+                <a:latin typeface="Monaco"/>
+                <a:cs typeface="Monaco"/>
+              </a:rPr>
+              <a:t>import </a:t>
+            </a:r>
+            <a:r>
+              <a:rPr lang="en-US" sz="2000" dirty="0" err="1" smtClean="0">
+                <a:latin typeface="Monaco"/>
+                <a:cs typeface="Monaco"/>
+              </a:rPr>
+              <a:t>os</a:t>
+            </a:r>
+            <a:endParaRPr lang="en-US" sz="2000" dirty="0" smtClean="0">
               <a:latin typeface="Monaco"/>
               <a:cs typeface="Monaco"/>
             </a:endParaRPr>
           </a:p>
           <a:p>
-            <a:r>
-              <a:rPr lang="en-US" dirty="0" smtClean="0">
-                <a:latin typeface="Monaco"/>
-                <a:cs typeface="Monaco"/>
-              </a:rPr>
-              <a:t># Define handle with the </a:t>
-            </a:r>
-            <a:r>
-              <a:rPr lang="en-US" i="1" dirty="0" smtClean="0">
-                <a:latin typeface="Monaco"/>
-                <a:cs typeface="Monaco"/>
-              </a:rPr>
-              <a:t>.open() </a:t>
-            </a:r>
-            <a:r>
-              <a:rPr lang="en-US" dirty="0" smtClean="0">
-                <a:latin typeface="Monaco"/>
-                <a:cs typeface="Monaco"/>
-              </a:rPr>
-              <a:t>function</a:t>
-            </a:r>
-          </a:p>
-          <a:p>
-            <a:r>
-              <a:rPr lang="en-US" dirty="0" smtClean="0">
-                <a:latin typeface="Monaco"/>
-                <a:cs typeface="Monaco"/>
-              </a:rPr>
-              <a:t>file_handle = </a:t>
-            </a:r>
-            <a:r>
-              <a:rPr lang="en-US" dirty="0" smtClean="0">
-                <a:solidFill>
-                  <a:srgbClr val="DC5924"/>
-                </a:solidFill>
-                <a:latin typeface="Monaco"/>
-                <a:cs typeface="Monaco"/>
-              </a:rPr>
-              <a:t>open</a:t>
-            </a:r>
-            <a:r>
-              <a:rPr lang="en-US" dirty="0" smtClean="0">
-                <a:latin typeface="Monaco"/>
-                <a:cs typeface="Monaco"/>
-              </a:rPr>
-              <a:t>(filename, </a:t>
-            </a:r>
-            <a:r>
-              <a:rPr lang="en-US" dirty="0" smtClean="0">
-                <a:solidFill>
-                  <a:srgbClr val="DC5924"/>
-                </a:solidFill>
-                <a:latin typeface="Monaco"/>
-                <a:cs typeface="Monaco"/>
-              </a:rPr>
-              <a:t>"w"</a:t>
-            </a:r>
-            <a:r>
-              <a:rPr lang="en-US" dirty="0" smtClean="0">
-                <a:latin typeface="Monaco"/>
-                <a:cs typeface="Monaco"/>
-              </a:rPr>
-              <a:t>)  # note the mode!</a:t>
-            </a:r>
-          </a:p>
-          <a:p>
-            <a:endParaRPr lang="en-US" dirty="0">
+            <a:endParaRPr lang="en-US" sz="2000" dirty="0">
               <a:latin typeface="Monaco"/>
               <a:cs typeface="Monaco"/>
             </a:endParaRPr>
           </a:p>
           <a:p>
             <a:r>
-              <a:rPr lang="en-US" dirty="0" smtClean="0">
-                <a:latin typeface="Monaco"/>
-                <a:cs typeface="Monaco"/>
-              </a:rPr>
-              <a:t># Write to the file with the </a:t>
-            </a:r>
-            <a:r>
-              <a:rPr lang="en-US" i="1" dirty="0" smtClean="0">
-                <a:latin typeface="Monaco"/>
-                <a:cs typeface="Monaco"/>
-              </a:rPr>
-              <a:t>.write()</a:t>
-            </a:r>
-            <a:r>
-              <a:rPr lang="en-US" dirty="0">
-                <a:latin typeface="Monaco"/>
-                <a:cs typeface="Monaco"/>
-              </a:rPr>
-              <a:t> </a:t>
-            </a:r>
-            <a:r>
-              <a:rPr lang="en-US" dirty="0" smtClean="0">
-                <a:latin typeface="Monaco"/>
-                <a:cs typeface="Monaco"/>
-              </a:rPr>
-              <a:t>method</a:t>
-            </a:r>
-          </a:p>
-          <a:p>
-            <a:r>
-              <a:rPr lang="en-US" dirty="0" smtClean="0">
-                <a:latin typeface="Monaco"/>
-                <a:cs typeface="Monaco"/>
-              </a:rPr>
-              <a:t>file_handle</a:t>
-            </a:r>
-            <a:r>
-              <a:rPr lang="en-US" dirty="0" smtClean="0">
-                <a:solidFill>
-                  <a:schemeClr val="accent5"/>
-                </a:solidFill>
-                <a:latin typeface="Monaco"/>
-                <a:cs typeface="Monaco"/>
-              </a:rPr>
-              <a:t>.write(</a:t>
-            </a:r>
-            <a:r>
-              <a:rPr lang="en-US" dirty="0" smtClean="0">
-                <a:latin typeface="Monaco"/>
-                <a:cs typeface="Monaco"/>
-              </a:rPr>
-              <a:t>"Line 1 of the file.</a:t>
-            </a:r>
-            <a:r>
-              <a:rPr lang="en-US" dirty="0" smtClean="0">
-                <a:solidFill>
-                  <a:srgbClr val="D1282E"/>
-                </a:solidFill>
-                <a:latin typeface="Monaco"/>
-                <a:cs typeface="Monaco"/>
-              </a:rPr>
-              <a:t>\n</a:t>
-            </a:r>
-            <a:r>
-              <a:rPr lang="en-US" dirty="0" smtClean="0">
-                <a:latin typeface="Monaco"/>
-                <a:cs typeface="Monaco"/>
-              </a:rPr>
-              <a:t>"</a:t>
-            </a:r>
-            <a:r>
-              <a:rPr lang="en-US" dirty="0" smtClean="0">
-                <a:solidFill>
-                  <a:schemeClr val="accent5"/>
-                </a:solidFill>
-                <a:latin typeface="Monaco"/>
-                <a:cs typeface="Monaco"/>
-              </a:rPr>
-              <a:t>)</a:t>
-            </a:r>
-          </a:p>
-          <a:p>
-            <a:r>
-              <a:rPr lang="en-US" dirty="0">
-                <a:latin typeface="Monaco"/>
-                <a:cs typeface="Monaco"/>
-              </a:rPr>
-              <a:t>file_handle</a:t>
-            </a:r>
-            <a:r>
-              <a:rPr lang="en-US" dirty="0">
-                <a:solidFill>
-                  <a:schemeClr val="accent5"/>
-                </a:solidFill>
-                <a:latin typeface="Monaco"/>
-                <a:cs typeface="Monaco"/>
-              </a:rPr>
-              <a:t>.write(</a:t>
-            </a:r>
-            <a:r>
-              <a:rPr lang="en-US" dirty="0">
-                <a:latin typeface="Monaco"/>
-                <a:cs typeface="Monaco"/>
-              </a:rPr>
-              <a:t>"Line </a:t>
-            </a:r>
-            <a:r>
-              <a:rPr lang="en-US" dirty="0" smtClean="0">
-                <a:latin typeface="Monaco"/>
-                <a:cs typeface="Monaco"/>
-              </a:rPr>
-              <a:t>2 </a:t>
-            </a:r>
-            <a:r>
-              <a:rPr lang="en-US" dirty="0">
-                <a:latin typeface="Monaco"/>
-                <a:cs typeface="Monaco"/>
-              </a:rPr>
-              <a:t>of the file.</a:t>
-            </a:r>
-            <a:r>
-              <a:rPr lang="en-US" dirty="0">
-                <a:solidFill>
-                  <a:srgbClr val="D1282E"/>
-                </a:solidFill>
-                <a:latin typeface="Monaco"/>
-                <a:cs typeface="Monaco"/>
-              </a:rPr>
-              <a:t>\n</a:t>
-            </a:r>
-            <a:r>
-              <a:rPr lang="en-US" dirty="0">
-                <a:latin typeface="Monaco"/>
-                <a:cs typeface="Monaco"/>
-              </a:rPr>
-              <a:t>"</a:t>
-            </a:r>
-            <a:r>
-              <a:rPr lang="en-US" dirty="0">
-                <a:solidFill>
-                  <a:schemeClr val="accent5"/>
-                </a:solidFill>
-                <a:latin typeface="Monaco"/>
-                <a:cs typeface="Monaco"/>
-              </a:rPr>
-              <a:t>)</a:t>
-            </a:r>
-          </a:p>
-          <a:p>
-            <a:endParaRPr lang="en-US" dirty="0">
+              <a:rPr lang="en-US" sz="2000" dirty="0" smtClean="0">
+                <a:latin typeface="Monaco"/>
+                <a:cs typeface="Monaco"/>
+              </a:rPr>
+              <a:t>directory = "my/directory/with/tons/of/files/"</a:t>
+            </a:r>
+          </a:p>
+          <a:p>
+            <a:endParaRPr lang="en-US" sz="2000" dirty="0">
               <a:latin typeface="Monaco"/>
               <a:cs typeface="Monaco"/>
             </a:endParaRPr>
           </a:p>
           <a:p>
             <a:r>
-              <a:rPr lang="en-US" dirty="0" smtClean="0">
-                <a:latin typeface="Monaco"/>
-                <a:cs typeface="Monaco"/>
-              </a:rPr>
-              <a:t># Close the file when done with the </a:t>
-            </a:r>
-            <a:r>
-              <a:rPr lang="en-US" i="1" dirty="0" smtClean="0">
-                <a:latin typeface="Monaco"/>
-                <a:cs typeface="Monaco"/>
-              </a:rPr>
-              <a:t>.close()</a:t>
-            </a:r>
-            <a:r>
-              <a:rPr lang="en-US" dirty="0" smtClean="0">
-                <a:latin typeface="Monaco"/>
-                <a:cs typeface="Monaco"/>
-              </a:rPr>
-              <a:t> method (!!!)</a:t>
-            </a:r>
-          </a:p>
-          <a:p>
-            <a:r>
-              <a:rPr lang="en-US" dirty="0" smtClean="0">
-                <a:latin typeface="Monaco"/>
-                <a:cs typeface="Monaco"/>
-              </a:rPr>
-              <a:t>file_handle</a:t>
-            </a:r>
-            <a:r>
-              <a:rPr lang="en-US" dirty="0" smtClean="0">
-                <a:solidFill>
-                  <a:srgbClr val="DC5924"/>
-                </a:solidFill>
-                <a:latin typeface="Monaco"/>
-                <a:cs typeface="Monaco"/>
-              </a:rPr>
-              <a:t>.close()</a:t>
-            </a:r>
-          </a:p>
-          <a:p>
-            <a:endParaRPr lang="en-US" dirty="0" smtClean="0">
+              <a:rPr lang="en-US" sz="2000" dirty="0" smtClean="0">
+                <a:latin typeface="Monaco"/>
+                <a:cs typeface="Monaco"/>
+              </a:rPr>
+              <a:t># Obtain list of files in directory</a:t>
+            </a:r>
+          </a:p>
+          <a:p>
+            <a:r>
+              <a:rPr lang="en-US" sz="2000" dirty="0" smtClean="0">
+                <a:latin typeface="Monaco"/>
+                <a:cs typeface="Monaco"/>
+              </a:rPr>
+              <a:t>files = </a:t>
+            </a:r>
+            <a:r>
+              <a:rPr lang="en-US" sz="2000" dirty="0" err="1" smtClean="0">
+                <a:latin typeface="Monaco"/>
+                <a:cs typeface="Monaco"/>
+              </a:rPr>
+              <a:t>os.listdir</a:t>
+            </a:r>
+            <a:r>
+              <a:rPr lang="en-US" sz="2000" dirty="0" smtClean="0">
+                <a:latin typeface="Monaco"/>
+                <a:cs typeface="Monaco"/>
+              </a:rPr>
+              <a:t>(directory)</a:t>
+            </a:r>
+          </a:p>
+          <a:p>
+            <a:endParaRPr lang="en-US" sz="2000" dirty="0">
               <a:latin typeface="Monaco"/>
               <a:cs typeface="Monaco"/>
             </a:endParaRPr>
           </a:p>
-        </p:txBody>
-      </p:sp>
-      <p:sp>
-        <p:nvSpPr>
-          <p:cNvPr id="5" name="TextBox 4"/>
-          <p:cNvSpPr txBox="1"/>
+          <a:p>
+            <a:r>
+              <a:rPr lang="en-US" sz="2000" dirty="0" smtClean="0">
+                <a:latin typeface="Monaco"/>
+                <a:cs typeface="Monaco"/>
+              </a:rPr>
+              <a:t># Loop over files that end with .txt</a:t>
+            </a:r>
+          </a:p>
+          <a:p>
+            <a:r>
+              <a:rPr lang="en-US" sz="2000" dirty="0" smtClean="0">
+                <a:latin typeface="Monaco"/>
+                <a:cs typeface="Monaco"/>
+              </a:rPr>
+              <a:t>for file in files:</a:t>
+            </a:r>
+          </a:p>
+          <a:p>
+            <a:r>
+              <a:rPr lang="en-US" sz="2000" dirty="0">
+                <a:latin typeface="Monaco"/>
+                <a:cs typeface="Monaco"/>
+              </a:rPr>
+              <a:t>	</a:t>
+            </a:r>
+            <a:r>
+              <a:rPr lang="en-US" sz="2000" dirty="0" smtClean="0">
+                <a:latin typeface="Monaco"/>
+                <a:cs typeface="Monaco"/>
+              </a:rPr>
+              <a:t>if </a:t>
+            </a:r>
+            <a:r>
+              <a:rPr lang="en-US" sz="2000" dirty="0" err="1" smtClean="0">
+                <a:latin typeface="Monaco"/>
+                <a:cs typeface="Monaco"/>
+              </a:rPr>
+              <a:t>file.endswith</a:t>
+            </a:r>
+            <a:r>
+              <a:rPr lang="en-US" sz="2000" dirty="0" smtClean="0">
+                <a:latin typeface="Monaco"/>
+                <a:cs typeface="Monaco"/>
+              </a:rPr>
+              <a:t>(".txt"):</a:t>
+            </a:r>
+          </a:p>
+          <a:p>
+            <a:r>
+              <a:rPr lang="en-US" sz="2000" dirty="0">
+                <a:latin typeface="Monaco"/>
+                <a:cs typeface="Monaco"/>
+              </a:rPr>
+              <a:t>	</a:t>
+            </a:r>
+            <a:r>
+              <a:rPr lang="en-US" sz="2000" dirty="0" smtClean="0">
+                <a:latin typeface="Monaco"/>
+                <a:cs typeface="Monaco"/>
+              </a:rPr>
+              <a:t>	</a:t>
+            </a:r>
+          </a:p>
+          <a:p>
+            <a:r>
+              <a:rPr lang="en-US" sz="2000" dirty="0">
+                <a:latin typeface="Monaco"/>
+                <a:cs typeface="Monaco"/>
+              </a:rPr>
+              <a:t>	</a:t>
+            </a:r>
+            <a:r>
+              <a:rPr lang="en-US" sz="2000" dirty="0" smtClean="0">
+                <a:latin typeface="Monaco"/>
+                <a:cs typeface="Monaco"/>
+              </a:rPr>
+              <a:t>	f = open(directory + file, "r")</a:t>
+            </a:r>
+          </a:p>
+          <a:p>
+            <a:r>
+              <a:rPr lang="en-US" sz="2000" dirty="0">
+                <a:latin typeface="Monaco"/>
+                <a:cs typeface="Monaco"/>
+              </a:rPr>
+              <a:t>	</a:t>
+            </a:r>
+            <a:r>
+              <a:rPr lang="en-US" sz="2000" dirty="0" smtClean="0">
+                <a:latin typeface="Monaco"/>
+                <a:cs typeface="Monaco"/>
+              </a:rPr>
+              <a:t>	# do something with file</a:t>
+            </a:r>
+          </a:p>
+          <a:p>
+            <a:r>
+              <a:rPr lang="en-US" sz="2000" dirty="0">
+                <a:latin typeface="Monaco"/>
+                <a:cs typeface="Monaco"/>
+              </a:rPr>
+              <a:t>	</a:t>
+            </a:r>
+            <a:r>
+              <a:rPr lang="en-US" sz="2000" dirty="0" smtClean="0">
+                <a:latin typeface="Monaco"/>
+                <a:cs typeface="Monaco"/>
+              </a:rPr>
+              <a:t>	</a:t>
+            </a:r>
+            <a:r>
+              <a:rPr lang="en-US" sz="2000" dirty="0" err="1" smtClean="0">
+                <a:latin typeface="Monaco"/>
+                <a:cs typeface="Monaco"/>
+              </a:rPr>
+              <a:t>f.close</a:t>
+            </a:r>
+            <a:r>
+              <a:rPr lang="en-US" sz="2000" dirty="0" smtClean="0">
+                <a:latin typeface="Monaco"/>
+                <a:cs typeface="Monaco"/>
+              </a:rPr>
+              <a:t>()</a:t>
+            </a:r>
+            <a:endParaRPr lang="en-US" sz="2000" dirty="0">
+              <a:latin typeface="Monaco"/>
+              <a:cs typeface="Monaco"/>
+            </a:endParaRPr>
+          </a:p>
+          <a:p>
+            <a:endParaRPr lang="en-US" sz="2000" dirty="0">
+              <a:latin typeface="Monaco"/>
+              <a:cs typeface="Monaco"/>
+            </a:endParaRPr>
+          </a:p>
+        </p:txBody>
+      </p:sp>
+      <p:sp>
+        <p:nvSpPr>
+          <p:cNvPr id="5" name="Rectangle 4"/>
+          <p:cNvSpPr/>
           <p:nvPr/>
         </p:nvSpPr>
         <p:spPr>
           <a:xfrm>
-            <a:off x="1002201" y="5745948"/>
-            <a:ext cx="7309152" cy="400110"/>
+            <a:off x="2726739" y="5225960"/>
+            <a:ext cx="2494372" cy="348665"/>
           </a:xfrm>
           <a:prstGeom prst="rect">
             <a:avLst/>
           </a:prstGeom>
           <a:noFill/>
+          <a:ln w="28575" cmpd="sng">
+            <a:solidFill>
+              <a:schemeClr val="accent2"/>
+            </a:solidFill>
+          </a:ln>
+          <a:effectLst/>
         </p:spPr>
-        <p:txBody>
-          <a:bodyPr wrap="square" rtlCol="0">
-            <a:spAutoFit/>
-          </a:bodyPr>
-          <a:lstStyle/>
-          <a:p>
-            <a:r>
-              <a:rPr lang="en-US" sz="2000" dirty="0" smtClean="0">
-                <a:solidFill>
-                  <a:srgbClr val="DC5924"/>
-                </a:solidFill>
-              </a:rPr>
-              <a:t>CAUTION: writing to file </a:t>
-            </a:r>
-            <a:r>
-              <a:rPr lang="en-US" sz="2000" b="1" dirty="0" smtClean="0">
-                <a:solidFill>
-                  <a:srgbClr val="DC5924"/>
-                </a:solidFill>
-              </a:rPr>
-              <a:t>overwrites</a:t>
-            </a:r>
-            <a:r>
-              <a:rPr lang="en-US" sz="2000" i="1" dirty="0" smtClean="0">
-                <a:solidFill>
-                  <a:srgbClr val="DC5924"/>
-                </a:solidFill>
-              </a:rPr>
-              <a:t> </a:t>
-            </a:r>
-            <a:r>
-              <a:rPr lang="en-US" sz="2000" dirty="0" smtClean="0">
-                <a:solidFill>
-                  <a:srgbClr val="DC5924"/>
-                </a:solidFill>
-              </a:rPr>
-              <a:t>the file, if it exists already.</a:t>
-            </a:r>
-            <a:endParaRPr lang="en-US" sz="2000" dirty="0">
-              <a:solidFill>
-                <a:srgbClr val="DC5924"/>
-              </a:solidFill>
-            </a:endParaRPr>
+        <p:style>
+          <a:lnRef idx="1">
+            <a:schemeClr val="accent1"/>
+          </a:lnRef>
+          <a:fillRef idx="3">
+            <a:schemeClr val="accent1"/>
+          </a:fillRef>
+          <a:effectRef idx="2">
+            <a:schemeClr val="accent1"/>
+          </a:effectRef>
+          <a:fontRef idx="minor">
+            <a:schemeClr val="lt1"/>
+          </a:fontRef>
+        </p:style>
+        <p:txBody>
+          <a:bodyPr rtlCol="0" anchor="ctr"/>
+          <a:lstStyle/>
+          <a:p>
+            <a:pPr algn="ctr"/>
+            <a:endParaRPr lang="en-US"/>
           </a:p>
         </p:txBody>
       </p:sp>
     </p:spTree>
     <p:extLst>
       <p:ext uri="{BB962C8B-B14F-4D97-AF65-F5344CB8AC3E}">
-        <p14:creationId xmlns:p14="http://schemas.microsoft.com/office/powerpoint/2010/main" val="1196234708"/>
+        <p14:creationId xmlns:p14="http://schemas.microsoft.com/office/powerpoint/2010/main" val="467333660"/>
       </p:ext>
     </p:extLst>
   </p:cSld>
@@ -4291,80 +4201,9 @@
   <p:timing>
     <p:tnLst>
       <p:par>
-        <p:cTn xmlns:p14="http://schemas.microsoft.com/office/powerpoint/2010/main" id="1" dur="indefinite" restart="never" nodeType="tmRoot">
-          <p:childTnLst>
-            <p:seq concurrent="1" nextAc="seek">
-              <p:cTn id="2" dur="indefinite" nodeType="mainSeq">
-                <p:childTnLst>
-                  <p:par>
-                    <p:cTn id="3" fill="hold">
-                      <p:stCondLst>
-                        <p:cond delay="indefinite"/>
-                      </p:stCondLst>
-                      <p:childTnLst>
-                        <p:par>
-                          <p:cTn id="4" fill="hold">
-                            <p:stCondLst>
-                              <p:cond delay="0"/>
-                            </p:stCondLst>
-                            <p:childTnLst>
-                              <p:par>
-                                <p:cTn id="5" presetID="1" presetClass="entr" presetSubtype="0" fill="hold" grpId="0" nodeType="clickEffect">
-                                  <p:stCondLst>
-                                    <p:cond delay="0"/>
-                                  </p:stCondLst>
-                                  <p:childTnLst>
-                                    <p:set>
-                                      <p:cBhvr>
-                                        <p:cTn id="6" dur="1" fill="hold">
-                                          <p:stCondLst>
-                                            <p:cond delay="0"/>
-                                          </p:stCondLst>
-                                        </p:cTn>
-                                        <p:tgtEl>
-                                          <p:spTgt spid="5"/>
-                                        </p:tgtEl>
-                                        <p:attrNameLst>
-                                          <p:attrName>style.visibility</p:attrName>
-                                        </p:attrNameLst>
-                                      </p:cBhvr>
-                                      <p:to>
-                                        <p:strVal val="visible"/>
-                                      </p:to>
-                                    </p:set>
-                                  </p:childTnLst>
-                                </p:cTn>
-                              </p:par>
-                            </p:childTnLst>
-                          </p:cTn>
-                        </p:par>
-                      </p:childTnLst>
-                    </p:cTn>
-                  </p:par>
-                </p:childTnLst>
-              </p:cTn>
-              <p:prevCondLst>
-                <p:cond evt="onPrev" delay="0">
-                  <p:tgtEl>
-                    <p:sldTgt/>
-                  </p:tgtEl>
-                </p:cond>
-              </p:prevCondLst>
-              <p:nextCondLst>
-                <p:cond evt="onNext" delay="0">
-                  <p:tgtEl>
-                    <p:sldTgt/>
-                  </p:tgtEl>
-                </p:cond>
-              </p:nextCondLst>
-            </p:seq>
-          </p:childTnLst>
-        </p:cTn>
+        <p:cTn xmlns:p14="http://schemas.microsoft.com/office/powerpoint/2010/main" id="1" dur="indefinite" restart="never" nodeType="tmRoot"/>
       </p:par>
     </p:tnLst>
-    <p:bldLst>
-      <p:bldP spid="5" grpId="0"/>
-    </p:bldLst>
   </p:timing>
 </p:sld>
 </file>
@@ -4403,7 +4242,7 @@
           <a:p>
             <a:r>
               <a:rPr lang="en-US" dirty="0" smtClean="0"/>
-              <a:t>Add to an existing file with append-mode</a:t>
+              <a:t>the sys module</a:t>
             </a:r>
             <a:endParaRPr lang="en-US" dirty="0"/>
           </a:p>
@@ -4411,269 +4250,92 @@
       </p:sp>
       <p:sp>
         <p:nvSpPr>
-          <p:cNvPr id="5" name="TextBox 4"/>
-          <p:cNvSpPr txBox="1"/>
-          <p:nvPr/>
-        </p:nvSpPr>
-        <p:spPr>
-          <a:xfrm>
-            <a:off x="457199" y="1727554"/>
-            <a:ext cx="8338444" cy="3139321"/>
-          </a:xfrm>
-          <a:prstGeom prst="rect">
-            <a:avLst/>
-          </a:prstGeom>
-          <a:noFill/>
-        </p:spPr>
-        <p:txBody>
-          <a:bodyPr wrap="square" rtlCol="0">
-            <a:spAutoFit/>
-          </a:bodyPr>
-          <a:lstStyle/>
-          <a:p>
+          <p:cNvPr id="3" name="Content Placeholder 2"/>
+          <p:cNvSpPr>
+            <a:spLocks noGrp="1"/>
+          </p:cNvSpPr>
+          <p:nvPr>
+            <p:ph idx="1"/>
+          </p:nvPr>
+        </p:nvSpPr>
+        <p:spPr/>
+        <p:txBody>
+          <a:bodyPr/>
+          <a:lstStyle/>
+          <a:p>
+            <a:pPr marL="457200" indent="-457200">
+              <a:buFont typeface="Arial"/>
+              <a:buChar char="•"/>
+            </a:pPr>
+            <a:r>
+              <a:rPr lang="en-US" dirty="0" smtClean="0"/>
+              <a:t>A few variables/functions I find useful:</a:t>
+            </a:r>
+          </a:p>
+          <a:p>
+            <a:pPr marL="914400" lvl="1" indent="-457200">
+              <a:buFont typeface="Arial"/>
+              <a:buChar char="•"/>
+            </a:pPr>
+            <a:r>
+              <a:rPr lang="en-US" dirty="0" err="1" smtClean="0">
+                <a:latin typeface="Monaco"/>
+                <a:cs typeface="Monaco"/>
+              </a:rPr>
+              <a:t>sys.path</a:t>
+            </a:r>
+            <a:endParaRPr lang="en-US" dirty="0" smtClean="0">
+              <a:latin typeface="Monaco"/>
+              <a:cs typeface="Monaco"/>
+            </a:endParaRPr>
+          </a:p>
+          <a:p>
+            <a:pPr marL="914400" lvl="1" indent="-457200">
+              <a:buFont typeface="Arial"/>
+              <a:buChar char="•"/>
+            </a:pPr>
+            <a:r>
+              <a:rPr lang="en-US" dirty="0" err="1" smtClean="0">
+                <a:latin typeface="Monaco"/>
+                <a:cs typeface="Monaco"/>
+              </a:rPr>
+              <a:t>sys.argv</a:t>
+            </a:r>
+            <a:endParaRPr lang="en-US" dirty="0" smtClean="0">
+              <a:latin typeface="Monaco"/>
+              <a:cs typeface="Monaco"/>
+            </a:endParaRPr>
+          </a:p>
+          <a:p>
+            <a:pPr marL="914400" lvl="1" indent="-457200">
+              <a:buFont typeface="Arial"/>
+              <a:buChar char="•"/>
+            </a:pPr>
+            <a:r>
+              <a:rPr lang="en-US" dirty="0" err="1" smtClean="0">
+                <a:latin typeface="Monaco"/>
+                <a:cs typeface="Monaco"/>
+              </a:rPr>
+              <a:t>sys.exit</a:t>
+            </a:r>
             <a:r>
               <a:rPr lang="en-US" dirty="0" smtClean="0">
                 <a:latin typeface="Monaco"/>
                 <a:cs typeface="Monaco"/>
               </a:rPr>
-              <a:t>filename = "</a:t>
-            </a:r>
-            <a:r>
-              <a:rPr lang="en-US" dirty="0" err="1" smtClean="0">
-                <a:latin typeface="Monaco"/>
-                <a:cs typeface="Monaco"/>
-              </a:rPr>
-              <a:t>my_file_to_append_to.txt</a:t>
-            </a:r>
-            <a:r>
-              <a:rPr lang="en-US" dirty="0" smtClean="0">
-                <a:latin typeface="Monaco"/>
-                <a:cs typeface="Monaco"/>
-              </a:rPr>
-              <a:t>"</a:t>
-            </a:r>
-          </a:p>
-          <a:p>
+              <a:t>()</a:t>
+            </a:r>
             <a:endParaRPr lang="en-US" dirty="0">
               <a:latin typeface="Monaco"/>
               <a:cs typeface="Monaco"/>
             </a:endParaRPr>
           </a:p>
-          <a:p>
-            <a:r>
-              <a:rPr lang="en-US" dirty="0" smtClean="0">
-                <a:latin typeface="Monaco"/>
-                <a:cs typeface="Monaco"/>
-              </a:rPr>
-              <a:t># Define handle with the </a:t>
-            </a:r>
-            <a:r>
-              <a:rPr lang="en-US" i="1" dirty="0" smtClean="0">
-                <a:latin typeface="Monaco"/>
-                <a:cs typeface="Monaco"/>
-              </a:rPr>
-              <a:t>.open() </a:t>
-            </a:r>
-            <a:r>
-              <a:rPr lang="en-US" dirty="0" smtClean="0">
-                <a:latin typeface="Monaco"/>
-                <a:cs typeface="Monaco"/>
-              </a:rPr>
-              <a:t>function</a:t>
-            </a:r>
-          </a:p>
-          <a:p>
-            <a:r>
-              <a:rPr lang="en-US" dirty="0" smtClean="0">
-                <a:latin typeface="Monaco"/>
-                <a:cs typeface="Monaco"/>
-              </a:rPr>
-              <a:t>file_handle = </a:t>
-            </a:r>
-            <a:r>
-              <a:rPr lang="en-US" dirty="0" smtClean="0">
-                <a:solidFill>
-                  <a:srgbClr val="DC5924"/>
-                </a:solidFill>
-                <a:latin typeface="Monaco"/>
-                <a:cs typeface="Monaco"/>
-              </a:rPr>
-              <a:t>open</a:t>
-            </a:r>
-            <a:r>
-              <a:rPr lang="en-US" dirty="0" smtClean="0">
-                <a:latin typeface="Monaco"/>
-                <a:cs typeface="Monaco"/>
-              </a:rPr>
-              <a:t>(filename, </a:t>
-            </a:r>
-            <a:r>
-              <a:rPr lang="en-US" dirty="0" smtClean="0">
-                <a:solidFill>
-                  <a:srgbClr val="DC5924"/>
-                </a:solidFill>
-                <a:latin typeface="Monaco"/>
-                <a:cs typeface="Monaco"/>
-              </a:rPr>
-              <a:t>"a"</a:t>
-            </a:r>
-            <a:r>
-              <a:rPr lang="en-US" dirty="0" smtClean="0">
-                <a:latin typeface="Monaco"/>
-                <a:cs typeface="Monaco"/>
-              </a:rPr>
-              <a:t>)  # note the mode!</a:t>
-            </a:r>
-          </a:p>
-          <a:p>
-            <a:endParaRPr lang="en-US" dirty="0">
-              <a:latin typeface="Monaco"/>
-              <a:cs typeface="Monaco"/>
-            </a:endParaRPr>
-          </a:p>
-          <a:p>
-            <a:r>
-              <a:rPr lang="en-US" dirty="0" smtClean="0">
-                <a:latin typeface="Monaco"/>
-                <a:cs typeface="Monaco"/>
-              </a:rPr>
-              <a:t># Write to the file with the </a:t>
-            </a:r>
-            <a:r>
-              <a:rPr lang="en-US" i="1" dirty="0" smtClean="0">
-                <a:latin typeface="Monaco"/>
-                <a:cs typeface="Monaco"/>
-              </a:rPr>
-              <a:t>.write()</a:t>
-            </a:r>
-            <a:r>
-              <a:rPr lang="en-US" dirty="0">
-                <a:latin typeface="Monaco"/>
-                <a:cs typeface="Monaco"/>
-              </a:rPr>
-              <a:t> </a:t>
-            </a:r>
-            <a:r>
-              <a:rPr lang="en-US" dirty="0" smtClean="0">
-                <a:latin typeface="Monaco"/>
-                <a:cs typeface="Monaco"/>
-              </a:rPr>
-              <a:t>method</a:t>
-            </a:r>
-          </a:p>
-          <a:p>
-            <a:r>
-              <a:rPr lang="en-US" dirty="0" smtClean="0">
-                <a:latin typeface="Monaco"/>
-                <a:cs typeface="Monaco"/>
-              </a:rPr>
-              <a:t>file_handle</a:t>
-            </a:r>
-            <a:r>
-              <a:rPr lang="en-US" dirty="0" smtClean="0">
-                <a:solidFill>
-                  <a:schemeClr val="accent5"/>
-                </a:solidFill>
-                <a:latin typeface="Monaco"/>
-                <a:cs typeface="Monaco"/>
-              </a:rPr>
-              <a:t>.write(</a:t>
-            </a:r>
-            <a:r>
-              <a:rPr lang="en-US" dirty="0" smtClean="0">
-                <a:latin typeface="Monaco"/>
-                <a:cs typeface="Monaco"/>
-              </a:rPr>
-              <a:t>"Adding this line to the file.</a:t>
-            </a:r>
-            <a:r>
-              <a:rPr lang="en-US" dirty="0" smtClean="0">
-                <a:solidFill>
-                  <a:srgbClr val="D1282E"/>
-                </a:solidFill>
-                <a:latin typeface="Monaco"/>
-                <a:cs typeface="Monaco"/>
-              </a:rPr>
-              <a:t>\n</a:t>
-            </a:r>
-            <a:r>
-              <a:rPr lang="en-US" dirty="0" smtClean="0">
-                <a:latin typeface="Monaco"/>
-                <a:cs typeface="Monaco"/>
-              </a:rPr>
-              <a:t>"</a:t>
-            </a:r>
-            <a:r>
-              <a:rPr lang="en-US" dirty="0" smtClean="0">
-                <a:solidFill>
-                  <a:schemeClr val="accent5"/>
-                </a:solidFill>
-                <a:latin typeface="Monaco"/>
-                <a:cs typeface="Monaco"/>
-              </a:rPr>
-              <a:t>)</a:t>
-            </a:r>
-          </a:p>
-          <a:p>
-            <a:endParaRPr lang="en-US" dirty="0">
-              <a:latin typeface="Monaco"/>
-              <a:cs typeface="Monaco"/>
-            </a:endParaRPr>
-          </a:p>
-          <a:p>
-            <a:r>
-              <a:rPr lang="en-US" dirty="0" smtClean="0">
-                <a:latin typeface="Monaco"/>
-                <a:cs typeface="Monaco"/>
-              </a:rPr>
-              <a:t># Close the file when done with the </a:t>
-            </a:r>
-            <a:r>
-              <a:rPr lang="en-US" i="1" dirty="0" smtClean="0">
-                <a:latin typeface="Monaco"/>
-                <a:cs typeface="Monaco"/>
-              </a:rPr>
-              <a:t>.close()</a:t>
-            </a:r>
-            <a:r>
-              <a:rPr lang="en-US" dirty="0" smtClean="0">
-                <a:latin typeface="Monaco"/>
-                <a:cs typeface="Monaco"/>
-              </a:rPr>
-              <a:t> method (!!!)</a:t>
-            </a:r>
-          </a:p>
-          <a:p>
-            <a:r>
-              <a:rPr lang="en-US" dirty="0" smtClean="0">
-                <a:latin typeface="Monaco"/>
-                <a:cs typeface="Monaco"/>
-              </a:rPr>
-              <a:t>file_handle</a:t>
-            </a:r>
-            <a:r>
-              <a:rPr lang="en-US" dirty="0" smtClean="0">
-                <a:solidFill>
-                  <a:srgbClr val="DC5924"/>
-                </a:solidFill>
-                <a:latin typeface="Monaco"/>
-                <a:cs typeface="Monaco"/>
-              </a:rPr>
-              <a:t>.close()</a:t>
-            </a:r>
-          </a:p>
-          <a:p>
-            <a:endParaRPr lang="en-US" dirty="0" smtClean="0">
-              <a:latin typeface="Monaco"/>
-              <a:cs typeface="Monaco"/>
-            </a:endParaRPr>
-          </a:p>
         </p:txBody>
       </p:sp>
     </p:spTree>
     <p:extLst>
       <p:ext uri="{BB962C8B-B14F-4D97-AF65-F5344CB8AC3E}">
-        <p14:creationId xmlns:p14="http://schemas.microsoft.com/office/powerpoint/2010/main" val="2931587736"/>
+        <p14:creationId xmlns:p14="http://schemas.microsoft.com/office/powerpoint/2010/main" val="3648028220"/>
       </p:ext>
     </p:extLst>
   </p:cSld>
@@ -4724,15 +4386,11 @@
           <a:p>
             <a:r>
               <a:rPr lang="en-US" dirty="0" smtClean="0"/>
-              <a:t>but </a:t>
+              <a:t>using </a:t>
             </a:r>
             <a:r>
               <a:rPr lang="en-US" dirty="0" err="1" smtClean="0"/>
-              <a:t>stephanie</a:t>
-            </a:r>
-            <a:r>
-              <a:rPr lang="en-US" dirty="0" smtClean="0"/>
-              <a:t>, I'm really lazy!</a:t>
+              <a:t>sys.path</a:t>
             </a:r>
             <a:endParaRPr lang="en-US" dirty="0"/>
           </a:p>
@@ -4740,14 +4398,75 @@
       </p:sp>
       <p:sp>
         <p:nvSpPr>
-          <p:cNvPr id="7" name="TextBox 6"/>
+          <p:cNvPr id="3" name="Content Placeholder 2"/>
+          <p:cNvSpPr>
+            <a:spLocks noGrp="1"/>
+          </p:cNvSpPr>
+          <p:nvPr>
+            <p:ph idx="1"/>
+          </p:nvPr>
+        </p:nvSpPr>
+        <p:spPr/>
+        <p:txBody>
+          <a:bodyPr/>
+          <a:lstStyle/>
+          <a:p>
+            <a:pPr marL="457200" indent="-457200">
+              <a:buFont typeface="Arial"/>
+              <a:buChar char="•"/>
+            </a:pPr>
+            <a:r>
+              <a:rPr lang="en-US" dirty="0" err="1" smtClean="0">
+                <a:latin typeface="Monaco"/>
+                <a:cs typeface="Monaco"/>
+              </a:rPr>
+              <a:t>sys.path</a:t>
+            </a:r>
+            <a:r>
+              <a:rPr lang="en-US" dirty="0" smtClean="0">
+                <a:latin typeface="Monaco"/>
+                <a:cs typeface="Monaco"/>
+              </a:rPr>
+              <a:t> </a:t>
+            </a:r>
+            <a:r>
+              <a:rPr lang="en-US" dirty="0" smtClean="0">
+                <a:latin typeface="Arial"/>
+                <a:cs typeface="Arial"/>
+              </a:rPr>
+              <a:t>is a list of directories in your </a:t>
+            </a:r>
+            <a:r>
+              <a:rPr lang="en-US" b="0" dirty="0" smtClean="0">
+                <a:latin typeface="Monaco"/>
+                <a:cs typeface="Monaco"/>
+              </a:rPr>
+              <a:t>PYTHONPATH</a:t>
+            </a:r>
+            <a:r>
+              <a:rPr lang="en-US" dirty="0" smtClean="0">
+                <a:latin typeface="Arial"/>
+                <a:cs typeface="Arial"/>
+              </a:rPr>
+              <a:t> </a:t>
+            </a:r>
+            <a:endParaRPr lang="en-US" dirty="0">
+              <a:latin typeface="Arial"/>
+              <a:cs typeface="Arial"/>
+            </a:endParaRPr>
+          </a:p>
+        </p:txBody>
+      </p:sp>
+      <p:sp>
+        <p:nvSpPr>
+          <p:cNvPr id="4" name="TextBox 3"/>
           <p:cNvSpPr txBox="1"/>
           <p:nvPr/>
         </p:nvSpPr>
         <p:spPr>
           <a:xfrm>
-            <a:off x="457199" y="2009989"/>
-            <a:ext cx="8338444" cy="2123658"/>
+            <a:off x="457200" y="2845298"/>
+            <a:ext cx="8338444" cy="1323439"/>
           </a:xfrm>
           <a:prstGeom prst="rect">
             <a:avLst/>
@@ -4761,59 +4480,50 @@
           <a:lstStyle/>
           <a:p>
             <a:r>
-              <a:rPr lang="en-US" sz="2200" dirty="0" smtClean="0">
-                <a:latin typeface="Monaco"/>
-                <a:cs typeface="Monaco"/>
-              </a:rPr>
-              <a:t># Use open and close</a:t>
-            </a:r>
-            <a:endParaRPr lang="en-US" sz="2200" dirty="0">
+              <a:rPr lang="en-US" sz="2000" dirty="0" smtClean="0">
+                <a:latin typeface="Monaco"/>
+                <a:cs typeface="Monaco"/>
+              </a:rPr>
+              <a:t>import sys</a:t>
+            </a:r>
+          </a:p>
+          <a:p>
+            <a:endParaRPr lang="en-US" sz="2000" dirty="0">
               <a:latin typeface="Monaco"/>
               <a:cs typeface="Monaco"/>
             </a:endParaRPr>
           </a:p>
           <a:p>
             <a:r>
-              <a:rPr lang="en-US" sz="2200" dirty="0" smtClean="0">
-                <a:latin typeface="Monaco"/>
-                <a:cs typeface="Monaco"/>
-              </a:rPr>
-              <a:t>file_handle = open(filename, "r")</a:t>
-            </a:r>
-          </a:p>
-          <a:p>
-            <a:r>
-              <a:rPr lang="en-US" sz="2200" dirty="0" smtClean="0">
-                <a:latin typeface="Monaco"/>
-                <a:cs typeface="Monaco"/>
-              </a:rPr>
-              <a:t>file_handle.close()</a:t>
-            </a:r>
-          </a:p>
-          <a:p>
-            <a:endParaRPr lang="en-US" sz="2200" dirty="0">
-              <a:latin typeface="Monaco"/>
-              <a:cs typeface="Monaco"/>
-            </a:endParaRPr>
-          </a:p>
-          <a:p>
-            <a:endParaRPr lang="en-US" sz="2200" dirty="0" smtClean="0">
-              <a:latin typeface="Monaco"/>
-              <a:cs typeface="Monaco"/>
-            </a:endParaRPr>
-          </a:p>
-          <a:p>
-            <a:endParaRPr lang="en-US" sz="2200" dirty="0" smtClean="0">
-              <a:latin typeface="Monaco"/>
-              <a:cs typeface="Monaco"/>
-            </a:endParaRPr>
+              <a:rPr lang="en-US" sz="2000" dirty="0" smtClean="0">
+                <a:latin typeface="Monaco"/>
+                <a:cs typeface="Monaco"/>
+              </a:rPr>
+              <a:t># Add directories as usual, with append!</a:t>
+            </a:r>
+          </a:p>
+          <a:p>
+            <a:r>
+              <a:rPr lang="en-US" sz="2000" dirty="0" err="1" smtClean="0">
+                <a:latin typeface="Monaco"/>
+                <a:cs typeface="Monaco"/>
+              </a:rPr>
+              <a:t>sys.path.append</a:t>
+            </a:r>
+            <a:r>
+              <a:rPr lang="en-US" sz="2000" dirty="0" smtClean="0">
+                <a:latin typeface="Monaco"/>
+                <a:cs typeface="Monaco"/>
+              </a:rPr>
+              <a:t>("directory/I/want/to/access")</a:t>
+            </a:r>
           </a:p>
         </p:txBody>
       </p:sp>
     </p:spTree>
     <p:extLst>
       <p:ext uri="{BB962C8B-B14F-4D97-AF65-F5344CB8AC3E}">
-        <p14:creationId xmlns:p14="http://schemas.microsoft.com/office/powerpoint/2010/main" val="350815622"/>
+        <p14:creationId xmlns:p14="http://schemas.microsoft.com/office/powerpoint/2010/main" val="2989340426"/>
       </p:ext>
     </p:extLst>
   </p:cSld>
@@ -4864,15 +4574,11 @@
           <a:p>
             <a:r>
               <a:rPr lang="en-US" dirty="0" smtClean="0"/>
-              <a:t>but </a:t>
+              <a:t>using </a:t>
             </a:r>
             <a:r>
               <a:rPr lang="en-US" dirty="0" err="1" smtClean="0"/>
-              <a:t>stephanie</a:t>
-            </a:r>
-            <a:r>
-              <a:rPr lang="en-US" dirty="0" smtClean="0"/>
-              <a:t>, I'm really lazy!</a:t>
+              <a:t>sys.argv</a:t>
             </a:r>
             <a:endParaRPr lang="en-US" dirty="0"/>
           </a:p>
@@ -4880,254 +4586,51 @@
       </p:sp>
       <p:sp>
         <p:nvSpPr>
-          <p:cNvPr id="7" name="TextBox 6"/>
-          <p:cNvSpPr txBox="1"/>
-          <p:nvPr/>
-        </p:nvSpPr>
-        <p:spPr>
-          <a:xfrm>
-            <a:off x="457199" y="2009989"/>
-            <a:ext cx="8338444" cy="3477875"/>
-          </a:xfrm>
-          <a:prstGeom prst="rect">
-            <a:avLst/>
-          </a:prstGeom>
-          <a:noFill/>
-        </p:spPr>
-        <p:txBody>
-          <a:bodyPr wrap="square" rtlCol="0">
-            <a:spAutoFit/>
-          </a:bodyPr>
-          <a:lstStyle/>
-          <a:p>
-            <a:r>
-              <a:rPr lang="en-US" sz="2200" dirty="0" smtClean="0">
-                <a:latin typeface="Monaco"/>
-                <a:cs typeface="Monaco"/>
-              </a:rPr>
-              <a:t># Use open and close</a:t>
-            </a:r>
-            <a:endParaRPr lang="en-US" sz="2200" dirty="0">
-              <a:latin typeface="Monaco"/>
-              <a:cs typeface="Monaco"/>
-            </a:endParaRPr>
-          </a:p>
-          <a:p>
-            <a:r>
-              <a:rPr lang="en-US" sz="2200" dirty="0" smtClean="0">
-                <a:latin typeface="Monaco"/>
-                <a:cs typeface="Monaco"/>
-              </a:rPr>
-              <a:t>file_handle = open(filename, "r")</a:t>
-            </a:r>
-          </a:p>
-          <a:p>
-            <a:r>
-              <a:rPr lang="en-US" sz="2200" dirty="0" smtClean="0">
-                <a:latin typeface="Monaco"/>
-                <a:cs typeface="Monaco"/>
-              </a:rPr>
-              <a:t>file_handle.close()</a:t>
-            </a:r>
-          </a:p>
-          <a:p>
-            <a:endParaRPr lang="en-US" sz="2200" dirty="0">
-              <a:latin typeface="Monaco"/>
-              <a:cs typeface="Monaco"/>
-            </a:endParaRPr>
-          </a:p>
-          <a:p>
-            <a:endParaRPr lang="en-US" sz="2200" dirty="0" smtClean="0">
-              <a:latin typeface="Monaco"/>
-              <a:cs typeface="Monaco"/>
-            </a:endParaRPr>
-          </a:p>
-          <a:p>
-            <a:endParaRPr lang="en-US" sz="2200" dirty="0" smtClean="0">
-              <a:latin typeface="Monaco"/>
-              <a:cs typeface="Monaco"/>
-            </a:endParaRPr>
-          </a:p>
-          <a:p>
-            <a:r>
-              <a:rPr lang="en-US" sz="2200" dirty="0" smtClean="0">
-                <a:latin typeface="Monaco"/>
-                <a:cs typeface="Monaco"/>
-              </a:rPr>
-              <a:t># Use </a:t>
-            </a:r>
-            <a:r>
-              <a:rPr lang="en-US" sz="2200" i="1" dirty="0" smtClean="0">
-                <a:solidFill>
-                  <a:srgbClr val="DC5924"/>
-                </a:solidFill>
-                <a:latin typeface="Monaco"/>
-                <a:cs typeface="Monaco"/>
-              </a:rPr>
-              <a:t>with</a:t>
-            </a:r>
-            <a:r>
-              <a:rPr lang="en-US" sz="2200" i="1" dirty="0" smtClean="0">
-                <a:latin typeface="Monaco"/>
-                <a:cs typeface="Monaco"/>
-              </a:rPr>
-              <a:t> control-flow </a:t>
-            </a:r>
-            <a:r>
-              <a:rPr lang="en-US" sz="2200" dirty="0" smtClean="0">
-                <a:latin typeface="Monaco"/>
-                <a:cs typeface="Monaco"/>
-              </a:rPr>
-              <a:t>(no need for close!)</a:t>
-            </a:r>
-          </a:p>
-          <a:p>
-            <a:r>
-              <a:rPr lang="en-US" sz="2200" dirty="0" smtClean="0">
-                <a:solidFill>
-                  <a:schemeClr val="accent5"/>
-                </a:solidFill>
-                <a:latin typeface="Monaco"/>
-                <a:cs typeface="Monaco"/>
-              </a:rPr>
-              <a:t>with</a:t>
-            </a:r>
-            <a:r>
-              <a:rPr lang="en-US" sz="2200" dirty="0" smtClean="0">
-                <a:latin typeface="Monaco"/>
-                <a:cs typeface="Monaco"/>
-              </a:rPr>
-              <a:t> open(filename, "r") </a:t>
-            </a:r>
-            <a:r>
-              <a:rPr lang="en-US" sz="2200" dirty="0" smtClean="0">
-                <a:solidFill>
-                  <a:schemeClr val="accent5"/>
-                </a:solidFill>
-                <a:latin typeface="Monaco"/>
-                <a:cs typeface="Monaco"/>
-              </a:rPr>
-              <a:t>as</a:t>
-            </a:r>
-            <a:r>
-              <a:rPr lang="en-US" sz="2200" dirty="0" smtClean="0">
-                <a:latin typeface="Monaco"/>
-                <a:cs typeface="Monaco"/>
-              </a:rPr>
-              <a:t> file_handle:</a:t>
-            </a:r>
-          </a:p>
-          <a:p>
-            <a:r>
-              <a:rPr lang="en-US" sz="2200" dirty="0" smtClean="0">
-                <a:latin typeface="Monaco"/>
-                <a:cs typeface="Monaco"/>
-              </a:rPr>
-              <a:t>	# do stuff to file_handle</a:t>
-            </a:r>
-          </a:p>
-          <a:p>
-            <a:endParaRPr lang="en-US" sz="2200" dirty="0" smtClean="0">
-              <a:latin typeface="Monaco"/>
-              <a:cs typeface="Monaco"/>
-            </a:endParaRPr>
-          </a:p>
-        </p:txBody>
-      </p:sp>
-      <p:sp>
-        <p:nvSpPr>
-          <p:cNvPr id="8" name="Rectangle 7"/>
-          <p:cNvSpPr/>
-          <p:nvPr/>
-        </p:nvSpPr>
-        <p:spPr>
-          <a:xfrm>
-            <a:off x="581850" y="4729844"/>
-            <a:ext cx="374620" cy="348665"/>
-          </a:xfrm>
-          <a:prstGeom prst="rect">
-            <a:avLst/>
-          </a:prstGeom>
-          <a:noFill/>
-          <a:ln w="28575" cmpd="sng">
-            <a:solidFill>
-              <a:schemeClr val="accent2"/>
-            </a:solidFill>
-          </a:ln>
-          <a:effectLst/>
-        </p:spPr>
-        <p:style>
-          <a:lnRef idx="1">
-            <a:schemeClr val="accent1"/>
-          </a:lnRef>
-          <a:fillRef idx="3">
-            <a:schemeClr val="accent1"/>
-          </a:fillRef>
-          <a:effectRef idx="2">
-            <a:schemeClr val="accent1"/>
-          </a:effectRef>
-          <a:fontRef idx="minor">
-            <a:schemeClr val="lt1"/>
-          </a:fontRef>
-        </p:style>
-        <p:txBody>
-          <a:bodyPr rtlCol="0" anchor="ctr"/>
-          <a:lstStyle/>
-          <a:p>
-            <a:pPr algn="ctr"/>
-            <a:endParaRPr lang="en-US"/>
-          </a:p>
-        </p:txBody>
-      </p:sp>
-      <p:sp>
-        <p:nvSpPr>
-          <p:cNvPr id="9" name="Rectangle 8"/>
-          <p:cNvSpPr/>
-          <p:nvPr/>
-        </p:nvSpPr>
-        <p:spPr>
-          <a:xfrm>
-            <a:off x="7099104" y="4467907"/>
-            <a:ext cx="170141" cy="261937"/>
-          </a:xfrm>
-          <a:prstGeom prst="rect">
-            <a:avLst/>
-          </a:prstGeom>
-          <a:noFill/>
-          <a:ln w="28575" cmpd="sng">
-            <a:solidFill>
-              <a:schemeClr val="accent2"/>
-            </a:solidFill>
-          </a:ln>
-          <a:effectLst/>
-        </p:spPr>
-        <p:style>
-          <a:lnRef idx="1">
-            <a:schemeClr val="accent1"/>
-          </a:lnRef>
-          <a:fillRef idx="3">
-            <a:schemeClr val="accent1"/>
-          </a:fillRef>
-          <a:effectRef idx="2">
-            <a:schemeClr val="accent1"/>
-          </a:effectRef>
-          <a:fontRef idx="minor">
-            <a:schemeClr val="lt1"/>
-          </a:fontRef>
-        </p:style>
-        <p:txBody>
-          <a:bodyPr rtlCol="0" anchor="ctr"/>
-          <a:lstStyle/>
-          <a:p>
-            <a:pPr algn="ctr"/>
-            <a:endParaRPr lang="en-US"/>
+          <p:cNvPr id="3" name="Content Placeholder 2"/>
+          <p:cNvSpPr>
+            <a:spLocks noGrp="1"/>
+          </p:cNvSpPr>
+          <p:nvPr>
+            <p:ph idx="1"/>
+          </p:nvPr>
+        </p:nvSpPr>
+        <p:spPr/>
+        <p:txBody>
+          <a:bodyPr/>
+          <a:lstStyle/>
+          <a:p>
+            <a:pPr marL="457200" indent="-457200">
+              <a:buFont typeface="Arial"/>
+              <a:buChar char="•"/>
+            </a:pPr>
+            <a:r>
+              <a:rPr lang="en-US" dirty="0" err="1" smtClean="0">
+                <a:latin typeface="Monaco"/>
+                <a:cs typeface="Monaco"/>
+              </a:rPr>
+              <a:t>sys.argv</a:t>
+            </a:r>
+            <a:r>
+              <a:rPr lang="en-US" dirty="0" smtClean="0">
+                <a:latin typeface="Monaco"/>
+                <a:cs typeface="Monaco"/>
+              </a:rPr>
+              <a:t> </a:t>
+            </a:r>
+            <a:r>
+              <a:rPr lang="en-US" dirty="0" smtClean="0">
+                <a:latin typeface="Arial"/>
+                <a:cs typeface="Arial"/>
+              </a:rPr>
+              <a:t>is a list of command-line input arguments</a:t>
+            </a:r>
           </a:p>
         </p:txBody>
       </p:sp>
     </p:spTree>
     <p:extLst>
       <p:ext uri="{BB962C8B-B14F-4D97-AF65-F5344CB8AC3E}">
-        <p14:creationId xmlns:p14="http://schemas.microsoft.com/office/powerpoint/2010/main" val="1469099680"/>
+        <p14:creationId xmlns:p14="http://schemas.microsoft.com/office/powerpoint/2010/main" val="2932578933"/>
       </p:ext>
     </p:extLst>
   </p:cSld>
@@ -5137,108 +4640,9 @@
   <p:timing>
     <p:tnLst>
       <p:par>
-        <p:cTn xmlns:p14="http://schemas.microsoft.com/office/powerpoint/2010/main" id="1" dur="indefinite" restart="never" nodeType="tmRoot">
-          <p:childTnLst>
-            <p:seq concurrent="1" nextAc="seek">
-              <p:cTn id="2" dur="indefinite" nodeType="mainSeq">
-                <p:childTnLst>
-                  <p:par>
-                    <p:cTn id="3" fill="hold">
-                      <p:stCondLst>
-                        <p:cond delay="indefinite"/>
-                      </p:stCondLst>
-                      <p:childTnLst>
-                        <p:par>
-                          <p:cTn id="4" fill="hold">
-                            <p:stCondLst>
-                              <p:cond delay="0"/>
-                            </p:stCondLst>
-                            <p:childTnLst>
-                              <p:par>
-                                <p:cTn id="5" presetID="1" presetClass="entr" presetSubtype="0" fill="hold" grpId="0" nodeType="clickEffect">
-                                  <p:stCondLst>
-                                    <p:cond delay="0"/>
-                                  </p:stCondLst>
-                                  <p:childTnLst>
-                                    <p:set>
-                                      <p:cBhvr>
-                                        <p:cTn id="6" dur="1" fill="hold">
-                                          <p:stCondLst>
-                                            <p:cond delay="0"/>
-                                          </p:stCondLst>
-                                        </p:cTn>
-                                        <p:tgtEl>
-                                          <p:spTgt spid="8"/>
-                                        </p:tgtEl>
-                                        <p:attrNameLst>
-                                          <p:attrName>style.visibility</p:attrName>
-                                        </p:attrNameLst>
-                                      </p:cBhvr>
-                                      <p:to>
-                                        <p:strVal val="visible"/>
-                                      </p:to>
-                                    </p:set>
-                                  </p:childTnLst>
-                                </p:cTn>
-                              </p:par>
-                              <p:par>
-                                <p:cTn id="7" presetID="1" presetClass="entr" presetSubtype="0" fill="hold" grpId="0" nodeType="withEffect">
-                                  <p:stCondLst>
-                                    <p:cond delay="0"/>
-                                  </p:stCondLst>
-                                  <p:childTnLst>
-                                    <p:set>
-                                      <p:cBhvr>
-                                        <p:cTn id="8" dur="1" fill="hold">
-                                          <p:stCondLst>
-                                            <p:cond delay="0"/>
-                                          </p:stCondLst>
-                                        </p:cTn>
-                                        <p:tgtEl>
-                                          <p:spTgt spid="9"/>
-                                        </p:tgtEl>
-                                        <p:attrNameLst>
-                                          <p:attrName>style.visibility</p:attrName>
-                                        </p:attrNameLst>
-                                      </p:cBhvr>
-                                      <p:to>
-                                        <p:strVal val="visible"/>
-                                      </p:to>
-                                    </p:set>
-                                  </p:childTnLst>
-                                </p:cTn>
-                              </p:par>
-                            </p:childTnLst>
-                          </p:cTn>
-                        </p:par>
-                      </p:childTnLst>
-                    </p:cTn>
-                  </p:par>
-                </p:childTnLst>
-              </p:cTn>
-              <p:prevCondLst>
-                <p:cond evt="onPrev" delay="0">
-                  <p:tgtEl>
-                    <p:sldTgt/>
-                  </p:tgtEl>
-                </p:cond>
-              </p:prevCondLst>
-              <p:nextCondLst>
-                <p:cond evt="onNext" delay="0">
-                  <p:tgtEl>
-                    <p:sldTgt/>
-                  </p:tgtEl>
-                </p:cond>
-              </p:nextCondLst>
-            </p:seq>
-          </p:childTnLst>
-        </p:cTn>
+        <p:cTn xmlns:p14="http://schemas.microsoft.com/office/powerpoint/2010/main" id="1" dur="indefinite" restart="never" nodeType="tmRoot"/>
       </p:par>
     </p:tnLst>
-    <p:bldLst>
-      <p:bldP spid="8" grpId="0" animBg="1"/>
-      <p:bldP spid="9" grpId="0" animBg="1"/>
-    </p:bldLst>
   </p:timing>
 </p:sld>
 </file>
@@ -5277,7 +4681,15 @@
           <a:p>
             <a:r>
               <a:rPr lang="en-US" dirty="0" smtClean="0"/>
-              <a:t>remember file paths!!</a:t>
+              <a:t>using </a:t>
+            </a:r>
+            <a:r>
+              <a:rPr lang="en-US" dirty="0" err="1" smtClean="0"/>
+              <a:t>sys.exit</a:t>
+            </a:r>
+            <a:r>
+              <a:rPr lang="en-US" dirty="0" smtClean="0"/>
+              <a:t>()</a:t>
             </a:r>
             <a:endParaRPr lang="en-US" dirty="0"/>
           </a:p>
@@ -5285,178 +4697,59 @@
       </p:sp>
       <p:sp>
         <p:nvSpPr>
-          <p:cNvPr id="4" name="TextBox 3"/>
-          <p:cNvSpPr txBox="1"/>
-          <p:nvPr/>
-        </p:nvSpPr>
-        <p:spPr>
-          <a:xfrm>
-            <a:off x="457199" y="1558432"/>
-            <a:ext cx="8338444" cy="2585323"/>
-          </a:xfrm>
-          <a:prstGeom prst="rect">
-            <a:avLst/>
-          </a:prstGeom>
-          <a:noFill/>
-        </p:spPr>
-        <p:txBody>
-          <a:bodyPr wrap="square" rtlCol="0">
-            <a:spAutoFit/>
-          </a:bodyPr>
-          <a:lstStyle/>
-          <a:p>
-            <a:endParaRPr lang="en-US" dirty="0" smtClean="0">
-              <a:latin typeface="Monaco"/>
-              <a:cs typeface="Monaco"/>
-            </a:endParaRPr>
-          </a:p>
-          <a:p>
-            <a:endParaRPr lang="en-US" dirty="0">
-              <a:latin typeface="Monaco"/>
-              <a:cs typeface="Monaco"/>
-            </a:endParaRPr>
-          </a:p>
-          <a:p>
-            <a:endParaRPr lang="en-US" dirty="0" smtClean="0">
-              <a:latin typeface="Monaco"/>
-              <a:cs typeface="Monaco"/>
-            </a:endParaRPr>
-          </a:p>
-          <a:p>
-            <a:r>
-              <a:rPr lang="en-US" dirty="0" smtClean="0">
-                <a:latin typeface="Monaco"/>
-                <a:cs typeface="Monaco"/>
-              </a:rPr>
-              <a:t>filename = "</a:t>
-            </a:r>
-            <a:r>
-              <a:rPr lang="en-US" dirty="0" err="1" smtClean="0">
-                <a:latin typeface="Monaco"/>
-                <a:cs typeface="Monaco"/>
-              </a:rPr>
-              <a:t>my_file.txt</a:t>
-            </a:r>
-            <a:r>
-              <a:rPr lang="en-US" dirty="0" smtClean="0">
-                <a:latin typeface="Monaco"/>
-                <a:cs typeface="Monaco"/>
-              </a:rPr>
-              <a:t>"</a:t>
-            </a:r>
-          </a:p>
-          <a:p>
-            <a:endParaRPr lang="en-US" dirty="0">
-              <a:latin typeface="Monaco"/>
-              <a:cs typeface="Monaco"/>
-            </a:endParaRPr>
-          </a:p>
-          <a:p>
-            <a:r>
-              <a:rPr lang="en-US" dirty="0" smtClean="0">
-                <a:latin typeface="Monaco"/>
-                <a:cs typeface="Monaco"/>
-              </a:rPr>
-              <a:t>file_handle = open(filename, "r")</a:t>
-            </a:r>
-          </a:p>
-          <a:p>
-            <a:r>
-              <a:rPr lang="en-US" dirty="0" smtClean="0">
-                <a:solidFill>
-                  <a:schemeClr val="tx2"/>
-                </a:solidFill>
-                <a:latin typeface="Monaco"/>
-                <a:cs typeface="Monaco"/>
-              </a:rPr>
-              <a:t>	</a:t>
-            </a:r>
-            <a:r>
-              <a:rPr lang="en-US" dirty="0" err="1" smtClean="0">
-                <a:solidFill>
-                  <a:schemeClr val="tx2"/>
-                </a:solidFill>
-                <a:latin typeface="Monaco"/>
-                <a:cs typeface="Monaco"/>
-              </a:rPr>
-              <a:t>IOError</a:t>
+          <p:cNvPr id="3" name="Content Placeholder 2"/>
+          <p:cNvSpPr>
+            <a:spLocks noGrp="1"/>
+          </p:cNvSpPr>
+          <p:nvPr>
+            <p:ph idx="1"/>
+          </p:nvPr>
+        </p:nvSpPr>
+        <p:spPr/>
+        <p:txBody>
+          <a:bodyPr/>
+          <a:lstStyle/>
+          <a:p>
+            <a:pPr marL="457200" indent="-457200">
+              <a:buFont typeface="Arial"/>
+              <a:buChar char="•"/>
+            </a:pPr>
+            <a:r>
+              <a:rPr lang="en-US" dirty="0" err="1">
+                <a:latin typeface="Monaco"/>
+                <a:cs typeface="Monaco"/>
+              </a:rPr>
+              <a:t>sys.exit</a:t>
             </a:r>
             <a:r>
               <a:rPr lang="en-US" dirty="0">
-                <a:solidFill>
-                  <a:schemeClr val="tx2"/>
-                </a:solidFill>
-                <a:latin typeface="Monaco"/>
-                <a:cs typeface="Monaco"/>
-              </a:rPr>
-              <a:t>: [</a:t>
-            </a:r>
-            <a:r>
-              <a:rPr lang="en-US" dirty="0" err="1">
-                <a:solidFill>
-                  <a:schemeClr val="tx2"/>
-                </a:solidFill>
-                <a:latin typeface="Monaco"/>
-                <a:cs typeface="Monaco"/>
-              </a:rPr>
-              <a:t>Errno</a:t>
+                <a:latin typeface="Monaco"/>
+                <a:cs typeface="Monaco"/>
+              </a:rPr>
+              <a:t>() </a:t>
             </a:r>
             <a:r>
               <a:rPr lang="en-US" dirty="0">
-                <a:solidFill>
-                  <a:schemeClr val="tx2"/>
-                </a:solidFill>
-                <a:latin typeface="Monaco"/>
-                <a:cs typeface="Monaco"/>
-              </a:rPr>
-              <a:t> 2] No such file or directory: '</a:t>
-            </a:r>
-            <a:r>
-              <a:rPr lang="en-US" dirty="0" err="1" smtClean="0">
-                <a:solidFill>
-                  <a:schemeClr val="tx2"/>
-                </a:solidFill>
-                <a:latin typeface="Monaco"/>
-                <a:cs typeface="Monaco"/>
-              </a:rPr>
-              <a:t>my_file.txt</a:t>
-            </a:r>
-            <a:r>
-              <a:rPr lang="en-US" dirty="0">
-                <a:solidFill>
-                  <a:schemeClr val="tx2"/>
-                </a:solidFill>
-                <a:latin typeface="Monaco"/>
-                <a:cs typeface="Monaco"/>
-              </a:rPr>
-              <a:t>'</a:t>
-            </a:r>
-          </a:p>
-          <a:p>
-            <a:endParaRPr lang="en-US" dirty="0" smtClean="0">
-              <a:latin typeface="Monaco"/>
-              <a:cs typeface="Monaco"/>
-            </a:endParaRPr>
+                <a:cs typeface="Arial"/>
+              </a:rPr>
+              <a:t>will immediately stop the interpreter and exit out of the script</a:t>
+            </a:r>
+          </a:p>
+          <a:p>
+            <a:endParaRPr lang="en-US" dirty="0"/>
           </a:p>
         </p:txBody>
       </p:sp>
     </p:spTree>
     <p:extLst>
       <p:ext uri="{BB962C8B-B14F-4D97-AF65-F5344CB8AC3E}">
-        <p14:creationId xmlns:p14="http://schemas.microsoft.com/office/powerpoint/2010/main" val="3240206158"/>
+        <p14:creationId xmlns:p14="http://schemas.microsoft.com/office/powerpoint/2010/main" val="239534954"/>
       </p:ext>
     </p:extLst>
   </p:cSld>
   <p:clrMapOvr>
     <a:masterClrMapping/>
   </p:clrMapOvr>
-  <p:timing>
-    <p:tnLst>
-      <p:par>
-        <p:cTn xmlns:p14="http://schemas.microsoft.com/office/powerpoint/2010/main" id="1" dur="indefinite" restart="never" nodeType="tmRoot"/>
-      </p:par>
-    </p:tnLst>
-  </p:timing>
 </p:sld>
 </file>
 
@@ -5494,8 +4787,61 @@
           <a:p>
             <a:r>
               <a:rPr lang="en-US" dirty="0" smtClean="0"/>
-              <a:t>remember file paths!!</a:t>
-            </a:r>
+              <a:t>using </a:t>
+            </a:r>
+            <a:r>
+              <a:rPr lang="en-US" dirty="0" err="1" smtClean="0"/>
+              <a:t>sys.exit</a:t>
+            </a:r>
+            <a:r>
+              <a:rPr lang="en-US" dirty="0" smtClean="0"/>
+              <a:t>()</a:t>
+            </a:r>
+            <a:endParaRPr lang="en-US" dirty="0"/>
+          </a:p>
+        </p:txBody>
+      </p:sp>
+      <p:sp>
+        <p:nvSpPr>
+          <p:cNvPr id="3" name="Content Placeholder 2"/>
+          <p:cNvSpPr>
+            <a:spLocks noGrp="1"/>
+          </p:cNvSpPr>
+          <p:nvPr>
+            <p:ph idx="1"/>
+          </p:nvPr>
+        </p:nvSpPr>
+        <p:spPr/>
+        <p:txBody>
+          <a:bodyPr/>
+          <a:lstStyle/>
+          <a:p>
+            <a:pPr marL="457200" indent="-457200">
+              <a:buFont typeface="Arial"/>
+              <a:buChar char="•"/>
+            </a:pPr>
+            <a:r>
+              <a:rPr lang="en-US" dirty="0" err="1">
+                <a:latin typeface="Monaco"/>
+                <a:cs typeface="Monaco"/>
+              </a:rPr>
+              <a:t>sys.exit</a:t>
+            </a:r>
+            <a:r>
+              <a:rPr lang="en-US" dirty="0">
+                <a:latin typeface="Monaco"/>
+                <a:cs typeface="Monaco"/>
+              </a:rPr>
+              <a:t>() </a:t>
+            </a:r>
+            <a:r>
+              <a:rPr lang="en-US" dirty="0">
+                <a:cs typeface="Arial"/>
+              </a:rPr>
+              <a:t>will immediately stop the interpreter and exit out of the script</a:t>
+            </a:r>
+          </a:p>
+          <a:p>
             <a:endParaRPr lang="en-US" dirty="0"/>
           </a:p>
         </p:txBody>
@@ -5508,8 +4854,8 @@
         </p:nvSpPr>
         <p:spPr>
           <a:xfrm>
-            <a:off x="457199" y="1558432"/>
-            <a:ext cx="8338444" cy="5078314"/>
+            <a:off x="286450" y="3074968"/>
+            <a:ext cx="8338444" cy="1631216"/>
           </a:xfrm>
           <a:prstGeom prst="rect">
             <a:avLst/>
@@ -5522,233 +4868,94 @@
           </a:bodyPr>
           <a:lstStyle/>
           <a:p>
-            <a:endParaRPr lang="en-US" dirty="0" smtClean="0">
+            <a:r>
+              <a:rPr lang="en-US" sz="2000" dirty="0" smtClean="0">
+                <a:latin typeface="Monaco"/>
+                <a:cs typeface="Monaco"/>
+              </a:rPr>
+              <a:t>import sys</a:t>
+            </a:r>
+          </a:p>
+          <a:p>
+            <a:endParaRPr lang="en-US" sz="2000" dirty="0">
               <a:latin typeface="Monaco"/>
               <a:cs typeface="Monaco"/>
             </a:endParaRPr>
           </a:p>
           <a:p>
-            <a:endParaRPr lang="en-US" dirty="0">
-              <a:latin typeface="Monaco"/>
-              <a:cs typeface="Monaco"/>
-            </a:endParaRPr>
-          </a:p>
-          <a:p>
-            <a:endParaRPr lang="en-US" dirty="0" smtClean="0">
-              <a:latin typeface="Monaco"/>
-              <a:cs typeface="Monaco"/>
-            </a:endParaRPr>
-          </a:p>
-          <a:p>
-            <a:r>
-              <a:rPr lang="en-US" dirty="0" smtClean="0">
-                <a:latin typeface="Monaco"/>
-                <a:cs typeface="Monaco"/>
-              </a:rPr>
-              <a:t>filename = "</a:t>
-            </a:r>
-            <a:r>
-              <a:rPr lang="en-US" dirty="0" err="1" smtClean="0">
-                <a:latin typeface="Monaco"/>
-                <a:cs typeface="Monaco"/>
-              </a:rPr>
-              <a:t>my_file.txt</a:t>
-            </a:r>
-            <a:r>
-              <a:rPr lang="en-US" dirty="0" smtClean="0">
-                <a:latin typeface="Monaco"/>
-                <a:cs typeface="Monaco"/>
-              </a:rPr>
-              <a:t>"</a:t>
-            </a:r>
-          </a:p>
-          <a:p>
-            <a:endParaRPr lang="en-US" dirty="0">
-              <a:latin typeface="Monaco"/>
-              <a:cs typeface="Monaco"/>
-            </a:endParaRPr>
-          </a:p>
-          <a:p>
-            <a:r>
-              <a:rPr lang="en-US" dirty="0" smtClean="0">
-                <a:latin typeface="Monaco"/>
-                <a:cs typeface="Monaco"/>
-              </a:rPr>
-              <a:t>file_handle = open(filename, "r")</a:t>
-            </a:r>
-          </a:p>
-          <a:p>
-            <a:r>
-              <a:rPr lang="en-US" dirty="0" smtClean="0">
-                <a:solidFill>
-                  <a:schemeClr val="tx2"/>
-                </a:solidFill>
+            <a:r>
+              <a:rPr lang="en-US" sz="2000" dirty="0" smtClean="0">
+                <a:latin typeface="Monaco"/>
+                <a:cs typeface="Monaco"/>
+              </a:rPr>
+              <a:t>if </a:t>
+            </a:r>
+            <a:r>
+              <a:rPr lang="en-US" sz="2000" dirty="0" err="1" smtClean="0">
+                <a:latin typeface="Monaco"/>
+                <a:cs typeface="Monaco"/>
+              </a:rPr>
+              <a:t>something_important</a:t>
+            </a:r>
+            <a:r>
+              <a:rPr lang="en-US" sz="2000" dirty="0" smtClean="0">
+                <a:latin typeface="Monaco"/>
+                <a:cs typeface="Monaco"/>
+              </a:rPr>
+              <a:t> == False:</a:t>
+            </a:r>
+          </a:p>
+          <a:p>
+            <a:r>
+              <a:rPr lang="en-US" sz="2000" dirty="0">
                 <a:latin typeface="Monaco"/>
                 <a:cs typeface="Monaco"/>
               </a:rPr>
               <a:t>	</a:t>
             </a:r>
             <a:r>
-              <a:rPr lang="en-US" dirty="0" err="1" smtClean="0">
-                <a:solidFill>
-                  <a:schemeClr val="tx2"/>
-                </a:solidFill>
-                <a:latin typeface="Monaco"/>
-                <a:cs typeface="Monaco"/>
-              </a:rPr>
-              <a:t>IOError</a:t>
-            </a:r>
-            <a:r>
-              <a:rPr lang="en-US" dirty="0">
-                <a:solidFill>
-                  <a:schemeClr val="tx2"/>
-                </a:solidFill>
-                <a:latin typeface="Monaco"/>
-                <a:cs typeface="Monaco"/>
-              </a:rPr>
-              <a:t>: [</a:t>
-            </a:r>
-            <a:r>
-              <a:rPr lang="en-US" dirty="0" err="1">
-                <a:solidFill>
-                  <a:schemeClr val="tx2"/>
-                </a:solidFill>
-                <a:latin typeface="Monaco"/>
-                <a:cs typeface="Monaco"/>
-              </a:rPr>
-              <a:t>Errno</a:t>
-            </a:r>
-            <a:r>
-              <a:rPr lang="en-US" dirty="0">
-                <a:solidFill>
-                  <a:schemeClr val="tx2"/>
-                </a:solidFill>
-                <a:latin typeface="Monaco"/>
-                <a:cs typeface="Monaco"/>
-              </a:rPr>
-              <a:t> 2] No such file or directory: '</a:t>
-            </a:r>
-            <a:r>
-              <a:rPr lang="en-US" dirty="0" err="1" smtClean="0">
-                <a:solidFill>
-                  <a:schemeClr val="tx2"/>
-                </a:solidFill>
-                <a:latin typeface="Monaco"/>
-                <a:cs typeface="Monaco"/>
-              </a:rPr>
-              <a:t>my_file.txt</a:t>
-            </a:r>
-            <a:r>
-              <a:rPr lang="en-US" dirty="0">
-                <a:solidFill>
-                  <a:schemeClr val="tx2"/>
-                </a:solidFill>
-                <a:latin typeface="Monaco"/>
-                <a:cs typeface="Monaco"/>
-              </a:rPr>
-              <a:t>'</a:t>
-            </a:r>
-          </a:p>
-          <a:p>
-            <a:endParaRPr lang="en-US" dirty="0">
-              <a:solidFill>
-                <a:schemeClr val="tx2"/>
-              </a:solidFill>
-              <a:latin typeface="Monaco"/>
-              <a:cs typeface="Monaco"/>
-            </a:endParaRPr>
-          </a:p>
-          <a:p>
-            <a:endParaRPr lang="en-US" dirty="0">
-              <a:solidFill>
-                <a:schemeClr val="tx2"/>
-              </a:solidFill>
-              <a:latin typeface="Monaco"/>
-              <a:cs typeface="Monaco"/>
-            </a:endParaRPr>
-          </a:p>
-          <a:p>
-            <a:r>
-              <a:rPr lang="en-US" dirty="0">
-                <a:latin typeface="Monaco"/>
-                <a:cs typeface="Monaco"/>
-              </a:rPr>
-              <a:t># Solution: include the full path!</a:t>
-            </a:r>
-          </a:p>
-          <a:p>
-            <a:endParaRPr lang="en-US" dirty="0">
-              <a:latin typeface="Monaco"/>
-              <a:cs typeface="Monaco"/>
-            </a:endParaRPr>
-          </a:p>
-          <a:p>
-            <a:r>
-              <a:rPr lang="en-US" dirty="0">
-                <a:latin typeface="Monaco"/>
-                <a:cs typeface="Monaco"/>
-              </a:rPr>
-              <a:t>filename = "my_file.txt"</a:t>
-            </a:r>
-          </a:p>
-          <a:p>
-            <a:r>
-              <a:rPr lang="en-US" dirty="0">
-                <a:latin typeface="Monaco"/>
-                <a:cs typeface="Monaco"/>
-              </a:rPr>
-              <a:t>path = "/path/to/files/"</a:t>
-            </a:r>
-          </a:p>
-          <a:p>
-            <a:endParaRPr lang="en-US" dirty="0">
-              <a:latin typeface="Monaco"/>
-              <a:cs typeface="Monaco"/>
-            </a:endParaRPr>
-          </a:p>
-          <a:p>
-            <a:r>
-              <a:rPr lang="en-US" dirty="0">
-                <a:latin typeface="Monaco"/>
-                <a:cs typeface="Monaco"/>
-              </a:rPr>
-              <a:t>file_handle = open(path + filename, "r")</a:t>
-            </a:r>
-          </a:p>
-          <a:p>
-            <a:endParaRPr lang="en-US" dirty="0">
-              <a:solidFill>
-                <a:schemeClr val="tx2"/>
-              </a:solidFill>
-              <a:latin typeface="Monaco"/>
-              <a:cs typeface="Monaco"/>
-            </a:endParaRPr>
-          </a:p>
-          <a:p>
-            <a:endParaRPr lang="en-US" dirty="0" smtClean="0">
-              <a:latin typeface="Monaco"/>
-              <a:cs typeface="Monaco"/>
-            </a:endParaRPr>
+              <a:rPr lang="en-US" sz="2000" dirty="0" smtClean="0">
+                <a:latin typeface="Monaco"/>
+                <a:cs typeface="Monaco"/>
+              </a:rPr>
+              <a:t>print "Oh no, something is wrong!!!"</a:t>
+            </a:r>
+          </a:p>
+          <a:p>
+            <a:r>
+              <a:rPr lang="en-US" sz="2000" dirty="0">
+                <a:latin typeface="Monaco"/>
+                <a:cs typeface="Monaco"/>
+              </a:rPr>
+              <a:t>	</a:t>
+            </a:r>
+            <a:r>
+              <a:rPr lang="en-US" sz="2000" dirty="0" err="1" smtClean="0">
+                <a:latin typeface="Monaco"/>
+                <a:cs typeface="Monaco"/>
+              </a:rPr>
+              <a:t>sys.exit</a:t>
+            </a:r>
+            <a:r>
+              <a:rPr lang="en-US" sz="2000" dirty="0" smtClean="0">
+                <a:latin typeface="Monaco"/>
+                <a:cs typeface="Monaco"/>
+              </a:rPr>
+              <a:t>()</a:t>
+            </a:r>
           </a:p>
         </p:txBody>
       </p:sp>
     </p:spTree>
     <p:extLst>
       <p:ext uri="{BB962C8B-B14F-4D97-AF65-F5344CB8AC3E}">
-        <p14:creationId xmlns:p14="http://schemas.microsoft.com/office/powerpoint/2010/main" val="2662158429"/>
+        <p14:creationId xmlns:p14="http://schemas.microsoft.com/office/powerpoint/2010/main" val="1620007735"/>
       </p:ext>
     </p:extLst>
   </p:cSld>
   <p:clrMapOvr>
     <a:masterClrMapping/>
   </p:clrMapOvr>
-  <p:timing>
-    <p:tnLst>
-      <p:par>
-        <p:cTn xmlns:p14="http://schemas.microsoft.com/office/powerpoint/2010/main" id="1" dur="indefinite" restart="never" nodeType="tmRoot"/>
-      </p:par>
-    </p:tnLst>
-  </p:timing>
 </p:sld>
 </file>
 
@@ -5779,41 +4986,934 @@
             <p:ph type="title"/>
           </p:nvPr>
         </p:nvSpPr>
+        <p:spPr/>
+        <p:txBody>
+          <a:bodyPr/>
+          <a:lstStyle/>
+          <a:p>
+            <a:r>
+              <a:rPr lang="en-US" dirty="0" smtClean="0"/>
+              <a:t>the </a:t>
+            </a:r>
+            <a:r>
+              <a:rPr lang="en-US" dirty="0" err="1" smtClean="0"/>
+              <a:t>subprocess</a:t>
+            </a:r>
+            <a:r>
+              <a:rPr lang="en-US" dirty="0" smtClean="0"/>
+              <a:t> module</a:t>
+            </a:r>
+            <a:endParaRPr lang="en-US" dirty="0"/>
+          </a:p>
+        </p:txBody>
+      </p:sp>
+      <p:sp>
+        <p:nvSpPr>
+          <p:cNvPr id="3" name="Content Placeholder 2"/>
+          <p:cNvSpPr>
+            <a:spLocks noGrp="1"/>
+          </p:cNvSpPr>
+          <p:nvPr>
+            <p:ph idx="1"/>
+          </p:nvPr>
+        </p:nvSpPr>
+        <p:spPr/>
+        <p:txBody>
+          <a:bodyPr/>
+          <a:lstStyle/>
+          <a:p>
+            <a:pPr marL="457200" indent="-457200">
+              <a:buFont typeface="Arial"/>
+              <a:buChar char="•"/>
+            </a:pPr>
+            <a:r>
+              <a:rPr lang="en-US" dirty="0" smtClean="0"/>
+              <a:t>Use </a:t>
+            </a:r>
+            <a:r>
+              <a:rPr lang="en-US" dirty="0" err="1" smtClean="0">
+                <a:latin typeface="Monaco"/>
+                <a:cs typeface="Monaco"/>
+              </a:rPr>
+              <a:t>subprocess.call</a:t>
+            </a:r>
+            <a:r>
+              <a:rPr lang="en-US" dirty="0" smtClean="0">
+                <a:latin typeface="Monaco"/>
+                <a:cs typeface="Monaco"/>
+              </a:rPr>
+              <a:t>()</a:t>
+            </a:r>
+            <a:r>
+              <a:rPr lang="en-US" dirty="0" smtClean="0"/>
+              <a:t> to run external processes and/or </a:t>
+            </a:r>
+            <a:r>
+              <a:rPr lang="en-US" dirty="0" err="1" smtClean="0"/>
+              <a:t>softwares</a:t>
+            </a:r>
+            <a:endParaRPr lang="en-US" dirty="0"/>
+          </a:p>
+        </p:txBody>
+      </p:sp>
+      <p:sp>
+        <p:nvSpPr>
+          <p:cNvPr id="4" name="TextBox 3"/>
+          <p:cNvSpPr txBox="1"/>
+          <p:nvPr/>
+        </p:nvSpPr>
         <p:spPr>
           <a:xfrm>
-            <a:off x="2230714" y="3087537"/>
-            <a:ext cx="4688183" cy="692215"/>
+            <a:off x="0" y="3179440"/>
+            <a:ext cx="8958313" cy="1138773"/>
           </a:xfrm>
+          <a:prstGeom prst="rect">
+            <a:avLst/>
+          </a:prstGeom>
+          <a:noFill/>
         </p:spPr>
         <p:txBody>
-          <a:bodyPr/>
-          <a:lstStyle/>
-          <a:p>
-            <a:r>
-              <a:rPr lang="en-US" dirty="0" smtClean="0"/>
-              <a:t>exercise break</a:t>
-            </a:r>
-            <a:endParaRPr lang="en-US" dirty="0"/>
+          <a:bodyPr wrap="square" rtlCol="0">
+            <a:spAutoFit/>
+          </a:bodyPr>
+          <a:lstStyle/>
+          <a:p>
+            <a:r>
+              <a:rPr lang="en-US" sz="1700" dirty="0" smtClean="0">
+                <a:latin typeface="Monaco"/>
+                <a:cs typeface="Monaco"/>
+              </a:rPr>
+              <a:t>import </a:t>
+            </a:r>
+            <a:r>
+              <a:rPr lang="en-US" sz="1700" dirty="0" err="1" smtClean="0">
+                <a:latin typeface="Monaco"/>
+                <a:cs typeface="Monaco"/>
+              </a:rPr>
+              <a:t>subprocess</a:t>
+            </a:r>
+            <a:r>
+              <a:rPr lang="en-US" sz="1700" dirty="0" smtClean="0">
+                <a:latin typeface="Monaco"/>
+                <a:cs typeface="Monaco"/>
+              </a:rPr>
+              <a:t>, sys</a:t>
+            </a:r>
+          </a:p>
+          <a:p>
+            <a:endParaRPr lang="en-US" sz="1700" dirty="0">
+              <a:latin typeface="Monaco"/>
+              <a:cs typeface="Monaco"/>
+            </a:endParaRPr>
+          </a:p>
+          <a:p>
+            <a:r>
+              <a:rPr lang="en-US" sz="1700" dirty="0" smtClean="0">
+                <a:latin typeface="Monaco"/>
+                <a:cs typeface="Monaco"/>
+              </a:rPr>
+              <a:t># Call an external software, </a:t>
+            </a:r>
+            <a:r>
+              <a:rPr lang="en-US" sz="1700" dirty="0" err="1" smtClean="0">
+                <a:latin typeface="Monaco"/>
+                <a:cs typeface="Monaco"/>
+              </a:rPr>
+              <a:t>FastTree</a:t>
+            </a:r>
+            <a:endParaRPr lang="en-US" sz="1700" dirty="0" smtClean="0">
+              <a:latin typeface="Monaco"/>
+              <a:cs typeface="Monaco"/>
+            </a:endParaRPr>
+          </a:p>
+          <a:p>
+            <a:r>
+              <a:rPr lang="en-US" sz="1700" dirty="0" smtClean="0">
+                <a:latin typeface="Monaco"/>
+                <a:cs typeface="Monaco"/>
+              </a:rPr>
+              <a:t>result = </a:t>
+            </a:r>
+            <a:r>
+              <a:rPr lang="en-US" sz="1700" dirty="0" err="1" smtClean="0">
+                <a:latin typeface="Monaco"/>
+                <a:cs typeface="Monaco"/>
+              </a:rPr>
+              <a:t>subprocess.call</a:t>
+            </a:r>
+            <a:r>
+              <a:rPr lang="en-US" sz="1700" dirty="0" smtClean="0">
+                <a:latin typeface="Monaco"/>
+                <a:cs typeface="Monaco"/>
+              </a:rPr>
+              <a:t>("</a:t>
+            </a:r>
+            <a:r>
+              <a:rPr lang="en-US" sz="1700" dirty="0" err="1" smtClean="0">
+                <a:latin typeface="Monaco"/>
+                <a:cs typeface="Monaco"/>
+              </a:rPr>
+              <a:t>FastTree</a:t>
+            </a:r>
+            <a:r>
+              <a:rPr lang="en-US" sz="1700" dirty="0" smtClean="0">
+                <a:latin typeface="Monaco"/>
+                <a:cs typeface="Monaco"/>
+              </a:rPr>
+              <a:t> </a:t>
+            </a:r>
+            <a:r>
+              <a:rPr lang="en-US" sz="1700" dirty="0" err="1" smtClean="0">
+                <a:latin typeface="Monaco"/>
+                <a:cs typeface="Monaco"/>
+              </a:rPr>
+              <a:t>infile</a:t>
+            </a:r>
+            <a:r>
+              <a:rPr lang="en-US" sz="1700" dirty="0" smtClean="0">
+                <a:latin typeface="Monaco"/>
+                <a:cs typeface="Monaco"/>
+              </a:rPr>
+              <a:t> &gt; </a:t>
+            </a:r>
+            <a:r>
+              <a:rPr lang="en-US" sz="1700" dirty="0" err="1" smtClean="0">
+                <a:latin typeface="Monaco"/>
+                <a:cs typeface="Monaco"/>
+              </a:rPr>
+              <a:t>outfile</a:t>
+            </a:r>
+            <a:r>
+              <a:rPr lang="en-US" sz="1700" dirty="0" smtClean="0">
+                <a:latin typeface="Monaco"/>
+                <a:cs typeface="Monaco"/>
+              </a:rPr>
+              <a:t>", shell=True)</a:t>
+            </a:r>
           </a:p>
         </p:txBody>
       </p:sp>
     </p:spTree>
     <p:extLst>
       <p:ext uri="{BB962C8B-B14F-4D97-AF65-F5344CB8AC3E}">
-        <p14:creationId xmlns:p14="http://schemas.microsoft.com/office/powerpoint/2010/main" val="1182526957"/>
+        <p14:creationId xmlns:p14="http://schemas.microsoft.com/office/powerpoint/2010/main" val="2958327123"/>
       </p:ext>
     </p:extLst>
   </p:cSld>
   <p:clrMapOvr>
     <a:masterClrMapping/>
   </p:clrMapOvr>
-  <p:timing>
-    <p:tnLst>
-      <p:par>
-        <p:cTn xmlns:p14="http://schemas.microsoft.com/office/powerpoint/2010/main" id="1" dur="indefinite" restart="never" nodeType="tmRoot"/>
-      </p:par>
-    </p:tnLst>
-  </p:timing>
+</p:sld>
+</file>
+
+<file path=ppt/slides/slide17.xml><?xml version="1.0" encoding="utf-8"?>
+<p:sld xmlns:a="http://schemas.openxmlformats.org/drawingml/2006/main" xmlns:r="http://schemas.openxmlformats.org/officeDocument/2006/relationships" xmlns:p="http://schemas.openxmlformats.org/presentationml/2006/main">
+  <p:cSld>
+    <p:spTree>
+      <p:nvGrpSpPr>
+        <p:cNvPr id="1" name=""/>
+        <p:cNvGrpSpPr/>
+        <p:nvPr/>
+      </p:nvGrpSpPr>
+      <p:grpSpPr>
+        <a:xfrm>
+          <a:off x="0" y="0"/>
+          <a:ext cx="0" cy="0"/>
+          <a:chOff x="0" y="0"/>
+          <a:chExt cx="0" cy="0"/>
+        </a:xfrm>
+      </p:grpSpPr>
+      <p:sp>
+        <p:nvSpPr>
+          <p:cNvPr id="2" name="Title 1"/>
+          <p:cNvSpPr>
+            <a:spLocks noGrp="1"/>
+          </p:cNvSpPr>
+          <p:nvPr>
+            <p:ph type="title"/>
+          </p:nvPr>
+        </p:nvSpPr>
+        <p:spPr/>
+        <p:txBody>
+          <a:bodyPr/>
+          <a:lstStyle/>
+          <a:p>
+            <a:r>
+              <a:rPr lang="en-US" dirty="0" smtClean="0"/>
+              <a:t>the </a:t>
+            </a:r>
+            <a:r>
+              <a:rPr lang="en-US" dirty="0" err="1" smtClean="0"/>
+              <a:t>subprocess</a:t>
+            </a:r>
+            <a:r>
+              <a:rPr lang="en-US" dirty="0" smtClean="0"/>
+              <a:t> module</a:t>
+            </a:r>
+            <a:endParaRPr lang="en-US" dirty="0"/>
+          </a:p>
+        </p:txBody>
+      </p:sp>
+      <p:sp>
+        <p:nvSpPr>
+          <p:cNvPr id="3" name="Content Placeholder 2"/>
+          <p:cNvSpPr>
+            <a:spLocks noGrp="1"/>
+          </p:cNvSpPr>
+          <p:nvPr>
+            <p:ph idx="1"/>
+          </p:nvPr>
+        </p:nvSpPr>
+        <p:spPr/>
+        <p:txBody>
+          <a:bodyPr/>
+          <a:lstStyle/>
+          <a:p>
+            <a:pPr marL="457200" indent="-457200">
+              <a:buFont typeface="Arial"/>
+              <a:buChar char="•"/>
+            </a:pPr>
+            <a:r>
+              <a:rPr lang="en-US" dirty="0" smtClean="0"/>
+              <a:t>Use </a:t>
+            </a:r>
+            <a:r>
+              <a:rPr lang="en-US" dirty="0" err="1" smtClean="0">
+                <a:latin typeface="Monaco"/>
+                <a:cs typeface="Monaco"/>
+              </a:rPr>
+              <a:t>subprocess.call</a:t>
+            </a:r>
+            <a:r>
+              <a:rPr lang="en-US" dirty="0" smtClean="0">
+                <a:latin typeface="Monaco"/>
+                <a:cs typeface="Monaco"/>
+              </a:rPr>
+              <a:t>()</a:t>
+            </a:r>
+            <a:r>
+              <a:rPr lang="en-US" dirty="0" smtClean="0"/>
+              <a:t> to run external processes and/or </a:t>
+            </a:r>
+            <a:r>
+              <a:rPr lang="en-US" dirty="0" err="1" smtClean="0"/>
+              <a:t>softwares</a:t>
+            </a:r>
+            <a:endParaRPr lang="en-US" dirty="0"/>
+          </a:p>
+        </p:txBody>
+      </p:sp>
+      <p:sp>
+        <p:nvSpPr>
+          <p:cNvPr id="4" name="TextBox 3"/>
+          <p:cNvSpPr txBox="1"/>
+          <p:nvPr/>
+        </p:nvSpPr>
+        <p:spPr>
+          <a:xfrm>
+            <a:off x="0" y="3179440"/>
+            <a:ext cx="8958313" cy="1661993"/>
+          </a:xfrm>
+          <a:prstGeom prst="rect">
+            <a:avLst/>
+          </a:prstGeom>
+          <a:noFill/>
+        </p:spPr>
+        <p:txBody>
+          <a:bodyPr wrap="square" rtlCol="0">
+            <a:spAutoFit/>
+          </a:bodyPr>
+          <a:lstStyle/>
+          <a:p>
+            <a:r>
+              <a:rPr lang="en-US" sz="1700" dirty="0" smtClean="0">
+                <a:latin typeface="Monaco"/>
+                <a:cs typeface="Monaco"/>
+              </a:rPr>
+              <a:t>import </a:t>
+            </a:r>
+            <a:r>
+              <a:rPr lang="en-US" sz="1700" dirty="0" err="1" smtClean="0">
+                <a:latin typeface="Monaco"/>
+                <a:cs typeface="Monaco"/>
+              </a:rPr>
+              <a:t>subprocess</a:t>
+            </a:r>
+            <a:r>
+              <a:rPr lang="en-US" sz="1700" dirty="0" smtClean="0">
+                <a:latin typeface="Monaco"/>
+                <a:cs typeface="Monaco"/>
+              </a:rPr>
+              <a:t>, sys</a:t>
+            </a:r>
+          </a:p>
+          <a:p>
+            <a:endParaRPr lang="en-US" sz="1700" dirty="0">
+              <a:latin typeface="Monaco"/>
+              <a:cs typeface="Monaco"/>
+            </a:endParaRPr>
+          </a:p>
+          <a:p>
+            <a:r>
+              <a:rPr lang="en-US" sz="1700" dirty="0" smtClean="0">
+                <a:latin typeface="Monaco"/>
+                <a:cs typeface="Monaco"/>
+              </a:rPr>
+              <a:t># Call an external software, </a:t>
+            </a:r>
+            <a:r>
+              <a:rPr lang="en-US" sz="1700" dirty="0" err="1" smtClean="0">
+                <a:latin typeface="Monaco"/>
+                <a:cs typeface="Monaco"/>
+              </a:rPr>
+              <a:t>FastTree</a:t>
+            </a:r>
+            <a:endParaRPr lang="en-US" sz="1700" dirty="0" smtClean="0">
+              <a:latin typeface="Monaco"/>
+              <a:cs typeface="Monaco"/>
+            </a:endParaRPr>
+          </a:p>
+          <a:p>
+            <a:r>
+              <a:rPr lang="en-US" sz="1700" dirty="0" smtClean="0">
+                <a:latin typeface="Monaco"/>
+                <a:cs typeface="Monaco"/>
+              </a:rPr>
+              <a:t>result = </a:t>
+            </a:r>
+            <a:r>
+              <a:rPr lang="en-US" sz="1700" dirty="0" err="1" smtClean="0">
+                <a:latin typeface="Monaco"/>
+                <a:cs typeface="Monaco"/>
+              </a:rPr>
+              <a:t>subprocess.call</a:t>
+            </a:r>
+            <a:r>
+              <a:rPr lang="en-US" sz="1700" dirty="0" smtClean="0">
+                <a:latin typeface="Monaco"/>
+                <a:cs typeface="Monaco"/>
+              </a:rPr>
+              <a:t>("</a:t>
+            </a:r>
+            <a:r>
+              <a:rPr lang="en-US" sz="1700" dirty="0" err="1" smtClean="0">
+                <a:latin typeface="Monaco"/>
+                <a:cs typeface="Monaco"/>
+              </a:rPr>
+              <a:t>FastTree</a:t>
+            </a:r>
+            <a:r>
+              <a:rPr lang="en-US" sz="1700" dirty="0" smtClean="0">
+                <a:latin typeface="Monaco"/>
+                <a:cs typeface="Monaco"/>
+              </a:rPr>
+              <a:t> </a:t>
+            </a:r>
+            <a:r>
+              <a:rPr lang="en-US" sz="1700" dirty="0" err="1" smtClean="0">
+                <a:latin typeface="Monaco"/>
+                <a:cs typeface="Monaco"/>
+              </a:rPr>
+              <a:t>infile</a:t>
+            </a:r>
+            <a:r>
+              <a:rPr lang="en-US" sz="1700" dirty="0" smtClean="0">
+                <a:latin typeface="Monaco"/>
+                <a:cs typeface="Monaco"/>
+              </a:rPr>
+              <a:t> &gt; </a:t>
+            </a:r>
+            <a:r>
+              <a:rPr lang="en-US" sz="1700" dirty="0" err="1" smtClean="0">
+                <a:latin typeface="Monaco"/>
+                <a:cs typeface="Monaco"/>
+              </a:rPr>
+              <a:t>outfile</a:t>
+            </a:r>
+            <a:r>
+              <a:rPr lang="en-US" sz="1700" dirty="0" smtClean="0">
+                <a:latin typeface="Monaco"/>
+                <a:cs typeface="Monaco"/>
+              </a:rPr>
+              <a:t>", shell=True)</a:t>
+            </a:r>
+          </a:p>
+          <a:p>
+            <a:endParaRPr lang="en-US" sz="1700" dirty="0">
+              <a:latin typeface="Monaco"/>
+              <a:cs typeface="Monaco"/>
+            </a:endParaRPr>
+          </a:p>
+          <a:p>
+            <a:r>
+              <a:rPr lang="en-US" sz="1700" dirty="0" smtClean="0">
+                <a:latin typeface="Monaco"/>
+                <a:cs typeface="Monaco"/>
+              </a:rPr>
+              <a:t># Variable "result" stores the </a:t>
+            </a:r>
+            <a:r>
+              <a:rPr lang="en-US" sz="1700" dirty="0" smtClean="0">
+                <a:solidFill>
+                  <a:schemeClr val="accent5"/>
+                </a:solidFill>
+                <a:latin typeface="Monaco"/>
+                <a:cs typeface="Monaco"/>
+              </a:rPr>
+              <a:t>UNIX exit code </a:t>
+            </a:r>
+            <a:r>
+              <a:rPr lang="en-US" sz="1700" dirty="0" smtClean="0">
+                <a:latin typeface="Monaco"/>
+                <a:cs typeface="Monaco"/>
+              </a:rPr>
+              <a:t>(1 = error, 0 = ok)</a:t>
+            </a:r>
+          </a:p>
+        </p:txBody>
+      </p:sp>
+    </p:spTree>
+    <p:extLst>
+      <p:ext uri="{BB962C8B-B14F-4D97-AF65-F5344CB8AC3E}">
+        <p14:creationId xmlns:p14="http://schemas.microsoft.com/office/powerpoint/2010/main" val="3656247542"/>
+      </p:ext>
+    </p:extLst>
+  </p:cSld>
+  <p:clrMapOvr>
+    <a:masterClrMapping/>
+  </p:clrMapOvr>
+</p:sld>
+</file>
+
+<file path=ppt/slides/slide18.xml><?xml version="1.0" encoding="utf-8"?>
+<p:sld xmlns:a="http://schemas.openxmlformats.org/drawingml/2006/main" xmlns:r="http://schemas.openxmlformats.org/officeDocument/2006/relationships" xmlns:p="http://schemas.openxmlformats.org/presentationml/2006/main">
+  <p:cSld>
+    <p:spTree>
+      <p:nvGrpSpPr>
+        <p:cNvPr id="1" name=""/>
+        <p:cNvGrpSpPr/>
+        <p:nvPr/>
+      </p:nvGrpSpPr>
+      <p:grpSpPr>
+        <a:xfrm>
+          <a:off x="0" y="0"/>
+          <a:ext cx="0" cy="0"/>
+          <a:chOff x="0" y="0"/>
+          <a:chExt cx="0" cy="0"/>
+        </a:xfrm>
+      </p:grpSpPr>
+      <p:sp>
+        <p:nvSpPr>
+          <p:cNvPr id="2" name="Title 1"/>
+          <p:cNvSpPr>
+            <a:spLocks noGrp="1"/>
+          </p:cNvSpPr>
+          <p:nvPr>
+            <p:ph type="title"/>
+          </p:nvPr>
+        </p:nvSpPr>
+        <p:spPr/>
+        <p:txBody>
+          <a:bodyPr/>
+          <a:lstStyle/>
+          <a:p>
+            <a:r>
+              <a:rPr lang="en-US" dirty="0" smtClean="0"/>
+              <a:t>the </a:t>
+            </a:r>
+            <a:r>
+              <a:rPr lang="en-US" dirty="0" err="1" smtClean="0"/>
+              <a:t>subprocess</a:t>
+            </a:r>
+            <a:r>
+              <a:rPr lang="en-US" dirty="0" smtClean="0"/>
+              <a:t> module</a:t>
+            </a:r>
+            <a:endParaRPr lang="en-US" dirty="0"/>
+          </a:p>
+        </p:txBody>
+      </p:sp>
+      <p:sp>
+        <p:nvSpPr>
+          <p:cNvPr id="3" name="Content Placeholder 2"/>
+          <p:cNvSpPr>
+            <a:spLocks noGrp="1"/>
+          </p:cNvSpPr>
+          <p:nvPr>
+            <p:ph idx="1"/>
+          </p:nvPr>
+        </p:nvSpPr>
+        <p:spPr/>
+        <p:txBody>
+          <a:bodyPr/>
+          <a:lstStyle/>
+          <a:p>
+            <a:pPr marL="457200" indent="-457200">
+              <a:buFont typeface="Arial"/>
+              <a:buChar char="•"/>
+            </a:pPr>
+            <a:r>
+              <a:rPr lang="en-US" dirty="0" smtClean="0"/>
+              <a:t>Use </a:t>
+            </a:r>
+            <a:r>
+              <a:rPr lang="en-US" dirty="0" err="1" smtClean="0">
+                <a:latin typeface="Monaco"/>
+                <a:cs typeface="Monaco"/>
+              </a:rPr>
+              <a:t>subprocess.call</a:t>
+            </a:r>
+            <a:r>
+              <a:rPr lang="en-US" dirty="0" smtClean="0">
+                <a:latin typeface="Monaco"/>
+                <a:cs typeface="Monaco"/>
+              </a:rPr>
+              <a:t>()</a:t>
+            </a:r>
+            <a:r>
+              <a:rPr lang="en-US" dirty="0" smtClean="0"/>
+              <a:t> to run external processes and/or </a:t>
+            </a:r>
+            <a:r>
+              <a:rPr lang="en-US" dirty="0" err="1" smtClean="0"/>
+              <a:t>softwares</a:t>
+            </a:r>
+            <a:endParaRPr lang="en-US" dirty="0"/>
+          </a:p>
+        </p:txBody>
+      </p:sp>
+      <p:sp>
+        <p:nvSpPr>
+          <p:cNvPr id="4" name="TextBox 3"/>
+          <p:cNvSpPr txBox="1"/>
+          <p:nvPr/>
+        </p:nvSpPr>
+        <p:spPr>
+          <a:xfrm>
+            <a:off x="0" y="3179440"/>
+            <a:ext cx="8958313" cy="2446824"/>
+          </a:xfrm>
+          <a:prstGeom prst="rect">
+            <a:avLst/>
+          </a:prstGeom>
+          <a:noFill/>
+        </p:spPr>
+        <p:txBody>
+          <a:bodyPr wrap="square" rtlCol="0">
+            <a:spAutoFit/>
+          </a:bodyPr>
+          <a:lstStyle/>
+          <a:p>
+            <a:r>
+              <a:rPr lang="en-US" sz="1700" dirty="0" smtClean="0">
+                <a:latin typeface="Monaco"/>
+                <a:cs typeface="Monaco"/>
+              </a:rPr>
+              <a:t>import </a:t>
+            </a:r>
+            <a:r>
+              <a:rPr lang="en-US" sz="1700" dirty="0" err="1" smtClean="0">
+                <a:latin typeface="Monaco"/>
+                <a:cs typeface="Monaco"/>
+              </a:rPr>
+              <a:t>subprocess</a:t>
+            </a:r>
+            <a:r>
+              <a:rPr lang="en-US" sz="1700" dirty="0" smtClean="0">
+                <a:latin typeface="Monaco"/>
+                <a:cs typeface="Monaco"/>
+              </a:rPr>
+              <a:t>, sys</a:t>
+            </a:r>
+          </a:p>
+          <a:p>
+            <a:endParaRPr lang="en-US" sz="1700" dirty="0">
+              <a:latin typeface="Monaco"/>
+              <a:cs typeface="Monaco"/>
+            </a:endParaRPr>
+          </a:p>
+          <a:p>
+            <a:r>
+              <a:rPr lang="en-US" sz="1700" dirty="0" smtClean="0">
+                <a:latin typeface="Monaco"/>
+                <a:cs typeface="Monaco"/>
+              </a:rPr>
+              <a:t># Call an external software, </a:t>
+            </a:r>
+            <a:r>
+              <a:rPr lang="en-US" sz="1700" dirty="0" err="1" smtClean="0">
+                <a:latin typeface="Monaco"/>
+                <a:cs typeface="Monaco"/>
+              </a:rPr>
+              <a:t>FastTree</a:t>
+            </a:r>
+            <a:endParaRPr lang="en-US" sz="1700" dirty="0" smtClean="0">
+              <a:latin typeface="Monaco"/>
+              <a:cs typeface="Monaco"/>
+            </a:endParaRPr>
+          </a:p>
+          <a:p>
+            <a:r>
+              <a:rPr lang="en-US" sz="1700" dirty="0" smtClean="0">
+                <a:latin typeface="Monaco"/>
+                <a:cs typeface="Monaco"/>
+              </a:rPr>
+              <a:t>result = </a:t>
+            </a:r>
+            <a:r>
+              <a:rPr lang="en-US" sz="1700" dirty="0" err="1" smtClean="0">
+                <a:latin typeface="Monaco"/>
+                <a:cs typeface="Monaco"/>
+              </a:rPr>
+              <a:t>subprocess.call</a:t>
+            </a:r>
+            <a:r>
+              <a:rPr lang="en-US" sz="1700" dirty="0" smtClean="0">
+                <a:latin typeface="Monaco"/>
+                <a:cs typeface="Monaco"/>
+              </a:rPr>
+              <a:t>("</a:t>
+            </a:r>
+            <a:r>
+              <a:rPr lang="en-US" sz="1700" dirty="0" err="1" smtClean="0">
+                <a:latin typeface="Monaco"/>
+                <a:cs typeface="Monaco"/>
+              </a:rPr>
+              <a:t>FastTree</a:t>
+            </a:r>
+            <a:r>
+              <a:rPr lang="en-US" sz="1700" dirty="0" smtClean="0">
+                <a:latin typeface="Monaco"/>
+                <a:cs typeface="Monaco"/>
+              </a:rPr>
+              <a:t> </a:t>
+            </a:r>
+            <a:r>
+              <a:rPr lang="en-US" sz="1700" dirty="0" err="1" smtClean="0">
+                <a:latin typeface="Monaco"/>
+                <a:cs typeface="Monaco"/>
+              </a:rPr>
+              <a:t>infile</a:t>
+            </a:r>
+            <a:r>
+              <a:rPr lang="en-US" sz="1700" dirty="0" smtClean="0">
+                <a:latin typeface="Monaco"/>
+                <a:cs typeface="Monaco"/>
+              </a:rPr>
+              <a:t> &gt; </a:t>
+            </a:r>
+            <a:r>
+              <a:rPr lang="en-US" sz="1700" dirty="0" err="1" smtClean="0">
+                <a:latin typeface="Monaco"/>
+                <a:cs typeface="Monaco"/>
+              </a:rPr>
+              <a:t>outfile</a:t>
+            </a:r>
+            <a:r>
+              <a:rPr lang="en-US" sz="1700" dirty="0" smtClean="0">
+                <a:latin typeface="Monaco"/>
+                <a:cs typeface="Monaco"/>
+              </a:rPr>
+              <a:t>", shell=True)</a:t>
+            </a:r>
+          </a:p>
+          <a:p>
+            <a:endParaRPr lang="en-US" sz="1700" dirty="0">
+              <a:latin typeface="Monaco"/>
+              <a:cs typeface="Monaco"/>
+            </a:endParaRPr>
+          </a:p>
+          <a:p>
+            <a:r>
+              <a:rPr lang="en-US" sz="1700" dirty="0" smtClean="0">
+                <a:latin typeface="Monaco"/>
+                <a:cs typeface="Monaco"/>
+              </a:rPr>
+              <a:t># Variable "result" stores the </a:t>
+            </a:r>
+            <a:r>
+              <a:rPr lang="en-US" sz="1700" dirty="0" smtClean="0">
+                <a:solidFill>
+                  <a:schemeClr val="accent5"/>
+                </a:solidFill>
+                <a:latin typeface="Monaco"/>
+                <a:cs typeface="Monaco"/>
+              </a:rPr>
+              <a:t>UNIX exit code </a:t>
+            </a:r>
+            <a:r>
+              <a:rPr lang="en-US" sz="1700" dirty="0" smtClean="0">
+                <a:latin typeface="Monaco"/>
+                <a:cs typeface="Monaco"/>
+              </a:rPr>
+              <a:t>(1 = error, 0 = ok)</a:t>
+            </a:r>
+          </a:p>
+          <a:p>
+            <a:r>
+              <a:rPr lang="en-US" sz="1700" dirty="0" smtClean="0">
+                <a:solidFill>
+                  <a:srgbClr val="000000"/>
+                </a:solidFill>
+                <a:latin typeface="Monaco"/>
+                <a:cs typeface="Monaco"/>
+              </a:rPr>
+              <a:t>if result != 0:</a:t>
+            </a:r>
+          </a:p>
+          <a:p>
+            <a:r>
+              <a:rPr lang="en-US" sz="1700" dirty="0">
+                <a:solidFill>
+                  <a:srgbClr val="000000"/>
+                </a:solidFill>
+                <a:latin typeface="Monaco"/>
+                <a:cs typeface="Monaco"/>
+              </a:rPr>
+              <a:t>	</a:t>
+            </a:r>
+            <a:r>
+              <a:rPr lang="en-US" sz="1700" dirty="0" smtClean="0">
+                <a:solidFill>
+                  <a:srgbClr val="000000"/>
+                </a:solidFill>
+                <a:latin typeface="Monaco"/>
+                <a:cs typeface="Monaco"/>
+              </a:rPr>
+              <a:t>print "There was an error in the external command!"</a:t>
+            </a:r>
+          </a:p>
+          <a:p>
+            <a:r>
+              <a:rPr lang="en-US" sz="1700" dirty="0">
+                <a:solidFill>
+                  <a:schemeClr val="accent5"/>
+                </a:solidFill>
+                <a:latin typeface="Monaco"/>
+                <a:cs typeface="Monaco"/>
+              </a:rPr>
+              <a:t>	</a:t>
+            </a:r>
+            <a:r>
+              <a:rPr lang="en-US" sz="1700" dirty="0" err="1" smtClean="0">
+                <a:solidFill>
+                  <a:schemeClr val="accent5"/>
+                </a:solidFill>
+                <a:latin typeface="Monaco"/>
+                <a:cs typeface="Monaco"/>
+              </a:rPr>
+              <a:t>sys.exit</a:t>
+            </a:r>
+            <a:r>
+              <a:rPr lang="en-US" sz="1700" dirty="0" smtClean="0">
+                <a:solidFill>
+                  <a:schemeClr val="accent5"/>
+                </a:solidFill>
+                <a:latin typeface="Monaco"/>
+                <a:cs typeface="Monaco"/>
+              </a:rPr>
+              <a:t>() </a:t>
+            </a:r>
+            <a:r>
+              <a:rPr lang="en-US" sz="1700" dirty="0" smtClean="0">
+                <a:latin typeface="Monaco"/>
+                <a:cs typeface="Monaco"/>
+              </a:rPr>
+              <a:t># Immediately exits, entire script stops running</a:t>
+            </a:r>
+          </a:p>
+        </p:txBody>
+      </p:sp>
+    </p:spTree>
+    <p:extLst>
+      <p:ext uri="{BB962C8B-B14F-4D97-AF65-F5344CB8AC3E}">
+        <p14:creationId xmlns:p14="http://schemas.microsoft.com/office/powerpoint/2010/main" val="1994809837"/>
+      </p:ext>
+    </p:extLst>
+  </p:cSld>
+  <p:clrMapOvr>
+    <a:masterClrMapping/>
+  </p:clrMapOvr>
+</p:sld>
+</file>
+
+<file path=ppt/slides/slide19.xml><?xml version="1.0" encoding="utf-8"?>
+<p:sld xmlns:a="http://schemas.openxmlformats.org/drawingml/2006/main" xmlns:r="http://schemas.openxmlformats.org/officeDocument/2006/relationships" xmlns:p="http://schemas.openxmlformats.org/presentationml/2006/main">
+  <p:cSld>
+    <p:spTree>
+      <p:nvGrpSpPr>
+        <p:cNvPr id="1" name=""/>
+        <p:cNvGrpSpPr/>
+        <p:nvPr/>
+      </p:nvGrpSpPr>
+      <p:grpSpPr>
+        <a:xfrm>
+          <a:off x="0" y="0"/>
+          <a:ext cx="0" cy="0"/>
+          <a:chOff x="0" y="0"/>
+          <a:chExt cx="0" cy="0"/>
+        </a:xfrm>
+      </p:grpSpPr>
+      <p:sp>
+        <p:nvSpPr>
+          <p:cNvPr id="2" name="Title 1"/>
+          <p:cNvSpPr>
+            <a:spLocks noGrp="1"/>
+          </p:cNvSpPr>
+          <p:nvPr>
+            <p:ph type="title"/>
+          </p:nvPr>
+        </p:nvSpPr>
+        <p:spPr/>
+        <p:txBody>
+          <a:bodyPr/>
+          <a:lstStyle/>
+          <a:p>
+            <a:r>
+              <a:rPr lang="en-US" dirty="0" smtClean="0"/>
+              <a:t>creating your own modules</a:t>
+            </a:r>
+            <a:endParaRPr lang="en-US" dirty="0"/>
+          </a:p>
+        </p:txBody>
+      </p:sp>
+      <p:sp>
+        <p:nvSpPr>
+          <p:cNvPr id="3" name="Content Placeholder 2"/>
+          <p:cNvSpPr>
+            <a:spLocks noGrp="1"/>
+          </p:cNvSpPr>
+          <p:nvPr>
+            <p:ph idx="1"/>
+          </p:nvPr>
+        </p:nvSpPr>
+        <p:spPr/>
+        <p:txBody>
+          <a:bodyPr/>
+          <a:lstStyle/>
+          <a:p>
+            <a:pPr marL="457200" indent="-457200">
+              <a:buFont typeface="Arial"/>
+              <a:buChar char="•"/>
+            </a:pPr>
+            <a:r>
+              <a:rPr lang="en-US" dirty="0" smtClean="0"/>
+              <a:t>Any python script can be imported into another!</a:t>
+            </a:r>
+            <a:endParaRPr lang="en-US" dirty="0"/>
+          </a:p>
+        </p:txBody>
+      </p:sp>
+    </p:spTree>
+    <p:extLst>
+      <p:ext uri="{BB962C8B-B14F-4D97-AF65-F5344CB8AC3E}">
+        <p14:creationId xmlns:p14="http://schemas.microsoft.com/office/powerpoint/2010/main" val="918387274"/>
+      </p:ext>
+    </p:extLst>
+  </p:cSld>
+  <p:clrMapOvr>
+    <a:masterClrMapping/>
+  </p:clrMapOvr>
 </p:sld>
 </file>
 
@@ -5851,7 +5951,7 @@
           <a:p>
             <a:r>
               <a:rPr lang="en-US" dirty="0" smtClean="0"/>
-              <a:t>reading and writing files in python</a:t>
+              <a:t>python modules</a:t>
             </a:r>
             <a:endParaRPr lang="en-US" dirty="0"/>
           </a:p>
@@ -5878,7 +5978,29 @@
             </a:pPr>
             <a:r>
               <a:rPr lang="en-US" dirty="0" smtClean="0"/>
-              <a:t>This is where Python really shines!</a:t>
+              <a:t>Separate libraries of code that provide specific functionality for a certain set of tasks</a:t>
+            </a:r>
+            <a:br>
+              <a:rPr lang="en-US" dirty="0" smtClean="0"/>
+            </a:br>
+            <a:endParaRPr lang="en-US" dirty="0" smtClean="0"/>
+          </a:p>
+          <a:p>
+            <a:pPr marL="457200" indent="-457200">
+              <a:buFont typeface="Arial"/>
+              <a:buChar char="•"/>
+            </a:pPr>
+            <a:r>
+              <a:rPr lang="en-US" dirty="0" smtClean="0"/>
+              <a:t>Some are part of </a:t>
+            </a:r>
+            <a:r>
+              <a:rPr lang="en-US" i="1" dirty="0" smtClean="0"/>
+              <a:t>base Python</a:t>
+            </a:r>
+            <a:r>
+              <a:rPr lang="en-US" dirty="0" smtClean="0"/>
+              <a:t> and some are not</a:t>
             </a:r>
             <a:endParaRPr lang="en-US" dirty="0"/>
           </a:p>
@@ -5887,7 +6009,958 @@
     </p:spTree>
     <p:extLst>
       <p:ext uri="{BB962C8B-B14F-4D97-AF65-F5344CB8AC3E}">
-        <p14:creationId xmlns:p14="http://schemas.microsoft.com/office/powerpoint/2010/main" val="1511284970"/>
+        <p14:creationId xmlns:p14="http://schemas.microsoft.com/office/powerpoint/2010/main" val="4157191857"/>
+      </p:ext>
+    </p:extLst>
+  </p:cSld>
+  <p:clrMapOvr>
+    <a:masterClrMapping/>
+  </p:clrMapOvr>
+  <p:timing>
+    <p:tnLst>
+      <p:par>
+        <p:cTn xmlns:p14="http://schemas.microsoft.com/office/powerpoint/2010/main" id="1" dur="indefinite" restart="never" nodeType="tmRoot"/>
+      </p:par>
+    </p:tnLst>
+  </p:timing>
+</p:sld>
+</file>
+
+<file path=ppt/slides/slide20.xml><?xml version="1.0" encoding="utf-8"?>
+<p:sld xmlns:a="http://schemas.openxmlformats.org/drawingml/2006/main" xmlns:r="http://schemas.openxmlformats.org/officeDocument/2006/relationships" xmlns:p="http://schemas.openxmlformats.org/presentationml/2006/main">
+  <p:cSld>
+    <p:spTree>
+      <p:nvGrpSpPr>
+        <p:cNvPr id="1" name=""/>
+        <p:cNvGrpSpPr/>
+        <p:nvPr/>
+      </p:nvGrpSpPr>
+      <p:grpSpPr>
+        <a:xfrm>
+          <a:off x="0" y="0"/>
+          <a:ext cx="0" cy="0"/>
+          <a:chOff x="0" y="0"/>
+          <a:chExt cx="0" cy="0"/>
+        </a:xfrm>
+      </p:grpSpPr>
+      <p:sp>
+        <p:nvSpPr>
+          <p:cNvPr id="2" name="Title 1"/>
+          <p:cNvSpPr>
+            <a:spLocks noGrp="1"/>
+          </p:cNvSpPr>
+          <p:nvPr>
+            <p:ph type="title"/>
+          </p:nvPr>
+        </p:nvSpPr>
+        <p:spPr/>
+        <p:txBody>
+          <a:bodyPr/>
+          <a:lstStyle/>
+          <a:p>
+            <a:r>
+              <a:rPr lang="en-US" dirty="0" smtClean="0"/>
+              <a:t>creating your own modules</a:t>
+            </a:r>
+            <a:endParaRPr lang="en-US" dirty="0"/>
+          </a:p>
+        </p:txBody>
+      </p:sp>
+      <p:sp>
+        <p:nvSpPr>
+          <p:cNvPr id="3" name="Content Placeholder 2"/>
+          <p:cNvSpPr>
+            <a:spLocks noGrp="1"/>
+          </p:cNvSpPr>
+          <p:nvPr>
+            <p:ph idx="1"/>
+          </p:nvPr>
+        </p:nvSpPr>
+        <p:spPr/>
+        <p:txBody>
+          <a:bodyPr/>
+          <a:lstStyle/>
+          <a:p>
+            <a:pPr marL="457200" indent="-457200">
+              <a:buFont typeface="Arial"/>
+              <a:buChar char="•"/>
+            </a:pPr>
+            <a:r>
+              <a:rPr lang="en-US" dirty="0" smtClean="0"/>
+              <a:t>Any python script can be imported into another!</a:t>
+            </a:r>
+            <a:endParaRPr lang="en-US" dirty="0"/>
+          </a:p>
+        </p:txBody>
+      </p:sp>
+      <p:sp>
+        <p:nvSpPr>
+          <p:cNvPr id="4" name="TextBox 3"/>
+          <p:cNvSpPr txBox="1"/>
+          <p:nvPr/>
+        </p:nvSpPr>
+        <p:spPr>
+          <a:xfrm>
+            <a:off x="457199" y="2862043"/>
+            <a:ext cx="8338444" cy="3170099"/>
+          </a:xfrm>
+          <a:prstGeom prst="rect">
+            <a:avLst/>
+          </a:prstGeom>
+          <a:noFill/>
+        </p:spPr>
+        <p:txBody>
+          <a:bodyPr wrap="square" rtlCol="0">
+            <a:spAutoFit/>
+          </a:bodyPr>
+          <a:lstStyle/>
+          <a:p>
+            <a:r>
+              <a:rPr lang="en-US" sz="2000" dirty="0" smtClean="0">
+                <a:latin typeface="Monaco"/>
+                <a:cs typeface="Monaco"/>
+              </a:rPr>
+              <a:t># Import a script named </a:t>
+            </a:r>
+            <a:r>
+              <a:rPr lang="en-US" sz="2000" dirty="0" err="1" smtClean="0">
+                <a:latin typeface="Monaco"/>
+                <a:cs typeface="Monaco"/>
+              </a:rPr>
+              <a:t>useful_functions.py</a:t>
+            </a:r>
+            <a:endParaRPr lang="en-US" sz="2000" dirty="0" smtClean="0">
+              <a:latin typeface="Monaco"/>
+              <a:cs typeface="Monaco"/>
+            </a:endParaRPr>
+          </a:p>
+          <a:p>
+            <a:endParaRPr lang="en-US" sz="2000" dirty="0" smtClean="0">
+              <a:latin typeface="Monaco"/>
+              <a:cs typeface="Monaco"/>
+            </a:endParaRPr>
+          </a:p>
+          <a:p>
+            <a:r>
+              <a:rPr lang="en-US" sz="2000" dirty="0" smtClean="0">
+                <a:latin typeface="Monaco"/>
+                <a:cs typeface="Monaco"/>
+              </a:rPr>
+              <a:t>import sys</a:t>
+            </a:r>
+          </a:p>
+          <a:p>
+            <a:r>
+              <a:rPr lang="en-US" sz="2000" dirty="0" err="1" smtClean="0">
+                <a:latin typeface="Monaco"/>
+                <a:cs typeface="Monaco"/>
+              </a:rPr>
+              <a:t>sys.path.append</a:t>
+            </a:r>
+            <a:r>
+              <a:rPr lang="en-US" sz="2000" dirty="0" smtClean="0">
+                <a:latin typeface="Monaco"/>
+                <a:cs typeface="Monaco"/>
+              </a:rPr>
+              <a:t>("/path/to/</a:t>
+            </a:r>
+            <a:r>
+              <a:rPr lang="en-US" sz="2000" dirty="0" err="1" smtClean="0">
+                <a:latin typeface="Monaco"/>
+                <a:cs typeface="Monaco"/>
+              </a:rPr>
+              <a:t>useful_functions.py</a:t>
+            </a:r>
+            <a:r>
+              <a:rPr lang="en-US" sz="2000" dirty="0" smtClean="0">
+                <a:latin typeface="Monaco"/>
+                <a:cs typeface="Monaco"/>
+              </a:rPr>
+              <a:t>/")</a:t>
+            </a:r>
+          </a:p>
+          <a:p>
+            <a:endParaRPr lang="en-US" sz="2000" dirty="0" smtClean="0">
+              <a:latin typeface="Monaco"/>
+              <a:cs typeface="Monaco"/>
+            </a:endParaRPr>
+          </a:p>
+          <a:p>
+            <a:r>
+              <a:rPr lang="en-US" sz="2000" dirty="0" smtClean="0">
+                <a:latin typeface="Monaco"/>
+                <a:cs typeface="Monaco"/>
+              </a:rPr>
+              <a:t>import </a:t>
+            </a:r>
+            <a:r>
+              <a:rPr lang="en-US" sz="2000" dirty="0" err="1" smtClean="0">
+                <a:latin typeface="Monaco"/>
+                <a:cs typeface="Monaco"/>
+              </a:rPr>
+              <a:t>useful_functions.py</a:t>
+            </a:r>
+            <a:endParaRPr lang="en-US" sz="2000" dirty="0">
+              <a:latin typeface="Monaco"/>
+              <a:cs typeface="Monaco"/>
+            </a:endParaRPr>
+          </a:p>
+          <a:p>
+            <a:endParaRPr lang="en-US" sz="2000" dirty="0" smtClean="0">
+              <a:latin typeface="Monaco"/>
+              <a:cs typeface="Monaco"/>
+            </a:endParaRPr>
+          </a:p>
+          <a:p>
+            <a:r>
+              <a:rPr lang="en-US" sz="2000" dirty="0" smtClean="0">
+                <a:latin typeface="Monaco"/>
+                <a:cs typeface="Monaco"/>
+              </a:rPr>
+              <a:t>from </a:t>
+            </a:r>
+            <a:r>
+              <a:rPr lang="en-US" sz="2000" dirty="0" err="1" smtClean="0">
+                <a:latin typeface="Monaco"/>
+                <a:cs typeface="Monaco"/>
+              </a:rPr>
+              <a:t>useful_functions.py</a:t>
+            </a:r>
+            <a:r>
+              <a:rPr lang="en-US" sz="2000" dirty="0" smtClean="0">
+                <a:latin typeface="Monaco"/>
+                <a:cs typeface="Monaco"/>
+              </a:rPr>
+              <a:t> import *</a:t>
+            </a:r>
+          </a:p>
+          <a:p>
+            <a:endParaRPr lang="en-US" sz="2000" dirty="0">
+              <a:latin typeface="Monaco"/>
+              <a:cs typeface="Monaco"/>
+            </a:endParaRPr>
+          </a:p>
+          <a:p>
+            <a:endParaRPr lang="en-US" sz="2000" dirty="0">
+              <a:latin typeface="Monaco"/>
+              <a:cs typeface="Monaco"/>
+            </a:endParaRPr>
+          </a:p>
+        </p:txBody>
+      </p:sp>
+    </p:spTree>
+    <p:extLst>
+      <p:ext uri="{BB962C8B-B14F-4D97-AF65-F5344CB8AC3E}">
+        <p14:creationId xmlns:p14="http://schemas.microsoft.com/office/powerpoint/2010/main" val="2280661349"/>
+      </p:ext>
+    </p:extLst>
+  </p:cSld>
+  <p:clrMapOvr>
+    <a:masterClrMapping/>
+  </p:clrMapOvr>
+</p:sld>
+</file>
+
+<file path=ppt/slides/slide21.xml><?xml version="1.0" encoding="utf-8"?>
+<p:sld xmlns:a="http://schemas.openxmlformats.org/drawingml/2006/main" xmlns:r="http://schemas.openxmlformats.org/officeDocument/2006/relationships" xmlns:p="http://schemas.openxmlformats.org/presentationml/2006/main">
+  <p:cSld>
+    <p:spTree>
+      <p:nvGrpSpPr>
+        <p:cNvPr id="1" name=""/>
+        <p:cNvGrpSpPr/>
+        <p:nvPr/>
+      </p:nvGrpSpPr>
+      <p:grpSpPr>
+        <a:xfrm>
+          <a:off x="0" y="0"/>
+          <a:ext cx="0" cy="0"/>
+          <a:chOff x="0" y="0"/>
+          <a:chExt cx="0" cy="0"/>
+        </a:xfrm>
+      </p:grpSpPr>
+      <p:sp>
+        <p:nvSpPr>
+          <p:cNvPr id="2" name="Title 1"/>
+          <p:cNvSpPr>
+            <a:spLocks noGrp="1"/>
+          </p:cNvSpPr>
+          <p:nvPr>
+            <p:ph type="title"/>
+          </p:nvPr>
+        </p:nvSpPr>
+        <p:spPr/>
+        <p:txBody>
+          <a:bodyPr/>
+          <a:lstStyle/>
+          <a:p>
+            <a:r>
+              <a:rPr lang="en-US" dirty="0" smtClean="0"/>
+              <a:t>Useful external modules</a:t>
+            </a:r>
+            <a:endParaRPr lang="en-US" dirty="0"/>
+          </a:p>
+        </p:txBody>
+      </p:sp>
+      <p:sp>
+        <p:nvSpPr>
+          <p:cNvPr id="3" name="Content Placeholder 2"/>
+          <p:cNvSpPr>
+            <a:spLocks noGrp="1"/>
+          </p:cNvSpPr>
+          <p:nvPr>
+            <p:ph idx="1"/>
+          </p:nvPr>
+        </p:nvSpPr>
+        <p:spPr/>
+        <p:txBody>
+          <a:bodyPr>
+            <a:normAutofit fontScale="70000" lnSpcReduction="20000"/>
+          </a:bodyPr>
+          <a:lstStyle/>
+          <a:p>
+            <a:pPr marL="457200" indent="-457200">
+              <a:buFont typeface="Arial"/>
+              <a:buChar char="•"/>
+            </a:pPr>
+            <a:r>
+              <a:rPr lang="en-US" dirty="0" err="1" smtClean="0"/>
+              <a:t>NumPy</a:t>
+            </a:r>
+            <a:r>
+              <a:rPr lang="en-US" dirty="0" smtClean="0"/>
+              <a:t> and </a:t>
+            </a:r>
+            <a:r>
+              <a:rPr lang="en-US" dirty="0" err="1" smtClean="0"/>
+              <a:t>SciPy</a:t>
+            </a:r>
+            <a:endParaRPr lang="en-US" dirty="0" smtClean="0"/>
+          </a:p>
+          <a:p>
+            <a:pPr marL="914400" lvl="1" indent="-457200">
+              <a:buFont typeface="Arial"/>
+              <a:buChar char="•"/>
+            </a:pPr>
+            <a:r>
+              <a:rPr lang="en-US" dirty="0" smtClean="0"/>
+              <a:t>Excellent for numerical analysis, working with matrices, etc.</a:t>
+            </a:r>
+          </a:p>
+          <a:p>
+            <a:pPr marL="914400" lvl="1" indent="-457200">
+              <a:buFont typeface="Arial"/>
+              <a:buChar char="•"/>
+            </a:pPr>
+            <a:r>
+              <a:rPr lang="en-US" dirty="0" smtClean="0"/>
+              <a:t>TELL YOUR MATLAB FRIENDS!</a:t>
+            </a:r>
+          </a:p>
+          <a:p>
+            <a:pPr marL="457200" indent="-457200">
+              <a:buFont typeface="Arial"/>
+              <a:buChar char="•"/>
+            </a:pPr>
+            <a:r>
+              <a:rPr lang="en-US" dirty="0" err="1" smtClean="0"/>
+              <a:t>matplotlib</a:t>
+            </a:r>
+            <a:endParaRPr lang="en-US" dirty="0" smtClean="0"/>
+          </a:p>
+          <a:p>
+            <a:pPr marL="914400" lvl="1" indent="-457200">
+              <a:buFont typeface="Arial"/>
+              <a:buChar char="•"/>
+            </a:pPr>
+            <a:r>
+              <a:rPr lang="en-US" dirty="0" smtClean="0"/>
+              <a:t>Plotting!</a:t>
+            </a:r>
+          </a:p>
+          <a:p>
+            <a:pPr marL="457200" indent="-457200">
+              <a:buFont typeface="Arial"/>
+              <a:buChar char="•"/>
+            </a:pPr>
+            <a:r>
+              <a:rPr lang="en-US" dirty="0" smtClean="0"/>
+              <a:t>pandas </a:t>
+            </a:r>
+          </a:p>
+          <a:p>
+            <a:pPr marL="914400" lvl="1" indent="-457200">
+              <a:buFont typeface="Arial"/>
+              <a:buChar char="•"/>
+            </a:pPr>
+            <a:r>
+              <a:rPr lang="en-US" dirty="0"/>
+              <a:t>Data </a:t>
+            </a:r>
+            <a:r>
+              <a:rPr lang="en-US" dirty="0" smtClean="0"/>
+              <a:t>manipulation</a:t>
+            </a:r>
+            <a:r>
+              <a:rPr lang="en-US" dirty="0"/>
+              <a:t> </a:t>
+            </a:r>
+            <a:r>
+              <a:rPr lang="en-US" dirty="0" smtClean="0"/>
+              <a:t>and high-performance data structures</a:t>
+            </a:r>
+          </a:p>
+          <a:p>
+            <a:pPr marL="457200" indent="-457200">
+              <a:buFont typeface="Arial"/>
+              <a:buChar char="•"/>
+            </a:pPr>
+            <a:r>
+              <a:rPr lang="en-US" dirty="0" err="1" smtClean="0"/>
+              <a:t>scikit</a:t>
+            </a:r>
+            <a:r>
+              <a:rPr lang="en-US" dirty="0" smtClean="0"/>
+              <a:t>-learn</a:t>
+            </a:r>
+          </a:p>
+          <a:p>
+            <a:pPr marL="914400" lvl="1" indent="-457200">
+              <a:buFont typeface="Arial"/>
+              <a:buChar char="•"/>
+            </a:pPr>
+            <a:r>
+              <a:rPr lang="en-US" dirty="0" smtClean="0"/>
+              <a:t>Data mining/analysis and machine learning</a:t>
+            </a:r>
+          </a:p>
+          <a:p>
+            <a:pPr marL="457200" indent="-457200">
+              <a:buFont typeface="Arial"/>
+              <a:buChar char="•"/>
+            </a:pPr>
+            <a:r>
+              <a:rPr lang="en-US" dirty="0" err="1" smtClean="0"/>
+              <a:t>IPython</a:t>
+            </a:r>
+            <a:endParaRPr lang="en-US" dirty="0" smtClean="0"/>
+          </a:p>
+          <a:p>
+            <a:pPr marL="914400" lvl="1" indent="-457200">
+              <a:buFont typeface="Arial"/>
+              <a:buChar char="•"/>
+            </a:pPr>
+            <a:r>
+              <a:rPr lang="en-US" dirty="0" smtClean="0"/>
+              <a:t>cracked-out python interpreter</a:t>
+            </a:r>
+          </a:p>
+          <a:p>
+            <a:pPr marL="457200" indent="-457200">
+              <a:buFont typeface="Arial"/>
+              <a:buChar char="•"/>
+            </a:pPr>
+            <a:r>
+              <a:rPr lang="en-US" dirty="0" err="1"/>
+              <a:t>DendroPy</a:t>
+            </a:r>
+            <a:endParaRPr lang="en-US" dirty="0"/>
+          </a:p>
+          <a:p>
+            <a:pPr marL="914400" lvl="1" indent="-457200">
+              <a:buFont typeface="Arial"/>
+              <a:buChar char="•"/>
+            </a:pPr>
+            <a:r>
+              <a:rPr lang="en-US" dirty="0"/>
+              <a:t>Phylogenetic tree </a:t>
+            </a:r>
+            <a:r>
+              <a:rPr lang="en-US" dirty="0" smtClean="0"/>
+              <a:t>analysis</a:t>
+            </a:r>
+            <a:r>
+              <a:rPr lang="en-US" dirty="0"/>
+              <a:t> </a:t>
+            </a:r>
+            <a:r>
+              <a:rPr lang="en-US" dirty="0" smtClean="0"/>
+              <a:t>and manipulation (not builder)</a:t>
+            </a:r>
+            <a:endParaRPr lang="en-US" dirty="0"/>
+          </a:p>
+          <a:p>
+            <a:pPr lvl="1" indent="0">
+              <a:buNone/>
+            </a:pPr>
+            <a:endParaRPr lang="en-US" dirty="0"/>
+          </a:p>
+        </p:txBody>
+      </p:sp>
+    </p:spTree>
+    <p:extLst>
+      <p:ext uri="{BB962C8B-B14F-4D97-AF65-F5344CB8AC3E}">
+        <p14:creationId xmlns:p14="http://schemas.microsoft.com/office/powerpoint/2010/main" val="3649837704"/>
+      </p:ext>
+    </p:extLst>
+  </p:cSld>
+  <p:clrMapOvr>
+    <a:masterClrMapping/>
+  </p:clrMapOvr>
+</p:sld>
+</file>
+
+<file path=ppt/slides/slide22.xml><?xml version="1.0" encoding="utf-8"?>
+<p:sld xmlns:a="http://schemas.openxmlformats.org/drawingml/2006/main" xmlns:r="http://schemas.openxmlformats.org/officeDocument/2006/relationships" xmlns:p="http://schemas.openxmlformats.org/presentationml/2006/main">
+  <p:cSld>
+    <p:spTree>
+      <p:nvGrpSpPr>
+        <p:cNvPr id="1" name=""/>
+        <p:cNvGrpSpPr/>
+        <p:nvPr/>
+      </p:nvGrpSpPr>
+      <p:grpSpPr>
+        <a:xfrm>
+          <a:off x="0" y="0"/>
+          <a:ext cx="0" cy="0"/>
+          <a:chOff x="0" y="0"/>
+          <a:chExt cx="0" cy="0"/>
+        </a:xfrm>
+      </p:grpSpPr>
+      <p:sp>
+        <p:nvSpPr>
+          <p:cNvPr id="2" name="Title 1"/>
+          <p:cNvSpPr>
+            <a:spLocks noGrp="1"/>
+          </p:cNvSpPr>
+          <p:nvPr>
+            <p:ph type="title"/>
+          </p:nvPr>
+        </p:nvSpPr>
+        <p:spPr/>
+        <p:txBody>
+          <a:bodyPr/>
+          <a:lstStyle/>
+          <a:p>
+            <a:r>
+              <a:rPr lang="en-US" dirty="0" smtClean="0"/>
+              <a:t>install external modules</a:t>
+            </a:r>
+            <a:endParaRPr lang="en-US" dirty="0"/>
+          </a:p>
+        </p:txBody>
+      </p:sp>
+      <p:sp>
+        <p:nvSpPr>
+          <p:cNvPr id="3" name="Content Placeholder 2"/>
+          <p:cNvSpPr>
+            <a:spLocks noGrp="1"/>
+          </p:cNvSpPr>
+          <p:nvPr>
+            <p:ph idx="1"/>
+          </p:nvPr>
+        </p:nvSpPr>
+        <p:spPr/>
+        <p:txBody>
+          <a:bodyPr/>
+          <a:lstStyle/>
+          <a:p>
+            <a:pPr marL="457200" indent="-457200">
+              <a:buFont typeface="Arial"/>
+              <a:buChar char="•"/>
+            </a:pPr>
+            <a:r>
+              <a:rPr lang="en-US" dirty="0" smtClean="0"/>
+              <a:t>Use the program </a:t>
+            </a:r>
+            <a:r>
+              <a:rPr lang="en-US" dirty="0" smtClean="0">
+                <a:latin typeface="Monaco"/>
+                <a:cs typeface="Monaco"/>
+              </a:rPr>
+              <a:t>pip </a:t>
+            </a:r>
+            <a:r>
+              <a:rPr lang="en-US" dirty="0" smtClean="0">
+                <a:cs typeface="Monaco"/>
+              </a:rPr>
+              <a:t>from a bash terminal</a:t>
+            </a:r>
+          </a:p>
+        </p:txBody>
+      </p:sp>
+    </p:spTree>
+    <p:extLst>
+      <p:ext uri="{BB962C8B-B14F-4D97-AF65-F5344CB8AC3E}">
+        <p14:creationId xmlns:p14="http://schemas.microsoft.com/office/powerpoint/2010/main" val="204117525"/>
+      </p:ext>
+    </p:extLst>
+  </p:cSld>
+  <p:clrMapOvr>
+    <a:masterClrMapping/>
+  </p:clrMapOvr>
+</p:sld>
+</file>
+
+<file path=ppt/slides/slide23.xml><?xml version="1.0" encoding="utf-8"?>
+<p:sld xmlns:a="http://schemas.openxmlformats.org/drawingml/2006/main" xmlns:r="http://schemas.openxmlformats.org/officeDocument/2006/relationships" xmlns:p="http://schemas.openxmlformats.org/presentationml/2006/main">
+  <p:cSld>
+    <p:spTree>
+      <p:nvGrpSpPr>
+        <p:cNvPr id="1" name=""/>
+        <p:cNvGrpSpPr/>
+        <p:nvPr/>
+      </p:nvGrpSpPr>
+      <p:grpSpPr>
+        <a:xfrm>
+          <a:off x="0" y="0"/>
+          <a:ext cx="0" cy="0"/>
+          <a:chOff x="0" y="0"/>
+          <a:chExt cx="0" cy="0"/>
+        </a:xfrm>
+      </p:grpSpPr>
+      <p:sp>
+        <p:nvSpPr>
+          <p:cNvPr id="2" name="Title 1"/>
+          <p:cNvSpPr>
+            <a:spLocks noGrp="1"/>
+          </p:cNvSpPr>
+          <p:nvPr>
+            <p:ph type="title"/>
+          </p:nvPr>
+        </p:nvSpPr>
+        <p:spPr/>
+        <p:txBody>
+          <a:bodyPr/>
+          <a:lstStyle/>
+          <a:p>
+            <a:r>
+              <a:rPr lang="en-US" dirty="0" smtClean="0"/>
+              <a:t>install external modules</a:t>
+            </a:r>
+            <a:endParaRPr lang="en-US" dirty="0"/>
+          </a:p>
+        </p:txBody>
+      </p:sp>
+      <p:sp>
+        <p:nvSpPr>
+          <p:cNvPr id="3" name="Content Placeholder 2"/>
+          <p:cNvSpPr>
+            <a:spLocks noGrp="1"/>
+          </p:cNvSpPr>
+          <p:nvPr>
+            <p:ph idx="1"/>
+          </p:nvPr>
+        </p:nvSpPr>
+        <p:spPr/>
+        <p:txBody>
+          <a:bodyPr/>
+          <a:lstStyle/>
+          <a:p>
+            <a:pPr marL="457200" indent="-457200">
+              <a:buFont typeface="Arial"/>
+              <a:buChar char="•"/>
+            </a:pPr>
+            <a:r>
+              <a:rPr lang="en-US" dirty="0" smtClean="0"/>
+              <a:t>Use the program </a:t>
+            </a:r>
+            <a:r>
+              <a:rPr lang="en-US" dirty="0" smtClean="0">
+                <a:latin typeface="Monaco"/>
+                <a:cs typeface="Monaco"/>
+              </a:rPr>
+              <a:t>pip </a:t>
+            </a:r>
+            <a:r>
+              <a:rPr lang="en-US" dirty="0" smtClean="0">
+                <a:cs typeface="Monaco"/>
+              </a:rPr>
+              <a:t>from a bash terminal</a:t>
+            </a:r>
+          </a:p>
+          <a:p>
+            <a:pPr marL="914400" lvl="1" indent="-457200">
+              <a:buFont typeface="Arial"/>
+              <a:buChar char="•"/>
+            </a:pPr>
+            <a:r>
+              <a:rPr lang="en-US" dirty="0" smtClean="0">
+                <a:cs typeface="Monaco"/>
+              </a:rPr>
+              <a:t>Linux users can obtain pip with:</a:t>
+            </a:r>
+          </a:p>
+          <a:p>
+            <a:pPr lvl="1" indent="0">
+              <a:buNone/>
+            </a:pPr>
+            <a:r>
+              <a:rPr lang="en-US" dirty="0">
+                <a:latin typeface="Monaco"/>
+                <a:cs typeface="Monaco"/>
+              </a:rPr>
+              <a:t>	</a:t>
+            </a:r>
+            <a:r>
+              <a:rPr lang="en-US" dirty="0" err="1">
+                <a:latin typeface="Monaco"/>
+                <a:cs typeface="Monaco"/>
+              </a:rPr>
+              <a:t>sudo</a:t>
+            </a:r>
+            <a:r>
+              <a:rPr lang="en-US" dirty="0">
+                <a:latin typeface="Monaco"/>
+                <a:cs typeface="Monaco"/>
+              </a:rPr>
+              <a:t> apt-get install pip</a:t>
+            </a:r>
+            <a:endParaRPr lang="en-US" dirty="0">
+              <a:cs typeface="Monaco"/>
+            </a:endParaRPr>
+          </a:p>
+          <a:p>
+            <a:pPr marL="914400" lvl="1" indent="-457200">
+              <a:buFont typeface="Arial"/>
+              <a:buChar char="•"/>
+            </a:pPr>
+            <a:endParaRPr lang="en-US" dirty="0" smtClean="0">
+              <a:cs typeface="Monaco"/>
+            </a:endParaRPr>
+          </a:p>
+          <a:p>
+            <a:pPr marL="914400" lvl="1" indent="-457200">
+              <a:buFont typeface="Arial"/>
+              <a:buChar char="•"/>
+            </a:pPr>
+            <a:r>
+              <a:rPr lang="en-US" dirty="0" smtClean="0">
+                <a:cs typeface="Monaco"/>
+              </a:rPr>
+              <a:t>Mac users w/ homebrew have it already (comes with Python)</a:t>
+            </a:r>
+          </a:p>
+        </p:txBody>
+      </p:sp>
+    </p:spTree>
+    <p:extLst>
+      <p:ext uri="{BB962C8B-B14F-4D97-AF65-F5344CB8AC3E}">
+        <p14:creationId xmlns:p14="http://schemas.microsoft.com/office/powerpoint/2010/main" val="1216280110"/>
+      </p:ext>
+    </p:extLst>
+  </p:cSld>
+  <p:clrMapOvr>
+    <a:masterClrMapping/>
+  </p:clrMapOvr>
+  <p:timing>
+    <p:tnLst>
+      <p:par>
+        <p:cTn xmlns:p14="http://schemas.microsoft.com/office/powerpoint/2010/main" id="1" dur="indefinite" restart="never" nodeType="tmRoot"/>
+      </p:par>
+    </p:tnLst>
+  </p:timing>
+</p:sld>
+</file>
+
+<file path=ppt/slides/slide24.xml><?xml version="1.0" encoding="utf-8"?>
+<p:sld xmlns:a="http://schemas.openxmlformats.org/drawingml/2006/main" xmlns:r="http://schemas.openxmlformats.org/officeDocument/2006/relationships" xmlns:p="http://schemas.openxmlformats.org/presentationml/2006/main">
+  <p:cSld>
+    <p:spTree>
+      <p:nvGrpSpPr>
+        <p:cNvPr id="1" name=""/>
+        <p:cNvGrpSpPr/>
+        <p:nvPr/>
+      </p:nvGrpSpPr>
+      <p:grpSpPr>
+        <a:xfrm>
+          <a:off x="0" y="0"/>
+          <a:ext cx="0" cy="0"/>
+          <a:chOff x="0" y="0"/>
+          <a:chExt cx="0" cy="0"/>
+        </a:xfrm>
+      </p:grpSpPr>
+      <p:sp>
+        <p:nvSpPr>
+          <p:cNvPr id="2" name="Title 1"/>
+          <p:cNvSpPr>
+            <a:spLocks noGrp="1"/>
+          </p:cNvSpPr>
+          <p:nvPr>
+            <p:ph type="title"/>
+          </p:nvPr>
+        </p:nvSpPr>
+        <p:spPr/>
+        <p:txBody>
+          <a:bodyPr/>
+          <a:lstStyle/>
+          <a:p>
+            <a:r>
+              <a:rPr lang="en-US" dirty="0" smtClean="0"/>
+              <a:t>install external modules</a:t>
+            </a:r>
+            <a:endParaRPr lang="en-US" dirty="0"/>
+          </a:p>
+        </p:txBody>
+      </p:sp>
+      <p:sp>
+        <p:nvSpPr>
+          <p:cNvPr id="3" name="Content Placeholder 2"/>
+          <p:cNvSpPr>
+            <a:spLocks noGrp="1"/>
+          </p:cNvSpPr>
+          <p:nvPr>
+            <p:ph idx="1"/>
+          </p:nvPr>
+        </p:nvSpPr>
+        <p:spPr/>
+        <p:txBody>
+          <a:bodyPr>
+            <a:normAutofit lnSpcReduction="10000"/>
+          </a:bodyPr>
+          <a:lstStyle/>
+          <a:p>
+            <a:pPr marL="457200" indent="-457200">
+              <a:buFont typeface="Arial"/>
+              <a:buChar char="•"/>
+            </a:pPr>
+            <a:r>
+              <a:rPr lang="en-US" dirty="0" smtClean="0"/>
+              <a:t>Use the program </a:t>
+            </a:r>
+            <a:r>
+              <a:rPr lang="en-US" dirty="0" smtClean="0">
+                <a:latin typeface="Monaco"/>
+                <a:cs typeface="Monaco"/>
+              </a:rPr>
+              <a:t>pip </a:t>
+            </a:r>
+            <a:r>
+              <a:rPr lang="en-US" dirty="0" smtClean="0">
+                <a:cs typeface="Monaco"/>
+              </a:rPr>
+              <a:t>from a bash terminal</a:t>
+            </a:r>
+          </a:p>
+          <a:p>
+            <a:pPr marL="914400" lvl="1" indent="-457200">
+              <a:buFont typeface="Arial"/>
+              <a:buChar char="•"/>
+            </a:pPr>
+            <a:r>
+              <a:rPr lang="en-US" dirty="0" smtClean="0">
+                <a:cs typeface="Monaco"/>
+              </a:rPr>
+              <a:t>Linux users can obtain pip with:</a:t>
+            </a:r>
+          </a:p>
+          <a:p>
+            <a:pPr lvl="1" indent="0">
+              <a:buNone/>
+            </a:pPr>
+            <a:r>
+              <a:rPr lang="en-US" dirty="0">
+                <a:latin typeface="Monaco"/>
+                <a:cs typeface="Monaco"/>
+              </a:rPr>
+              <a:t>	</a:t>
+            </a:r>
+            <a:r>
+              <a:rPr lang="en-US" dirty="0" err="1">
+                <a:latin typeface="Monaco"/>
+                <a:cs typeface="Monaco"/>
+              </a:rPr>
+              <a:t>sudo</a:t>
+            </a:r>
+            <a:r>
+              <a:rPr lang="en-US" dirty="0">
+                <a:latin typeface="Monaco"/>
+                <a:cs typeface="Monaco"/>
+              </a:rPr>
+              <a:t> apt-get install pip</a:t>
+            </a:r>
+            <a:endParaRPr lang="en-US" dirty="0">
+              <a:cs typeface="Monaco"/>
+            </a:endParaRPr>
+          </a:p>
+          <a:p>
+            <a:pPr marL="914400" lvl="1" indent="-457200">
+              <a:buFont typeface="Arial"/>
+              <a:buChar char="•"/>
+            </a:pPr>
+            <a:endParaRPr lang="en-US" dirty="0" smtClean="0">
+              <a:cs typeface="Monaco"/>
+            </a:endParaRPr>
+          </a:p>
+          <a:p>
+            <a:pPr marL="914400" lvl="1" indent="-457200">
+              <a:buFont typeface="Arial"/>
+              <a:buChar char="•"/>
+            </a:pPr>
+            <a:r>
+              <a:rPr lang="en-US" dirty="0" smtClean="0">
+                <a:cs typeface="Monaco"/>
+              </a:rPr>
+              <a:t>Mac users w/ homebrew have it already (comes with Python)</a:t>
+            </a:r>
+          </a:p>
+          <a:p>
+            <a:pPr marL="914400" lvl="1" indent="-457200">
+              <a:buFont typeface="Arial"/>
+              <a:buChar char="•"/>
+            </a:pPr>
+            <a:endParaRPr lang="en-US" dirty="0">
+              <a:cs typeface="Monaco"/>
+            </a:endParaRPr>
+          </a:p>
+          <a:p>
+            <a:pPr marL="457200" indent="-457200">
+              <a:buFont typeface="Arial"/>
+              <a:buChar char="•"/>
+            </a:pPr>
+            <a:r>
+              <a:rPr lang="en-US" dirty="0">
+                <a:cs typeface="Monaco"/>
+              </a:rPr>
+              <a:t>Install package named XXX with:</a:t>
+            </a:r>
+          </a:p>
+          <a:p>
+            <a:r>
+              <a:rPr lang="en-US" sz="2000" b="0" dirty="0" smtClean="0">
+                <a:latin typeface="Monaco"/>
+                <a:cs typeface="Monaco"/>
+              </a:rPr>
+              <a:t>	</a:t>
+            </a:r>
+            <a:r>
+              <a:rPr lang="en-US" sz="2400" b="0" dirty="0" smtClean="0">
+                <a:latin typeface="Monaco"/>
+                <a:cs typeface="Monaco"/>
+              </a:rPr>
+              <a:t>pip </a:t>
+            </a:r>
+            <a:r>
+              <a:rPr lang="en-US" sz="2400" b="0" dirty="0">
+                <a:latin typeface="Monaco"/>
+                <a:cs typeface="Monaco"/>
+              </a:rPr>
+              <a:t>install XXX</a:t>
+            </a:r>
+          </a:p>
+          <a:p>
+            <a:pPr lvl="1" indent="0">
+              <a:buNone/>
+            </a:pPr>
+            <a:endParaRPr lang="en-US" dirty="0" smtClean="0">
+              <a:cs typeface="Monaco"/>
+            </a:endParaRPr>
+          </a:p>
+        </p:txBody>
+      </p:sp>
+    </p:spTree>
+    <p:extLst>
+      <p:ext uri="{BB962C8B-B14F-4D97-AF65-F5344CB8AC3E}">
+        <p14:creationId xmlns:p14="http://schemas.microsoft.com/office/powerpoint/2010/main" val="2892170217"/>
       </p:ext>
     </p:extLst>
   </p:cSld>
@@ -5938,7 +7011,7 @@
           <a:p>
             <a:r>
               <a:rPr lang="en-US" dirty="0" smtClean="0"/>
-              <a:t>reading and writing files in python</a:t>
+              <a:t>a few base-python modules</a:t>
             </a:r>
             <a:endParaRPr lang="en-US" dirty="0"/>
           </a:p>
@@ -5956,7 +7029,9 @@
         </p:nvSpPr>
         <p:spPr/>
         <p:txBody>
-          <a:bodyPr/>
+          <a:bodyPr>
+            <a:normAutofit lnSpcReduction="10000"/>
+          </a:bodyPr>
           <a:lstStyle/>
           <a:p>
             <a:pPr marL="457200" indent="-457200">
@@ -5964,9 +7039,27 @@
               <a:buChar char="•"/>
             </a:pPr>
             <a:r>
-              <a:rPr lang="en-US" dirty="0" smtClean="0"/>
-              <a:t>Python does not deal with files directly</a:t>
-            </a:r>
+              <a:rPr lang="en-US" b="0" dirty="0" err="1">
+                <a:latin typeface="Monaco"/>
+                <a:cs typeface="Monaco"/>
+              </a:rPr>
+              <a:t>os</a:t>
+            </a:r>
+            <a:r>
+              <a:rPr lang="en-US" dirty="0"/>
+              <a:t> and </a:t>
+            </a:r>
+            <a:r>
+              <a:rPr lang="en-US" b="0" dirty="0" err="1">
+                <a:latin typeface="Monaco"/>
+                <a:cs typeface="Monaco"/>
+              </a:rPr>
+              <a:t>shutil</a:t>
+            </a:r>
+            <a:endParaRPr lang="en-US" b="0" dirty="0">
+              <a:latin typeface="Monaco"/>
+              <a:cs typeface="Monaco"/>
+            </a:endParaRPr>
           </a:p>
           <a:p>
             <a:pPr marL="914400" lvl="1" indent="-457200">
@@ -5974,20 +7067,122 @@
               <a:buChar char="•"/>
             </a:pPr>
             <a:r>
-              <a:rPr lang="en-US" dirty="0" smtClean="0"/>
-              <a:t>We interact with files via special variables, called </a:t>
-            </a:r>
-            <a:r>
-              <a:rPr lang="en-US" b="1" dirty="0" smtClean="0"/>
-              <a:t>handles</a:t>
-            </a:r>
+              <a:rPr lang="en-US" dirty="0"/>
+              <a:t>Useful for interacting with the </a:t>
+            </a:r>
+            <a:r>
+              <a:rPr lang="en-US" b="1" dirty="0"/>
+              <a:t>o</a:t>
+            </a:r>
+            <a:r>
+              <a:rPr lang="en-US" dirty="0"/>
+              <a:t>perating </a:t>
+            </a:r>
+            <a:r>
+              <a:rPr lang="en-US" b="1" dirty="0"/>
+              <a:t>s</a:t>
+            </a:r>
+            <a:r>
+              <a:rPr lang="en-US" dirty="0"/>
+              <a:t>ystem</a:t>
+            </a:r>
+          </a:p>
+          <a:p>
+            <a:pPr marL="457200" indent="-457200">
+              <a:buFont typeface="Arial"/>
+              <a:buChar char="•"/>
+            </a:pPr>
+            <a:r>
+              <a:rPr lang="en-US" b="0" dirty="0">
+                <a:solidFill>
+                  <a:srgbClr val="000000"/>
+                </a:solidFill>
+                <a:latin typeface="Monaco"/>
+                <a:cs typeface="Monaco"/>
+              </a:rPr>
+              <a:t>sys</a:t>
+            </a:r>
+          </a:p>
+          <a:p>
+            <a:pPr marL="914400" lvl="1" indent="-457200">
+              <a:buFont typeface="Arial"/>
+              <a:buChar char="•"/>
+            </a:pPr>
+            <a:r>
+              <a:rPr lang="en-US" dirty="0"/>
+              <a:t>Useful for interacting with the Python interpreter</a:t>
+            </a:r>
+          </a:p>
+          <a:p>
+            <a:pPr marL="457200" indent="-457200">
+              <a:buFont typeface="Arial"/>
+              <a:buChar char="•"/>
+            </a:pPr>
+            <a:r>
+              <a:rPr lang="en-US" b="0" dirty="0" err="1">
+                <a:latin typeface="Monaco"/>
+                <a:cs typeface="Monaco"/>
+              </a:rPr>
+              <a:t>subprocess</a:t>
+            </a:r>
+            <a:endParaRPr lang="en-US" b="0" dirty="0">
+              <a:latin typeface="Monaco"/>
+              <a:cs typeface="Monaco"/>
+            </a:endParaRPr>
+          </a:p>
+          <a:p>
+            <a:pPr marL="914400" lvl="1" indent="-457200">
+              <a:buFont typeface="Arial"/>
+              <a:buChar char="•"/>
+            </a:pPr>
+            <a:r>
+              <a:rPr lang="en-US" dirty="0"/>
+              <a:t>Useful for calling external software from your Python script</a:t>
+            </a:r>
+          </a:p>
+          <a:p>
+            <a:pPr marL="457200" indent="-457200">
+              <a:buFont typeface="Arial"/>
+              <a:buChar char="•"/>
+            </a:pPr>
+            <a:r>
+              <a:rPr lang="en-US" dirty="0">
+                <a:latin typeface="Monaco"/>
+                <a:cs typeface="Monaco"/>
+              </a:rPr>
+              <a:t>re</a:t>
+            </a:r>
+          </a:p>
+          <a:p>
+            <a:pPr marL="914400" lvl="1" indent="-457200">
+              <a:buFont typeface="Arial"/>
+              <a:buChar char="•"/>
+            </a:pPr>
+            <a:r>
+              <a:rPr lang="en-US" dirty="0"/>
+              <a:t>Regular expressions</a:t>
+            </a:r>
+            <a:endParaRPr lang="en-US" dirty="0">
+              <a:latin typeface="Monaco"/>
+              <a:cs typeface="Monaco"/>
+            </a:endParaRPr>
+          </a:p>
+          <a:p>
+            <a:pPr marL="914400" lvl="1" indent="-457200">
+              <a:buFont typeface="Arial"/>
+              <a:buChar char="•"/>
+            </a:pPr>
+            <a:endParaRPr lang="en-US" dirty="0"/>
+          </a:p>
+          <a:p>
+            <a:endParaRPr lang="en-US" dirty="0"/>
           </a:p>
         </p:txBody>
       </p:sp>
     </p:spTree>
     <p:extLst>
       <p:ext uri="{BB962C8B-B14F-4D97-AF65-F5344CB8AC3E}">
-        <p14:creationId xmlns:p14="http://schemas.microsoft.com/office/powerpoint/2010/main" val="2636746273"/>
+        <p14:creationId xmlns:p14="http://schemas.microsoft.com/office/powerpoint/2010/main" val="3583690190"/>
       </p:ext>
     </p:extLst>
   </p:cSld>
@@ -6038,7 +7233,7 @@
           <a:p>
             <a:r>
               <a:rPr lang="en-US" dirty="0" smtClean="0"/>
-              <a:t>reading and writing files in python</a:t>
+              <a:t>loading modules in a script</a:t>
             </a:r>
             <a:endParaRPr lang="en-US" dirty="0"/>
           </a:p>
@@ -6065,109 +7260,192 @@
             </a:pPr>
             <a:r>
               <a:rPr lang="en-US" dirty="0" smtClean="0"/>
-              <a:t>Python does not deal with files directly</a:t>
-            </a:r>
-          </a:p>
-          <a:p>
-            <a:pPr marL="914400" lvl="1" indent="-457200">
-              <a:buFont typeface="Arial"/>
-              <a:buChar char="•"/>
-            </a:pPr>
-            <a:r>
-              <a:rPr lang="en-US" dirty="0" smtClean="0"/>
-              <a:t>We interact with files via special variables, called </a:t>
-            </a:r>
-            <a:r>
-              <a:rPr lang="en-US" b="1" dirty="0" smtClean="0"/>
-              <a:t>handles</a:t>
-            </a:r>
-          </a:p>
-          <a:p>
-            <a:pPr marL="914400" lvl="1" indent="-457200">
-              <a:buFont typeface="Arial"/>
-              <a:buChar char="•"/>
-            </a:pPr>
-            <a:endParaRPr lang="en-US" b="1" dirty="0"/>
-          </a:p>
-          <a:p>
-            <a:pPr marL="457200" indent="-457200">
-              <a:buFont typeface="Arial"/>
-              <a:buChar char="•"/>
-            </a:pPr>
-            <a:r>
-              <a:rPr lang="en-US" dirty="0" smtClean="0"/>
-              <a:t>Interact with files in 3 main </a:t>
-            </a:r>
-            <a:r>
-              <a:rPr lang="en-US" i="1" dirty="0" smtClean="0"/>
-              <a:t>modes</a:t>
-            </a:r>
-            <a:r>
-              <a:rPr lang="en-US" dirty="0" smtClean="0"/>
-              <a:t>:</a:t>
-            </a:r>
-          </a:p>
-          <a:p>
-            <a:pPr marL="914400" lvl="1" indent="-457200">
-              <a:buFont typeface="Arial"/>
-              <a:buChar char="•"/>
-            </a:pPr>
-            <a:r>
-              <a:rPr lang="en-US" dirty="0" smtClean="0"/>
-              <a:t>Read-only (</a:t>
-            </a:r>
-            <a:r>
-              <a:rPr lang="en-US" dirty="0" smtClean="0">
-                <a:latin typeface="Monaco"/>
-                <a:cs typeface="Monaco"/>
-              </a:rPr>
-              <a:t>"r"</a:t>
-            </a:r>
-            <a:r>
-              <a:rPr lang="en-US" dirty="0" smtClean="0"/>
-              <a:t>)</a:t>
-            </a:r>
-          </a:p>
-          <a:p>
-            <a:pPr marL="914400" lvl="1" indent="-457200">
-              <a:buFont typeface="Arial"/>
-              <a:buChar char="•"/>
-            </a:pPr>
-            <a:r>
-              <a:rPr lang="en-US" dirty="0" smtClean="0"/>
-              <a:t>Write-only (</a:t>
-            </a:r>
-            <a:r>
-              <a:rPr lang="en-US" dirty="0" smtClean="0">
-                <a:latin typeface="Monaco"/>
-                <a:cs typeface="Monaco"/>
-              </a:rPr>
-              <a:t>"w"</a:t>
-            </a:r>
-            <a:r>
-              <a:rPr lang="en-US" dirty="0" smtClean="0"/>
-              <a:t>)</a:t>
-            </a:r>
-          </a:p>
-          <a:p>
-            <a:pPr marL="914400" lvl="1" indent="-457200">
-              <a:buFont typeface="Arial"/>
-              <a:buChar char="•"/>
-            </a:pPr>
-            <a:r>
-              <a:rPr lang="en-US" dirty="0" smtClean="0"/>
-              <a:t>Append (</a:t>
-            </a:r>
-            <a:r>
-              <a:rPr lang="en-US" dirty="0" smtClean="0">
-                <a:latin typeface="Monaco"/>
-                <a:cs typeface="Monaco"/>
-              </a:rPr>
-              <a:t>"a"</a:t>
-            </a:r>
-            <a:r>
-              <a:rPr lang="en-US" dirty="0" smtClean="0"/>
-              <a:t>)</a:t>
+              <a:t>Use the import command at the *top* of your script:</a:t>
+            </a:r>
+            <a:endParaRPr lang="en-US" dirty="0"/>
+          </a:p>
+        </p:txBody>
+      </p:sp>
+      <p:sp>
+        <p:nvSpPr>
+          <p:cNvPr id="4" name="TextBox 3"/>
+          <p:cNvSpPr txBox="1"/>
+          <p:nvPr/>
+        </p:nvSpPr>
+        <p:spPr>
+          <a:xfrm>
+            <a:off x="365827" y="2921841"/>
+            <a:ext cx="8338444" cy="2862322"/>
+          </a:xfrm>
+          <a:prstGeom prst="rect">
+            <a:avLst/>
+          </a:prstGeom>
+          <a:noFill/>
+        </p:spPr>
+        <p:txBody>
+          <a:bodyPr wrap="square" rtlCol="0">
+            <a:spAutoFit/>
+          </a:bodyPr>
+          <a:lstStyle/>
+          <a:p>
+            <a:r>
+              <a:rPr lang="en-US" sz="2000" dirty="0" smtClean="0">
+                <a:latin typeface="Monaco"/>
+                <a:cs typeface="Monaco"/>
+              </a:rPr>
+              <a:t>import </a:t>
+            </a:r>
+            <a:r>
+              <a:rPr lang="en-US" sz="2000" dirty="0" err="1" smtClean="0">
+                <a:latin typeface="Monaco"/>
+                <a:cs typeface="Monaco"/>
+              </a:rPr>
+              <a:t>os</a:t>
+            </a:r>
+            <a:endParaRPr lang="en-US" sz="2000" dirty="0">
+              <a:latin typeface="Monaco"/>
+              <a:cs typeface="Monaco"/>
+            </a:endParaRPr>
+          </a:p>
+          <a:p>
+            <a:endParaRPr lang="en-US" sz="2000" dirty="0" smtClean="0">
+              <a:latin typeface="Monaco"/>
+              <a:cs typeface="Monaco"/>
+            </a:endParaRPr>
+          </a:p>
+          <a:p>
+            <a:r>
+              <a:rPr lang="en-US" sz="2000" dirty="0" smtClean="0">
+                <a:latin typeface="Monaco"/>
+                <a:cs typeface="Monaco"/>
+              </a:rPr>
+              <a:t>import </a:t>
+            </a:r>
+            <a:r>
+              <a:rPr lang="en-US" sz="2000" dirty="0" err="1" smtClean="0">
+                <a:latin typeface="Monaco"/>
+                <a:cs typeface="Monaco"/>
+              </a:rPr>
+              <a:t>os</a:t>
+            </a:r>
+            <a:r>
+              <a:rPr lang="en-US" sz="2000" dirty="0" smtClean="0">
+                <a:latin typeface="Monaco"/>
+                <a:cs typeface="Monaco"/>
+              </a:rPr>
+              <a:t> as </a:t>
+            </a:r>
+            <a:r>
+              <a:rPr lang="en-US" sz="2000" dirty="0" err="1" smtClean="0">
+                <a:latin typeface="Monaco"/>
+                <a:cs typeface="Monaco"/>
+              </a:rPr>
+              <a:t>opsys</a:t>
+            </a:r>
+            <a:endParaRPr lang="en-US" sz="2000" dirty="0" smtClean="0">
+              <a:latin typeface="Monaco"/>
+              <a:cs typeface="Monaco"/>
+            </a:endParaRPr>
+          </a:p>
+          <a:p>
+            <a:endParaRPr lang="en-US" sz="2000" dirty="0" smtClean="0">
+              <a:latin typeface="Monaco"/>
+              <a:cs typeface="Monaco"/>
+            </a:endParaRPr>
+          </a:p>
+          <a:p>
+            <a:endParaRPr lang="en-US" sz="2000" dirty="0">
+              <a:latin typeface="Monaco"/>
+              <a:cs typeface="Monaco"/>
+            </a:endParaRPr>
+          </a:p>
+          <a:p>
+            <a:r>
+              <a:rPr lang="en-US" sz="2000" dirty="0" smtClean="0">
+                <a:latin typeface="Monaco"/>
+                <a:cs typeface="Monaco"/>
+              </a:rPr>
+              <a:t>from </a:t>
+            </a:r>
+            <a:r>
+              <a:rPr lang="en-US" sz="2000" dirty="0" err="1" smtClean="0">
+                <a:latin typeface="Monaco"/>
+                <a:cs typeface="Monaco"/>
+              </a:rPr>
+              <a:t>os</a:t>
+            </a:r>
+            <a:r>
+              <a:rPr lang="en-US" sz="2000" dirty="0" smtClean="0">
+                <a:latin typeface="Monaco"/>
+                <a:cs typeface="Monaco"/>
+              </a:rPr>
+              <a:t> import *</a:t>
+            </a:r>
+          </a:p>
+          <a:p>
+            <a:endParaRPr lang="en-US" sz="2000" dirty="0">
+              <a:latin typeface="Monaco"/>
+              <a:cs typeface="Monaco"/>
+            </a:endParaRPr>
+          </a:p>
+          <a:p>
+            <a:r>
+              <a:rPr lang="en-US" sz="2000" dirty="0">
+                <a:latin typeface="Monaco"/>
+                <a:cs typeface="Monaco"/>
+              </a:rPr>
+              <a:t>from </a:t>
+            </a:r>
+            <a:r>
+              <a:rPr lang="en-US" sz="2000" dirty="0" err="1">
+                <a:latin typeface="Monaco"/>
+                <a:cs typeface="Monaco"/>
+              </a:rPr>
+              <a:t>os</a:t>
+            </a:r>
+            <a:r>
+              <a:rPr lang="en-US" sz="2000" dirty="0">
+                <a:latin typeface="Monaco"/>
+                <a:cs typeface="Monaco"/>
+              </a:rPr>
+              <a:t> import </a:t>
+            </a:r>
+            <a:r>
+              <a:rPr lang="en-US" sz="2000" dirty="0" smtClean="0">
+                <a:latin typeface="Monaco"/>
+                <a:cs typeface="Monaco"/>
+              </a:rPr>
+              <a:t>&lt;function</a:t>
+            </a:r>
+            <a:r>
+              <a:rPr lang="en-US" sz="2000" dirty="0">
+                <a:latin typeface="Monaco"/>
+                <a:cs typeface="Monaco"/>
+              </a:rPr>
+              <a:t>/</a:t>
+            </a:r>
+            <a:r>
+              <a:rPr lang="en-US" sz="2000" dirty="0" err="1">
+                <a:latin typeface="Monaco"/>
+                <a:cs typeface="Monaco"/>
+              </a:rPr>
+              <a:t>submodule</a:t>
+            </a:r>
+            <a:r>
+              <a:rPr lang="en-US" sz="2000" dirty="0">
+                <a:latin typeface="Monaco"/>
+                <a:cs typeface="Monaco"/>
+              </a:rPr>
+              <a:t>&gt;</a:t>
+            </a:r>
+          </a:p>
+          <a:p>
+            <a:r>
+              <a:rPr lang="en-US" sz="2000" dirty="0" smtClean="0">
+                <a:latin typeface="Monaco"/>
+                <a:cs typeface="Monaco"/>
+              </a:rPr>
+              <a:t> </a:t>
             </a:r>
           </a:p>
         </p:txBody>
@@ -6175,7 +7453,7 @@
     </p:spTree>
     <p:extLst>
       <p:ext uri="{BB962C8B-B14F-4D97-AF65-F5344CB8AC3E}">
-        <p14:creationId xmlns:p14="http://schemas.microsoft.com/office/powerpoint/2010/main" val="2006951932"/>
+        <p14:creationId xmlns:p14="http://schemas.microsoft.com/office/powerpoint/2010/main" val="957736949"/>
       </p:ext>
     </p:extLst>
   </p:cSld>
@@ -6226,7 +7504,34 @@
           <a:p>
             <a:r>
               <a:rPr lang="en-US" dirty="0" smtClean="0"/>
-              <a:t>opening files for reading</a:t>
+              <a:t>loading modules in a script</a:t>
+            </a:r>
+            <a:endParaRPr lang="en-US" dirty="0"/>
+          </a:p>
+        </p:txBody>
+      </p:sp>
+      <p:sp>
+        <p:nvSpPr>
+          <p:cNvPr id="3" name="Content Placeholder 2"/>
+          <p:cNvSpPr>
+            <a:spLocks noGrp="1"/>
+          </p:cNvSpPr>
+          <p:nvPr>
+            <p:ph idx="1"/>
+          </p:nvPr>
+        </p:nvSpPr>
+        <p:spPr/>
+        <p:txBody>
+          <a:bodyPr/>
+          <a:lstStyle/>
+          <a:p>
+            <a:pPr marL="457200" indent="-457200">
+              <a:buFont typeface="Arial"/>
+              <a:buChar char="•"/>
+            </a:pPr>
+            <a:r>
+              <a:rPr lang="en-US" dirty="0" smtClean="0"/>
+              <a:t>Use the import command at the *top* of your script:</a:t>
             </a:r>
             <a:endParaRPr lang="en-US" dirty="0"/>
           </a:p>
@@ -6240,8 +7545,8 @@
         </p:nvSpPr>
         <p:spPr>
           <a:xfrm>
-            <a:off x="457199" y="1727554"/>
-            <a:ext cx="8338444" cy="3416320"/>
+            <a:off x="365827" y="2921841"/>
+            <a:ext cx="8338444" cy="2862322"/>
           </a:xfrm>
           <a:prstGeom prst="rect">
             <a:avLst/>
@@ -6255,168 +7560,252 @@
           <a:lstStyle/>
           <a:p>
             <a:r>
-              <a:rPr lang="en-US" dirty="0" smtClean="0">
-                <a:latin typeface="Monaco"/>
-                <a:cs typeface="Monaco"/>
-              </a:rPr>
-              <a:t># Name of file to open</a:t>
-            </a:r>
-          </a:p>
-          <a:p>
-            <a:r>
-              <a:rPr lang="en-US" dirty="0" smtClean="0">
-                <a:latin typeface="Monaco"/>
-                <a:cs typeface="Monaco"/>
-              </a:rPr>
-              <a:t>filename = "my_file_with_important_stuff.txt"</a:t>
-            </a:r>
-          </a:p>
-          <a:p>
-            <a:endParaRPr lang="en-US" dirty="0">
+              <a:rPr lang="en-US" sz="2000" dirty="0" smtClean="0">
+                <a:latin typeface="Monaco"/>
+                <a:cs typeface="Monaco"/>
+              </a:rPr>
+              <a:t>import </a:t>
+            </a:r>
+            <a:r>
+              <a:rPr lang="en-US" sz="2000" dirty="0" err="1" smtClean="0">
+                <a:latin typeface="Monaco"/>
+                <a:cs typeface="Monaco"/>
+              </a:rPr>
+              <a:t>os</a:t>
+            </a:r>
+            <a:endParaRPr lang="en-US" sz="2000" dirty="0">
               <a:latin typeface="Monaco"/>
               <a:cs typeface="Monaco"/>
             </a:endParaRPr>
           </a:p>
           <a:p>
-            <a:r>
-              <a:rPr lang="en-US" dirty="0" smtClean="0">
-                <a:latin typeface="Monaco"/>
-                <a:cs typeface="Monaco"/>
-              </a:rPr>
-              <a:t># Define handle with the </a:t>
-            </a:r>
-            <a:r>
-              <a:rPr lang="en-US" i="1" dirty="0" smtClean="0">
-                <a:latin typeface="Monaco"/>
-                <a:cs typeface="Monaco"/>
-              </a:rPr>
-              <a:t>.open() </a:t>
-            </a:r>
-            <a:r>
-              <a:rPr lang="en-US" dirty="0" smtClean="0">
-                <a:latin typeface="Monaco"/>
-                <a:cs typeface="Monaco"/>
-              </a:rPr>
-              <a:t>function</a:t>
-            </a:r>
-          </a:p>
-          <a:p>
-            <a:r>
-              <a:rPr lang="en-US" dirty="0" smtClean="0">
-                <a:latin typeface="Monaco"/>
-                <a:cs typeface="Monaco"/>
-              </a:rPr>
-              <a:t>file_handle = </a:t>
-            </a:r>
+            <a:endParaRPr lang="en-US" sz="2000" dirty="0" smtClean="0">
+              <a:latin typeface="Monaco"/>
+              <a:cs typeface="Monaco"/>
+            </a:endParaRPr>
+          </a:p>
+          <a:p>
+            <a:r>
+              <a:rPr lang="en-US" sz="2000" dirty="0">
+                <a:latin typeface="Monaco"/>
+                <a:cs typeface="Monaco"/>
+              </a:rPr>
+              <a:t>import </a:t>
+            </a:r>
+            <a:r>
+              <a:rPr lang="en-US" sz="2000" dirty="0" err="1">
+                <a:latin typeface="Monaco"/>
+                <a:cs typeface="Monaco"/>
+              </a:rPr>
+              <a:t>os</a:t>
+            </a:r>
+            <a:r>
+              <a:rPr lang="en-US" sz="2000" dirty="0">
+                <a:latin typeface="Monaco"/>
+                <a:cs typeface="Monaco"/>
+              </a:rPr>
+              <a:t> as </a:t>
+            </a:r>
+            <a:r>
+              <a:rPr lang="en-US" sz="2000" dirty="0" err="1">
+                <a:latin typeface="Monaco"/>
+                <a:cs typeface="Monaco"/>
+              </a:rPr>
+              <a:t>opsys</a:t>
+            </a:r>
+            <a:endParaRPr lang="en-US" sz="2000" dirty="0">
+              <a:latin typeface="Monaco"/>
+              <a:cs typeface="Monaco"/>
+            </a:endParaRPr>
+          </a:p>
+          <a:p>
+            <a:endParaRPr lang="en-US" sz="2000" dirty="0" smtClean="0">
+              <a:latin typeface="Monaco"/>
+              <a:cs typeface="Monaco"/>
+            </a:endParaRPr>
+          </a:p>
+          <a:p>
+            <a:endParaRPr lang="en-US" sz="2000" dirty="0">
+              <a:latin typeface="Monaco"/>
+              <a:cs typeface="Monaco"/>
+            </a:endParaRPr>
+          </a:p>
+          <a:p>
+            <a:r>
+              <a:rPr lang="en-US" sz="2000" dirty="0" smtClean="0">
+                <a:latin typeface="Monaco"/>
+                <a:cs typeface="Monaco"/>
+              </a:rPr>
+              <a:t>from </a:t>
+            </a:r>
+            <a:r>
+              <a:rPr lang="en-US" sz="2000" dirty="0" err="1" smtClean="0">
+                <a:latin typeface="Monaco"/>
+                <a:cs typeface="Monaco"/>
+              </a:rPr>
+              <a:t>os</a:t>
+            </a:r>
+            <a:r>
+              <a:rPr lang="en-US" sz="2000" dirty="0" smtClean="0">
+                <a:latin typeface="Monaco"/>
+                <a:cs typeface="Monaco"/>
+              </a:rPr>
+              <a:t> import *</a:t>
+            </a:r>
+          </a:p>
+          <a:p>
+            <a:endParaRPr lang="en-US" sz="2000" dirty="0">
+              <a:latin typeface="Monaco"/>
+              <a:cs typeface="Monaco"/>
+            </a:endParaRPr>
+          </a:p>
+          <a:p>
+            <a:r>
+              <a:rPr lang="en-US" sz="2000" dirty="0">
+                <a:latin typeface="Monaco"/>
+                <a:cs typeface="Monaco"/>
+              </a:rPr>
+              <a:t>from </a:t>
+            </a:r>
+            <a:r>
+              <a:rPr lang="en-US" sz="2000" dirty="0" err="1">
+                <a:latin typeface="Monaco"/>
+                <a:cs typeface="Monaco"/>
+              </a:rPr>
+              <a:t>os</a:t>
+            </a:r>
+            <a:r>
+              <a:rPr lang="en-US" sz="2000" dirty="0">
+                <a:latin typeface="Monaco"/>
+                <a:cs typeface="Monaco"/>
+              </a:rPr>
+              <a:t> import </a:t>
+            </a:r>
+            <a:r>
+              <a:rPr lang="en-US" sz="2000" dirty="0" smtClean="0">
+                <a:latin typeface="Monaco"/>
+                <a:cs typeface="Monaco"/>
+              </a:rPr>
+              <a:t>&lt;function</a:t>
+            </a:r>
+            <a:r>
+              <a:rPr lang="en-US" sz="2000" dirty="0">
+                <a:latin typeface="Monaco"/>
+                <a:cs typeface="Monaco"/>
+              </a:rPr>
+              <a:t>/</a:t>
+            </a:r>
+            <a:r>
+              <a:rPr lang="en-US" sz="2000" dirty="0" err="1">
+                <a:latin typeface="Monaco"/>
+                <a:cs typeface="Monaco"/>
+              </a:rPr>
+              <a:t>submodule</a:t>
+            </a:r>
+            <a:r>
+              <a:rPr lang="en-US" sz="2000" dirty="0">
+                <a:latin typeface="Monaco"/>
+                <a:cs typeface="Monaco"/>
+              </a:rPr>
+              <a:t>&gt;</a:t>
+            </a:r>
+          </a:p>
+          <a:p>
+            <a:r>
+              <a:rPr lang="en-US" sz="2000" dirty="0" smtClean="0">
+                <a:latin typeface="Monaco"/>
+                <a:cs typeface="Monaco"/>
+              </a:rPr>
+              <a:t> </a:t>
+            </a:r>
+          </a:p>
+        </p:txBody>
+      </p:sp>
+      <p:sp>
+        <p:nvSpPr>
+          <p:cNvPr id="5" name="Right Brace 4"/>
+          <p:cNvSpPr/>
+          <p:nvPr/>
+        </p:nvSpPr>
+        <p:spPr>
+          <a:xfrm>
+            <a:off x="3031751" y="2810602"/>
+            <a:ext cx="437205" cy="1117848"/>
+          </a:xfrm>
+          <a:prstGeom prst="rightBrace">
+            <a:avLst>
+              <a:gd name="adj1" fmla="val 17856"/>
+              <a:gd name="adj2" fmla="val 50000"/>
+            </a:avLst>
+          </a:prstGeom>
+          <a:ln>
+            <a:solidFill>
+              <a:srgbClr val="F5C201"/>
+            </a:solidFill>
+          </a:ln>
+        </p:spPr>
+        <p:style>
+          <a:lnRef idx="2">
+            <a:schemeClr val="accent1"/>
+          </a:lnRef>
+          <a:fillRef idx="0">
+            <a:schemeClr val="accent1"/>
+          </a:fillRef>
+          <a:effectRef idx="1">
+            <a:schemeClr val="accent1"/>
+          </a:effectRef>
+          <a:fontRef idx="minor">
+            <a:schemeClr val="tx1"/>
+          </a:fontRef>
+        </p:style>
+        <p:txBody>
+          <a:bodyPr rtlCol="0" anchor="ctr"/>
+          <a:lstStyle/>
+          <a:p>
+            <a:pPr algn="ctr"/>
+            <a:endParaRPr lang="en-US"/>
+          </a:p>
+        </p:txBody>
+      </p:sp>
+      <p:sp>
+        <p:nvSpPr>
+          <p:cNvPr id="6" name="TextBox 5"/>
+          <p:cNvSpPr txBox="1"/>
+          <p:nvPr/>
+        </p:nvSpPr>
+        <p:spPr>
+          <a:xfrm>
+            <a:off x="3468956" y="3194398"/>
+            <a:ext cx="4375855" cy="646331"/>
+          </a:xfrm>
+          <a:prstGeom prst="rect">
+            <a:avLst/>
+          </a:prstGeom>
+          <a:noFill/>
+        </p:spPr>
+        <p:txBody>
+          <a:bodyPr wrap="square" rtlCol="0">
+            <a:spAutoFit/>
+          </a:bodyPr>
+          <a:lstStyle/>
+          <a:p>
             <a:r>
               <a:rPr lang="en-US" dirty="0" smtClean="0">
                 <a:solidFill>
                   <a:srgbClr val="DC5924"/>
                 </a:solidFill>
-                <a:latin typeface="Monaco"/>
-                <a:cs typeface="Monaco"/>
-              </a:rPr>
-              <a:t>open</a:t>
-            </a:r>
-            <a:r>
-              <a:rPr lang="en-US" dirty="0" smtClean="0">
-                <a:latin typeface="Monaco"/>
-                <a:cs typeface="Monaco"/>
-              </a:rPr>
-              <a:t>(filename, "r")  # two arguments</a:t>
-            </a:r>
-          </a:p>
-          <a:p>
-            <a:endParaRPr lang="en-US" dirty="0">
-              <a:latin typeface="Monaco"/>
-              <a:cs typeface="Monaco"/>
-            </a:endParaRPr>
-          </a:p>
-          <a:p>
-            <a:r>
-              <a:rPr lang="en-US" dirty="0" smtClean="0">
-                <a:latin typeface="Monaco"/>
-                <a:cs typeface="Monaco"/>
-              </a:rPr>
-              <a:t># Read the file contents with the </a:t>
-            </a:r>
-            <a:r>
-              <a:rPr lang="en-US" i="1" dirty="0" smtClean="0">
-                <a:latin typeface="Monaco"/>
-                <a:cs typeface="Monaco"/>
-              </a:rPr>
-              <a:t>.read()</a:t>
-            </a:r>
-            <a:r>
-              <a:rPr lang="en-US" dirty="0">
-                <a:latin typeface="Monaco"/>
-                <a:cs typeface="Monaco"/>
-              </a:rPr>
-              <a:t> </a:t>
-            </a:r>
-            <a:r>
-              <a:rPr lang="en-US" dirty="0" smtClean="0">
-                <a:latin typeface="Monaco"/>
-                <a:cs typeface="Monaco"/>
-              </a:rPr>
-              <a:t>method</a:t>
-            </a:r>
-          </a:p>
-          <a:p>
-            <a:r>
-              <a:rPr lang="en-US" dirty="0" smtClean="0">
-                <a:latin typeface="Monaco"/>
-                <a:cs typeface="Monaco"/>
-              </a:rPr>
-              <a:t>file_contents = file_handle</a:t>
-            </a:r>
-            <a:r>
-              <a:rPr lang="en-US" dirty="0" smtClean="0">
+              </a:rPr>
+              <a:t>use as </a:t>
+            </a:r>
+            <a:r>
+              <a:rPr lang="en-US" dirty="0" err="1" smtClean="0">
                 <a:solidFill>
-                  <a:schemeClr val="accent5"/>
+                  <a:srgbClr val="DC5924"/>
                 </a:solidFill>
                 <a:latin typeface="Monaco"/>
                 <a:cs typeface="Monaco"/>
               </a:rPr>
-              <a:t>.read()</a:t>
-            </a:r>
-          </a:p>
-          <a:p>
-            <a:endParaRPr lang="en-US" dirty="0">
-              <a:latin typeface="Monaco"/>
-              <a:cs typeface="Monaco"/>
-            </a:endParaRPr>
-          </a:p>
-          <a:p>
-            <a:r>
-              <a:rPr lang="en-US" dirty="0" smtClean="0">
-                <a:latin typeface="Monaco"/>
-                <a:cs typeface="Monaco"/>
-              </a:rPr>
-              <a:t># Close the file when done with the </a:t>
-            </a:r>
-            <a:r>
-              <a:rPr lang="en-US" i="1" dirty="0" smtClean="0">
-                <a:latin typeface="Monaco"/>
-                <a:cs typeface="Monaco"/>
-              </a:rPr>
-              <a:t>.close()</a:t>
-            </a:r>
-            <a:r>
-              <a:rPr lang="en-US" dirty="0" smtClean="0">
-                <a:latin typeface="Monaco"/>
-                <a:cs typeface="Monaco"/>
-              </a:rPr>
-              <a:t> method (!!!)</a:t>
-            </a:r>
-          </a:p>
-          <a:p>
-            <a:r>
-              <a:rPr lang="en-US" dirty="0" smtClean="0">
-                <a:latin typeface="Monaco"/>
-                <a:cs typeface="Monaco"/>
-              </a:rPr>
-              <a:t>file_handle</a:t>
+              <a:t>os.function_name</a:t>
             </a:r>
             <a:r>
               <a:rPr lang="en-US" dirty="0" smtClean="0">
@@ -6426,21 +7815,170 @@
                 <a:latin typeface="Monaco"/>
                 <a:cs typeface="Monaco"/>
               </a:rPr>
-              <a:t>.close()</a:t>
-            </a:r>
-          </a:p>
-          <a:p>
-            <a:endParaRPr lang="en-US" dirty="0" smtClean="0">
+              <a:t>() </a:t>
+            </a:r>
+          </a:p>
+          <a:p>
+            <a:r>
+              <a:rPr lang="en-US" dirty="0">
+                <a:solidFill>
+                  <a:srgbClr val="DC5924"/>
+                </a:solidFill>
+                <a:latin typeface="Monaco"/>
+                <a:cs typeface="Monaco"/>
+              </a:rPr>
+              <a:t> </a:t>
+            </a:r>
+            <a:r>
+              <a:rPr lang="en-US" dirty="0" smtClean="0">
+                <a:solidFill>
+                  <a:srgbClr val="DC5924"/>
+                </a:solidFill>
+                <a:latin typeface="Monaco"/>
+                <a:cs typeface="Monaco"/>
+              </a:rPr>
+              <a:t>    </a:t>
+            </a:r>
+            <a:r>
+              <a:rPr lang="en-US" dirty="0" err="1" smtClean="0">
+                <a:solidFill>
+                  <a:srgbClr val="DC5924"/>
+                </a:solidFill>
+                <a:latin typeface="Monaco"/>
+                <a:cs typeface="Monaco"/>
+              </a:rPr>
+              <a:t>opsys.function_name</a:t>
+            </a:r>
+            <a:r>
+              <a:rPr lang="en-US" dirty="0" smtClean="0">
+                <a:solidFill>
+                  <a:srgbClr val="DC5924"/>
+                </a:solidFill>
+                <a:latin typeface="Monaco"/>
+                <a:cs typeface="Monaco"/>
+              </a:rPr>
+              <a:t>()</a:t>
+            </a:r>
+            <a:endParaRPr lang="en-US" dirty="0">
+              <a:solidFill>
+                <a:srgbClr val="DC5924"/>
+              </a:solidFill>
               <a:latin typeface="Monaco"/>
               <a:cs typeface="Monaco"/>
             </a:endParaRPr>
           </a:p>
         </p:txBody>
       </p:sp>
+      <p:sp>
+        <p:nvSpPr>
+          <p:cNvPr id="7" name="Right Brace 6"/>
+          <p:cNvSpPr/>
+          <p:nvPr/>
+        </p:nvSpPr>
+        <p:spPr>
+          <a:xfrm>
+            <a:off x="5583113" y="4404631"/>
+            <a:ext cx="437205" cy="1117848"/>
+          </a:xfrm>
+          <a:prstGeom prst="rightBrace">
+            <a:avLst>
+              <a:gd name="adj1" fmla="val 17856"/>
+              <a:gd name="adj2" fmla="val 50000"/>
+            </a:avLst>
+          </a:prstGeom>
+          <a:ln>
+            <a:solidFill>
+              <a:srgbClr val="F5C201"/>
+            </a:solidFill>
+          </a:ln>
+        </p:spPr>
+        <p:style>
+          <a:lnRef idx="2">
+            <a:schemeClr val="accent1"/>
+          </a:lnRef>
+          <a:fillRef idx="0">
+            <a:schemeClr val="accent1"/>
+          </a:fillRef>
+          <a:effectRef idx="1">
+            <a:schemeClr val="accent1"/>
+          </a:effectRef>
+          <a:fontRef idx="minor">
+            <a:schemeClr val="tx1"/>
+          </a:fontRef>
+        </p:style>
+        <p:txBody>
+          <a:bodyPr rtlCol="0" anchor="ctr"/>
+          <a:lstStyle/>
+          <a:p>
+            <a:pPr algn="ctr"/>
+            <a:endParaRPr lang="en-US"/>
+          </a:p>
+        </p:txBody>
+      </p:sp>
+      <p:sp>
+        <p:nvSpPr>
+          <p:cNvPr id="8" name="TextBox 7"/>
+          <p:cNvSpPr txBox="1"/>
+          <p:nvPr/>
+        </p:nvSpPr>
+        <p:spPr>
+          <a:xfrm>
+            <a:off x="6020318" y="4778889"/>
+            <a:ext cx="3318502" cy="369332"/>
+          </a:xfrm>
+          <a:prstGeom prst="rect">
+            <a:avLst/>
+          </a:prstGeom>
+          <a:noFill/>
+        </p:spPr>
+        <p:txBody>
+          <a:bodyPr wrap="square" rtlCol="0">
+            <a:spAutoFit/>
+          </a:bodyPr>
+          <a:lstStyle/>
+          <a:p>
+            <a:r>
+              <a:rPr lang="en-US" dirty="0" smtClean="0">
+                <a:solidFill>
+                  <a:srgbClr val="DC5924"/>
+                </a:solidFill>
+              </a:rPr>
+              <a:t>use as </a:t>
+            </a:r>
+            <a:r>
+              <a:rPr lang="en-US" dirty="0" err="1" smtClean="0">
+                <a:solidFill>
+                  <a:srgbClr val="DC5924"/>
+                </a:solidFill>
+                <a:latin typeface="Monaco"/>
+                <a:cs typeface="Monaco"/>
+              </a:rPr>
+              <a:t>function_name</a:t>
+            </a:r>
+            <a:r>
+              <a:rPr lang="en-US" dirty="0" smtClean="0">
+                <a:solidFill>
+                  <a:srgbClr val="DC5924"/>
+                </a:solidFill>
+                <a:latin typeface="Monaco"/>
+                <a:cs typeface="Monaco"/>
+              </a:rPr>
+              <a:t>()</a:t>
+            </a:r>
+            <a:endParaRPr lang="en-US" dirty="0">
+              <a:solidFill>
+                <a:srgbClr val="DC5924"/>
+              </a:solidFill>
+              <a:latin typeface="Monaco"/>
+              <a:cs typeface="Monaco"/>
+            </a:endParaRPr>
+          </a:p>
+        </p:txBody>
+      </p:sp>
     </p:spTree>
     <p:extLst>
       <p:ext uri="{BB962C8B-B14F-4D97-AF65-F5344CB8AC3E}">
-        <p14:creationId xmlns:p14="http://schemas.microsoft.com/office/powerpoint/2010/main" val="2852664164"/>
+        <p14:creationId xmlns:p14="http://schemas.microsoft.com/office/powerpoint/2010/main" val="509438347"/>
       </p:ext>
     </p:extLst>
   </p:cSld>
@@ -6491,7 +8029,34 @@
           <a:p>
             <a:r>
               <a:rPr lang="en-US" dirty="0" smtClean="0"/>
-              <a:t>opening files for reading</a:t>
+              <a:t>loading modules in a script</a:t>
+            </a:r>
+            <a:endParaRPr lang="en-US" dirty="0"/>
+          </a:p>
+        </p:txBody>
+      </p:sp>
+      <p:sp>
+        <p:nvSpPr>
+          <p:cNvPr id="3" name="Content Placeholder 2"/>
+          <p:cNvSpPr>
+            <a:spLocks noGrp="1"/>
+          </p:cNvSpPr>
+          <p:nvPr>
+            <p:ph idx="1"/>
+          </p:nvPr>
+        </p:nvSpPr>
+        <p:spPr/>
+        <p:txBody>
+          <a:bodyPr/>
+          <a:lstStyle/>
+          <a:p>
+            <a:pPr marL="457200" indent="-457200">
+              <a:buFont typeface="Arial"/>
+              <a:buChar char="•"/>
+            </a:pPr>
+            <a:r>
+              <a:rPr lang="en-US" dirty="0" smtClean="0"/>
+              <a:t>Use the import command at the *top* of your script:</a:t>
             </a:r>
             <a:endParaRPr lang="en-US" dirty="0"/>
           </a:p>
@@ -6505,8 +8070,8 @@
         </p:nvSpPr>
         <p:spPr>
           <a:xfrm>
-            <a:off x="457199" y="1727554"/>
-            <a:ext cx="8338444" cy="3416320"/>
+            <a:off x="365827" y="2921841"/>
+            <a:ext cx="8338444" cy="2862322"/>
           </a:xfrm>
           <a:prstGeom prst="rect">
             <a:avLst/>
@@ -6520,168 +8085,252 @@
           <a:lstStyle/>
           <a:p>
             <a:r>
-              <a:rPr lang="en-US" dirty="0" smtClean="0">
-                <a:latin typeface="Monaco"/>
-                <a:cs typeface="Monaco"/>
-              </a:rPr>
-              <a:t># Name of file to open</a:t>
-            </a:r>
-          </a:p>
-          <a:p>
-            <a:r>
-              <a:rPr lang="en-US" dirty="0" smtClean="0">
-                <a:latin typeface="Monaco"/>
-                <a:cs typeface="Monaco"/>
-              </a:rPr>
-              <a:t>filename = "my_file_with_important_stuff.txt"</a:t>
-            </a:r>
-          </a:p>
-          <a:p>
-            <a:endParaRPr lang="en-US" dirty="0">
+              <a:rPr lang="en-US" sz="2000" dirty="0" smtClean="0">
+                <a:latin typeface="Monaco"/>
+                <a:cs typeface="Monaco"/>
+              </a:rPr>
+              <a:t>import </a:t>
+            </a:r>
+            <a:r>
+              <a:rPr lang="en-US" sz="2000" dirty="0" err="1" smtClean="0">
+                <a:latin typeface="Monaco"/>
+                <a:cs typeface="Monaco"/>
+              </a:rPr>
+              <a:t>os</a:t>
+            </a:r>
+            <a:endParaRPr lang="en-US" sz="2000" dirty="0">
               <a:latin typeface="Monaco"/>
               <a:cs typeface="Monaco"/>
             </a:endParaRPr>
           </a:p>
           <a:p>
-            <a:r>
-              <a:rPr lang="en-US" dirty="0" smtClean="0">
-                <a:latin typeface="Monaco"/>
-                <a:cs typeface="Monaco"/>
-              </a:rPr>
-              <a:t># Define handle with the </a:t>
-            </a:r>
-            <a:r>
-              <a:rPr lang="en-US" i="1" dirty="0" smtClean="0">
-                <a:latin typeface="Monaco"/>
-                <a:cs typeface="Monaco"/>
-              </a:rPr>
-              <a:t>.open() </a:t>
-            </a:r>
-            <a:r>
-              <a:rPr lang="en-US" dirty="0" smtClean="0">
-                <a:latin typeface="Monaco"/>
-                <a:cs typeface="Monaco"/>
-              </a:rPr>
-              <a:t>function</a:t>
-            </a:r>
-          </a:p>
-          <a:p>
-            <a:r>
-              <a:rPr lang="en-US" dirty="0" smtClean="0">
-                <a:latin typeface="Monaco"/>
-                <a:cs typeface="Monaco"/>
-              </a:rPr>
-              <a:t>file_handle = </a:t>
-            </a:r>
+            <a:endParaRPr lang="en-US" sz="2000" dirty="0" smtClean="0">
+              <a:latin typeface="Monaco"/>
+              <a:cs typeface="Monaco"/>
+            </a:endParaRPr>
+          </a:p>
+          <a:p>
+            <a:r>
+              <a:rPr lang="en-US" sz="2000" dirty="0">
+                <a:latin typeface="Monaco"/>
+                <a:cs typeface="Monaco"/>
+              </a:rPr>
+              <a:t>import </a:t>
+            </a:r>
+            <a:r>
+              <a:rPr lang="en-US" sz="2000" dirty="0" err="1">
+                <a:latin typeface="Monaco"/>
+                <a:cs typeface="Monaco"/>
+              </a:rPr>
+              <a:t>os</a:t>
+            </a:r>
+            <a:r>
+              <a:rPr lang="en-US" sz="2000" dirty="0">
+                <a:latin typeface="Monaco"/>
+                <a:cs typeface="Monaco"/>
+              </a:rPr>
+              <a:t> as </a:t>
+            </a:r>
+            <a:r>
+              <a:rPr lang="en-US" sz="2000" dirty="0" err="1">
+                <a:latin typeface="Monaco"/>
+                <a:cs typeface="Monaco"/>
+              </a:rPr>
+              <a:t>opsys</a:t>
+            </a:r>
+            <a:endParaRPr lang="en-US" sz="2000" dirty="0">
+              <a:latin typeface="Monaco"/>
+              <a:cs typeface="Monaco"/>
+            </a:endParaRPr>
+          </a:p>
+          <a:p>
+            <a:endParaRPr lang="en-US" sz="2000" dirty="0" smtClean="0">
+              <a:latin typeface="Monaco"/>
+              <a:cs typeface="Monaco"/>
+            </a:endParaRPr>
+          </a:p>
+          <a:p>
+            <a:endParaRPr lang="en-US" sz="2000" dirty="0">
+              <a:latin typeface="Monaco"/>
+              <a:cs typeface="Monaco"/>
+            </a:endParaRPr>
+          </a:p>
+          <a:p>
+            <a:r>
+              <a:rPr lang="en-US" sz="2000" dirty="0" smtClean="0">
+                <a:latin typeface="Monaco"/>
+                <a:cs typeface="Monaco"/>
+              </a:rPr>
+              <a:t>from </a:t>
+            </a:r>
+            <a:r>
+              <a:rPr lang="en-US" sz="2000" dirty="0" err="1" smtClean="0">
+                <a:latin typeface="Monaco"/>
+                <a:cs typeface="Monaco"/>
+              </a:rPr>
+              <a:t>os</a:t>
+            </a:r>
+            <a:r>
+              <a:rPr lang="en-US" sz="2000" dirty="0" smtClean="0">
+                <a:latin typeface="Monaco"/>
+                <a:cs typeface="Monaco"/>
+              </a:rPr>
+              <a:t> import *</a:t>
+            </a:r>
+          </a:p>
+          <a:p>
+            <a:endParaRPr lang="en-US" sz="2000" dirty="0">
+              <a:latin typeface="Monaco"/>
+              <a:cs typeface="Monaco"/>
+            </a:endParaRPr>
+          </a:p>
+          <a:p>
+            <a:r>
+              <a:rPr lang="en-US" sz="2000" dirty="0">
+                <a:latin typeface="Monaco"/>
+                <a:cs typeface="Monaco"/>
+              </a:rPr>
+              <a:t>from </a:t>
+            </a:r>
+            <a:r>
+              <a:rPr lang="en-US" sz="2000" dirty="0" err="1">
+                <a:latin typeface="Monaco"/>
+                <a:cs typeface="Monaco"/>
+              </a:rPr>
+              <a:t>os</a:t>
+            </a:r>
+            <a:r>
+              <a:rPr lang="en-US" sz="2000" dirty="0">
+                <a:latin typeface="Monaco"/>
+                <a:cs typeface="Monaco"/>
+              </a:rPr>
+              <a:t> import </a:t>
+            </a:r>
+            <a:r>
+              <a:rPr lang="en-US" sz="2000" dirty="0" smtClean="0">
+                <a:latin typeface="Monaco"/>
+                <a:cs typeface="Monaco"/>
+              </a:rPr>
+              <a:t>&lt;function</a:t>
+            </a:r>
+            <a:r>
+              <a:rPr lang="en-US" sz="2000" dirty="0">
+                <a:latin typeface="Monaco"/>
+                <a:cs typeface="Monaco"/>
+              </a:rPr>
+              <a:t>/</a:t>
+            </a:r>
+            <a:r>
+              <a:rPr lang="en-US" sz="2000" dirty="0" err="1">
+                <a:latin typeface="Monaco"/>
+                <a:cs typeface="Monaco"/>
+              </a:rPr>
+              <a:t>submodule</a:t>
+            </a:r>
+            <a:r>
+              <a:rPr lang="en-US" sz="2000" dirty="0">
+                <a:latin typeface="Monaco"/>
+                <a:cs typeface="Monaco"/>
+              </a:rPr>
+              <a:t>&gt;</a:t>
+            </a:r>
+          </a:p>
+          <a:p>
+            <a:r>
+              <a:rPr lang="en-US" sz="2000" dirty="0" smtClean="0">
+                <a:latin typeface="Monaco"/>
+                <a:cs typeface="Monaco"/>
+              </a:rPr>
+              <a:t> </a:t>
+            </a:r>
+          </a:p>
+        </p:txBody>
+      </p:sp>
+      <p:sp>
+        <p:nvSpPr>
+          <p:cNvPr id="5" name="Right Brace 4"/>
+          <p:cNvSpPr/>
+          <p:nvPr/>
+        </p:nvSpPr>
+        <p:spPr>
+          <a:xfrm>
+            <a:off x="3031751" y="2810602"/>
+            <a:ext cx="437205" cy="1117848"/>
+          </a:xfrm>
+          <a:prstGeom prst="rightBrace">
+            <a:avLst>
+              <a:gd name="adj1" fmla="val 17856"/>
+              <a:gd name="adj2" fmla="val 50000"/>
+            </a:avLst>
+          </a:prstGeom>
+          <a:ln>
+            <a:solidFill>
+              <a:srgbClr val="F5C201"/>
+            </a:solidFill>
+          </a:ln>
+        </p:spPr>
+        <p:style>
+          <a:lnRef idx="2">
+            <a:schemeClr val="accent1"/>
+          </a:lnRef>
+          <a:fillRef idx="0">
+            <a:schemeClr val="accent1"/>
+          </a:fillRef>
+          <a:effectRef idx="1">
+            <a:schemeClr val="accent1"/>
+          </a:effectRef>
+          <a:fontRef idx="minor">
+            <a:schemeClr val="tx1"/>
+          </a:fontRef>
+        </p:style>
+        <p:txBody>
+          <a:bodyPr rtlCol="0" anchor="ctr"/>
+          <a:lstStyle/>
+          <a:p>
+            <a:pPr algn="ctr"/>
+            <a:endParaRPr lang="en-US"/>
+          </a:p>
+        </p:txBody>
+      </p:sp>
+      <p:sp>
+        <p:nvSpPr>
+          <p:cNvPr id="6" name="TextBox 5"/>
+          <p:cNvSpPr txBox="1"/>
+          <p:nvPr/>
+        </p:nvSpPr>
+        <p:spPr>
+          <a:xfrm>
+            <a:off x="3468956" y="3194398"/>
+            <a:ext cx="4375855" cy="646331"/>
+          </a:xfrm>
+          <a:prstGeom prst="rect">
+            <a:avLst/>
+          </a:prstGeom>
+          <a:noFill/>
+        </p:spPr>
+        <p:txBody>
+          <a:bodyPr wrap="square" rtlCol="0">
+            <a:spAutoFit/>
+          </a:bodyPr>
+          <a:lstStyle/>
+          <a:p>
             <a:r>
               <a:rPr lang="en-US" dirty="0" smtClean="0">
                 <a:solidFill>
                   <a:srgbClr val="DC5924"/>
                 </a:solidFill>
-                <a:latin typeface="Monaco"/>
-                <a:cs typeface="Monaco"/>
-              </a:rPr>
-              <a:t>open</a:t>
-            </a:r>
-            <a:r>
-              <a:rPr lang="en-US" dirty="0" smtClean="0">
-                <a:latin typeface="Monaco"/>
-                <a:cs typeface="Monaco"/>
-              </a:rPr>
-              <a:t>(filename, "r")  # two arguments</a:t>
-            </a:r>
-          </a:p>
-          <a:p>
-            <a:endParaRPr lang="en-US" dirty="0">
-              <a:latin typeface="Monaco"/>
-              <a:cs typeface="Monaco"/>
-            </a:endParaRPr>
-          </a:p>
-          <a:p>
-            <a:r>
-              <a:rPr lang="en-US" dirty="0" smtClean="0">
-                <a:latin typeface="Monaco"/>
-                <a:cs typeface="Monaco"/>
-              </a:rPr>
-              <a:t># Read the file contents with the </a:t>
-            </a:r>
-            <a:r>
-              <a:rPr lang="en-US" i="1" dirty="0" smtClean="0">
-                <a:latin typeface="Monaco"/>
-                <a:cs typeface="Monaco"/>
-              </a:rPr>
-              <a:t>.read()</a:t>
-            </a:r>
-            <a:r>
-              <a:rPr lang="en-US" dirty="0">
-                <a:latin typeface="Monaco"/>
-                <a:cs typeface="Monaco"/>
-              </a:rPr>
-              <a:t> </a:t>
-            </a:r>
-            <a:r>
-              <a:rPr lang="en-US" dirty="0" smtClean="0">
-                <a:latin typeface="Monaco"/>
-                <a:cs typeface="Monaco"/>
-              </a:rPr>
-              <a:t>method</a:t>
-            </a:r>
-          </a:p>
-          <a:p>
-            <a:r>
-              <a:rPr lang="en-US" dirty="0" smtClean="0">
-                <a:latin typeface="Monaco"/>
-                <a:cs typeface="Monaco"/>
-              </a:rPr>
-              <a:t>file_contents = file_handle</a:t>
-            </a:r>
-            <a:r>
-              <a:rPr lang="en-US" dirty="0" smtClean="0">
+              </a:rPr>
+              <a:t>use as </a:t>
+            </a:r>
+            <a:r>
+              <a:rPr lang="en-US" dirty="0" err="1" smtClean="0">
                 <a:solidFill>
-                  <a:schemeClr val="accent5"/>
+                  <a:srgbClr val="DC5924"/>
                 </a:solidFill>
                 <a:latin typeface="Monaco"/>
                 <a:cs typeface="Monaco"/>
               </a:rPr>
-              <a:t>.read()</a:t>
-            </a:r>
-          </a:p>
-          <a:p>
-            <a:endParaRPr lang="en-US" dirty="0">
-              <a:latin typeface="Monaco"/>
-              <a:cs typeface="Monaco"/>
-            </a:endParaRPr>
-          </a:p>
-          <a:p>
-            <a:r>
-              <a:rPr lang="en-US" dirty="0" smtClean="0">
-                <a:latin typeface="Monaco"/>
-                <a:cs typeface="Monaco"/>
-              </a:rPr>
-              <a:t># Close the file when done with the </a:t>
-            </a:r>
-            <a:r>
-              <a:rPr lang="en-US" i="1" dirty="0" smtClean="0">
-                <a:latin typeface="Monaco"/>
-                <a:cs typeface="Monaco"/>
-              </a:rPr>
-              <a:t>.close()</a:t>
-            </a:r>
-            <a:r>
-              <a:rPr lang="en-US" dirty="0" smtClean="0">
-                <a:latin typeface="Monaco"/>
-                <a:cs typeface="Monaco"/>
-              </a:rPr>
-              <a:t> method (!!!)</a:t>
-            </a:r>
-          </a:p>
-          <a:p>
-            <a:r>
-              <a:rPr lang="en-US" dirty="0" smtClean="0">
-                <a:latin typeface="Monaco"/>
-                <a:cs typeface="Monaco"/>
-              </a:rPr>
-              <a:t>file_handle</a:t>
+              <a:t>os.function_name</a:t>
             </a:r>
             <a:r>
               <a:rPr lang="en-US" dirty="0" smtClean="0">
@@ -6691,11 +8340,54 @@
                 <a:latin typeface="Monaco"/>
                 <a:cs typeface="Monaco"/>
               </a:rPr>
-              <a:t>.close()</a:t>
-            </a:r>
-          </a:p>
-          <a:p>
-            <a:endParaRPr lang="en-US" dirty="0" smtClean="0">
+              <a:t>() </a:t>
+            </a:r>
+          </a:p>
+          <a:p>
+            <a:r>
+              <a:rPr lang="en-US" dirty="0">
+                <a:solidFill>
+                  <a:srgbClr val="DC5924"/>
+                </a:solidFill>
+                <a:latin typeface="Monaco"/>
+                <a:cs typeface="Monaco"/>
+              </a:rPr>
+              <a:t> </a:t>
+            </a:r>
+            <a:r>
+              <a:rPr lang="en-US" dirty="0" smtClean="0">
+                <a:solidFill>
+                  <a:srgbClr val="DC5924"/>
+                </a:solidFill>
+                <a:latin typeface="Monaco"/>
+                <a:cs typeface="Monaco"/>
+              </a:rPr>
+              <a:t>    </a:t>
+            </a:r>
+            <a:r>
+              <a:rPr lang="en-US" dirty="0" err="1" smtClean="0">
+                <a:solidFill>
+                  <a:srgbClr val="DC5924"/>
+                </a:solidFill>
+                <a:latin typeface="Monaco"/>
+                <a:cs typeface="Monaco"/>
+              </a:rPr>
+              <a:t>opsys.function_name</a:t>
+            </a:r>
+            <a:r>
+              <a:rPr lang="en-US" dirty="0" smtClean="0">
+                <a:solidFill>
+                  <a:srgbClr val="DC5924"/>
+                </a:solidFill>
+                <a:latin typeface="Monaco"/>
+                <a:cs typeface="Monaco"/>
+              </a:rPr>
+              <a:t>()</a:t>
+            </a:r>
+            <a:endParaRPr lang="en-US" dirty="0">
+              <a:solidFill>
+                <a:srgbClr val="DC5924"/>
+              </a:solidFill>
               <a:latin typeface="Monaco"/>
               <a:cs typeface="Monaco"/>
             </a:endParaRPr>
@@ -6704,14 +8396,120 @@
       </p:sp>
       <p:sp>
         <p:nvSpPr>
-          <p:cNvPr id="5" name="Rectangle 4"/>
+          <p:cNvPr id="7" name="Right Brace 6"/>
           <p:cNvSpPr/>
           <p:nvPr/>
         </p:nvSpPr>
         <p:spPr>
           <a:xfrm>
-            <a:off x="513420" y="3705247"/>
-            <a:ext cx="1865885" cy="272062"/>
+            <a:off x="5583113" y="4404631"/>
+            <a:ext cx="437205" cy="1117848"/>
+          </a:xfrm>
+          <a:prstGeom prst="rightBrace">
+            <a:avLst>
+              <a:gd name="adj1" fmla="val 17856"/>
+              <a:gd name="adj2" fmla="val 50000"/>
+            </a:avLst>
+          </a:prstGeom>
+          <a:ln>
+            <a:solidFill>
+              <a:srgbClr val="F5C201"/>
+            </a:solidFill>
+          </a:ln>
+        </p:spPr>
+        <p:style>
+          <a:lnRef idx="2">
+            <a:schemeClr val="accent1"/>
+          </a:lnRef>
+          <a:fillRef idx="0">
+            <a:schemeClr val="accent1"/>
+          </a:fillRef>
+          <a:effectRef idx="1">
+            <a:schemeClr val="accent1"/>
+          </a:effectRef>
+          <a:fontRef idx="minor">
+            <a:schemeClr val="tx1"/>
+          </a:fontRef>
+        </p:style>
+        <p:txBody>
+          <a:bodyPr rtlCol="0" anchor="ctr"/>
+          <a:lstStyle/>
+          <a:p>
+            <a:pPr algn="ctr"/>
+            <a:endParaRPr lang="en-US"/>
+          </a:p>
+        </p:txBody>
+      </p:sp>
+      <p:sp>
+        <p:nvSpPr>
+          <p:cNvPr id="8" name="TextBox 7"/>
+          <p:cNvSpPr txBox="1"/>
+          <p:nvPr/>
+        </p:nvSpPr>
+        <p:spPr>
+          <a:xfrm>
+            <a:off x="6020318" y="4778889"/>
+            <a:ext cx="3318502" cy="369332"/>
+          </a:xfrm>
+          <a:prstGeom prst="rect">
+            <a:avLst/>
+          </a:prstGeom>
+          <a:noFill/>
+        </p:spPr>
+        <p:txBody>
+          <a:bodyPr wrap="square" rtlCol="0">
+            <a:spAutoFit/>
+          </a:bodyPr>
+          <a:lstStyle/>
+          <a:p>
+            <a:r>
+              <a:rPr lang="en-US" dirty="0" smtClean="0">
+                <a:solidFill>
+                  <a:srgbClr val="DC5924"/>
+                </a:solidFill>
+              </a:rPr>
+              <a:t>use as </a:t>
+            </a:r>
+            <a:r>
+              <a:rPr lang="en-US" dirty="0" err="1" smtClean="0">
+                <a:solidFill>
+                  <a:srgbClr val="DC5924"/>
+                </a:solidFill>
+                <a:latin typeface="Monaco"/>
+                <a:cs typeface="Monaco"/>
+              </a:rPr>
+              <a:t>function_name</a:t>
+            </a:r>
+            <a:r>
+              <a:rPr lang="en-US" dirty="0" smtClean="0">
+                <a:solidFill>
+                  <a:srgbClr val="DC5924"/>
+                </a:solidFill>
+                <a:latin typeface="Monaco"/>
+                <a:cs typeface="Monaco"/>
+              </a:rPr>
+              <a:t>()</a:t>
+            </a:r>
+            <a:endParaRPr lang="en-US" dirty="0">
+              <a:solidFill>
+                <a:srgbClr val="DC5924"/>
+              </a:solidFill>
+              <a:latin typeface="Monaco"/>
+              <a:cs typeface="Monaco"/>
+            </a:endParaRPr>
+          </a:p>
+        </p:txBody>
+      </p:sp>
+      <p:sp>
+        <p:nvSpPr>
+          <p:cNvPr id="9" name="Rectangle 8"/>
+          <p:cNvSpPr/>
+          <p:nvPr/>
+        </p:nvSpPr>
+        <p:spPr>
+          <a:xfrm>
+            <a:off x="394539" y="2921841"/>
+            <a:ext cx="1497089" cy="496182"/>
           </a:xfrm>
           <a:prstGeom prst="rect">
             <a:avLst/>
@@ -6719,7 +8517,7 @@
           <a:noFill/>
           <a:ln w="38100" cmpd="sng">
             <a:solidFill>
-              <a:schemeClr val="accent2"/>
+              <a:schemeClr val="tx2"/>
             </a:solidFill>
           </a:ln>
           <a:effectLst/>
@@ -6750,7 +8548,7 @@
     </p:spTree>
     <p:extLst>
       <p:ext uri="{BB962C8B-B14F-4D97-AF65-F5344CB8AC3E}">
-        <p14:creationId xmlns:p14="http://schemas.microsoft.com/office/powerpoint/2010/main" val="994903535"/>
+        <p14:creationId xmlns:p14="http://schemas.microsoft.com/office/powerpoint/2010/main" val="757690103"/>
       </p:ext>
     </p:extLst>
   </p:cSld>
@@ -6801,7 +8599,23 @@
           <a:p>
             <a:r>
               <a:rPr lang="en-US" dirty="0" smtClean="0"/>
-              <a:t>opening files for reading</a:t>
+              <a:t>the </a:t>
+            </a:r>
+            <a:r>
+              <a:rPr lang="en-US" dirty="0" err="1" smtClean="0"/>
+              <a:t>os</a:t>
+            </a:r>
+            <a:r>
+              <a:rPr lang="en-US" dirty="0" smtClean="0"/>
+              <a:t>/</a:t>
+            </a:r>
+            <a:r>
+              <a:rPr lang="en-US" dirty="0" err="1" smtClean="0"/>
+              <a:t>shutil</a:t>
+            </a:r>
+            <a:r>
+              <a:rPr lang="en-US" dirty="0" smtClean="0"/>
+              <a:t> modules</a:t>
             </a:r>
             <a:endParaRPr lang="en-US" dirty="0"/>
           </a:p>
@@ -6809,440 +8623,34 @@
       </p:sp>
       <p:sp>
         <p:nvSpPr>
-          <p:cNvPr id="4" name="TextBox 3"/>
-          <p:cNvSpPr txBox="1"/>
-          <p:nvPr/>
-        </p:nvSpPr>
-        <p:spPr>
-          <a:xfrm>
-            <a:off x="457199" y="1727554"/>
-            <a:ext cx="8338444" cy="5078314"/>
-          </a:xfrm>
-          <a:prstGeom prst="rect">
-            <a:avLst/>
-          </a:prstGeom>
-          <a:noFill/>
-        </p:spPr>
-        <p:txBody>
-          <a:bodyPr wrap="square" rtlCol="0">
-            <a:spAutoFit/>
-          </a:bodyPr>
-          <a:lstStyle/>
-          <a:p>
-            <a:r>
-              <a:rPr lang="en-US" dirty="0" smtClean="0">
-                <a:latin typeface="Monaco"/>
-                <a:cs typeface="Monaco"/>
-              </a:rPr>
-              <a:t># Name of file to open</a:t>
-            </a:r>
-          </a:p>
-          <a:p>
-            <a:r>
-              <a:rPr lang="en-US" dirty="0" smtClean="0">
-                <a:latin typeface="Monaco"/>
-                <a:cs typeface="Monaco"/>
-              </a:rPr>
-              <a:t>filename = "my_file_with_important_stuff.txt"</a:t>
-            </a:r>
-          </a:p>
-          <a:p>
-            <a:endParaRPr lang="en-US" dirty="0">
-              <a:latin typeface="Monaco"/>
-              <a:cs typeface="Monaco"/>
-            </a:endParaRPr>
-          </a:p>
-          <a:p>
-            <a:r>
-              <a:rPr lang="en-US" dirty="0" smtClean="0">
-                <a:latin typeface="Monaco"/>
-                <a:cs typeface="Monaco"/>
-              </a:rPr>
-              <a:t># Define handle with the </a:t>
-            </a:r>
-            <a:r>
-              <a:rPr lang="en-US" i="1" dirty="0" smtClean="0">
-                <a:latin typeface="Monaco"/>
-                <a:cs typeface="Monaco"/>
-              </a:rPr>
-              <a:t>.open() </a:t>
-            </a:r>
-            <a:r>
-              <a:rPr lang="en-US" dirty="0" smtClean="0">
-                <a:latin typeface="Monaco"/>
-                <a:cs typeface="Monaco"/>
-              </a:rPr>
-              <a:t>function</a:t>
-            </a:r>
-          </a:p>
-          <a:p>
-            <a:r>
-              <a:rPr lang="en-US" dirty="0" smtClean="0">
-                <a:latin typeface="Monaco"/>
-                <a:cs typeface="Monaco"/>
-              </a:rPr>
-              <a:t>file_handle = </a:t>
-            </a:r>
-            <a:r>
-              <a:rPr lang="en-US" dirty="0" smtClean="0">
-                <a:solidFill>
-                  <a:srgbClr val="DC5924"/>
-                </a:solidFill>
-                <a:latin typeface="Monaco"/>
-                <a:cs typeface="Monaco"/>
-              </a:rPr>
-              <a:t>open</a:t>
-            </a:r>
-            <a:r>
-              <a:rPr lang="en-US" dirty="0" smtClean="0">
-                <a:latin typeface="Monaco"/>
-                <a:cs typeface="Monaco"/>
-              </a:rPr>
-              <a:t>(filename, "r")  # two arguments</a:t>
-            </a:r>
-          </a:p>
-          <a:p>
-            <a:endParaRPr lang="en-US" dirty="0">
-              <a:latin typeface="Monaco"/>
-              <a:cs typeface="Monaco"/>
-            </a:endParaRPr>
-          </a:p>
-          <a:p>
-            <a:r>
-              <a:rPr lang="en-US" dirty="0" smtClean="0">
-                <a:latin typeface="Monaco"/>
-                <a:cs typeface="Monaco"/>
-              </a:rPr>
-              <a:t># Read the file contents with the </a:t>
-            </a:r>
-            <a:r>
-              <a:rPr lang="en-US" i="1" dirty="0" smtClean="0">
-                <a:latin typeface="Monaco"/>
-                <a:cs typeface="Monaco"/>
-              </a:rPr>
-              <a:t>.read()</a:t>
-            </a:r>
-            <a:r>
-              <a:rPr lang="en-US" dirty="0">
-                <a:latin typeface="Monaco"/>
-                <a:cs typeface="Monaco"/>
-              </a:rPr>
-              <a:t> </a:t>
-            </a:r>
-            <a:r>
-              <a:rPr lang="en-US" dirty="0" smtClean="0">
-                <a:latin typeface="Monaco"/>
-                <a:cs typeface="Monaco"/>
-              </a:rPr>
-              <a:t>method</a:t>
-            </a:r>
-          </a:p>
-          <a:p>
-            <a:r>
-              <a:rPr lang="en-US" dirty="0" smtClean="0">
-                <a:latin typeface="Monaco"/>
-                <a:cs typeface="Monaco"/>
-              </a:rPr>
-              <a:t>file_contents = file_handle</a:t>
-            </a:r>
-            <a:r>
-              <a:rPr lang="en-US" dirty="0" smtClean="0">
-                <a:solidFill>
-                  <a:schemeClr val="accent5"/>
-                </a:solidFill>
-                <a:latin typeface="Monaco"/>
-                <a:cs typeface="Monaco"/>
-              </a:rPr>
-              <a:t>.read()</a:t>
-            </a:r>
-          </a:p>
-          <a:p>
-            <a:endParaRPr lang="en-US" dirty="0">
-              <a:latin typeface="Monaco"/>
-              <a:cs typeface="Monaco"/>
-            </a:endParaRPr>
-          </a:p>
-          <a:p>
-            <a:r>
-              <a:rPr lang="en-US" dirty="0" smtClean="0">
-                <a:latin typeface="Monaco"/>
-                <a:cs typeface="Monaco"/>
-              </a:rPr>
-              <a:t># Close the file when done with the </a:t>
-            </a:r>
-            <a:r>
-              <a:rPr lang="en-US" i="1" dirty="0" smtClean="0">
-                <a:latin typeface="Monaco"/>
-                <a:cs typeface="Monaco"/>
-              </a:rPr>
-              <a:t>.close()</a:t>
-            </a:r>
-            <a:r>
-              <a:rPr lang="en-US" dirty="0" smtClean="0">
-                <a:latin typeface="Monaco"/>
-                <a:cs typeface="Monaco"/>
-              </a:rPr>
-              <a:t> method (!!!)</a:t>
-            </a:r>
-          </a:p>
-          <a:p>
-            <a:r>
-              <a:rPr lang="en-US" dirty="0" smtClean="0">
-                <a:latin typeface="Monaco"/>
-                <a:cs typeface="Monaco"/>
-              </a:rPr>
-              <a:t>file_handle</a:t>
-            </a:r>
-            <a:r>
-              <a:rPr lang="en-US" dirty="0" smtClean="0">
-                <a:solidFill>
-                  <a:srgbClr val="DC5924"/>
-                </a:solidFill>
-                <a:latin typeface="Monaco"/>
-                <a:cs typeface="Monaco"/>
-              </a:rPr>
-              <a:t>.close()</a:t>
-            </a:r>
-          </a:p>
-          <a:p>
-            <a:endParaRPr lang="en-US" dirty="0">
-              <a:latin typeface="Monaco"/>
-              <a:cs typeface="Monaco"/>
-            </a:endParaRPr>
-          </a:p>
-          <a:p>
-            <a:r>
-              <a:rPr lang="en-US" dirty="0" smtClean="0">
-                <a:latin typeface="Monaco"/>
-                <a:cs typeface="Monaco"/>
-              </a:rPr>
-              <a:t>print(file_contents)</a:t>
-            </a:r>
-          </a:p>
-          <a:p>
-            <a:r>
-              <a:rPr lang="en-US" dirty="0">
-                <a:solidFill>
-                  <a:srgbClr val="A6A6A6"/>
-                </a:solidFill>
-                <a:latin typeface="Monaco"/>
-                <a:cs typeface="Monaco"/>
-              </a:rPr>
-              <a:t>	</a:t>
-            </a:r>
-            <a:r>
-              <a:rPr lang="en-US" dirty="0" smtClean="0">
-                <a:solidFill>
-                  <a:srgbClr val="A6A6A6"/>
-                </a:solidFill>
-                <a:latin typeface="Monaco"/>
-                <a:cs typeface="Monaco"/>
-              </a:rPr>
-              <a:t>Line 1 of file.</a:t>
-            </a:r>
-            <a:endParaRPr lang="en-US" dirty="0">
-              <a:solidFill>
-                <a:srgbClr val="A6A6A6"/>
-              </a:solidFill>
-              <a:latin typeface="Monaco"/>
-              <a:cs typeface="Monaco"/>
-            </a:endParaRPr>
-          </a:p>
-          <a:p>
-            <a:r>
-              <a:rPr lang="en-US" dirty="0">
-                <a:solidFill>
-                  <a:srgbClr val="A6A6A6"/>
-                </a:solidFill>
-                <a:latin typeface="Monaco"/>
-                <a:cs typeface="Monaco"/>
-              </a:rPr>
-              <a:t>	Line </a:t>
-            </a:r>
-            <a:r>
-              <a:rPr lang="en-US" dirty="0" smtClean="0">
-                <a:solidFill>
-                  <a:srgbClr val="A6A6A6"/>
-                </a:solidFill>
-                <a:latin typeface="Monaco"/>
-                <a:cs typeface="Monaco"/>
-              </a:rPr>
-              <a:t>2 </a:t>
-            </a:r>
-            <a:r>
-              <a:rPr lang="en-US" dirty="0">
-                <a:solidFill>
-                  <a:srgbClr val="A6A6A6"/>
-                </a:solidFill>
-                <a:latin typeface="Monaco"/>
-                <a:cs typeface="Monaco"/>
-              </a:rPr>
-              <a:t>of file.</a:t>
-            </a:r>
-          </a:p>
-          <a:p>
-            <a:r>
-              <a:rPr lang="en-US" dirty="0">
-                <a:solidFill>
-                  <a:srgbClr val="A6A6A6"/>
-                </a:solidFill>
-                <a:latin typeface="Monaco"/>
-                <a:cs typeface="Monaco"/>
-              </a:rPr>
-              <a:t>	Line </a:t>
-            </a:r>
-            <a:r>
-              <a:rPr lang="en-US" dirty="0" smtClean="0">
-                <a:solidFill>
-                  <a:srgbClr val="A6A6A6"/>
-                </a:solidFill>
-                <a:latin typeface="Monaco"/>
-                <a:cs typeface="Monaco"/>
-              </a:rPr>
-              <a:t>3 </a:t>
-            </a:r>
-            <a:r>
-              <a:rPr lang="en-US" dirty="0">
-                <a:solidFill>
-                  <a:srgbClr val="A6A6A6"/>
-                </a:solidFill>
-                <a:latin typeface="Monaco"/>
-                <a:cs typeface="Monaco"/>
-              </a:rPr>
-              <a:t>of file.</a:t>
-            </a:r>
-          </a:p>
-          <a:p>
-            <a:r>
-              <a:rPr lang="en-US" dirty="0" smtClean="0">
-                <a:solidFill>
-                  <a:srgbClr val="A6A6A6"/>
-                </a:solidFill>
-                <a:latin typeface="Monaco"/>
-                <a:cs typeface="Monaco"/>
-              </a:rPr>
-              <a:t>	...</a:t>
-            </a:r>
-            <a:endParaRPr lang="en-US" dirty="0">
-              <a:solidFill>
-                <a:srgbClr val="A6A6A6"/>
-              </a:solidFill>
-              <a:latin typeface="Monaco"/>
-              <a:cs typeface="Monaco"/>
-            </a:endParaRPr>
-          </a:p>
-          <a:p>
-            <a:endParaRPr lang="en-US" dirty="0" smtClean="0">
-              <a:latin typeface="Monaco"/>
-              <a:cs typeface="Monaco"/>
-            </a:endParaRPr>
-          </a:p>
-        </p:txBody>
-      </p:sp>
-      <p:sp>
-        <p:nvSpPr>
-          <p:cNvPr id="7" name="Right Brace 6"/>
-          <p:cNvSpPr/>
-          <p:nvPr/>
-        </p:nvSpPr>
-        <p:spPr>
-          <a:xfrm>
-            <a:off x="3031751" y="5362152"/>
-            <a:ext cx="437205" cy="1117848"/>
-          </a:xfrm>
-          <a:prstGeom prst="rightBrace">
-            <a:avLst>
-              <a:gd name="adj1" fmla="val 17856"/>
-              <a:gd name="adj2" fmla="val 50000"/>
-            </a:avLst>
-          </a:prstGeom>
-          <a:ln>
-            <a:solidFill>
-              <a:srgbClr val="F5C201"/>
-            </a:solidFill>
-          </a:ln>
-        </p:spPr>
-        <p:style>
-          <a:lnRef idx="2">
-            <a:schemeClr val="accent1"/>
-          </a:lnRef>
-          <a:fillRef idx="0">
-            <a:schemeClr val="accent1"/>
-          </a:fillRef>
-          <a:effectRef idx="1">
-            <a:schemeClr val="accent1"/>
-          </a:effectRef>
-          <a:fontRef idx="minor">
-            <a:schemeClr val="tx1"/>
-          </a:fontRef>
-        </p:style>
-        <p:txBody>
-          <a:bodyPr rtlCol="0" anchor="ctr"/>
-          <a:lstStyle/>
-          <a:p>
-            <a:pPr algn="ctr"/>
-            <a:endParaRPr lang="en-US"/>
-          </a:p>
-        </p:txBody>
-      </p:sp>
-      <p:sp>
-        <p:nvSpPr>
-          <p:cNvPr id="8" name="TextBox 7"/>
-          <p:cNvSpPr txBox="1"/>
-          <p:nvPr/>
-        </p:nvSpPr>
-        <p:spPr>
-          <a:xfrm>
-            <a:off x="3468956" y="5745948"/>
-            <a:ext cx="4375855" cy="338554"/>
-          </a:xfrm>
-          <a:prstGeom prst="rect">
-            <a:avLst/>
-          </a:prstGeom>
-          <a:noFill/>
-        </p:spPr>
-        <p:txBody>
-          <a:bodyPr wrap="square" rtlCol="0">
-            <a:spAutoFit/>
-          </a:bodyPr>
-          <a:lstStyle/>
-          <a:p>
-            <a:r>
-              <a:rPr lang="en-US" sz="1600" dirty="0" smtClean="0">
-                <a:solidFill>
-                  <a:srgbClr val="DC5924"/>
-                </a:solidFill>
-              </a:rPr>
-              <a:t>The entire body of the file, as a </a:t>
-            </a:r>
-            <a:r>
-              <a:rPr lang="en-US" sz="1600" b="1" dirty="0" smtClean="0">
-                <a:solidFill>
-                  <a:srgbClr val="DC5924"/>
-                </a:solidFill>
-              </a:rPr>
-              <a:t>single string</a:t>
-            </a:r>
-            <a:r>
-              <a:rPr lang="en-US" sz="1600" dirty="0" smtClean="0">
-                <a:solidFill>
-                  <a:srgbClr val="DC5924"/>
-                </a:solidFill>
-              </a:rPr>
-              <a:t>!</a:t>
-            </a:r>
-            <a:endParaRPr lang="en-US" sz="1600" dirty="0">
-              <a:solidFill>
-                <a:srgbClr val="DC5924"/>
-              </a:solidFill>
-            </a:endParaRPr>
+          <p:cNvPr id="3" name="Content Placeholder 2"/>
+          <p:cNvSpPr>
+            <a:spLocks noGrp="1"/>
+          </p:cNvSpPr>
+          <p:nvPr>
+            <p:ph idx="1"/>
+          </p:nvPr>
+        </p:nvSpPr>
+        <p:spPr/>
+        <p:txBody>
+          <a:bodyPr/>
+          <a:lstStyle/>
+          <a:p>
+            <a:pPr marL="457200" indent="-457200">
+              <a:buFont typeface="Arial"/>
+              <a:buChar char="•"/>
+            </a:pPr>
+            <a:r>
+              <a:rPr lang="en-US" dirty="0" smtClean="0"/>
+              <a:t>Functions provide UNIX commands</a:t>
+            </a:r>
           </a:p>
         </p:txBody>
       </p:sp>
     </p:spTree>
     <p:extLst>
       <p:ext uri="{BB962C8B-B14F-4D97-AF65-F5344CB8AC3E}">
-        <p14:creationId xmlns:p14="http://schemas.microsoft.com/office/powerpoint/2010/main" val="1450875547"/>
+        <p14:creationId xmlns:p14="http://schemas.microsoft.com/office/powerpoint/2010/main" val="265855806"/>
       </p:ext>
     </p:extLst>
   </p:cSld>
@@ -7252,281 +8660,9 @@
   <p:timing>
     <p:tnLst>
       <p:par>
-        <p:cTn xmlns:p14="http://schemas.microsoft.com/office/powerpoint/2010/main" id="1" dur="indefinite" restart="never" nodeType="tmRoot">
-          <p:childTnLst>
-            <p:seq concurrent="1" nextAc="seek">
-              <p:cTn id="2" dur="indefinite" nodeType="mainSeq">
-                <p:childTnLst>
-                  <p:par>
-                    <p:cTn id="3" fill="hold">
-                      <p:stCondLst>
-                        <p:cond delay="indefinite"/>
-                      </p:stCondLst>
-                      <p:childTnLst>
-                        <p:par>
-                          <p:cTn id="4" fill="hold">
-                            <p:stCondLst>
-                              <p:cond delay="0"/>
-                            </p:stCondLst>
-                            <p:childTnLst>
-                              <p:par>
-                                <p:cTn id="5" presetID="1" presetClass="entr" presetSubtype="0" fill="hold" nodeType="clickEffect">
-                                  <p:stCondLst>
-                                    <p:cond delay="0"/>
-                                  </p:stCondLst>
-                                  <p:childTnLst>
-                                    <p:set>
-                                      <p:cBhvr>
-                                        <p:cTn id="6" dur="1" fill="hold">
-                                          <p:stCondLst>
-                                            <p:cond delay="0"/>
-                                          </p:stCondLst>
-                                        </p:cTn>
-                                        <p:tgtEl>
-                                          <p:spTgt spid="4">
-                                            <p:txEl>
-                                              <p:pRg st="12" end="12"/>
-                                            </p:txEl>
-                                          </p:spTgt>
-                                        </p:tgtEl>
-                                        <p:attrNameLst>
-                                          <p:attrName>style.visibility</p:attrName>
-                                        </p:attrNameLst>
-                                      </p:cBhvr>
-                                      <p:to>
-                                        <p:strVal val="visible"/>
-                                      </p:to>
-                                    </p:set>
-                                  </p:childTnLst>
-                                </p:cTn>
-                              </p:par>
-                              <p:par>
-                                <p:cTn id="7" presetID="1" presetClass="entr" presetSubtype="0" fill="hold" nodeType="withEffect">
-                                  <p:stCondLst>
-                                    <p:cond delay="0"/>
-                                  </p:stCondLst>
-                                  <p:childTnLst>
-                                    <p:set>
-                                      <p:cBhvr>
-                                        <p:cTn id="8" dur="1" fill="hold">
-                                          <p:stCondLst>
-                                            <p:cond delay="0"/>
-                                          </p:stCondLst>
-                                        </p:cTn>
-                                        <p:tgtEl>
-                                          <p:spTgt spid="4">
-                                            <p:txEl>
-                                              <p:pRg st="13" end="13"/>
-                                            </p:txEl>
-                                          </p:spTgt>
-                                        </p:tgtEl>
-                                        <p:attrNameLst>
-                                          <p:attrName>style.visibility</p:attrName>
-                                        </p:attrNameLst>
-                                      </p:cBhvr>
-                                      <p:to>
-                                        <p:strVal val="visible"/>
-                                      </p:to>
-                                    </p:set>
-                                  </p:childTnLst>
-                                </p:cTn>
-                              </p:par>
-                              <p:par>
-                                <p:cTn id="9" presetID="1" presetClass="entr" presetSubtype="0" fill="hold" nodeType="withEffect">
-                                  <p:stCondLst>
-                                    <p:cond delay="0"/>
-                                  </p:stCondLst>
-                                  <p:childTnLst>
-                                    <p:set>
-                                      <p:cBhvr>
-                                        <p:cTn id="10" dur="1" fill="hold">
-                                          <p:stCondLst>
-                                            <p:cond delay="0"/>
-                                          </p:stCondLst>
-                                        </p:cTn>
-                                        <p:tgtEl>
-                                          <p:spTgt spid="4">
-                                            <p:txEl>
-                                              <p:pRg st="14" end="14"/>
-                                            </p:txEl>
-                                          </p:spTgt>
-                                        </p:tgtEl>
-                                        <p:attrNameLst>
-                                          <p:attrName>style.visibility</p:attrName>
-                                        </p:attrNameLst>
-                                      </p:cBhvr>
-                                      <p:to>
-                                        <p:strVal val="visible"/>
-                                      </p:to>
-                                    </p:set>
-                                  </p:childTnLst>
-                                </p:cTn>
-                              </p:par>
-                              <p:par>
-                                <p:cTn id="11" presetID="1" presetClass="entr" presetSubtype="0" fill="hold" nodeType="withEffect">
-                                  <p:stCondLst>
-                                    <p:cond delay="0"/>
-                                  </p:stCondLst>
-                                  <p:childTnLst>
-                                    <p:set>
-                                      <p:cBhvr>
-                                        <p:cTn id="12" dur="1" fill="hold">
-                                          <p:stCondLst>
-                                            <p:cond delay="0"/>
-                                          </p:stCondLst>
-                                        </p:cTn>
-                                        <p:tgtEl>
-                                          <p:spTgt spid="4">
-                                            <p:txEl>
-                                              <p:pRg st="15" end="15"/>
-                                            </p:txEl>
-                                          </p:spTgt>
-                                        </p:tgtEl>
-                                        <p:attrNameLst>
-                                          <p:attrName>style.visibility</p:attrName>
-                                        </p:attrNameLst>
-                                      </p:cBhvr>
-                                      <p:to>
-                                        <p:strVal val="visible"/>
-                                      </p:to>
-                                    </p:set>
-                                  </p:childTnLst>
-                                </p:cTn>
-                              </p:par>
-                              <p:par>
-                                <p:cTn id="13" presetID="1" presetClass="entr" presetSubtype="0" fill="hold" nodeType="withEffect">
-                                  <p:stCondLst>
-                                    <p:cond delay="0"/>
-                                  </p:stCondLst>
-                                  <p:childTnLst>
-                                    <p:set>
-                                      <p:cBhvr>
-                                        <p:cTn id="14" dur="1" fill="hold">
-                                          <p:stCondLst>
-                                            <p:cond delay="0"/>
-                                          </p:stCondLst>
-                                        </p:cTn>
-                                        <p:tgtEl>
-                                          <p:spTgt spid="4">
-                                            <p:txEl>
-                                              <p:pRg st="16" end="16"/>
-                                            </p:txEl>
-                                          </p:spTgt>
-                                        </p:tgtEl>
-                                        <p:attrNameLst>
-                                          <p:attrName>style.visibility</p:attrName>
-                                        </p:attrNameLst>
-                                      </p:cBhvr>
-                                      <p:to>
-                                        <p:strVal val="visible"/>
-                                      </p:to>
-                                    </p:set>
-                                  </p:childTnLst>
-                                </p:cTn>
-                              </p:par>
-                            </p:childTnLst>
-                          </p:cTn>
-                        </p:par>
-                      </p:childTnLst>
-                    </p:cTn>
-                  </p:par>
-                  <p:par>
-                    <p:cTn id="15" fill="hold">
-                      <p:stCondLst>
-                        <p:cond delay="indefinite"/>
-                      </p:stCondLst>
-                      <p:childTnLst>
-                        <p:par>
-                          <p:cTn id="16" fill="hold">
-                            <p:stCondLst>
-                              <p:cond delay="0"/>
-                            </p:stCondLst>
-                            <p:childTnLst>
-                              <p:par>
-                                <p:cTn id="17" presetID="1" presetClass="entr" presetSubtype="0" fill="hold" grpId="0" nodeType="clickEffect">
-                                  <p:stCondLst>
-                                    <p:cond delay="0"/>
-                                  </p:stCondLst>
-                                  <p:childTnLst>
-                                    <p:set>
-                                      <p:cBhvr>
-                                        <p:cTn id="18" dur="1" fill="hold">
-                                          <p:stCondLst>
-                                            <p:cond delay="0"/>
-                                          </p:stCondLst>
-                                        </p:cTn>
-                                        <p:tgtEl>
-                                          <p:spTgt spid="7"/>
-                                        </p:tgtEl>
-                                        <p:attrNameLst>
-                                          <p:attrName>style.visibility</p:attrName>
-                                        </p:attrNameLst>
-                                      </p:cBhvr>
-                                      <p:to>
-                                        <p:strVal val="visible"/>
-                                      </p:to>
-                                    </p:set>
-                                  </p:childTnLst>
-                                </p:cTn>
-                              </p:par>
-                              <p:par>
-                                <p:cTn id="19" presetID="1" presetClass="entr" presetSubtype="0" fill="hold" grpId="0" nodeType="withEffect">
-                                  <p:stCondLst>
-                                    <p:cond delay="0"/>
-                                  </p:stCondLst>
-                                  <p:childTnLst>
-                                    <p:set>
-                                      <p:cBhvr>
-                                        <p:cTn id="20" dur="1" fill="hold">
-                                          <p:stCondLst>
-                                            <p:cond delay="0"/>
-                                          </p:stCondLst>
-                                        </p:cTn>
-                                        <p:tgtEl>
-                                          <p:spTgt spid="8"/>
-                                        </p:tgtEl>
-                                        <p:attrNameLst>
-                                          <p:attrName>style.visibility</p:attrName>
-                                        </p:attrNameLst>
-                                      </p:cBhvr>
-                                      <p:to>
-                                        <p:strVal val="visible"/>
-                                      </p:to>
-                                    </p:set>
-                                  </p:childTnLst>
-                                </p:cTn>
-                              </p:par>
-                            </p:childTnLst>
-                          </p:cTn>
-                        </p:par>
-                      </p:childTnLst>
-                    </p:cTn>
-                  </p:par>
-                </p:childTnLst>
-              </p:cTn>
-              <p:prevCondLst>
-                <p:cond evt="onPrev" delay="0">
-                  <p:tgtEl>
-                    <p:sldTgt/>
-                  </p:tgtEl>
-                </p:cond>
-              </p:prevCondLst>
-              <p:nextCondLst>
-                <p:cond evt="onNext" delay="0">
-                  <p:tgtEl>
-                    <p:sldTgt/>
-                  </p:tgtEl>
-                </p:cond>
-              </p:nextCondLst>
-            </p:seq>
-          </p:childTnLst>
-        </p:cTn>
+        <p:cTn xmlns:p14="http://schemas.microsoft.com/office/powerpoint/2010/main" id="1" dur="indefinite" restart="never" nodeType="tmRoot"/>
       </p:par>
     </p:tnLst>
-    <p:bldLst>
-      <p:bldP spid="7" grpId="0" animBg="1"/>
-      <p:bldP spid="8" grpId="0"/>
-    </p:bldLst>
   </p:timing>
 </p:sld>
 </file>
@@ -7565,7 +8701,23 @@
           <a:p>
             <a:r>
               <a:rPr lang="en-US" dirty="0" smtClean="0"/>
-              <a:t>looping over lines in a file</a:t>
+              <a:t>the </a:t>
+            </a:r>
+            <a:r>
+              <a:rPr lang="en-US" dirty="0" err="1" smtClean="0"/>
+              <a:t>os</a:t>
+            </a:r>
+            <a:r>
+              <a:rPr lang="en-US" dirty="0" smtClean="0"/>
+              <a:t>/</a:t>
+            </a:r>
+            <a:r>
+              <a:rPr lang="en-US" dirty="0" err="1" smtClean="0"/>
+              <a:t>shutil</a:t>
+            </a:r>
+            <a:r>
+              <a:rPr lang="en-US" dirty="0" smtClean="0"/>
+              <a:t> modules</a:t>
             </a:r>
             <a:endParaRPr lang="en-US" dirty="0"/>
           </a:p>
@@ -7573,271 +8725,599 @@
       </p:sp>
       <p:sp>
         <p:nvSpPr>
-          <p:cNvPr id="4" name="TextBox 3"/>
-          <p:cNvSpPr txBox="1"/>
-          <p:nvPr/>
-        </p:nvSpPr>
-        <p:spPr>
-          <a:xfrm>
-            <a:off x="457199" y="1558432"/>
-            <a:ext cx="8338444" cy="5355313"/>
-          </a:xfrm>
-          <a:prstGeom prst="rect">
-            <a:avLst/>
-          </a:prstGeom>
-          <a:noFill/>
-        </p:spPr>
-        <p:txBody>
-          <a:bodyPr wrap="square" rtlCol="0">
-            <a:spAutoFit/>
-          </a:bodyPr>
-          <a:lstStyle/>
-          <a:p>
-            <a:r>
-              <a:rPr lang="en-US" dirty="0">
-                <a:latin typeface="Monaco"/>
-                <a:cs typeface="Monaco"/>
-              </a:rPr>
-              <a:t># Better option: use the </a:t>
-            </a:r>
-            <a:r>
-              <a:rPr lang="en-US" i="1" dirty="0">
-                <a:latin typeface="Monaco"/>
-                <a:cs typeface="Monaco"/>
-              </a:rPr>
-              <a:t>.readlines() </a:t>
-            </a:r>
-            <a:r>
-              <a:rPr lang="en-US" dirty="0">
-                <a:latin typeface="Monaco"/>
-                <a:cs typeface="Monaco"/>
-              </a:rPr>
-              <a:t>method</a:t>
-            </a:r>
-          </a:p>
-          <a:p>
-            <a:endParaRPr lang="en-US" dirty="0">
-              <a:latin typeface="Monaco"/>
-              <a:cs typeface="Monaco"/>
-            </a:endParaRPr>
-          </a:p>
-          <a:p>
-            <a:r>
-              <a:rPr lang="en-US" dirty="0">
-                <a:latin typeface="Monaco"/>
-                <a:cs typeface="Monaco"/>
-              </a:rPr>
-              <a:t>file_handle = open(filename, "r")</a:t>
-            </a:r>
-          </a:p>
-          <a:p>
-            <a:r>
-              <a:rPr lang="en-US" dirty="0" smtClean="0">
-                <a:latin typeface="Monaco"/>
-                <a:cs typeface="Monaco"/>
-              </a:rPr>
-              <a:t>file_lines = file_handle</a:t>
-            </a:r>
-            <a:r>
-              <a:rPr lang="en-US" dirty="0" smtClean="0">
-                <a:solidFill>
-                  <a:srgbClr val="DC5924"/>
-                </a:solidFill>
-                <a:latin typeface="Monaco"/>
-                <a:cs typeface="Monaco"/>
-              </a:rPr>
-              <a:t>.readlines()</a:t>
-            </a:r>
-          </a:p>
-          <a:p>
-            <a:r>
-              <a:rPr lang="en-US" dirty="0" smtClean="0">
-                <a:latin typeface="Monaco"/>
-                <a:cs typeface="Monaco"/>
-              </a:rPr>
-              <a:t>file_handle.close</a:t>
-            </a:r>
-            <a:r>
-              <a:rPr lang="en-US" dirty="0">
-                <a:latin typeface="Monaco"/>
-                <a:cs typeface="Monaco"/>
-              </a:rPr>
-              <a:t>()</a:t>
-            </a:r>
-          </a:p>
-          <a:p>
-            <a:endParaRPr lang="en-US" dirty="0" smtClean="0">
-              <a:latin typeface="Monaco"/>
-              <a:cs typeface="Monaco"/>
-            </a:endParaRPr>
-          </a:p>
-          <a:p>
-            <a:r>
-              <a:rPr lang="en-US" dirty="0">
-                <a:latin typeface="Monaco"/>
-                <a:cs typeface="Monaco"/>
-              </a:rPr>
-              <a:t># file_lines is a </a:t>
-            </a:r>
-            <a:r>
-              <a:rPr lang="en-US" dirty="0" smtClean="0">
-                <a:latin typeface="Monaco"/>
-                <a:cs typeface="Monaco"/>
-              </a:rPr>
-              <a:t>list</a:t>
-            </a:r>
-          </a:p>
-          <a:p>
-            <a:r>
-              <a:rPr lang="en-US" dirty="0" smtClean="0">
-                <a:latin typeface="Monaco"/>
-                <a:cs typeface="Monaco"/>
-              </a:rPr>
-              <a:t>print(file_lines)</a:t>
-            </a:r>
-          </a:p>
-          <a:p>
-            <a:r>
-              <a:rPr lang="en-US" dirty="0">
-                <a:solidFill>
-                  <a:schemeClr val="bg1">
-                    <a:lumMod val="65000"/>
-                  </a:schemeClr>
-                </a:solidFill>
-                <a:latin typeface="Monaco"/>
-                <a:cs typeface="Monaco"/>
-              </a:rPr>
-              <a:t>	</a:t>
-            </a:r>
-            <a:r>
-              <a:rPr lang="en-US" dirty="0" smtClean="0">
-                <a:solidFill>
-                  <a:schemeClr val="bg1">
-                    <a:lumMod val="65000"/>
-                  </a:schemeClr>
-                </a:solidFill>
-                <a:latin typeface="Monaco"/>
-                <a:cs typeface="Monaco"/>
-              </a:rPr>
-              <a:t>["Line 1 of file.\n", "Line 2 of file.\n", "Line 3 of 	file.\n", ...]</a:t>
-            </a:r>
-          </a:p>
-          <a:p>
-            <a:endParaRPr lang="en-US" dirty="0">
-              <a:solidFill>
-                <a:schemeClr val="bg1">
-                  <a:lumMod val="65000"/>
-                </a:schemeClr>
-              </a:solidFill>
-              <a:latin typeface="Monaco"/>
-              <a:cs typeface="Monaco"/>
-            </a:endParaRPr>
-          </a:p>
-          <a:p>
-            <a:r>
-              <a:rPr lang="en-US" dirty="0" smtClean="0">
-                <a:latin typeface="Monaco"/>
-                <a:cs typeface="Monaco"/>
-              </a:rPr>
-              <a:t>for line in file_lines:</a:t>
-            </a:r>
-          </a:p>
-          <a:p>
-            <a:r>
-              <a:rPr lang="en-US" dirty="0">
-                <a:latin typeface="Monaco"/>
-                <a:cs typeface="Monaco"/>
-              </a:rPr>
-              <a:t>	</a:t>
-            </a:r>
-            <a:r>
-              <a:rPr lang="en-US" dirty="0" smtClean="0">
-                <a:latin typeface="Monaco"/>
-                <a:cs typeface="Monaco"/>
-              </a:rPr>
-              <a:t>print(line)</a:t>
-            </a:r>
-            <a:endParaRPr lang="en-US" dirty="0">
-              <a:latin typeface="Monaco"/>
-              <a:cs typeface="Monaco"/>
-            </a:endParaRPr>
-          </a:p>
-          <a:p>
-            <a:endParaRPr lang="en-US" dirty="0" smtClean="0">
-              <a:latin typeface="Monaco"/>
-              <a:cs typeface="Monaco"/>
-            </a:endParaRPr>
-          </a:p>
-          <a:p>
-            <a:r>
-              <a:rPr lang="en-US" dirty="0" smtClean="0">
-                <a:solidFill>
-                  <a:srgbClr val="A6A6A6"/>
-                </a:solidFill>
-                <a:latin typeface="Monaco"/>
-                <a:cs typeface="Monaco"/>
-              </a:rPr>
-              <a:t>	Line </a:t>
-            </a:r>
-            <a:r>
-              <a:rPr lang="en-US" dirty="0">
-                <a:solidFill>
-                  <a:srgbClr val="A6A6A6"/>
-                </a:solidFill>
-                <a:latin typeface="Monaco"/>
-                <a:cs typeface="Monaco"/>
-              </a:rPr>
-              <a:t>1 of file.</a:t>
-            </a:r>
-          </a:p>
-          <a:p>
-            <a:r>
-              <a:rPr lang="en-US" dirty="0">
-                <a:solidFill>
-                  <a:srgbClr val="A6A6A6"/>
-                </a:solidFill>
-                <a:latin typeface="Monaco"/>
-                <a:cs typeface="Monaco"/>
-              </a:rPr>
-              <a:t>	Line 2 of file.</a:t>
-            </a:r>
-          </a:p>
-          <a:p>
-            <a:r>
-              <a:rPr lang="en-US" dirty="0">
-                <a:solidFill>
-                  <a:srgbClr val="A6A6A6"/>
-                </a:solidFill>
-                <a:latin typeface="Monaco"/>
-                <a:cs typeface="Monaco"/>
-              </a:rPr>
-              <a:t>	Line 3 of file.</a:t>
-            </a:r>
-          </a:p>
-          <a:p>
-            <a:r>
-              <a:rPr lang="en-US" dirty="0">
-                <a:solidFill>
-                  <a:srgbClr val="A6A6A6"/>
-                </a:solidFill>
-                <a:latin typeface="Monaco"/>
-                <a:cs typeface="Monaco"/>
-              </a:rPr>
-              <a:t>	...</a:t>
-            </a:r>
-          </a:p>
-          <a:p>
-            <a:endParaRPr lang="en-US" dirty="0" smtClean="0">
-              <a:latin typeface="Monaco"/>
-              <a:cs typeface="Monaco"/>
-            </a:endParaRPr>
-          </a:p>
-        </p:txBody>
-      </p:sp>
+          <p:cNvPr id="3" name="Content Placeholder 2"/>
+          <p:cNvSpPr>
+            <a:spLocks noGrp="1"/>
+          </p:cNvSpPr>
+          <p:nvPr>
+            <p:ph idx="1"/>
+          </p:nvPr>
+        </p:nvSpPr>
+        <p:spPr/>
+        <p:txBody>
+          <a:bodyPr/>
+          <a:lstStyle/>
+          <a:p>
+            <a:pPr marL="457200" indent="-457200">
+              <a:buFont typeface="Arial"/>
+              <a:buChar char="•"/>
+            </a:pPr>
+            <a:r>
+              <a:rPr lang="en-US" dirty="0" smtClean="0"/>
+              <a:t>Functions provide UNIX commands</a:t>
+            </a:r>
+          </a:p>
+        </p:txBody>
+      </p:sp>
+      <p:graphicFrame>
+        <p:nvGraphicFramePr>
+          <p:cNvPr id="4" name="Table 3"/>
+          <p:cNvGraphicFramePr>
+            <a:graphicFrameLocks noGrp="1"/>
+          </p:cNvGraphicFramePr>
+          <p:nvPr>
+            <p:extLst>
+              <p:ext uri="{D42A27DB-BD31-4B8C-83A1-F6EECF244321}">
+                <p14:modId xmlns:p14="http://schemas.microsoft.com/office/powerpoint/2010/main" val="2516045658"/>
+              </p:ext>
+            </p:extLst>
+          </p:nvPr>
+        </p:nvGraphicFramePr>
+        <p:xfrm>
+          <a:off x="239784" y="2647026"/>
+          <a:ext cx="8596715" cy="3025238"/>
+        </p:xfrm>
+        <a:graphic>
+          <a:graphicData uri="http://schemas.openxmlformats.org/drawingml/2006/table">
+            <a:tbl>
+              <a:tblPr firstRow="1" bandRow="1">
+                <a:tableStyleId>{616DA210-FB5B-4158-B5E0-FEB733F419BA}</a:tableStyleId>
+              </a:tblPr>
+              <a:tblGrid>
+                <a:gridCol w="4749656"/>
+                <a:gridCol w="3847059"/>
+              </a:tblGrid>
+              <a:tr h="460196">
+                <a:tc>
+                  <a:txBody>
+                    <a:bodyPr/>
+                    <a:lstStyle/>
+                    <a:p>
+                      <a:pPr algn="ctr"/>
+                      <a:r>
+                        <a:rPr lang="en-US" sz="2200" dirty="0" err="1" smtClean="0">
+                          <a:latin typeface="Monaco"/>
+                          <a:cs typeface="Monaco"/>
+                        </a:rPr>
+                        <a:t>os</a:t>
+                      </a:r>
+                      <a:r>
+                        <a:rPr lang="en-US" sz="2200" dirty="0" smtClean="0">
+                          <a:latin typeface="Monaco"/>
+                          <a:cs typeface="Monaco"/>
+                        </a:rPr>
+                        <a:t>/</a:t>
+                      </a:r>
+                      <a:r>
+                        <a:rPr lang="en-US" sz="2200" dirty="0" err="1" smtClean="0">
+                          <a:latin typeface="Monaco"/>
+                          <a:cs typeface="Monaco"/>
+                        </a:rPr>
+                        <a:t>shutil</a:t>
+                      </a:r>
+                      <a:r>
+                        <a:rPr lang="en-US" sz="2200" dirty="0" smtClean="0"/>
+                        <a:t> function</a:t>
+                      </a:r>
+                      <a:endParaRPr lang="en-US" sz="2200" dirty="0"/>
+                    </a:p>
+                  </a:txBody>
+                  <a:tcPr/>
+                </a:tc>
+                <a:tc>
+                  <a:txBody>
+                    <a:bodyPr/>
+                    <a:lstStyle/>
+                    <a:p>
+                      <a:pPr algn="ctr"/>
+                      <a:r>
+                        <a:rPr lang="en-US" sz="2200" dirty="0" smtClean="0"/>
+                        <a:t>UNIX</a:t>
+                      </a:r>
+                      <a:r>
+                        <a:rPr lang="en-US" sz="2200" baseline="0" dirty="0" smtClean="0"/>
+                        <a:t> equivalent</a:t>
+                      </a:r>
+                      <a:endParaRPr lang="en-US" sz="2200" dirty="0"/>
+                    </a:p>
+                  </a:txBody>
+                  <a:tcPr/>
+                </a:tc>
+              </a:tr>
+              <a:tr h="296720">
+                <a:tc>
+                  <a:txBody>
+                    <a:bodyPr/>
+                    <a:lstStyle/>
+                    <a:p>
+                      <a:r>
+                        <a:rPr lang="en-US" b="0" dirty="0" err="1" smtClean="0">
+                          <a:latin typeface="Monaco"/>
+                          <a:cs typeface="Monaco"/>
+                        </a:rPr>
+                        <a:t>os.remove</a:t>
+                      </a:r>
+                      <a:r>
+                        <a:rPr lang="en-US" b="0" dirty="0" smtClean="0">
+                          <a:latin typeface="Monaco"/>
+                          <a:cs typeface="Monaco"/>
+                        </a:rPr>
+                        <a:t>("filename")</a:t>
+                      </a:r>
+                      <a:endParaRPr lang="en-US" b="0" dirty="0">
+                        <a:latin typeface="Monaco"/>
+                        <a:cs typeface="Monaco"/>
+                      </a:endParaRPr>
+                    </a:p>
+                  </a:txBody>
+                  <a:tcPr/>
+                </a:tc>
+                <a:tc>
+                  <a:txBody>
+                    <a:bodyPr/>
+                    <a:lstStyle/>
+                    <a:p>
+                      <a:r>
+                        <a:rPr lang="en-US" b="0" dirty="0" err="1" smtClean="0">
+                          <a:latin typeface="Monaco"/>
+                          <a:cs typeface="Monaco"/>
+                        </a:rPr>
+                        <a:t>rm</a:t>
+                      </a:r>
+                      <a:r>
+                        <a:rPr lang="en-US" b="0" dirty="0" smtClean="0">
+                          <a:latin typeface="Monaco"/>
+                          <a:cs typeface="Monaco"/>
+                        </a:rPr>
+                        <a:t> filename</a:t>
+                      </a:r>
+                      <a:endParaRPr lang="en-US" b="0" dirty="0">
+                        <a:latin typeface="Monaco"/>
+                        <a:cs typeface="Monaco"/>
+                      </a:endParaRPr>
+                    </a:p>
+                  </a:txBody>
+                  <a:tcPr/>
+                </a:tc>
+              </a:tr>
+              <a:tr h="296720">
+                <a:tc>
+                  <a:txBody>
+                    <a:bodyPr/>
+                    <a:lstStyle/>
+                    <a:p>
+                      <a:r>
+                        <a:rPr lang="en-US" b="0" dirty="0" err="1" smtClean="0">
+                          <a:latin typeface="Monaco"/>
+                          <a:cs typeface="Monaco"/>
+                        </a:rPr>
+                        <a:t>os.rmdir</a:t>
+                      </a:r>
+                      <a:r>
+                        <a:rPr lang="en-US" b="0" dirty="0" smtClean="0">
+                          <a:latin typeface="Monaco"/>
+                          <a:cs typeface="Monaco"/>
+                        </a:rPr>
+                        <a:t>("directory")</a:t>
+                      </a:r>
+                      <a:endParaRPr lang="en-US" b="0" dirty="0">
+                        <a:latin typeface="Monaco"/>
+                        <a:cs typeface="Monaco"/>
+                      </a:endParaRPr>
+                    </a:p>
+                  </a:txBody>
+                  <a:tcPr/>
+                </a:tc>
+                <a:tc>
+                  <a:txBody>
+                    <a:bodyPr/>
+                    <a:lstStyle/>
+                    <a:p>
+                      <a:r>
+                        <a:rPr lang="en-US" b="0" dirty="0" err="1" smtClean="0">
+                          <a:latin typeface="Monaco"/>
+                          <a:cs typeface="Monaco"/>
+                        </a:rPr>
+                        <a:t>rm</a:t>
+                      </a:r>
+                      <a:r>
+                        <a:rPr lang="en-US" b="0" dirty="0" smtClean="0">
+                          <a:latin typeface="Monaco"/>
+                          <a:cs typeface="Monaco"/>
+                        </a:rPr>
+                        <a:t> –r directory</a:t>
+                      </a:r>
+                      <a:endParaRPr lang="en-US" b="0" dirty="0">
+                        <a:latin typeface="Monaco"/>
+                        <a:cs typeface="Monaco"/>
+                      </a:endParaRPr>
+                    </a:p>
+                  </a:txBody>
+                  <a:tcPr/>
+                </a:tc>
+              </a:tr>
+              <a:tr h="296720">
+                <a:tc>
+                  <a:txBody>
+                    <a:bodyPr/>
+                    <a:lstStyle/>
+                    <a:p>
+                      <a:r>
+                        <a:rPr lang="en-US" b="0" dirty="0" err="1" smtClean="0">
+                          <a:latin typeface="Monaco"/>
+                          <a:cs typeface="Monaco"/>
+                        </a:rPr>
+                        <a:t>os.chdir</a:t>
+                      </a:r>
+                      <a:r>
+                        <a:rPr lang="en-US" b="0" dirty="0" smtClean="0">
+                          <a:latin typeface="Monaco"/>
+                          <a:cs typeface="Monaco"/>
+                        </a:rPr>
+                        <a:t>("directory")</a:t>
+                      </a:r>
+                      <a:endParaRPr lang="en-US" b="0" dirty="0">
+                        <a:latin typeface="Monaco"/>
+                        <a:cs typeface="Monaco"/>
+                      </a:endParaRPr>
+                    </a:p>
+                  </a:txBody>
+                  <a:tcPr/>
+                </a:tc>
+                <a:tc>
+                  <a:txBody>
+                    <a:bodyPr/>
+                    <a:lstStyle/>
+                    <a:p>
+                      <a:r>
+                        <a:rPr lang="en-US" b="0" dirty="0" smtClean="0">
+                          <a:latin typeface="Monaco"/>
+                          <a:cs typeface="Monaco"/>
+                        </a:rPr>
+                        <a:t>cd directory</a:t>
+                      </a:r>
+                      <a:endParaRPr lang="en-US" b="0" dirty="0">
+                        <a:latin typeface="Monaco"/>
+                        <a:cs typeface="Monaco"/>
+                      </a:endParaRPr>
+                    </a:p>
+                  </a:txBody>
+                  <a:tcPr/>
+                </a:tc>
+              </a:tr>
+              <a:tr h="296720">
+                <a:tc>
+                  <a:txBody>
+                    <a:bodyPr/>
+                    <a:lstStyle/>
+                    <a:p>
+                      <a:r>
+                        <a:rPr lang="en-US" b="0" dirty="0" err="1" smtClean="0">
+                          <a:latin typeface="Monaco"/>
+                          <a:cs typeface="Monaco"/>
+                        </a:rPr>
+                        <a:t>os.listdir</a:t>
+                      </a:r>
+                      <a:r>
+                        <a:rPr lang="en-US" b="0" dirty="0" smtClean="0">
+                          <a:latin typeface="Monaco"/>
+                          <a:cs typeface="Monaco"/>
+                        </a:rPr>
+                        <a:t>("directory")</a:t>
+                      </a:r>
+                      <a:endParaRPr lang="en-US" b="0" dirty="0">
+                        <a:latin typeface="Monaco"/>
+                        <a:cs typeface="Monaco"/>
+                      </a:endParaRPr>
+                    </a:p>
+                  </a:txBody>
+                  <a:tcPr/>
+                </a:tc>
+                <a:tc>
+                  <a:txBody>
+                    <a:bodyPr/>
+                    <a:lstStyle/>
+                    <a:p>
+                      <a:r>
+                        <a:rPr lang="en-US" b="0" dirty="0" err="1" smtClean="0">
+                          <a:latin typeface="Monaco"/>
+                          <a:cs typeface="Monaco"/>
+                        </a:rPr>
+                        <a:t>ls</a:t>
+                      </a:r>
+                      <a:r>
+                        <a:rPr lang="en-US" b="0" dirty="0" smtClean="0">
+                          <a:latin typeface="Monaco"/>
+                          <a:cs typeface="Monaco"/>
+                        </a:rPr>
+                        <a:t> directory</a:t>
+                      </a:r>
+                      <a:endParaRPr lang="en-US" b="0" dirty="0">
+                        <a:latin typeface="Monaco"/>
+                        <a:cs typeface="Monaco"/>
+                      </a:endParaRPr>
+                    </a:p>
+                  </a:txBody>
+                  <a:tcPr/>
+                </a:tc>
+              </a:tr>
+              <a:tr h="370482">
+                <a:tc>
+                  <a:txBody>
+                    <a:bodyPr/>
+                    <a:lstStyle/>
+                    <a:p>
+                      <a:r>
+                        <a:rPr lang="en-US" b="0" dirty="0" err="1" smtClean="0">
+                          <a:latin typeface="Monaco"/>
+                          <a:cs typeface="Monaco"/>
+                        </a:rPr>
+                        <a:t>os.mkdir</a:t>
+                      </a:r>
+                      <a:r>
+                        <a:rPr lang="en-US" b="0" dirty="0" smtClean="0">
+                          <a:latin typeface="Monaco"/>
+                          <a:cs typeface="Monaco"/>
+                        </a:rPr>
+                        <a:t>("directory")</a:t>
+                      </a:r>
+                      <a:endParaRPr lang="en-US" b="0" dirty="0">
+                        <a:latin typeface="Monaco"/>
+                        <a:cs typeface="Monaco"/>
+                      </a:endParaRPr>
+                    </a:p>
+                  </a:txBody>
+                  <a:tcPr/>
+                </a:tc>
+                <a:tc>
+                  <a:txBody>
+                    <a:bodyPr/>
+                    <a:lstStyle/>
+                    <a:p>
+                      <a:r>
+                        <a:rPr lang="en-US" b="0" dirty="0" err="1" smtClean="0">
+                          <a:latin typeface="Monaco"/>
+                          <a:cs typeface="Monaco"/>
+                        </a:rPr>
+                        <a:t>mkdir</a:t>
+                      </a:r>
+                      <a:r>
+                        <a:rPr lang="en-US" b="0" dirty="0" smtClean="0">
+                          <a:latin typeface="Monaco"/>
+                          <a:cs typeface="Monaco"/>
+                        </a:rPr>
+                        <a:t> directory</a:t>
+                      </a:r>
+                      <a:endParaRPr lang="en-US" b="0" dirty="0">
+                        <a:latin typeface="Monaco"/>
+                        <a:cs typeface="Monaco"/>
+                      </a:endParaRPr>
+                    </a:p>
+                  </a:txBody>
+                  <a:tcPr/>
+                </a:tc>
+              </a:tr>
+              <a:tr h="296720">
+                <a:tc>
+                  <a:txBody>
+                    <a:bodyPr/>
+                    <a:lstStyle/>
+                    <a:p>
+                      <a:r>
+                        <a:rPr lang="en-US" b="0" dirty="0" err="1" smtClean="0">
+                          <a:latin typeface="Monaco"/>
+                          <a:cs typeface="Monaco"/>
+                        </a:rPr>
+                        <a:t>shutil.copy</a:t>
+                      </a:r>
+                      <a:r>
+                        <a:rPr lang="en-US" b="0" dirty="0" smtClean="0">
+                          <a:latin typeface="Monaco"/>
+                          <a:cs typeface="Monaco"/>
+                        </a:rPr>
+                        <a:t>("</a:t>
+                      </a:r>
+                      <a:r>
+                        <a:rPr lang="en-US" b="0" dirty="0" err="1" smtClean="0">
+                          <a:latin typeface="Monaco"/>
+                          <a:cs typeface="Monaco"/>
+                        </a:rPr>
+                        <a:t>oldfile</a:t>
+                      </a:r>
+                      <a:r>
+                        <a:rPr lang="en-US" b="0" dirty="0" smtClean="0">
+                          <a:latin typeface="Monaco"/>
+                          <a:cs typeface="Monaco"/>
+                        </a:rPr>
+                        <a:t>", "</a:t>
+                      </a:r>
+                      <a:r>
+                        <a:rPr lang="en-US" b="0" dirty="0" err="1" smtClean="0">
+                          <a:latin typeface="Monaco"/>
+                          <a:cs typeface="Monaco"/>
+                        </a:rPr>
+                        <a:t>newfile</a:t>
+                      </a:r>
+                      <a:r>
+                        <a:rPr lang="en-US" b="0" dirty="0" smtClean="0">
+                          <a:latin typeface="Monaco"/>
+                          <a:cs typeface="Monaco"/>
+                        </a:rPr>
+                        <a:t>")</a:t>
+                      </a:r>
+                      <a:endParaRPr lang="en-US" b="0" dirty="0">
+                        <a:latin typeface="Monaco"/>
+                        <a:cs typeface="Monaco"/>
+                      </a:endParaRPr>
+                    </a:p>
+                  </a:txBody>
+                  <a:tcPr/>
+                </a:tc>
+                <a:tc>
+                  <a:txBody>
+                    <a:bodyPr/>
+                    <a:lstStyle/>
+                    <a:p>
+                      <a:r>
+                        <a:rPr lang="en-US" b="0" dirty="0" err="1" smtClean="0">
+                          <a:latin typeface="Monaco"/>
+                          <a:cs typeface="Monaco"/>
+                        </a:rPr>
+                        <a:t>cp</a:t>
+                      </a:r>
+                      <a:r>
+                        <a:rPr lang="en-US" b="0" baseline="0" dirty="0" smtClean="0">
+                          <a:latin typeface="Monaco"/>
+                          <a:cs typeface="Monaco"/>
+                        </a:rPr>
+                        <a:t> </a:t>
+                      </a:r>
+                      <a:r>
+                        <a:rPr lang="en-US" b="0" baseline="0" dirty="0" err="1" smtClean="0">
+                          <a:latin typeface="Monaco"/>
+                          <a:cs typeface="Monaco"/>
+                        </a:rPr>
+                        <a:t>oldfile</a:t>
+                      </a:r>
+                      <a:r>
+                        <a:rPr lang="en-US" b="0" baseline="0" dirty="0" smtClean="0">
+                          <a:latin typeface="Monaco"/>
+                          <a:cs typeface="Monaco"/>
+                        </a:rPr>
+                        <a:t> </a:t>
+                      </a:r>
+                      <a:r>
+                        <a:rPr lang="en-US" b="0" baseline="0" dirty="0" err="1" smtClean="0">
+                          <a:latin typeface="Monaco"/>
+                          <a:cs typeface="Monaco"/>
+                        </a:rPr>
+                        <a:t>newfile</a:t>
+                      </a:r>
+                      <a:endParaRPr lang="en-US" b="0" dirty="0">
+                        <a:latin typeface="Monaco"/>
+                        <a:cs typeface="Monaco"/>
+                      </a:endParaRPr>
+                    </a:p>
+                  </a:txBody>
+                  <a:tcPr/>
+                </a:tc>
+              </a:tr>
+              <a:tr h="296720">
+                <a:tc>
+                  <a:txBody>
+                    <a:bodyPr/>
+                    <a:lstStyle/>
+                    <a:p>
+                      <a:r>
+                        <a:rPr lang="en-US" b="0" dirty="0" err="1" smtClean="0">
+                          <a:latin typeface="Monaco"/>
+                          <a:cs typeface="Monaco"/>
+                        </a:rPr>
+                        <a:t>shutil.move</a:t>
+                      </a:r>
+                      <a:r>
+                        <a:rPr lang="en-US" b="0" dirty="0" smtClean="0">
+                          <a:latin typeface="Monaco"/>
+                          <a:cs typeface="Monaco"/>
+                        </a:rPr>
+                        <a:t>("</a:t>
+                      </a:r>
+                      <a:r>
+                        <a:rPr lang="en-US" b="0" dirty="0" err="1" smtClean="0">
+                          <a:latin typeface="Monaco"/>
+                          <a:cs typeface="Monaco"/>
+                        </a:rPr>
+                        <a:t>oldfile</a:t>
+                      </a:r>
+                      <a:r>
+                        <a:rPr lang="en-US" b="0" dirty="0" smtClean="0">
+                          <a:latin typeface="Monaco"/>
+                          <a:cs typeface="Monaco"/>
+                        </a:rPr>
+                        <a:t>", "</a:t>
+                      </a:r>
+                      <a:r>
+                        <a:rPr lang="en-US" b="0" dirty="0" err="1" smtClean="0">
+                          <a:latin typeface="Monaco"/>
+                          <a:cs typeface="Monaco"/>
+                        </a:rPr>
+                        <a:t>newfile</a:t>
+                      </a:r>
+                      <a:r>
+                        <a:rPr lang="en-US" b="0" dirty="0" smtClean="0">
+                          <a:latin typeface="Monaco"/>
+                          <a:cs typeface="Monaco"/>
+                        </a:rPr>
+                        <a:t>")</a:t>
+                      </a:r>
+                      <a:endParaRPr lang="en-US" b="0" dirty="0">
+                        <a:latin typeface="Monaco"/>
+                        <a:cs typeface="Monaco"/>
+                      </a:endParaRPr>
+                    </a:p>
+                  </a:txBody>
+                  <a:tcPr/>
+                </a:tc>
+                <a:tc>
+                  <a:txBody>
+                    <a:bodyPr/>
+                    <a:lstStyle/>
+                    <a:p>
+                      <a:r>
+                        <a:rPr lang="en-US" b="0" baseline="0" dirty="0" smtClean="0">
+                          <a:latin typeface="Monaco"/>
+                          <a:cs typeface="Monaco"/>
+                        </a:rPr>
+                        <a:t>mv </a:t>
+                      </a:r>
+                      <a:r>
+                        <a:rPr lang="en-US" b="0" baseline="0" dirty="0" err="1" smtClean="0">
+                          <a:latin typeface="Monaco"/>
+                          <a:cs typeface="Monaco"/>
+                        </a:rPr>
+                        <a:t>oldfile</a:t>
+                      </a:r>
+                      <a:r>
+                        <a:rPr lang="en-US" b="0" baseline="0" dirty="0" smtClean="0">
+                          <a:latin typeface="Monaco"/>
+                          <a:cs typeface="Monaco"/>
+                        </a:rPr>
+                        <a:t> </a:t>
+                      </a:r>
+                      <a:r>
+                        <a:rPr lang="en-US" b="0" baseline="0" dirty="0" err="1" smtClean="0">
+                          <a:latin typeface="Monaco"/>
+                          <a:cs typeface="Monaco"/>
+                        </a:rPr>
+                        <a:t>newfile</a:t>
+                      </a:r>
+                      <a:endParaRPr lang="en-US" b="0" dirty="0">
+                        <a:latin typeface="Monaco"/>
+                        <a:cs typeface="Monaco"/>
+                      </a:endParaRPr>
+                    </a:p>
+                  </a:txBody>
+                  <a:tcPr/>
+                </a:tc>
+              </a:tr>
+            </a:tbl>
+          </a:graphicData>
+        </a:graphic>
+      </p:graphicFrame>
     </p:spTree>
     <p:extLst>
       <p:ext uri="{BB962C8B-B14F-4D97-AF65-F5344CB8AC3E}">
-        <p14:creationId xmlns:p14="http://schemas.microsoft.com/office/powerpoint/2010/main" val="1642613258"/>
+        <p14:creationId xmlns:p14="http://schemas.microsoft.com/office/powerpoint/2010/main" val="2539900453"/>
       </p:ext>
     </p:extLst>
   </p:cSld>
@@ -7847,345 +9327,7 @@
   <p:timing>
     <p:tnLst>
       <p:par>
-        <p:cTn xmlns:p14="http://schemas.microsoft.com/office/powerpoint/2010/main" id="1" dur="indefinite" restart="never" nodeType="tmRoot">
-          <p:childTnLst>
-            <p:seq concurrent="1" nextAc="seek">
-              <p:cTn id="2" dur="indefinite" nodeType="mainSeq">
-                <p:childTnLst>
-                  <p:par>
-                    <p:cTn id="3" fill="hold">
-                      <p:stCondLst>
-                        <p:cond delay="indefinite"/>
-                      </p:stCondLst>
-                      <p:childTnLst>
-                        <p:par>
-                          <p:cTn id="4" fill="hold">
-                            <p:stCondLst>
-                              <p:cond delay="0"/>
-                            </p:stCondLst>
-                            <p:childTnLst>
-                              <p:par>
-                                <p:cTn id="5" presetID="1" presetClass="entr" presetSubtype="0" fill="hold" nodeType="clickEffect">
-                                  <p:stCondLst>
-                                    <p:cond delay="0"/>
-                                  </p:stCondLst>
-                                  <p:childTnLst>
-                                    <p:set>
-                                      <p:cBhvr>
-                                        <p:cTn id="6" dur="1" fill="hold">
-                                          <p:stCondLst>
-                                            <p:cond delay="0"/>
-                                          </p:stCondLst>
-                                        </p:cTn>
-                                        <p:tgtEl>
-                                          <p:spTgt spid="4">
-                                            <p:txEl>
-                                              <p:pRg st="6" end="6"/>
-                                            </p:txEl>
-                                          </p:spTgt>
-                                        </p:tgtEl>
-                                        <p:attrNameLst>
-                                          <p:attrName>style.visibility</p:attrName>
-                                        </p:attrNameLst>
-                                      </p:cBhvr>
-                                      <p:to>
-                                        <p:strVal val="visible"/>
-                                      </p:to>
-                                    </p:set>
-                                  </p:childTnLst>
-                                </p:cTn>
-                              </p:par>
-                              <p:par>
-                                <p:cTn id="7" presetID="1" presetClass="entr" presetSubtype="0" fill="hold" nodeType="withEffect">
-                                  <p:stCondLst>
-                                    <p:cond delay="0"/>
-                                  </p:stCondLst>
-                                  <p:childTnLst>
-                                    <p:set>
-                                      <p:cBhvr>
-                                        <p:cTn id="8" dur="1" fill="hold">
-                                          <p:stCondLst>
-                                            <p:cond delay="0"/>
-                                          </p:stCondLst>
-                                        </p:cTn>
-                                        <p:tgtEl>
-                                          <p:spTgt spid="4">
-                                            <p:txEl>
-                                              <p:pRg st="7" end="7"/>
-                                            </p:txEl>
-                                          </p:spTgt>
-                                        </p:tgtEl>
-                                        <p:attrNameLst>
-                                          <p:attrName>style.visibility</p:attrName>
-                                        </p:attrNameLst>
-                                      </p:cBhvr>
-                                      <p:to>
-                                        <p:strVal val="visible"/>
-                                      </p:to>
-                                    </p:set>
-                                  </p:childTnLst>
-                                </p:cTn>
-                              </p:par>
-                              <p:par>
-                                <p:cTn id="9" presetID="1" presetClass="entr" presetSubtype="0" fill="hold" nodeType="withEffect">
-                                  <p:stCondLst>
-                                    <p:cond delay="0"/>
-                                  </p:stCondLst>
-                                  <p:childTnLst>
-                                    <p:set>
-                                      <p:cBhvr>
-                                        <p:cTn id="10" dur="1" fill="hold">
-                                          <p:stCondLst>
-                                            <p:cond delay="0"/>
-                                          </p:stCondLst>
-                                        </p:cTn>
-                                        <p:tgtEl>
-                                          <p:spTgt spid="4">
-                                            <p:txEl>
-                                              <p:pRg st="8" end="8"/>
-                                            </p:txEl>
-                                          </p:spTgt>
-                                        </p:tgtEl>
-                                        <p:attrNameLst>
-                                          <p:attrName>style.visibility</p:attrName>
-                                        </p:attrNameLst>
-                                      </p:cBhvr>
-                                      <p:to>
-                                        <p:strVal val="visible"/>
-                                      </p:to>
-                                    </p:set>
-                                  </p:childTnLst>
-                                </p:cTn>
-                              </p:par>
-                            </p:childTnLst>
-                          </p:cTn>
-                        </p:par>
-                      </p:childTnLst>
-                    </p:cTn>
-                  </p:par>
-                  <p:par>
-                    <p:cTn id="11" fill="hold">
-                      <p:stCondLst>
-                        <p:cond delay="indefinite"/>
-                      </p:stCondLst>
-                      <p:childTnLst>
-                        <p:par>
-                          <p:cTn id="12" fill="hold">
-                            <p:stCondLst>
-                              <p:cond delay="0"/>
-                            </p:stCondLst>
-                            <p:childTnLst>
-                              <p:par>
-                                <p:cTn id="13" presetID="1" presetClass="entr" presetSubtype="0" fill="hold" nodeType="clickEffect">
-                                  <p:stCondLst>
-                                    <p:cond delay="0"/>
-                                  </p:stCondLst>
-                                  <p:childTnLst>
-                                    <p:set>
-                                      <p:cBhvr>
-                                        <p:cTn id="14" dur="1" fill="hold">
-                                          <p:stCondLst>
-                                            <p:cond delay="0"/>
-                                          </p:stCondLst>
-                                        </p:cTn>
-                                        <p:tgtEl>
-                                          <p:spTgt spid="4">
-                                            <p:txEl>
-                                              <p:pRg st="10" end="10"/>
-                                            </p:txEl>
-                                          </p:spTgt>
-                                        </p:tgtEl>
-                                        <p:attrNameLst>
-                                          <p:attrName>style.visibility</p:attrName>
-                                        </p:attrNameLst>
-                                      </p:cBhvr>
-                                      <p:to>
-                                        <p:strVal val="visible"/>
-                                      </p:to>
-                                    </p:set>
-                                  </p:childTnLst>
-                                </p:cTn>
-                              </p:par>
-                              <p:par>
-                                <p:cTn id="15" presetID="1" presetClass="entr" presetSubtype="0" fill="hold" nodeType="withEffect">
-                                  <p:stCondLst>
-                                    <p:cond delay="0"/>
-                                  </p:stCondLst>
-                                  <p:childTnLst>
-                                    <p:set>
-                                      <p:cBhvr>
-                                        <p:cTn id="16" dur="1" fill="hold">
-                                          <p:stCondLst>
-                                            <p:cond delay="0"/>
-                                          </p:stCondLst>
-                                        </p:cTn>
-                                        <p:tgtEl>
-                                          <p:spTgt spid="4">
-                                            <p:txEl>
-                                              <p:pRg st="11" end="11"/>
-                                            </p:txEl>
-                                          </p:spTgt>
-                                        </p:tgtEl>
-                                        <p:attrNameLst>
-                                          <p:attrName>style.visibility</p:attrName>
-                                        </p:attrNameLst>
-                                      </p:cBhvr>
-                                      <p:to>
-                                        <p:strVal val="visible"/>
-                                      </p:to>
-                                    </p:set>
-                                  </p:childTnLst>
-                                </p:cTn>
-                              </p:par>
-                              <p:par>
-                                <p:cTn id="17" presetID="1" presetClass="entr" presetSubtype="0" fill="hold" nodeType="withEffect">
-                                  <p:stCondLst>
-                                    <p:cond delay="0"/>
-                                  </p:stCondLst>
-                                  <p:childTnLst>
-                                    <p:set>
-                                      <p:cBhvr>
-                                        <p:cTn id="18" dur="1" fill="hold">
-                                          <p:stCondLst>
-                                            <p:cond delay="0"/>
-                                          </p:stCondLst>
-                                        </p:cTn>
-                                        <p:tgtEl>
-                                          <p:spTgt spid="4">
-                                            <p:txEl>
-                                              <p:pRg st="13" end="13"/>
-                                            </p:txEl>
-                                          </p:spTgt>
-                                        </p:tgtEl>
-                                        <p:attrNameLst>
-                                          <p:attrName>style.visibility</p:attrName>
-                                        </p:attrNameLst>
-                                      </p:cBhvr>
-                                      <p:to>
-                                        <p:strVal val="visible"/>
-                                      </p:to>
-                                    </p:set>
-                                  </p:childTnLst>
-                                </p:cTn>
-                              </p:par>
-                              <p:par>
-                                <p:cTn id="19" presetID="1" presetClass="entr" presetSubtype="0" fill="hold" nodeType="withEffect">
-                                  <p:stCondLst>
-                                    <p:cond delay="0"/>
-                                  </p:stCondLst>
-                                  <p:childTnLst>
-                                    <p:set>
-                                      <p:cBhvr>
-                                        <p:cTn id="20" dur="1" fill="hold">
-                                          <p:stCondLst>
-                                            <p:cond delay="0"/>
-                                          </p:stCondLst>
-                                        </p:cTn>
-                                        <p:tgtEl>
-                                          <p:spTgt spid="4">
-                                            <p:txEl>
-                                              <p:pRg st="14" end="14"/>
-                                            </p:txEl>
-                                          </p:spTgt>
-                                        </p:tgtEl>
-                                        <p:attrNameLst>
-                                          <p:attrName>style.visibility</p:attrName>
-                                        </p:attrNameLst>
-                                      </p:cBhvr>
-                                      <p:to>
-                                        <p:strVal val="visible"/>
-                                      </p:to>
-                                    </p:set>
-                                  </p:childTnLst>
-                                </p:cTn>
-                              </p:par>
-                              <p:par>
-                                <p:cTn id="21" presetID="1" presetClass="entr" presetSubtype="0" fill="hold" nodeType="withEffect">
-                                  <p:stCondLst>
-                                    <p:cond delay="0"/>
-                                  </p:stCondLst>
-                                  <p:childTnLst>
-                                    <p:set>
-                                      <p:cBhvr>
-                                        <p:cTn id="22" dur="1" fill="hold">
-                                          <p:stCondLst>
-                                            <p:cond delay="0"/>
-                                          </p:stCondLst>
-                                        </p:cTn>
-                                        <p:tgtEl>
-                                          <p:spTgt spid="4">
-                                            <p:txEl>
-                                              <p:pRg st="15" end="15"/>
-                                            </p:txEl>
-                                          </p:spTgt>
-                                        </p:tgtEl>
-                                        <p:attrNameLst>
-                                          <p:attrName>style.visibility</p:attrName>
-                                        </p:attrNameLst>
-                                      </p:cBhvr>
-                                      <p:to>
-                                        <p:strVal val="visible"/>
-                                      </p:to>
-                                    </p:set>
-                                  </p:childTnLst>
-                                </p:cTn>
-                              </p:par>
-                              <p:par>
-                                <p:cTn id="23" presetID="1" presetClass="entr" presetSubtype="0" fill="hold" nodeType="withEffect">
-                                  <p:stCondLst>
-                                    <p:cond delay="0"/>
-                                  </p:stCondLst>
-                                  <p:childTnLst>
-                                    <p:set>
-                                      <p:cBhvr>
-                                        <p:cTn id="24" dur="1" fill="hold">
-                                          <p:stCondLst>
-                                            <p:cond delay="0"/>
-                                          </p:stCondLst>
-                                        </p:cTn>
-                                        <p:tgtEl>
-                                          <p:spTgt spid="4">
-                                            <p:txEl>
-                                              <p:pRg st="16" end="16"/>
-                                            </p:txEl>
-                                          </p:spTgt>
-                                        </p:tgtEl>
-                                        <p:attrNameLst>
-                                          <p:attrName>style.visibility</p:attrName>
-                                        </p:attrNameLst>
-                                      </p:cBhvr>
-                                      <p:to>
-                                        <p:strVal val="visible"/>
-                                      </p:to>
-                                    </p:set>
-                                  </p:childTnLst>
-                                </p:cTn>
-                              </p:par>
-                            </p:childTnLst>
-                          </p:cTn>
-                        </p:par>
-                      </p:childTnLst>
-                    </p:cTn>
-                  </p:par>
-                </p:childTnLst>
-              </p:cTn>
-              <p:prevCondLst>
-                <p:cond evt="onPrev" delay="0">
-                  <p:tgtEl>
-                    <p:sldTgt/>
-                  </p:tgtEl>
-                </p:cond>
-              </p:prevCondLst>
-              <p:nextCondLst>
-                <p:cond evt="onNext" delay="0">
-                  <p:tgtEl>
-                    <p:sldTgt/>
-                  </p:tgtEl>
-                </p:cond>
-              </p:nextCondLst>
-            </p:seq>
-          </p:childTnLst>
-        </p:cTn>
+        <p:cTn xmlns:p14="http://schemas.microsoft.com/office/powerpoint/2010/main" id="1" dur="indefinite" restart="never" nodeType="tmRoot"/>
       </p:par>
     </p:tnLst>
   </p:timing>
@@ -8226,7 +9368,11 @@
           <a:p>
             <a:r>
               <a:rPr lang="en-US" dirty="0" smtClean="0"/>
-              <a:t>opening files for writing</a:t>
+              <a:t>looping over files with </a:t>
+            </a:r>
+            <a:r>
+              <a:rPr lang="en-US" dirty="0" err="1" smtClean="0"/>
+              <a:t>os.listdir</a:t>
             </a:r>
             <a:endParaRPr lang="en-US" dirty="0"/>
           </a:p>
@@ -8240,8 +9386,8 @@
         </p:nvSpPr>
         <p:spPr>
           <a:xfrm>
-            <a:off x="457199" y="1727554"/>
-            <a:ext cx="8338444" cy="3693319"/>
+            <a:off x="365827" y="1848795"/>
+            <a:ext cx="8338444" cy="4708981"/>
           </a:xfrm>
           <a:prstGeom prst="rect">
             <a:avLst/>
@@ -8255,310 +9401,225 @@
           <a:lstStyle/>
           <a:p>
             <a:r>
-              <a:rPr lang="en-US" dirty="0" smtClean="0">
-                <a:latin typeface="Monaco"/>
-                <a:cs typeface="Monaco"/>
-              </a:rPr>
-              <a:t># Name of file to open</a:t>
-            </a:r>
-          </a:p>
-          <a:p>
-            <a:r>
-              <a:rPr lang="en-US" dirty="0" smtClean="0">
-                <a:latin typeface="Monaco"/>
-                <a:cs typeface="Monaco"/>
-              </a:rPr>
-              <a:t>filename = "my_file_to_write_to.txt"</a:t>
-            </a:r>
-          </a:p>
-          <a:p>
-            <a:endParaRPr lang="en-US" dirty="0">
+              <a:rPr lang="en-US" sz="2000" dirty="0" smtClean="0">
+                <a:latin typeface="Monaco"/>
+                <a:cs typeface="Monaco"/>
+              </a:rPr>
+              <a:t>import </a:t>
+            </a:r>
+            <a:r>
+              <a:rPr lang="en-US" sz="2000" dirty="0" err="1" smtClean="0">
+                <a:latin typeface="Monaco"/>
+                <a:cs typeface="Monaco"/>
+              </a:rPr>
+              <a:t>os</a:t>
+            </a:r>
+            <a:endParaRPr lang="en-US" sz="2000" dirty="0" smtClean="0">
               <a:latin typeface="Monaco"/>
               <a:cs typeface="Monaco"/>
             </a:endParaRPr>
           </a:p>
           <a:p>
-            <a:r>
-              <a:rPr lang="en-US" dirty="0" smtClean="0">
-                <a:latin typeface="Monaco"/>
-                <a:cs typeface="Monaco"/>
-              </a:rPr>
-              <a:t># Define handle with the </a:t>
-            </a:r>
-            <a:r>
-              <a:rPr lang="en-US" i="1" dirty="0" smtClean="0">
-                <a:latin typeface="Monaco"/>
-                <a:cs typeface="Monaco"/>
-              </a:rPr>
-              <a:t>.open() </a:t>
-            </a:r>
-            <a:r>
-              <a:rPr lang="en-US" dirty="0" smtClean="0">
-                <a:latin typeface="Monaco"/>
-                <a:cs typeface="Monaco"/>
-              </a:rPr>
-              <a:t>function</a:t>
-            </a:r>
-          </a:p>
-          <a:p>
-            <a:r>
-              <a:rPr lang="en-US" dirty="0" smtClean="0">
-                <a:latin typeface="Monaco"/>
-                <a:cs typeface="Monaco"/>
-              </a:rPr>
-              <a:t>file_handle = </a:t>
-            </a:r>
-            <a:r>
-              <a:rPr lang="en-US" dirty="0" smtClean="0">
-                <a:solidFill>
-                  <a:srgbClr val="DC5924"/>
-                </a:solidFill>
-                <a:latin typeface="Monaco"/>
-                <a:cs typeface="Monaco"/>
-              </a:rPr>
-              <a:t>open</a:t>
-            </a:r>
-            <a:r>
-              <a:rPr lang="en-US" dirty="0" smtClean="0">
-                <a:latin typeface="Monaco"/>
-                <a:cs typeface="Monaco"/>
-              </a:rPr>
-              <a:t>(filename, </a:t>
-            </a:r>
-            <a:r>
-              <a:rPr lang="en-US" dirty="0" smtClean="0">
-                <a:solidFill>
-                  <a:srgbClr val="DC5924"/>
-                </a:solidFill>
-                <a:latin typeface="Monaco"/>
-                <a:cs typeface="Monaco"/>
-              </a:rPr>
-              <a:t>"w"</a:t>
-            </a:r>
-            <a:r>
-              <a:rPr lang="en-US" dirty="0" smtClean="0">
-                <a:latin typeface="Monaco"/>
-                <a:cs typeface="Monaco"/>
-              </a:rPr>
-              <a:t>)  # note the mode!</a:t>
-            </a:r>
-          </a:p>
-          <a:p>
-            <a:endParaRPr lang="en-US" dirty="0">
+            <a:endParaRPr lang="en-US" sz="2000" dirty="0">
               <a:latin typeface="Monaco"/>
               <a:cs typeface="Monaco"/>
             </a:endParaRPr>
           </a:p>
           <a:p>
             <a:r>
-              <a:rPr lang="en-US" dirty="0" smtClean="0">
-                <a:latin typeface="Monaco"/>
-                <a:cs typeface="Monaco"/>
-              </a:rPr>
-              <a:t># Write to the file with the </a:t>
-            </a:r>
-            <a:r>
-              <a:rPr lang="en-US" i="1" dirty="0" smtClean="0">
-                <a:latin typeface="Monaco"/>
-                <a:cs typeface="Monaco"/>
-              </a:rPr>
-              <a:t>.write()</a:t>
-            </a:r>
-            <a:r>
-              <a:rPr lang="en-US" dirty="0">
-                <a:latin typeface="Monaco"/>
-                <a:cs typeface="Monaco"/>
-              </a:rPr>
-              <a:t> </a:t>
-            </a:r>
-            <a:r>
-              <a:rPr lang="en-US" dirty="0" smtClean="0">
-                <a:latin typeface="Monaco"/>
-                <a:cs typeface="Monaco"/>
-              </a:rPr>
-              <a:t>method</a:t>
-            </a:r>
-          </a:p>
-          <a:p>
-            <a:r>
-              <a:rPr lang="en-US" dirty="0" smtClean="0">
-                <a:latin typeface="Monaco"/>
-                <a:cs typeface="Monaco"/>
-              </a:rPr>
-              <a:t>file_handle</a:t>
-            </a:r>
-            <a:r>
-              <a:rPr lang="en-US" dirty="0" smtClean="0">
-                <a:solidFill>
-                  <a:schemeClr val="accent5"/>
-                </a:solidFill>
-                <a:latin typeface="Monaco"/>
-                <a:cs typeface="Monaco"/>
-              </a:rPr>
-              <a:t>.write(</a:t>
-            </a:r>
-            <a:r>
-              <a:rPr lang="en-US" dirty="0" smtClean="0">
-                <a:latin typeface="Monaco"/>
-                <a:cs typeface="Monaco"/>
-              </a:rPr>
-              <a:t>"Line 1 of the file.</a:t>
-            </a:r>
-            <a:r>
-              <a:rPr lang="en-US" dirty="0" smtClean="0">
-                <a:solidFill>
-                  <a:schemeClr val="tx2"/>
-                </a:solidFill>
-                <a:latin typeface="Monaco"/>
-                <a:cs typeface="Monaco"/>
-              </a:rPr>
-              <a:t>\n</a:t>
-            </a:r>
-            <a:r>
-              <a:rPr lang="en-US" dirty="0" smtClean="0">
-                <a:latin typeface="Monaco"/>
-                <a:cs typeface="Monaco"/>
-              </a:rPr>
-              <a:t>"</a:t>
-            </a:r>
-            <a:r>
-              <a:rPr lang="en-US" dirty="0" smtClean="0">
-                <a:solidFill>
-                  <a:schemeClr val="accent5"/>
-                </a:solidFill>
-                <a:latin typeface="Monaco"/>
-                <a:cs typeface="Monaco"/>
-              </a:rPr>
-              <a:t>)</a:t>
-            </a:r>
-          </a:p>
-          <a:p>
-            <a:r>
-              <a:rPr lang="en-US" dirty="0">
-                <a:latin typeface="Monaco"/>
-                <a:cs typeface="Monaco"/>
-              </a:rPr>
-              <a:t>file_handle</a:t>
-            </a:r>
-            <a:r>
-              <a:rPr lang="en-US" dirty="0">
-                <a:solidFill>
-                  <a:schemeClr val="accent5"/>
-                </a:solidFill>
-                <a:latin typeface="Monaco"/>
-                <a:cs typeface="Monaco"/>
-              </a:rPr>
-              <a:t>.write(</a:t>
-            </a:r>
-            <a:r>
-              <a:rPr lang="en-US" dirty="0">
-                <a:latin typeface="Monaco"/>
-                <a:cs typeface="Monaco"/>
-              </a:rPr>
-              <a:t>"Line </a:t>
-            </a:r>
-            <a:r>
-              <a:rPr lang="en-US" dirty="0" smtClean="0">
-                <a:latin typeface="Monaco"/>
-                <a:cs typeface="Monaco"/>
-              </a:rPr>
-              <a:t>2 </a:t>
-            </a:r>
-            <a:r>
-              <a:rPr lang="en-US" dirty="0">
-                <a:latin typeface="Monaco"/>
-                <a:cs typeface="Monaco"/>
-              </a:rPr>
-              <a:t>of the file.</a:t>
-            </a:r>
-            <a:r>
-              <a:rPr lang="en-US" dirty="0">
-                <a:solidFill>
-                  <a:srgbClr val="D1282E"/>
-                </a:solidFill>
-                <a:latin typeface="Monaco"/>
-                <a:cs typeface="Monaco"/>
-              </a:rPr>
-              <a:t>\n</a:t>
-            </a:r>
-            <a:r>
-              <a:rPr lang="en-US" dirty="0">
-                <a:latin typeface="Monaco"/>
-                <a:cs typeface="Monaco"/>
-              </a:rPr>
-              <a:t>"</a:t>
-            </a:r>
-            <a:r>
-              <a:rPr lang="en-US" dirty="0">
-                <a:solidFill>
-                  <a:schemeClr val="accent5"/>
-                </a:solidFill>
-                <a:latin typeface="Monaco"/>
-                <a:cs typeface="Monaco"/>
-              </a:rPr>
-              <a:t>)</a:t>
-            </a:r>
-          </a:p>
-          <a:p>
-            <a:endParaRPr lang="en-US" dirty="0">
+              <a:rPr lang="en-US" sz="2000" dirty="0" smtClean="0">
+                <a:latin typeface="Monaco"/>
+                <a:cs typeface="Monaco"/>
+              </a:rPr>
+              <a:t>directory = "my/directory/with/tons/of/files/"</a:t>
+            </a:r>
+          </a:p>
+          <a:p>
+            <a:endParaRPr lang="en-US" sz="2000" dirty="0">
               <a:latin typeface="Monaco"/>
               <a:cs typeface="Monaco"/>
             </a:endParaRPr>
           </a:p>
           <a:p>
             <a:r>
-              <a:rPr lang="en-US" dirty="0" smtClean="0">
-                <a:latin typeface="Monaco"/>
-                <a:cs typeface="Monaco"/>
-              </a:rPr>
-              <a:t># Close the file when done with the </a:t>
-            </a:r>
-            <a:r>
-              <a:rPr lang="en-US" i="1" dirty="0" smtClean="0">
-                <a:latin typeface="Monaco"/>
-                <a:cs typeface="Monaco"/>
-              </a:rPr>
-              <a:t>.close()</a:t>
-            </a:r>
-            <a:r>
-              <a:rPr lang="en-US" dirty="0" smtClean="0">
-                <a:latin typeface="Monaco"/>
-                <a:cs typeface="Monaco"/>
-              </a:rPr>
-              <a:t> method (!!!)</a:t>
-            </a:r>
-          </a:p>
-          <a:p>
-            <a:r>
-              <a:rPr lang="en-US" dirty="0" smtClean="0">
-                <a:latin typeface="Monaco"/>
-                <a:cs typeface="Monaco"/>
-              </a:rPr>
-              <a:t>file_handle</a:t>
-            </a:r>
-            <a:r>
-              <a:rPr lang="en-US" dirty="0" smtClean="0">
-                <a:solidFill>
-                  <a:srgbClr val="DC5924"/>
-                </a:solidFill>
-                <a:latin typeface="Monaco"/>
-                <a:cs typeface="Monaco"/>
-              </a:rPr>
-              <a:t>.close()</a:t>
-            </a:r>
-          </a:p>
-          <a:p>
-            <a:endParaRPr lang="en-US" dirty="0" smtClean="0">
+              <a:rPr lang="en-US" sz="2000" dirty="0" smtClean="0">
+                <a:latin typeface="Monaco"/>
+                <a:cs typeface="Monaco"/>
+              </a:rPr>
+              <a:t># Obtain list of files in directory</a:t>
+            </a:r>
+          </a:p>
+          <a:p>
+            <a:r>
+              <a:rPr lang="en-US" sz="2000" dirty="0" smtClean="0">
+                <a:latin typeface="Monaco"/>
+                <a:cs typeface="Monaco"/>
+              </a:rPr>
+              <a:t>files = </a:t>
+            </a:r>
+            <a:r>
+              <a:rPr lang="en-US" sz="2000" dirty="0" err="1" smtClean="0">
+                <a:latin typeface="Monaco"/>
+                <a:cs typeface="Monaco"/>
+              </a:rPr>
+              <a:t>os.listdir</a:t>
+            </a:r>
+            <a:r>
+              <a:rPr lang="en-US" sz="2000" dirty="0" smtClean="0">
+                <a:latin typeface="Monaco"/>
+                <a:cs typeface="Monaco"/>
+              </a:rPr>
+              <a:t>(directory)</a:t>
+            </a:r>
+          </a:p>
+          <a:p>
+            <a:endParaRPr lang="en-US" sz="2000" dirty="0">
               <a:latin typeface="Monaco"/>
               <a:cs typeface="Monaco"/>
             </a:endParaRPr>
           </a:p>
+          <a:p>
+            <a:r>
+              <a:rPr lang="en-US" sz="2000" dirty="0" smtClean="0">
+                <a:latin typeface="Monaco"/>
+                <a:cs typeface="Monaco"/>
+              </a:rPr>
+              <a:t># Loop over files that end with .txt</a:t>
+            </a:r>
+          </a:p>
+          <a:p>
+            <a:r>
+              <a:rPr lang="en-US" sz="2000" dirty="0" smtClean="0">
+                <a:latin typeface="Monaco"/>
+                <a:cs typeface="Monaco"/>
+              </a:rPr>
+              <a:t>for file in files:</a:t>
+            </a:r>
+          </a:p>
+          <a:p>
+            <a:r>
+              <a:rPr lang="en-US" sz="2000" dirty="0">
+                <a:latin typeface="Monaco"/>
+                <a:cs typeface="Monaco"/>
+              </a:rPr>
+              <a:t>	</a:t>
+            </a:r>
+            <a:r>
+              <a:rPr lang="en-US" sz="2000" dirty="0" smtClean="0">
+                <a:latin typeface="Monaco"/>
+                <a:cs typeface="Monaco"/>
+              </a:rPr>
+              <a:t>if </a:t>
+            </a:r>
+            <a:r>
+              <a:rPr lang="en-US" sz="2000" dirty="0" err="1" smtClean="0">
+                <a:latin typeface="Monaco"/>
+                <a:cs typeface="Monaco"/>
+              </a:rPr>
+              <a:t>file.endswith</a:t>
+            </a:r>
+            <a:r>
+              <a:rPr lang="en-US" sz="2000" dirty="0" smtClean="0">
+                <a:latin typeface="Monaco"/>
+                <a:cs typeface="Monaco"/>
+              </a:rPr>
+              <a:t>(".txt"):</a:t>
+            </a:r>
+          </a:p>
+          <a:p>
+            <a:r>
+              <a:rPr lang="en-US" sz="2000" dirty="0">
+                <a:latin typeface="Monaco"/>
+                <a:cs typeface="Monaco"/>
+              </a:rPr>
+              <a:t>	</a:t>
+            </a:r>
+            <a:r>
+              <a:rPr lang="en-US" sz="2000" dirty="0" smtClean="0">
+                <a:latin typeface="Monaco"/>
+                <a:cs typeface="Monaco"/>
+              </a:rPr>
+              <a:t>	</a:t>
+            </a:r>
+          </a:p>
+          <a:p>
+            <a:r>
+              <a:rPr lang="en-US" sz="2000" dirty="0">
+                <a:latin typeface="Monaco"/>
+                <a:cs typeface="Monaco"/>
+              </a:rPr>
+              <a:t>	</a:t>
+            </a:r>
+            <a:r>
+              <a:rPr lang="en-US" sz="2000" dirty="0" smtClean="0">
+                <a:latin typeface="Monaco"/>
+                <a:cs typeface="Monaco"/>
+              </a:rPr>
+              <a:t>	f = open(directory + file, "r")</a:t>
+            </a:r>
+          </a:p>
+          <a:p>
+            <a:r>
+              <a:rPr lang="en-US" sz="2000" dirty="0">
+                <a:latin typeface="Monaco"/>
+                <a:cs typeface="Monaco"/>
+              </a:rPr>
+              <a:t>	</a:t>
+            </a:r>
+            <a:r>
+              <a:rPr lang="en-US" sz="2000" dirty="0" smtClean="0">
+                <a:latin typeface="Monaco"/>
+                <a:cs typeface="Monaco"/>
+              </a:rPr>
+              <a:t>	# do something with file</a:t>
+            </a:r>
+          </a:p>
+          <a:p>
+            <a:r>
+              <a:rPr lang="en-US" sz="2000" dirty="0">
+                <a:latin typeface="Monaco"/>
+                <a:cs typeface="Monaco"/>
+              </a:rPr>
+              <a:t>	</a:t>
+            </a:r>
+            <a:r>
+              <a:rPr lang="en-US" sz="2000" dirty="0" smtClean="0">
+                <a:latin typeface="Monaco"/>
+                <a:cs typeface="Monaco"/>
+              </a:rPr>
+              <a:t>	</a:t>
+            </a:r>
+            <a:r>
+              <a:rPr lang="en-US" sz="2000" dirty="0" err="1" smtClean="0">
+                <a:latin typeface="Monaco"/>
+                <a:cs typeface="Monaco"/>
+              </a:rPr>
+              <a:t>f.close</a:t>
+            </a:r>
+            <a:r>
+              <a:rPr lang="en-US" sz="2000" dirty="0" smtClean="0">
+                <a:latin typeface="Monaco"/>
+                <a:cs typeface="Monaco"/>
+              </a:rPr>
+              <a:t>()</a:t>
+            </a:r>
+            <a:endParaRPr lang="en-US" sz="2000" dirty="0">
+              <a:latin typeface="Monaco"/>
+              <a:cs typeface="Monaco"/>
+            </a:endParaRPr>
+          </a:p>
+          <a:p>
+            <a:endParaRPr lang="en-US" sz="2000" dirty="0">
+              <a:latin typeface="Monaco"/>
+              <a:cs typeface="Monaco"/>
+            </a:endParaRPr>
+          </a:p>
         </p:txBody>
       </p:sp>
     </p:spTree>
     <p:extLst>
       <p:ext uri="{BB962C8B-B14F-4D97-AF65-F5344CB8AC3E}">
-        <p14:creationId xmlns:p14="http://schemas.microsoft.com/office/powerpoint/2010/main" val="440331794"/>
+        <p14:creationId xmlns:p14="http://schemas.microsoft.com/office/powerpoint/2010/main" val="2452201177"/>
       </p:ext>
     </p:extLst>
   </p:cSld>
